--- a/Documents/High fidelity wireframe.pptx
+++ b/Documents/High fidelity wireframe.pptx
@@ -5,13 +5,20 @@
     <p:sldMasterId id="2147483648" r:id="rId1"/>
   </p:sldMasterIdLst>
   <p:notesMasterIdLst>
-    <p:notesMasterId r:id="rId6"/>
+    <p:notesMasterId r:id="rId13"/>
   </p:notesMasterIdLst>
   <p:sldIdLst>
     <p:sldId id="259" r:id="rId2"/>
     <p:sldId id="256" r:id="rId3"/>
     <p:sldId id="257" r:id="rId4"/>
     <p:sldId id="258" r:id="rId5"/>
+    <p:sldId id="261" r:id="rId6"/>
+    <p:sldId id="260" r:id="rId7"/>
+    <p:sldId id="262" r:id="rId8"/>
+    <p:sldId id="263" r:id="rId9"/>
+    <p:sldId id="268" r:id="rId10"/>
+    <p:sldId id="269" r:id="rId11"/>
+    <p:sldId id="270" r:id="rId12"/>
   </p:sldIdLst>
   <p:sldSz cx="12192000" cy="6858000"/>
   <p:notesSz cx="6858000" cy="9144000"/>
@@ -200,7 +207,7 @@
           <a:p>
             <a:fld id="{93946E34-9270-254F-A0A2-D6C8C00E2DA3}" type="datetimeFigureOut">
               <a:rPr lang="en-US" smtClean="0"/>
-              <a:t>4/2/20</a:t>
+              <a:t>4/3/20</a:t>
             </a:fld>
             <a:endParaRPr lang="en-US"/>
           </a:p>
@@ -554,6 +561,180 @@
 </p:notes>
 </file>
 
+<file path=ppt/notesSlides/notesSlide2.xml><?xml version="1.0" encoding="utf-8"?>
+<p:notes xmlns:a="http://schemas.openxmlformats.org/drawingml/2006/main" xmlns:r="http://schemas.openxmlformats.org/officeDocument/2006/relationships" xmlns:p="http://schemas.openxmlformats.org/presentationml/2006/main">
+  <p:cSld>
+    <p:spTree>
+      <p:nvGrpSpPr>
+        <p:cNvPr id="1" name=""/>
+        <p:cNvGrpSpPr/>
+        <p:nvPr/>
+      </p:nvGrpSpPr>
+      <p:grpSpPr>
+        <a:xfrm>
+          <a:off x="0" y="0"/>
+          <a:ext cx="0" cy="0"/>
+          <a:chOff x="0" y="0"/>
+          <a:chExt cx="0" cy="0"/>
+        </a:xfrm>
+      </p:grpSpPr>
+      <p:sp>
+        <p:nvSpPr>
+          <p:cNvPr id="2" name="Slide Image Placeholder 1"/>
+          <p:cNvSpPr>
+            <a:spLocks noGrp="1" noRot="1" noChangeAspect="1"/>
+          </p:cNvSpPr>
+          <p:nvPr>
+            <p:ph type="sldImg"/>
+          </p:nvPr>
+        </p:nvSpPr>
+        <p:spPr/>
+      </p:sp>
+      <p:sp>
+        <p:nvSpPr>
+          <p:cNvPr id="3" name="Notes Placeholder 2"/>
+          <p:cNvSpPr>
+            <a:spLocks noGrp="1"/>
+          </p:cNvSpPr>
+          <p:nvPr>
+            <p:ph type="body" idx="1"/>
+          </p:nvPr>
+        </p:nvSpPr>
+        <p:spPr/>
+        <p:txBody>
+          <a:bodyPr/>
+          <a:lstStyle/>
+          <a:p>
+            <a:r>
+              <a:rPr lang="en-US" dirty="0"/>
+              <a:t>This would just be rows and columns of products and at the bottom there would be the same footer as the homepage</a:t>
+            </a:r>
+          </a:p>
+        </p:txBody>
+      </p:sp>
+      <p:sp>
+        <p:nvSpPr>
+          <p:cNvPr id="4" name="Slide Number Placeholder 3"/>
+          <p:cNvSpPr>
+            <a:spLocks noGrp="1"/>
+          </p:cNvSpPr>
+          <p:nvPr>
+            <p:ph type="sldNum" sz="quarter" idx="5"/>
+          </p:nvPr>
+        </p:nvSpPr>
+        <p:spPr/>
+        <p:txBody>
+          <a:bodyPr/>
+          <a:lstStyle/>
+          <a:p>
+            <a:fld id="{773F63BB-0054-1845-9DA4-DF01D5A59FD3}" type="slidenum">
+              <a:rPr lang="en-US" smtClean="0"/>
+              <a:t>3</a:t>
+            </a:fld>
+            <a:endParaRPr lang="en-US"/>
+          </a:p>
+        </p:txBody>
+      </p:sp>
+    </p:spTree>
+    <p:extLst>
+      <p:ext uri="{BB962C8B-B14F-4D97-AF65-F5344CB8AC3E}">
+        <p14:creationId xmlns:p14="http://schemas.microsoft.com/office/powerpoint/2010/main" val="3649204075"/>
+      </p:ext>
+    </p:extLst>
+  </p:cSld>
+  <p:clrMapOvr>
+    <a:masterClrMapping/>
+  </p:clrMapOvr>
+</p:notes>
+</file>
+
+<file path=ppt/notesSlides/notesSlide3.xml><?xml version="1.0" encoding="utf-8"?>
+<p:notes xmlns:a="http://schemas.openxmlformats.org/drawingml/2006/main" xmlns:r="http://schemas.openxmlformats.org/officeDocument/2006/relationships" xmlns:p="http://schemas.openxmlformats.org/presentationml/2006/main">
+  <p:cSld>
+    <p:spTree>
+      <p:nvGrpSpPr>
+        <p:cNvPr id="1" name=""/>
+        <p:cNvGrpSpPr/>
+        <p:nvPr/>
+      </p:nvGrpSpPr>
+      <p:grpSpPr>
+        <a:xfrm>
+          <a:off x="0" y="0"/>
+          <a:ext cx="0" cy="0"/>
+          <a:chOff x="0" y="0"/>
+          <a:chExt cx="0" cy="0"/>
+        </a:xfrm>
+      </p:grpSpPr>
+      <p:sp>
+        <p:nvSpPr>
+          <p:cNvPr id="2" name="Slide Image Placeholder 1"/>
+          <p:cNvSpPr>
+            <a:spLocks noGrp="1" noRot="1" noChangeAspect="1"/>
+          </p:cNvSpPr>
+          <p:nvPr>
+            <p:ph type="sldImg"/>
+          </p:nvPr>
+        </p:nvSpPr>
+        <p:spPr/>
+      </p:sp>
+      <p:sp>
+        <p:nvSpPr>
+          <p:cNvPr id="3" name="Notes Placeholder 2"/>
+          <p:cNvSpPr>
+            <a:spLocks noGrp="1"/>
+          </p:cNvSpPr>
+          <p:nvPr>
+            <p:ph type="body" idx="1"/>
+          </p:nvPr>
+        </p:nvSpPr>
+        <p:spPr/>
+        <p:txBody>
+          <a:bodyPr/>
+          <a:lstStyle/>
+          <a:p>
+            <a:r>
+              <a:rPr lang="en-US" dirty="0"/>
+              <a:t>Continuation of homepage</a:t>
+            </a:r>
+          </a:p>
+        </p:txBody>
+      </p:sp>
+      <p:sp>
+        <p:nvSpPr>
+          <p:cNvPr id="4" name="Slide Number Placeholder 3"/>
+          <p:cNvSpPr>
+            <a:spLocks noGrp="1"/>
+          </p:cNvSpPr>
+          <p:nvPr>
+            <p:ph type="sldNum" sz="quarter" idx="5"/>
+          </p:nvPr>
+        </p:nvSpPr>
+        <p:spPr/>
+        <p:txBody>
+          <a:bodyPr/>
+          <a:lstStyle/>
+          <a:p>
+            <a:fld id="{773F63BB-0054-1845-9DA4-DF01D5A59FD3}" type="slidenum">
+              <a:rPr lang="en-US" smtClean="0"/>
+              <a:t>5</a:t>
+            </a:fld>
+            <a:endParaRPr lang="en-US"/>
+          </a:p>
+        </p:txBody>
+      </p:sp>
+    </p:spTree>
+    <p:extLst>
+      <p:ext uri="{BB962C8B-B14F-4D97-AF65-F5344CB8AC3E}">
+        <p14:creationId xmlns:p14="http://schemas.microsoft.com/office/powerpoint/2010/main" val="3431475400"/>
+      </p:ext>
+    </p:extLst>
+  </p:cSld>
+  <p:clrMapOvr>
+    <a:masterClrMapping/>
+  </p:clrMapOvr>
+</p:notes>
+</file>
+
 <file path=ppt/slideLayouts/slideLayout1.xml><?xml version="1.0" encoding="utf-8"?>
 <p:sldLayout xmlns:a="http://schemas.openxmlformats.org/drawingml/2006/main" xmlns:r="http://schemas.openxmlformats.org/officeDocument/2006/relationships" xmlns:p="http://schemas.openxmlformats.org/presentationml/2006/main" type="title" preserve="1">
   <p:cSld name="Title Slide">
@@ -701,7 +882,7 @@
           <a:p>
             <a:fld id="{52EE47CF-8F16-4E40-A347-FF38D18FF8E1}" type="datetimeFigureOut">
               <a:rPr lang="en-US" smtClean="0"/>
-              <a:t>4/2/20</a:t>
+              <a:t>4/3/20</a:t>
             </a:fld>
             <a:endParaRPr lang="en-US"/>
           </a:p>
@@ -899,7 +1080,7 @@
           <a:p>
             <a:fld id="{52EE47CF-8F16-4E40-A347-FF38D18FF8E1}" type="datetimeFigureOut">
               <a:rPr lang="en-US" smtClean="0"/>
-              <a:t>4/2/20</a:t>
+              <a:t>4/3/20</a:t>
             </a:fld>
             <a:endParaRPr lang="en-US"/>
           </a:p>
@@ -1107,7 +1288,7 @@
           <a:p>
             <a:fld id="{52EE47CF-8F16-4E40-A347-FF38D18FF8E1}" type="datetimeFigureOut">
               <a:rPr lang="en-US" smtClean="0"/>
-              <a:t>4/2/20</a:t>
+              <a:t>4/3/20</a:t>
             </a:fld>
             <a:endParaRPr lang="en-US"/>
           </a:p>
@@ -1305,7 +1486,7 @@
           <a:p>
             <a:fld id="{52EE47CF-8F16-4E40-A347-FF38D18FF8E1}" type="datetimeFigureOut">
               <a:rPr lang="en-US" smtClean="0"/>
-              <a:t>4/2/20</a:t>
+              <a:t>4/3/20</a:t>
             </a:fld>
             <a:endParaRPr lang="en-US"/>
           </a:p>
@@ -1580,7 +1761,7 @@
           <a:p>
             <a:fld id="{52EE47CF-8F16-4E40-A347-FF38D18FF8E1}" type="datetimeFigureOut">
               <a:rPr lang="en-US" smtClean="0"/>
-              <a:t>4/2/20</a:t>
+              <a:t>4/3/20</a:t>
             </a:fld>
             <a:endParaRPr lang="en-US"/>
           </a:p>
@@ -1845,7 +2026,7 @@
           <a:p>
             <a:fld id="{52EE47CF-8F16-4E40-A347-FF38D18FF8E1}" type="datetimeFigureOut">
               <a:rPr lang="en-US" smtClean="0"/>
-              <a:t>4/2/20</a:t>
+              <a:t>4/3/20</a:t>
             </a:fld>
             <a:endParaRPr lang="en-US"/>
           </a:p>
@@ -2257,7 +2438,7 @@
           <a:p>
             <a:fld id="{52EE47CF-8F16-4E40-A347-FF38D18FF8E1}" type="datetimeFigureOut">
               <a:rPr lang="en-US" smtClean="0"/>
-              <a:t>4/2/20</a:t>
+              <a:t>4/3/20</a:t>
             </a:fld>
             <a:endParaRPr lang="en-US"/>
           </a:p>
@@ -2398,7 +2579,7 @@
           <a:p>
             <a:fld id="{52EE47CF-8F16-4E40-A347-FF38D18FF8E1}" type="datetimeFigureOut">
               <a:rPr lang="en-US" smtClean="0"/>
-              <a:t>4/2/20</a:t>
+              <a:t>4/3/20</a:t>
             </a:fld>
             <a:endParaRPr lang="en-US"/>
           </a:p>
@@ -2511,7 +2692,7 @@
           <a:p>
             <a:fld id="{52EE47CF-8F16-4E40-A347-FF38D18FF8E1}" type="datetimeFigureOut">
               <a:rPr lang="en-US" smtClean="0"/>
-              <a:t>4/2/20</a:t>
+              <a:t>4/3/20</a:t>
             </a:fld>
             <a:endParaRPr lang="en-US"/>
           </a:p>
@@ -2822,7 +3003,7 @@
           <a:p>
             <a:fld id="{52EE47CF-8F16-4E40-A347-FF38D18FF8E1}" type="datetimeFigureOut">
               <a:rPr lang="en-US" smtClean="0"/>
-              <a:t>4/2/20</a:t>
+              <a:t>4/3/20</a:t>
             </a:fld>
             <a:endParaRPr lang="en-US"/>
           </a:p>
@@ -3110,7 +3291,7 @@
           <a:p>
             <a:fld id="{52EE47CF-8F16-4E40-A347-FF38D18FF8E1}" type="datetimeFigureOut">
               <a:rPr lang="en-US" smtClean="0"/>
-              <a:t>4/2/20</a:t>
+              <a:t>4/3/20</a:t>
             </a:fld>
             <a:endParaRPr lang="en-US"/>
           </a:p>
@@ -3351,7 +3532,7 @@
           <a:p>
             <a:fld id="{52EE47CF-8F16-4E40-A347-FF38D18FF8E1}" type="datetimeFigureOut">
               <a:rPr lang="en-US" smtClean="0"/>
-              <a:t>4/2/20</a:t>
+              <a:t>4/3/20</a:t>
             </a:fld>
             <a:endParaRPr lang="en-US"/>
           </a:p>
@@ -3813,7 +3994,11 @@
           <a:lstStyle/>
           <a:p>
             <a:pPr algn="ctr"/>
-            <a:endParaRPr lang="en-US"/>
+            <a:endParaRPr lang="en-US">
+              <a:latin typeface="Verdana" panose="020B0604030504040204" pitchFamily="34" charset="0"/>
+              <a:ea typeface="Verdana" panose="020B0604030504040204" pitchFamily="34" charset="0"/>
+              <a:cs typeface="Verdana" panose="020B0604030504040204" pitchFamily="34" charset="0"/>
+            </a:endParaRPr>
           </a:p>
         </p:txBody>
       </p:sp>
@@ -3861,7 +4046,7 @@
         </p:nvSpPr>
         <p:spPr>
           <a:xfrm>
-            <a:off x="6572250" y="272534"/>
+            <a:off x="6146007" y="272534"/>
             <a:ext cx="914400" cy="369332"/>
           </a:xfrm>
           <a:prstGeom prst="rect">
@@ -3900,7 +4085,7 @@
         </p:nvSpPr>
         <p:spPr>
           <a:xfrm>
-            <a:off x="7679530" y="284143"/>
+            <a:off x="7284671" y="294767"/>
             <a:ext cx="1214438" cy="369332"/>
           </a:xfrm>
           <a:prstGeom prst="rect">
@@ -3915,7 +4100,11 @@
           <a:lstStyle/>
           <a:p>
             <a:r>
-              <a:rPr lang="en-US" dirty="0"/>
+              <a:rPr lang="en-US" dirty="0">
+                <a:latin typeface="Verdana" panose="020B0604030504040204" pitchFamily="34" charset="0"/>
+                <a:ea typeface="Verdana" panose="020B0604030504040204" pitchFamily="34" charset="0"/>
+                <a:cs typeface="Verdana" panose="020B0604030504040204" pitchFamily="34" charset="0"/>
+              </a:rPr>
               <a:t>Products</a:t>
             </a:r>
           </a:p>
@@ -3935,8 +4124,8 @@
         </p:nvSpPr>
         <p:spPr>
           <a:xfrm>
-            <a:off x="9086849" y="272534"/>
-            <a:ext cx="1843089" cy="369332"/>
+            <a:off x="8459945" y="294767"/>
+            <a:ext cx="2332518" cy="369332"/>
           </a:xfrm>
           <a:prstGeom prst="rect">
             <a:avLst/>
@@ -3950,7 +4139,11 @@
           <a:lstStyle/>
           <a:p>
             <a:r>
-              <a:rPr lang="en-US" dirty="0"/>
+              <a:rPr lang="en-US" dirty="0">
+                <a:latin typeface="Verdana" panose="020B0604030504040204" pitchFamily="34" charset="0"/>
+                <a:ea typeface="Verdana" panose="020B0604030504040204" pitchFamily="34" charset="0"/>
+                <a:cs typeface="Verdana" panose="020B0604030504040204" pitchFamily="34" charset="0"/>
+              </a:rPr>
               <a:t>Store Information</a:t>
             </a:r>
           </a:p>
@@ -3970,7 +4163,7 @@
         </p:nvSpPr>
         <p:spPr>
           <a:xfrm>
-            <a:off x="10887074" y="296287"/>
+            <a:off x="10634662" y="306882"/>
             <a:ext cx="1557338" cy="369332"/>
           </a:xfrm>
           <a:prstGeom prst="rect">
@@ -3985,7 +4178,11 @@
           <a:lstStyle/>
           <a:p>
             <a:r>
-              <a:rPr lang="en-US" dirty="0"/>
+              <a:rPr lang="en-US" dirty="0">
+                <a:latin typeface="Verdana" panose="020B0604030504040204" pitchFamily="34" charset="0"/>
+                <a:ea typeface="Verdana" panose="020B0604030504040204" pitchFamily="34" charset="0"/>
+                <a:cs typeface="Verdana" panose="020B0604030504040204" pitchFamily="34" charset="0"/>
+              </a:rPr>
               <a:t>Contact Us!</a:t>
             </a:r>
           </a:p>
@@ -4006,7 +4203,7 @@
         <p:spPr>
           <a:xfrm>
             <a:off x="4870846" y="1188005"/>
-            <a:ext cx="2450307" cy="769441"/>
+            <a:ext cx="3209898" cy="769441"/>
           </a:xfrm>
           <a:prstGeom prst="rect">
             <a:avLst/>
@@ -4020,7 +4217,11 @@
           <a:lstStyle/>
           <a:p>
             <a:r>
-              <a:rPr lang="en-US" sz="4400" dirty="0"/>
+              <a:rPr lang="en-US" sz="4400" dirty="0">
+                <a:latin typeface="Verdana" panose="020B0604030504040204" pitchFamily="34" charset="0"/>
+                <a:ea typeface="Verdana" panose="020B0604030504040204" pitchFamily="34" charset="0"/>
+                <a:cs typeface="Verdana" panose="020B0604030504040204" pitchFamily="34" charset="0"/>
+              </a:rPr>
               <a:t>Welcome</a:t>
             </a:r>
           </a:p>
@@ -4055,24 +4256,40 @@
           <a:lstStyle/>
           <a:p>
             <a:r>
-              <a:rPr lang="en-US" dirty="0"/>
+              <a:rPr lang="en-US" dirty="0">
+                <a:latin typeface="Verdana" panose="020B0604030504040204" pitchFamily="34" charset="0"/>
+                <a:ea typeface="Verdana" panose="020B0604030504040204" pitchFamily="34" charset="0"/>
+                <a:cs typeface="Verdana" panose="020B0604030504040204" pitchFamily="34" charset="0"/>
+              </a:rPr>
               <a:t>Text Shall go here about the website! Text Shall go here about the website! Text Shall go here about the website!</a:t>
             </a:r>
           </a:p>
           <a:p>
             <a:r>
-              <a:rPr lang="en-US" dirty="0"/>
+              <a:rPr lang="en-US" dirty="0">
+                <a:latin typeface="Verdana" panose="020B0604030504040204" pitchFamily="34" charset="0"/>
+                <a:ea typeface="Verdana" panose="020B0604030504040204" pitchFamily="34" charset="0"/>
+                <a:cs typeface="Verdana" panose="020B0604030504040204" pitchFamily="34" charset="0"/>
+              </a:rPr>
               <a:t>Text Shall go here about the website! Text Shall go here about the website!</a:t>
             </a:r>
           </a:p>
           <a:p>
             <a:r>
-              <a:rPr lang="en-US" dirty="0"/>
+              <a:rPr lang="en-US" dirty="0">
+                <a:latin typeface="Verdana" panose="020B0604030504040204" pitchFamily="34" charset="0"/>
+                <a:ea typeface="Verdana" panose="020B0604030504040204" pitchFamily="34" charset="0"/>
+                <a:cs typeface="Verdana" panose="020B0604030504040204" pitchFamily="34" charset="0"/>
+              </a:rPr>
               <a:t>Text Shall go here about the website!</a:t>
             </a:r>
           </a:p>
           <a:p>
-            <a:endParaRPr lang="en-US" dirty="0"/>
+            <a:endParaRPr lang="en-US" dirty="0">
+              <a:latin typeface="Verdana" panose="020B0604030504040204" pitchFamily="34" charset="0"/>
+              <a:ea typeface="Verdana" panose="020B0604030504040204" pitchFamily="34" charset="0"/>
+              <a:cs typeface="Verdana" panose="020B0604030504040204" pitchFamily="34" charset="0"/>
+            </a:endParaRPr>
           </a:p>
         </p:txBody>
       </p:sp>
@@ -4121,7 +4338,11 @@
           <a:lstStyle/>
           <a:p>
             <a:pPr algn="ctr"/>
-            <a:endParaRPr lang="en-US"/>
+            <a:endParaRPr lang="en-US">
+              <a:latin typeface="Verdana" panose="020B0604030504040204" pitchFamily="34" charset="0"/>
+              <a:ea typeface="Verdana" panose="020B0604030504040204" pitchFamily="34" charset="0"/>
+              <a:cs typeface="Verdana" panose="020B0604030504040204" pitchFamily="34" charset="0"/>
+            </a:endParaRPr>
           </a:p>
         </p:txBody>
       </p:sp>
@@ -4178,6 +4399,9 @@
                   <a:lumMod val="50000"/>
                 </a:schemeClr>
               </a:solidFill>
+              <a:latin typeface="Verdana" panose="020B0604030504040204" pitchFamily="34" charset="0"/>
+              <a:ea typeface="Verdana" panose="020B0604030504040204" pitchFamily="34" charset="0"/>
+              <a:cs typeface="Verdana" panose="020B0604030504040204" pitchFamily="34" charset="0"/>
             </a:endParaRPr>
           </a:p>
         </p:txBody>
@@ -4211,7 +4435,11 @@
           <a:lstStyle/>
           <a:p>
             <a:r>
-              <a:rPr lang="en-US" dirty="0"/>
+              <a:rPr lang="en-US" dirty="0">
+                <a:latin typeface="Verdana" panose="020B0604030504040204" pitchFamily="34" charset="0"/>
+                <a:ea typeface="Verdana" panose="020B0604030504040204" pitchFamily="34" charset="0"/>
+                <a:cs typeface="Verdana" panose="020B0604030504040204" pitchFamily="34" charset="0"/>
+              </a:rPr>
               <a:t>Google Map</a:t>
             </a:r>
           </a:p>
@@ -4221,6 +4449,1195 @@
     <p:extLst>
       <p:ext uri="{BB962C8B-B14F-4D97-AF65-F5344CB8AC3E}">
         <p14:creationId xmlns:p14="http://schemas.microsoft.com/office/powerpoint/2010/main" val="3481863065"/>
+      </p:ext>
+    </p:extLst>
+  </p:cSld>
+  <p:clrMapOvr>
+    <a:masterClrMapping/>
+  </p:clrMapOvr>
+</p:sld>
+</file>
+
+<file path=ppt/slides/slide10.xml><?xml version="1.0" encoding="utf-8"?>
+<p:sld xmlns:a="http://schemas.openxmlformats.org/drawingml/2006/main" xmlns:r="http://schemas.openxmlformats.org/officeDocument/2006/relationships" xmlns:p="http://schemas.openxmlformats.org/presentationml/2006/main">
+  <p:cSld>
+    <p:spTree>
+      <p:nvGrpSpPr>
+        <p:cNvPr id="1" name=""/>
+        <p:cNvGrpSpPr/>
+        <p:nvPr/>
+      </p:nvGrpSpPr>
+      <p:grpSpPr>
+        <a:xfrm>
+          <a:off x="0" y="0"/>
+          <a:ext cx="0" cy="0"/>
+          <a:chOff x="0" y="0"/>
+          <a:chExt cx="0" cy="0"/>
+        </a:xfrm>
+      </p:grpSpPr>
+      <p:sp>
+        <p:nvSpPr>
+          <p:cNvPr id="4" name="Rectangle 3">
+            <a:extLst>
+              <a:ext uri="{FF2B5EF4-FFF2-40B4-BE49-F238E27FC236}">
+                <a16:creationId xmlns:a16="http://schemas.microsoft.com/office/drawing/2014/main" id="{F1034EE4-BE12-3344-B31E-059F8DDE25CD}"/>
+              </a:ext>
+            </a:extLst>
+          </p:cNvPr>
+          <p:cNvSpPr/>
+          <p:nvPr/>
+        </p:nvSpPr>
+        <p:spPr>
+          <a:xfrm>
+            <a:off x="3821902" y="0"/>
+            <a:ext cx="3393281" cy="6858000"/>
+          </a:xfrm>
+          <a:prstGeom prst="rect">
+            <a:avLst/>
+          </a:prstGeom>
+          <a:solidFill>
+            <a:schemeClr val="bg1"/>
+          </a:solidFill>
+        </p:spPr>
+        <p:style>
+          <a:lnRef idx="2">
+            <a:schemeClr val="accent1">
+              <a:shade val="50000"/>
+            </a:schemeClr>
+          </a:lnRef>
+          <a:fillRef idx="1">
+            <a:schemeClr val="accent1"/>
+          </a:fillRef>
+          <a:effectRef idx="0">
+            <a:schemeClr val="accent1"/>
+          </a:effectRef>
+          <a:fontRef idx="minor">
+            <a:schemeClr val="lt1"/>
+          </a:fontRef>
+        </p:style>
+        <p:txBody>
+          <a:bodyPr rtlCol="0" anchor="ctr"/>
+          <a:lstStyle/>
+          <a:p>
+            <a:pPr algn="ctr"/>
+            <a:endParaRPr lang="en-US"/>
+          </a:p>
+        </p:txBody>
+      </p:sp>
+      <p:sp>
+        <p:nvSpPr>
+          <p:cNvPr id="6" name="Rectangle 5">
+            <a:extLst>
+              <a:ext uri="{FF2B5EF4-FFF2-40B4-BE49-F238E27FC236}">
+                <a16:creationId xmlns:a16="http://schemas.microsoft.com/office/drawing/2014/main" id="{681DE678-7797-FC43-961B-7C8F6B9F9321}"/>
+              </a:ext>
+            </a:extLst>
+          </p:cNvPr>
+          <p:cNvSpPr/>
+          <p:nvPr/>
+        </p:nvSpPr>
+        <p:spPr>
+          <a:xfrm>
+            <a:off x="3821906" y="6157912"/>
+            <a:ext cx="3393281" cy="700088"/>
+          </a:xfrm>
+          <a:prstGeom prst="rect">
+            <a:avLst/>
+          </a:prstGeom>
+          <a:solidFill>
+            <a:srgbClr val="29C4BE"/>
+          </a:solidFill>
+        </p:spPr>
+        <p:style>
+          <a:lnRef idx="2">
+            <a:schemeClr val="accent1">
+              <a:shade val="50000"/>
+            </a:schemeClr>
+          </a:lnRef>
+          <a:fillRef idx="1">
+            <a:schemeClr val="accent1"/>
+          </a:fillRef>
+          <a:effectRef idx="0">
+            <a:schemeClr val="accent1"/>
+          </a:effectRef>
+          <a:fontRef idx="minor">
+            <a:schemeClr val="lt1"/>
+          </a:fontRef>
+        </p:style>
+        <p:txBody>
+          <a:bodyPr rtlCol="0" anchor="ctr"/>
+          <a:lstStyle/>
+          <a:p>
+            <a:pPr algn="ctr"/>
+            <a:endParaRPr lang="en-US"/>
+          </a:p>
+        </p:txBody>
+      </p:sp>
+      <p:sp>
+        <p:nvSpPr>
+          <p:cNvPr id="8" name="TextBox 7">
+            <a:extLst>
+              <a:ext uri="{FF2B5EF4-FFF2-40B4-BE49-F238E27FC236}">
+                <a16:creationId xmlns:a16="http://schemas.microsoft.com/office/drawing/2014/main" id="{B073007F-A47D-4547-8066-73EA2E82240C}"/>
+              </a:ext>
+            </a:extLst>
+          </p:cNvPr>
+          <p:cNvSpPr txBox="1"/>
+          <p:nvPr/>
+        </p:nvSpPr>
+        <p:spPr>
+          <a:xfrm>
+            <a:off x="3821905" y="6323290"/>
+            <a:ext cx="3393281" cy="307777"/>
+          </a:xfrm>
+          <a:prstGeom prst="rect">
+            <a:avLst/>
+          </a:prstGeom>
+          <a:noFill/>
+        </p:spPr>
+        <p:txBody>
+          <a:bodyPr wrap="square" rtlCol="0">
+            <a:spAutoFit/>
+          </a:bodyPr>
+          <a:lstStyle/>
+          <a:p>
+            <a:r>
+              <a:rPr lang="en-US" sz="1400" dirty="0">
+                <a:latin typeface="Verdana" panose="020B0604030504040204" pitchFamily="34" charset="0"/>
+                <a:ea typeface="Verdana" panose="020B0604030504040204" pitchFamily="34" charset="0"/>
+                <a:cs typeface="Verdana" panose="020B0604030504040204" pitchFamily="34" charset="0"/>
+              </a:rPr>
+              <a:t> Home   Products   </a:t>
+            </a:r>
+            <a:r>
+              <a:rPr lang="en-US" sz="1400" u="sng" dirty="0">
+                <a:latin typeface="Verdana" panose="020B0604030504040204" pitchFamily="34" charset="0"/>
+                <a:ea typeface="Verdana" panose="020B0604030504040204" pitchFamily="34" charset="0"/>
+                <a:cs typeface="Verdana" panose="020B0604030504040204" pitchFamily="34" charset="0"/>
+              </a:rPr>
+              <a:t>Stores</a:t>
+            </a:r>
+            <a:r>
+              <a:rPr lang="en-US" sz="1400" dirty="0">
+                <a:latin typeface="Verdana" panose="020B0604030504040204" pitchFamily="34" charset="0"/>
+                <a:ea typeface="Verdana" panose="020B0604030504040204" pitchFamily="34" charset="0"/>
+                <a:cs typeface="Verdana" panose="020B0604030504040204" pitchFamily="34" charset="0"/>
+              </a:rPr>
+              <a:t>   Contact </a:t>
+            </a:r>
+          </a:p>
+        </p:txBody>
+      </p:sp>
+      <p:sp>
+        <p:nvSpPr>
+          <p:cNvPr id="9" name="Rectangle 8">
+            <a:extLst>
+              <a:ext uri="{FF2B5EF4-FFF2-40B4-BE49-F238E27FC236}">
+                <a16:creationId xmlns:a16="http://schemas.microsoft.com/office/drawing/2014/main" id="{27A29B62-EB77-354C-926C-72308FAFFB8A}"/>
+              </a:ext>
+            </a:extLst>
+          </p:cNvPr>
+          <p:cNvSpPr/>
+          <p:nvPr/>
+        </p:nvSpPr>
+        <p:spPr>
+          <a:xfrm>
+            <a:off x="3821904" y="0"/>
+            <a:ext cx="3393281" cy="700088"/>
+          </a:xfrm>
+          <a:prstGeom prst="rect">
+            <a:avLst/>
+          </a:prstGeom>
+          <a:solidFill>
+            <a:srgbClr val="29C4BE"/>
+          </a:solidFill>
+        </p:spPr>
+        <p:style>
+          <a:lnRef idx="2">
+            <a:schemeClr val="accent1">
+              <a:shade val="50000"/>
+            </a:schemeClr>
+          </a:lnRef>
+          <a:fillRef idx="1">
+            <a:schemeClr val="accent1"/>
+          </a:fillRef>
+          <a:effectRef idx="0">
+            <a:schemeClr val="accent1"/>
+          </a:effectRef>
+          <a:fontRef idx="minor">
+            <a:schemeClr val="lt1"/>
+          </a:fontRef>
+        </p:style>
+        <p:txBody>
+          <a:bodyPr rtlCol="0" anchor="ctr"/>
+          <a:lstStyle/>
+          <a:p>
+            <a:pPr algn="ctr"/>
+            <a:endParaRPr lang="en-US"/>
+          </a:p>
+        </p:txBody>
+      </p:sp>
+      <p:sp>
+        <p:nvSpPr>
+          <p:cNvPr id="10" name="Rectangle 9">
+            <a:extLst>
+              <a:ext uri="{FF2B5EF4-FFF2-40B4-BE49-F238E27FC236}">
+                <a16:creationId xmlns:a16="http://schemas.microsoft.com/office/drawing/2014/main" id="{8EC0FC19-D781-1F40-829A-22F858464BF5}"/>
+              </a:ext>
+            </a:extLst>
+          </p:cNvPr>
+          <p:cNvSpPr/>
+          <p:nvPr/>
+        </p:nvSpPr>
+        <p:spPr>
+          <a:xfrm>
+            <a:off x="5057772" y="0"/>
+            <a:ext cx="921543" cy="700088"/>
+          </a:xfrm>
+          <a:prstGeom prst="rect">
+            <a:avLst/>
+          </a:prstGeom>
+          <a:solidFill>
+            <a:schemeClr val="bg1">
+              <a:lumMod val="65000"/>
+            </a:schemeClr>
+          </a:solidFill>
+        </p:spPr>
+        <p:style>
+          <a:lnRef idx="2">
+            <a:schemeClr val="accent1">
+              <a:shade val="50000"/>
+            </a:schemeClr>
+          </a:lnRef>
+          <a:fillRef idx="1">
+            <a:schemeClr val="accent1"/>
+          </a:fillRef>
+          <a:effectRef idx="0">
+            <a:schemeClr val="accent1"/>
+          </a:effectRef>
+          <a:fontRef idx="minor">
+            <a:schemeClr val="lt1"/>
+          </a:fontRef>
+        </p:style>
+        <p:txBody>
+          <a:bodyPr rtlCol="0" anchor="ctr"/>
+          <a:lstStyle/>
+          <a:p>
+            <a:pPr algn="ctr"/>
+            <a:endParaRPr lang="en-US"/>
+          </a:p>
+        </p:txBody>
+      </p:sp>
+      <p:sp>
+        <p:nvSpPr>
+          <p:cNvPr id="11" name="TextBox 10">
+            <a:extLst>
+              <a:ext uri="{FF2B5EF4-FFF2-40B4-BE49-F238E27FC236}">
+                <a16:creationId xmlns:a16="http://schemas.microsoft.com/office/drawing/2014/main" id="{58776588-F9F8-3148-BFCF-C19C17787EBE}"/>
+              </a:ext>
+            </a:extLst>
+          </p:cNvPr>
+          <p:cNvSpPr txBox="1"/>
+          <p:nvPr/>
+        </p:nvSpPr>
+        <p:spPr>
+          <a:xfrm>
+            <a:off x="5225650" y="165378"/>
+            <a:ext cx="914400" cy="369332"/>
+          </a:xfrm>
+          <a:prstGeom prst="rect">
+            <a:avLst/>
+          </a:prstGeom>
+          <a:noFill/>
+        </p:spPr>
+        <p:txBody>
+          <a:bodyPr wrap="square" rtlCol="0">
+            <a:spAutoFit/>
+          </a:bodyPr>
+          <a:lstStyle/>
+          <a:p>
+            <a:r>
+              <a:rPr lang="en-US" dirty="0"/>
+              <a:t>logo</a:t>
+            </a:r>
+          </a:p>
+        </p:txBody>
+      </p:sp>
+      <p:sp>
+        <p:nvSpPr>
+          <p:cNvPr id="2" name="Rectangle 1">
+            <a:extLst>
+              <a:ext uri="{FF2B5EF4-FFF2-40B4-BE49-F238E27FC236}">
+                <a16:creationId xmlns:a16="http://schemas.microsoft.com/office/drawing/2014/main" id="{D6450AAC-A839-4841-9183-64FFA59118C0}"/>
+              </a:ext>
+            </a:extLst>
+          </p:cNvPr>
+          <p:cNvSpPr/>
+          <p:nvPr/>
+        </p:nvSpPr>
+        <p:spPr>
+          <a:xfrm>
+            <a:off x="4400551" y="1276766"/>
+            <a:ext cx="2285999" cy="2211886"/>
+          </a:xfrm>
+          <a:prstGeom prst="rect">
+            <a:avLst/>
+          </a:prstGeom>
+          <a:solidFill>
+            <a:schemeClr val="bg1">
+              <a:lumMod val="65000"/>
+            </a:schemeClr>
+          </a:solidFill>
+        </p:spPr>
+        <p:style>
+          <a:lnRef idx="2">
+            <a:schemeClr val="accent1">
+              <a:shade val="50000"/>
+            </a:schemeClr>
+          </a:lnRef>
+          <a:fillRef idx="1">
+            <a:schemeClr val="accent1"/>
+          </a:fillRef>
+          <a:effectRef idx="0">
+            <a:schemeClr val="accent1"/>
+          </a:effectRef>
+          <a:fontRef idx="minor">
+            <a:schemeClr val="lt1"/>
+          </a:fontRef>
+        </p:style>
+        <p:txBody>
+          <a:bodyPr rtlCol="0" anchor="ctr"/>
+          <a:lstStyle/>
+          <a:p>
+            <a:pPr algn="ctr"/>
+            <a:endParaRPr lang="en-US"/>
+          </a:p>
+        </p:txBody>
+      </p:sp>
+      <p:sp>
+        <p:nvSpPr>
+          <p:cNvPr id="3" name="TextBox 2">
+            <a:extLst>
+              <a:ext uri="{FF2B5EF4-FFF2-40B4-BE49-F238E27FC236}">
+                <a16:creationId xmlns:a16="http://schemas.microsoft.com/office/drawing/2014/main" id="{073E3082-B5C6-4A4F-90E5-E80A67C1550C}"/>
+              </a:ext>
+            </a:extLst>
+          </p:cNvPr>
+          <p:cNvSpPr txBox="1"/>
+          <p:nvPr/>
+        </p:nvSpPr>
+        <p:spPr>
+          <a:xfrm>
+            <a:off x="3921913" y="742056"/>
+            <a:ext cx="3521873" cy="461665"/>
+          </a:xfrm>
+          <a:prstGeom prst="rect">
+            <a:avLst/>
+          </a:prstGeom>
+          <a:noFill/>
+        </p:spPr>
+        <p:txBody>
+          <a:bodyPr wrap="square" rtlCol="0">
+            <a:spAutoFit/>
+          </a:bodyPr>
+          <a:lstStyle/>
+          <a:p>
+            <a:r>
+              <a:rPr lang="en-US" sz="2400" dirty="0"/>
+              <a:t>Visit out location Below!</a:t>
+            </a:r>
+          </a:p>
+        </p:txBody>
+      </p:sp>
+      <p:sp>
+        <p:nvSpPr>
+          <p:cNvPr id="5" name="TextBox 4">
+            <a:extLst>
+              <a:ext uri="{FF2B5EF4-FFF2-40B4-BE49-F238E27FC236}">
+                <a16:creationId xmlns:a16="http://schemas.microsoft.com/office/drawing/2014/main" id="{27FB8766-E0F4-C541-B54E-A832C00F868B}"/>
+              </a:ext>
+            </a:extLst>
+          </p:cNvPr>
+          <p:cNvSpPr txBox="1"/>
+          <p:nvPr/>
+        </p:nvSpPr>
+        <p:spPr>
+          <a:xfrm>
+            <a:off x="4600567" y="2198043"/>
+            <a:ext cx="2007398" cy="369332"/>
+          </a:xfrm>
+          <a:prstGeom prst="rect">
+            <a:avLst/>
+          </a:prstGeom>
+          <a:noFill/>
+        </p:spPr>
+        <p:txBody>
+          <a:bodyPr wrap="square" rtlCol="0">
+            <a:spAutoFit/>
+          </a:bodyPr>
+          <a:lstStyle/>
+          <a:p>
+            <a:r>
+              <a:rPr lang="en-US" dirty="0"/>
+              <a:t>Image of the store</a:t>
+            </a:r>
+          </a:p>
+        </p:txBody>
+      </p:sp>
+      <p:sp>
+        <p:nvSpPr>
+          <p:cNvPr id="12" name="TextBox 11">
+            <a:extLst>
+              <a:ext uri="{FF2B5EF4-FFF2-40B4-BE49-F238E27FC236}">
+                <a16:creationId xmlns:a16="http://schemas.microsoft.com/office/drawing/2014/main" id="{5B2C7FFA-797A-EC43-AD44-3A41B1AB6608}"/>
+              </a:ext>
+            </a:extLst>
+          </p:cNvPr>
+          <p:cNvSpPr txBox="1"/>
+          <p:nvPr/>
+        </p:nvSpPr>
+        <p:spPr>
+          <a:xfrm>
+            <a:off x="3921913" y="3669386"/>
+            <a:ext cx="2007398" cy="1200329"/>
+          </a:xfrm>
+          <a:prstGeom prst="rect">
+            <a:avLst/>
+          </a:prstGeom>
+          <a:noFill/>
+        </p:spPr>
+        <p:txBody>
+          <a:bodyPr wrap="square" rtlCol="0">
+            <a:spAutoFit/>
+          </a:bodyPr>
+          <a:lstStyle/>
+          <a:p>
+            <a:r>
+              <a:rPr lang="en-US" dirty="0"/>
+              <a:t>Address:</a:t>
+            </a:r>
+          </a:p>
+          <a:p>
+            <a:r>
+              <a:rPr lang="en-US" dirty="0"/>
+              <a:t>Hours:</a:t>
+            </a:r>
+          </a:p>
+          <a:p>
+            <a:r>
+              <a:rPr lang="en-US" dirty="0"/>
+              <a:t>Phone </a:t>
+            </a:r>
+            <a:r>
+              <a:rPr lang="en-US" dirty="0" err="1"/>
+              <a:t>Numer</a:t>
+            </a:r>
+            <a:r>
+              <a:rPr lang="en-US" dirty="0"/>
+              <a:t>:</a:t>
+            </a:r>
+          </a:p>
+          <a:p>
+            <a:r>
+              <a:rPr lang="en-US" dirty="0"/>
+              <a:t>Email:</a:t>
+            </a:r>
+          </a:p>
+        </p:txBody>
+      </p:sp>
+      <p:sp>
+        <p:nvSpPr>
+          <p:cNvPr id="14" name="Rectangle 13">
+            <a:extLst>
+              <a:ext uri="{FF2B5EF4-FFF2-40B4-BE49-F238E27FC236}">
+                <a16:creationId xmlns:a16="http://schemas.microsoft.com/office/drawing/2014/main" id="{6478F4E9-38C4-294E-B11A-02FBF4ADA839}"/>
+              </a:ext>
+            </a:extLst>
+          </p:cNvPr>
+          <p:cNvSpPr/>
+          <p:nvPr/>
+        </p:nvSpPr>
+        <p:spPr>
+          <a:xfrm>
+            <a:off x="4321966" y="5250657"/>
+            <a:ext cx="2285999" cy="907255"/>
+          </a:xfrm>
+          <a:prstGeom prst="rect">
+            <a:avLst/>
+          </a:prstGeom>
+          <a:solidFill>
+            <a:schemeClr val="bg1">
+              <a:lumMod val="65000"/>
+            </a:schemeClr>
+          </a:solidFill>
+        </p:spPr>
+        <p:style>
+          <a:lnRef idx="2">
+            <a:schemeClr val="accent1">
+              <a:shade val="50000"/>
+            </a:schemeClr>
+          </a:lnRef>
+          <a:fillRef idx="1">
+            <a:schemeClr val="accent1"/>
+          </a:fillRef>
+          <a:effectRef idx="0">
+            <a:schemeClr val="accent1"/>
+          </a:effectRef>
+          <a:fontRef idx="minor">
+            <a:schemeClr val="lt1"/>
+          </a:fontRef>
+        </p:style>
+        <p:txBody>
+          <a:bodyPr rtlCol="0" anchor="ctr"/>
+          <a:lstStyle/>
+          <a:p>
+            <a:pPr algn="ctr"/>
+            <a:endParaRPr lang="en-US"/>
+          </a:p>
+        </p:txBody>
+      </p:sp>
+      <p:sp>
+        <p:nvSpPr>
+          <p:cNvPr id="7" name="TextBox 6">
+            <a:extLst>
+              <a:ext uri="{FF2B5EF4-FFF2-40B4-BE49-F238E27FC236}">
+                <a16:creationId xmlns:a16="http://schemas.microsoft.com/office/drawing/2014/main" id="{47E7933D-A20C-5B41-9423-00D9705D8622}"/>
+              </a:ext>
+            </a:extLst>
+          </p:cNvPr>
+          <p:cNvSpPr txBox="1"/>
+          <p:nvPr/>
+        </p:nvSpPr>
+        <p:spPr>
+          <a:xfrm>
+            <a:off x="4250527" y="4959815"/>
+            <a:ext cx="2864644" cy="369332"/>
+          </a:xfrm>
+          <a:prstGeom prst="rect">
+            <a:avLst/>
+          </a:prstGeom>
+          <a:noFill/>
+        </p:spPr>
+        <p:txBody>
+          <a:bodyPr wrap="square" rtlCol="0">
+            <a:spAutoFit/>
+          </a:bodyPr>
+          <a:lstStyle/>
+          <a:p>
+            <a:r>
+              <a:rPr lang="en-US" dirty="0"/>
+              <a:t>Graph With Busy Hours</a:t>
+            </a:r>
+          </a:p>
+        </p:txBody>
+      </p:sp>
+    </p:spTree>
+    <p:extLst>
+      <p:ext uri="{BB962C8B-B14F-4D97-AF65-F5344CB8AC3E}">
+        <p14:creationId xmlns:p14="http://schemas.microsoft.com/office/powerpoint/2010/main" val="978349839"/>
+      </p:ext>
+    </p:extLst>
+  </p:cSld>
+  <p:clrMapOvr>
+    <a:masterClrMapping/>
+  </p:clrMapOvr>
+</p:sld>
+</file>
+
+<file path=ppt/slides/slide11.xml><?xml version="1.0" encoding="utf-8"?>
+<p:sld xmlns:a="http://schemas.openxmlformats.org/drawingml/2006/main" xmlns:r="http://schemas.openxmlformats.org/officeDocument/2006/relationships" xmlns:p="http://schemas.openxmlformats.org/presentationml/2006/main">
+  <p:cSld>
+    <p:spTree>
+      <p:nvGrpSpPr>
+        <p:cNvPr id="1" name=""/>
+        <p:cNvGrpSpPr/>
+        <p:nvPr/>
+      </p:nvGrpSpPr>
+      <p:grpSpPr>
+        <a:xfrm>
+          <a:off x="0" y="0"/>
+          <a:ext cx="0" cy="0"/>
+          <a:chOff x="0" y="0"/>
+          <a:chExt cx="0" cy="0"/>
+        </a:xfrm>
+      </p:grpSpPr>
+      <p:sp>
+        <p:nvSpPr>
+          <p:cNvPr id="4" name="Rectangle 3">
+            <a:extLst>
+              <a:ext uri="{FF2B5EF4-FFF2-40B4-BE49-F238E27FC236}">
+                <a16:creationId xmlns:a16="http://schemas.microsoft.com/office/drawing/2014/main" id="{F1034EE4-BE12-3344-B31E-059F8DDE25CD}"/>
+              </a:ext>
+            </a:extLst>
+          </p:cNvPr>
+          <p:cNvSpPr/>
+          <p:nvPr/>
+        </p:nvSpPr>
+        <p:spPr>
+          <a:xfrm>
+            <a:off x="3821906" y="0"/>
+            <a:ext cx="3393281" cy="6858000"/>
+          </a:xfrm>
+          <a:prstGeom prst="rect">
+            <a:avLst/>
+          </a:prstGeom>
+          <a:solidFill>
+            <a:schemeClr val="bg1"/>
+          </a:solidFill>
+        </p:spPr>
+        <p:style>
+          <a:lnRef idx="2">
+            <a:schemeClr val="accent1">
+              <a:shade val="50000"/>
+            </a:schemeClr>
+          </a:lnRef>
+          <a:fillRef idx="1">
+            <a:schemeClr val="accent1"/>
+          </a:fillRef>
+          <a:effectRef idx="0">
+            <a:schemeClr val="accent1"/>
+          </a:effectRef>
+          <a:fontRef idx="minor">
+            <a:schemeClr val="lt1"/>
+          </a:fontRef>
+        </p:style>
+        <p:txBody>
+          <a:bodyPr rtlCol="0" anchor="ctr"/>
+          <a:lstStyle/>
+          <a:p>
+            <a:pPr algn="ctr"/>
+            <a:endParaRPr lang="en-US"/>
+          </a:p>
+        </p:txBody>
+      </p:sp>
+      <p:sp>
+        <p:nvSpPr>
+          <p:cNvPr id="6" name="Rectangle 5">
+            <a:extLst>
+              <a:ext uri="{FF2B5EF4-FFF2-40B4-BE49-F238E27FC236}">
+                <a16:creationId xmlns:a16="http://schemas.microsoft.com/office/drawing/2014/main" id="{681DE678-7797-FC43-961B-7C8F6B9F9321}"/>
+              </a:ext>
+            </a:extLst>
+          </p:cNvPr>
+          <p:cNvSpPr/>
+          <p:nvPr/>
+        </p:nvSpPr>
+        <p:spPr>
+          <a:xfrm>
+            <a:off x="3821906" y="6157912"/>
+            <a:ext cx="3393281" cy="700088"/>
+          </a:xfrm>
+          <a:prstGeom prst="rect">
+            <a:avLst/>
+          </a:prstGeom>
+          <a:solidFill>
+            <a:srgbClr val="29C4BE"/>
+          </a:solidFill>
+        </p:spPr>
+        <p:style>
+          <a:lnRef idx="2">
+            <a:schemeClr val="accent1">
+              <a:shade val="50000"/>
+            </a:schemeClr>
+          </a:lnRef>
+          <a:fillRef idx="1">
+            <a:schemeClr val="accent1"/>
+          </a:fillRef>
+          <a:effectRef idx="0">
+            <a:schemeClr val="accent1"/>
+          </a:effectRef>
+          <a:fontRef idx="minor">
+            <a:schemeClr val="lt1"/>
+          </a:fontRef>
+        </p:style>
+        <p:txBody>
+          <a:bodyPr rtlCol="0" anchor="ctr"/>
+          <a:lstStyle/>
+          <a:p>
+            <a:pPr algn="ctr"/>
+            <a:endParaRPr lang="en-US"/>
+          </a:p>
+        </p:txBody>
+      </p:sp>
+      <p:sp>
+        <p:nvSpPr>
+          <p:cNvPr id="8" name="TextBox 7">
+            <a:extLst>
+              <a:ext uri="{FF2B5EF4-FFF2-40B4-BE49-F238E27FC236}">
+                <a16:creationId xmlns:a16="http://schemas.microsoft.com/office/drawing/2014/main" id="{B073007F-A47D-4547-8066-73EA2E82240C}"/>
+              </a:ext>
+            </a:extLst>
+          </p:cNvPr>
+          <p:cNvSpPr txBox="1"/>
+          <p:nvPr/>
+        </p:nvSpPr>
+        <p:spPr>
+          <a:xfrm>
+            <a:off x="3821905" y="6323290"/>
+            <a:ext cx="3393281" cy="307777"/>
+          </a:xfrm>
+          <a:prstGeom prst="rect">
+            <a:avLst/>
+          </a:prstGeom>
+          <a:noFill/>
+        </p:spPr>
+        <p:txBody>
+          <a:bodyPr wrap="square" rtlCol="0">
+            <a:spAutoFit/>
+          </a:bodyPr>
+          <a:lstStyle/>
+          <a:p>
+            <a:r>
+              <a:rPr lang="en-US" sz="1400" dirty="0">
+                <a:latin typeface="Verdana" panose="020B0604030504040204" pitchFamily="34" charset="0"/>
+                <a:ea typeface="Verdana" panose="020B0604030504040204" pitchFamily="34" charset="0"/>
+                <a:cs typeface="Verdana" panose="020B0604030504040204" pitchFamily="34" charset="0"/>
+              </a:rPr>
+              <a:t> Home   Products   Stores   </a:t>
+            </a:r>
+            <a:r>
+              <a:rPr lang="en-US" sz="1400" u="sng" dirty="0">
+                <a:latin typeface="Verdana" panose="020B0604030504040204" pitchFamily="34" charset="0"/>
+                <a:ea typeface="Verdana" panose="020B0604030504040204" pitchFamily="34" charset="0"/>
+                <a:cs typeface="Verdana" panose="020B0604030504040204" pitchFamily="34" charset="0"/>
+              </a:rPr>
+              <a:t>Contact</a:t>
+            </a:r>
+            <a:r>
+              <a:rPr lang="en-US" sz="1400" dirty="0">
+                <a:latin typeface="Verdana" panose="020B0604030504040204" pitchFamily="34" charset="0"/>
+                <a:ea typeface="Verdana" panose="020B0604030504040204" pitchFamily="34" charset="0"/>
+                <a:cs typeface="Verdana" panose="020B0604030504040204" pitchFamily="34" charset="0"/>
+              </a:rPr>
+              <a:t> </a:t>
+            </a:r>
+          </a:p>
+        </p:txBody>
+      </p:sp>
+      <p:sp>
+        <p:nvSpPr>
+          <p:cNvPr id="9" name="Rectangle 8">
+            <a:extLst>
+              <a:ext uri="{FF2B5EF4-FFF2-40B4-BE49-F238E27FC236}">
+                <a16:creationId xmlns:a16="http://schemas.microsoft.com/office/drawing/2014/main" id="{27A29B62-EB77-354C-926C-72308FAFFB8A}"/>
+              </a:ext>
+            </a:extLst>
+          </p:cNvPr>
+          <p:cNvSpPr/>
+          <p:nvPr/>
+        </p:nvSpPr>
+        <p:spPr>
+          <a:xfrm>
+            <a:off x="3821904" y="0"/>
+            <a:ext cx="3393281" cy="700088"/>
+          </a:xfrm>
+          <a:prstGeom prst="rect">
+            <a:avLst/>
+          </a:prstGeom>
+          <a:solidFill>
+            <a:srgbClr val="29C4BE"/>
+          </a:solidFill>
+        </p:spPr>
+        <p:style>
+          <a:lnRef idx="2">
+            <a:schemeClr val="accent1">
+              <a:shade val="50000"/>
+            </a:schemeClr>
+          </a:lnRef>
+          <a:fillRef idx="1">
+            <a:schemeClr val="accent1"/>
+          </a:fillRef>
+          <a:effectRef idx="0">
+            <a:schemeClr val="accent1"/>
+          </a:effectRef>
+          <a:fontRef idx="minor">
+            <a:schemeClr val="lt1"/>
+          </a:fontRef>
+        </p:style>
+        <p:txBody>
+          <a:bodyPr rtlCol="0" anchor="ctr"/>
+          <a:lstStyle/>
+          <a:p>
+            <a:pPr algn="ctr"/>
+            <a:endParaRPr lang="en-US"/>
+          </a:p>
+        </p:txBody>
+      </p:sp>
+      <p:sp>
+        <p:nvSpPr>
+          <p:cNvPr id="10" name="Rectangle 9">
+            <a:extLst>
+              <a:ext uri="{FF2B5EF4-FFF2-40B4-BE49-F238E27FC236}">
+                <a16:creationId xmlns:a16="http://schemas.microsoft.com/office/drawing/2014/main" id="{8EC0FC19-D781-1F40-829A-22F858464BF5}"/>
+              </a:ext>
+            </a:extLst>
+          </p:cNvPr>
+          <p:cNvSpPr/>
+          <p:nvPr/>
+        </p:nvSpPr>
+        <p:spPr>
+          <a:xfrm>
+            <a:off x="5057772" y="0"/>
+            <a:ext cx="921543" cy="700088"/>
+          </a:xfrm>
+          <a:prstGeom prst="rect">
+            <a:avLst/>
+          </a:prstGeom>
+          <a:solidFill>
+            <a:schemeClr val="bg1">
+              <a:lumMod val="65000"/>
+            </a:schemeClr>
+          </a:solidFill>
+        </p:spPr>
+        <p:style>
+          <a:lnRef idx="2">
+            <a:schemeClr val="accent1">
+              <a:shade val="50000"/>
+            </a:schemeClr>
+          </a:lnRef>
+          <a:fillRef idx="1">
+            <a:schemeClr val="accent1"/>
+          </a:fillRef>
+          <a:effectRef idx="0">
+            <a:schemeClr val="accent1"/>
+          </a:effectRef>
+          <a:fontRef idx="minor">
+            <a:schemeClr val="lt1"/>
+          </a:fontRef>
+        </p:style>
+        <p:txBody>
+          <a:bodyPr rtlCol="0" anchor="ctr"/>
+          <a:lstStyle/>
+          <a:p>
+            <a:pPr algn="ctr"/>
+            <a:endParaRPr lang="en-US"/>
+          </a:p>
+        </p:txBody>
+      </p:sp>
+      <p:sp>
+        <p:nvSpPr>
+          <p:cNvPr id="11" name="TextBox 10">
+            <a:extLst>
+              <a:ext uri="{FF2B5EF4-FFF2-40B4-BE49-F238E27FC236}">
+                <a16:creationId xmlns:a16="http://schemas.microsoft.com/office/drawing/2014/main" id="{58776588-F9F8-3148-BFCF-C19C17787EBE}"/>
+              </a:ext>
+            </a:extLst>
+          </p:cNvPr>
+          <p:cNvSpPr txBox="1"/>
+          <p:nvPr/>
+        </p:nvSpPr>
+        <p:spPr>
+          <a:xfrm>
+            <a:off x="5225650" y="165378"/>
+            <a:ext cx="914400" cy="369332"/>
+          </a:xfrm>
+          <a:prstGeom prst="rect">
+            <a:avLst/>
+          </a:prstGeom>
+          <a:noFill/>
+        </p:spPr>
+        <p:txBody>
+          <a:bodyPr wrap="square" rtlCol="0">
+            <a:spAutoFit/>
+          </a:bodyPr>
+          <a:lstStyle/>
+          <a:p>
+            <a:r>
+              <a:rPr lang="en-US" dirty="0"/>
+              <a:t>logo</a:t>
+            </a:r>
+          </a:p>
+        </p:txBody>
+      </p:sp>
+      <p:sp>
+        <p:nvSpPr>
+          <p:cNvPr id="2" name="TextBox 1">
+            <a:extLst>
+              <a:ext uri="{FF2B5EF4-FFF2-40B4-BE49-F238E27FC236}">
+                <a16:creationId xmlns:a16="http://schemas.microsoft.com/office/drawing/2014/main" id="{08F5D9EB-E179-874E-B97D-D5A6099C93F0}"/>
+              </a:ext>
+            </a:extLst>
+          </p:cNvPr>
+          <p:cNvSpPr txBox="1"/>
+          <p:nvPr/>
+        </p:nvSpPr>
+        <p:spPr>
+          <a:xfrm>
+            <a:off x="3864765" y="865466"/>
+            <a:ext cx="3307556" cy="2862322"/>
+          </a:xfrm>
+          <a:prstGeom prst="rect">
+            <a:avLst/>
+          </a:prstGeom>
+          <a:noFill/>
+        </p:spPr>
+        <p:txBody>
+          <a:bodyPr wrap="square" rtlCol="0">
+            <a:spAutoFit/>
+          </a:bodyPr>
+          <a:lstStyle/>
+          <a:p>
+            <a:pPr algn="ctr"/>
+            <a:r>
+              <a:rPr lang="en-US" dirty="0">
+                <a:latin typeface="Verdana" panose="020B0604030504040204" pitchFamily="34" charset="0"/>
+                <a:ea typeface="Verdana" panose="020B0604030504040204" pitchFamily="34" charset="0"/>
+                <a:cs typeface="Verdana" panose="020B0604030504040204" pitchFamily="34" charset="0"/>
+              </a:rPr>
+              <a:t>Name</a:t>
+            </a:r>
+          </a:p>
+          <a:p>
+            <a:r>
+              <a:rPr lang="en-US" dirty="0">
+                <a:latin typeface="Verdana" panose="020B0604030504040204" pitchFamily="34" charset="0"/>
+                <a:ea typeface="Verdana" panose="020B0604030504040204" pitchFamily="34" charset="0"/>
+                <a:cs typeface="Verdana" panose="020B0604030504040204" pitchFamily="34" charset="0"/>
+              </a:rPr>
+              <a:t>_____________________</a:t>
+            </a:r>
+          </a:p>
+          <a:p>
+            <a:pPr algn="ctr"/>
+            <a:r>
+              <a:rPr lang="en-US" dirty="0">
+                <a:latin typeface="Verdana" panose="020B0604030504040204" pitchFamily="34" charset="0"/>
+                <a:ea typeface="Verdana" panose="020B0604030504040204" pitchFamily="34" charset="0"/>
+                <a:cs typeface="Verdana" panose="020B0604030504040204" pitchFamily="34" charset="0"/>
+              </a:rPr>
+              <a:t>Address</a:t>
+            </a:r>
+          </a:p>
+          <a:p>
+            <a:pPr algn="ctr"/>
+            <a:r>
+              <a:rPr lang="en-US" dirty="0">
+                <a:latin typeface="Verdana" panose="020B0604030504040204" pitchFamily="34" charset="0"/>
+                <a:ea typeface="Verdana" panose="020B0604030504040204" pitchFamily="34" charset="0"/>
+                <a:cs typeface="Verdana" panose="020B0604030504040204" pitchFamily="34" charset="0"/>
+              </a:rPr>
+              <a:t>_____________________</a:t>
+            </a:r>
+          </a:p>
+          <a:p>
+            <a:pPr algn="ctr"/>
+            <a:r>
+              <a:rPr lang="en-US" dirty="0">
+                <a:latin typeface="Verdana" panose="020B0604030504040204" pitchFamily="34" charset="0"/>
+                <a:ea typeface="Verdana" panose="020B0604030504040204" pitchFamily="34" charset="0"/>
+                <a:cs typeface="Verdana" panose="020B0604030504040204" pitchFamily="34" charset="0"/>
+              </a:rPr>
+              <a:t>Phone Number</a:t>
+            </a:r>
+          </a:p>
+          <a:p>
+            <a:pPr algn="ctr"/>
+            <a:r>
+              <a:rPr lang="en-US" dirty="0">
+                <a:latin typeface="Verdana" panose="020B0604030504040204" pitchFamily="34" charset="0"/>
+                <a:ea typeface="Verdana" panose="020B0604030504040204" pitchFamily="34" charset="0"/>
+                <a:cs typeface="Verdana" panose="020B0604030504040204" pitchFamily="34" charset="0"/>
+              </a:rPr>
+              <a:t>_____________________</a:t>
+            </a:r>
+          </a:p>
+          <a:p>
+            <a:pPr algn="ctr"/>
+            <a:r>
+              <a:rPr lang="en-US" dirty="0">
+                <a:latin typeface="Verdana" panose="020B0604030504040204" pitchFamily="34" charset="0"/>
+                <a:ea typeface="Verdana" panose="020B0604030504040204" pitchFamily="34" charset="0"/>
+                <a:cs typeface="Verdana" panose="020B0604030504040204" pitchFamily="34" charset="0"/>
+              </a:rPr>
+              <a:t>Email</a:t>
+            </a:r>
+            <a:br>
+              <a:rPr lang="en-US" dirty="0">
+                <a:latin typeface="Verdana" panose="020B0604030504040204" pitchFamily="34" charset="0"/>
+                <a:ea typeface="Verdana" panose="020B0604030504040204" pitchFamily="34" charset="0"/>
+                <a:cs typeface="Verdana" panose="020B0604030504040204" pitchFamily="34" charset="0"/>
+              </a:rPr>
+            </a:br>
+            <a:r>
+              <a:rPr lang="en-US" dirty="0">
+                <a:latin typeface="Verdana" panose="020B0604030504040204" pitchFamily="34" charset="0"/>
+                <a:ea typeface="Verdana" panose="020B0604030504040204" pitchFamily="34" charset="0"/>
+                <a:cs typeface="Verdana" panose="020B0604030504040204" pitchFamily="34" charset="0"/>
+              </a:rPr>
+              <a:t>_____________________</a:t>
+            </a:r>
+          </a:p>
+          <a:p>
+            <a:pPr algn="ctr"/>
+            <a:r>
+              <a:rPr lang="en-US" dirty="0">
+                <a:latin typeface="Verdana" panose="020B0604030504040204" pitchFamily="34" charset="0"/>
+                <a:ea typeface="Verdana" panose="020B0604030504040204" pitchFamily="34" charset="0"/>
+                <a:cs typeface="Verdana" panose="020B0604030504040204" pitchFamily="34" charset="0"/>
+              </a:rPr>
+              <a:t>Would you like to join our mailing list </a:t>
+            </a:r>
+          </a:p>
+        </p:txBody>
+      </p:sp>
+      <p:sp>
+        <p:nvSpPr>
+          <p:cNvPr id="3" name="Rectangle 2">
+            <a:extLst>
+              <a:ext uri="{FF2B5EF4-FFF2-40B4-BE49-F238E27FC236}">
+                <a16:creationId xmlns:a16="http://schemas.microsoft.com/office/drawing/2014/main" id="{4C2E399E-D389-CD4B-AC4E-94462402572B}"/>
+              </a:ext>
+            </a:extLst>
+          </p:cNvPr>
+          <p:cNvSpPr/>
+          <p:nvPr/>
+        </p:nvSpPr>
+        <p:spPr>
+          <a:xfrm>
+            <a:off x="6279357" y="3428911"/>
+            <a:ext cx="178594" cy="165556"/>
+          </a:xfrm>
+          <a:prstGeom prst="rect">
+            <a:avLst/>
+          </a:prstGeom>
+          <a:solidFill>
+            <a:schemeClr val="bg1"/>
+          </a:solidFill>
+        </p:spPr>
+        <p:style>
+          <a:lnRef idx="2">
+            <a:schemeClr val="accent1">
+              <a:shade val="50000"/>
+            </a:schemeClr>
+          </a:lnRef>
+          <a:fillRef idx="1">
+            <a:schemeClr val="accent1"/>
+          </a:fillRef>
+          <a:effectRef idx="0">
+            <a:schemeClr val="accent1"/>
+          </a:effectRef>
+          <a:fontRef idx="minor">
+            <a:schemeClr val="lt1"/>
+          </a:fontRef>
+        </p:style>
+        <p:txBody>
+          <a:bodyPr rtlCol="0" anchor="ctr"/>
+          <a:lstStyle/>
+          <a:p>
+            <a:pPr algn="ctr"/>
+            <a:endParaRPr lang="en-US"/>
+          </a:p>
+        </p:txBody>
+      </p:sp>
+      <p:sp>
+        <p:nvSpPr>
+          <p:cNvPr id="5" name="Rectangle 4">
+            <a:extLst>
+              <a:ext uri="{FF2B5EF4-FFF2-40B4-BE49-F238E27FC236}">
+                <a16:creationId xmlns:a16="http://schemas.microsoft.com/office/drawing/2014/main" id="{3F23510B-256E-B44B-B325-8EB18B77FF15}"/>
+              </a:ext>
+            </a:extLst>
+          </p:cNvPr>
+          <p:cNvSpPr/>
+          <p:nvPr/>
+        </p:nvSpPr>
+        <p:spPr>
+          <a:xfrm>
+            <a:off x="4734515" y="3893166"/>
+            <a:ext cx="1568056" cy="635972"/>
+          </a:xfrm>
+          <a:prstGeom prst="rect">
+            <a:avLst/>
+          </a:prstGeom>
+          <a:solidFill>
+            <a:srgbClr val="29C4BE"/>
+          </a:solidFill>
+        </p:spPr>
+        <p:style>
+          <a:lnRef idx="2">
+            <a:schemeClr val="accent1">
+              <a:shade val="50000"/>
+            </a:schemeClr>
+          </a:lnRef>
+          <a:fillRef idx="1">
+            <a:schemeClr val="accent1"/>
+          </a:fillRef>
+          <a:effectRef idx="0">
+            <a:schemeClr val="accent1"/>
+          </a:effectRef>
+          <a:fontRef idx="minor">
+            <a:schemeClr val="lt1"/>
+          </a:fontRef>
+        </p:style>
+        <p:txBody>
+          <a:bodyPr rot="0" spcFirstLastPara="0" vertOverflow="overflow" horzOverflow="overflow" vert="horz" wrap="square" lIns="91440" tIns="45720" rIns="91440" bIns="45720" numCol="1" spcCol="0" rtlCol="0" fromWordArt="0" anchor="ctr" anchorCtr="0" forceAA="0" compatLnSpc="1">
+            <a:prstTxWarp prst="textNoShape">
+              <a:avLst/>
+            </a:prstTxWarp>
+            <a:noAutofit/>
+          </a:bodyPr>
+          <a:lstStyle/>
+          <a:p>
+            <a:pPr algn="ctr"/>
+            <a:endParaRPr lang="en-US">
+              <a:ln w="0"/>
+              <a:solidFill>
+                <a:schemeClr val="tx1"/>
+              </a:solidFill>
+              <a:effectLst>
+                <a:outerShdw blurRad="38100" dist="19050" dir="2700000" algn="tl" rotWithShape="0">
+                  <a:schemeClr val="dk1">
+                    <a:alpha val="40000"/>
+                  </a:schemeClr>
+                </a:outerShdw>
+              </a:effectLst>
+            </a:endParaRPr>
+          </a:p>
+        </p:txBody>
+      </p:sp>
+      <p:sp>
+        <p:nvSpPr>
+          <p:cNvPr id="7" name="TextBox 6">
+            <a:extLst>
+              <a:ext uri="{FF2B5EF4-FFF2-40B4-BE49-F238E27FC236}">
+                <a16:creationId xmlns:a16="http://schemas.microsoft.com/office/drawing/2014/main" id="{FEDC72C2-61EB-5040-BA57-6381DE4916CE}"/>
+              </a:ext>
+            </a:extLst>
+          </p:cNvPr>
+          <p:cNvSpPr txBox="1"/>
+          <p:nvPr/>
+        </p:nvSpPr>
+        <p:spPr>
+          <a:xfrm>
+            <a:off x="4872036" y="3980319"/>
+            <a:ext cx="1621627" cy="461665"/>
+          </a:xfrm>
+          <a:prstGeom prst="rect">
+            <a:avLst/>
+          </a:prstGeom>
+          <a:noFill/>
+        </p:spPr>
+        <p:txBody>
+          <a:bodyPr wrap="square" rtlCol="0">
+            <a:spAutoFit/>
+          </a:bodyPr>
+          <a:lstStyle/>
+          <a:p>
+            <a:r>
+              <a:rPr lang="en-US" sz="2400" dirty="0">
+                <a:latin typeface="Verdana" panose="020B0604030504040204" pitchFamily="34" charset="0"/>
+                <a:ea typeface="Verdana" panose="020B0604030504040204" pitchFamily="34" charset="0"/>
+                <a:cs typeface="Verdana" panose="020B0604030504040204" pitchFamily="34" charset="0"/>
+              </a:rPr>
+              <a:t>Submit</a:t>
+            </a:r>
+          </a:p>
+        </p:txBody>
+      </p:sp>
+    </p:spTree>
+    <p:extLst>
+      <p:ext uri="{BB962C8B-B14F-4D97-AF65-F5344CB8AC3E}">
+        <p14:creationId xmlns:p14="http://schemas.microsoft.com/office/powerpoint/2010/main" val="2874854001"/>
       </p:ext>
     </p:extLst>
   </p:cSld>
@@ -4261,7 +5678,7 @@
         </p:nvSpPr>
         <p:spPr>
           <a:xfrm>
-            <a:off x="0" y="-1"/>
+            <a:off x="0" y="6858"/>
             <a:ext cx="12192000" cy="1357313"/>
           </a:xfrm>
           <a:prstGeom prst="rect">
@@ -4292,7 +5709,11 @@
           <a:lstStyle/>
           <a:p>
             <a:pPr algn="ctr"/>
-            <a:endParaRPr lang="en-US"/>
+            <a:endParaRPr lang="en-US">
+              <a:latin typeface="Verdana" panose="020B0604030504040204" pitchFamily="34" charset="0"/>
+              <a:ea typeface="Verdana" panose="020B0604030504040204" pitchFamily="34" charset="0"/>
+              <a:cs typeface="Verdana" panose="020B0604030504040204" pitchFamily="34" charset="0"/>
+            </a:endParaRPr>
           </a:p>
         </p:txBody>
       </p:sp>
@@ -4325,29 +5746,49 @@
           <a:lstStyle/>
           <a:p>
             <a:r>
-              <a:rPr lang="en-US" dirty="0" err="1"/>
+              <a:rPr lang="en-US" dirty="0" err="1">
+                <a:latin typeface="Verdana" panose="020B0604030504040204" pitchFamily="34" charset="0"/>
+                <a:ea typeface="Verdana" panose="020B0604030504040204" pitchFamily="34" charset="0"/>
+                <a:cs typeface="Verdana" panose="020B0604030504040204" pitchFamily="34" charset="0"/>
+              </a:rPr>
               <a:t>Adress</a:t>
             </a:r>
             <a:r>
-              <a:rPr lang="en-US" dirty="0"/>
+              <a:rPr lang="en-US" dirty="0">
+                <a:latin typeface="Verdana" panose="020B0604030504040204" pitchFamily="34" charset="0"/>
+                <a:ea typeface="Verdana" panose="020B0604030504040204" pitchFamily="34" charset="0"/>
+                <a:cs typeface="Verdana" panose="020B0604030504040204" pitchFamily="34" charset="0"/>
+              </a:rPr>
               <a:t>:</a:t>
             </a:r>
           </a:p>
           <a:p>
             <a:r>
-              <a:rPr lang="en-US" dirty="0"/>
+              <a:rPr lang="en-US" dirty="0">
+                <a:latin typeface="Verdana" panose="020B0604030504040204" pitchFamily="34" charset="0"/>
+                <a:ea typeface="Verdana" panose="020B0604030504040204" pitchFamily="34" charset="0"/>
+                <a:cs typeface="Verdana" panose="020B0604030504040204" pitchFamily="34" charset="0"/>
+              </a:rPr>
               <a:t>Insert Address here</a:t>
             </a:r>
           </a:p>
           <a:p>
             <a:r>
-              <a:rPr lang="en-US" dirty="0"/>
+              <a:rPr lang="en-US" dirty="0">
+                <a:latin typeface="Verdana" panose="020B0604030504040204" pitchFamily="34" charset="0"/>
+                <a:ea typeface="Verdana" panose="020B0604030504040204" pitchFamily="34" charset="0"/>
+                <a:cs typeface="Verdana" panose="020B0604030504040204" pitchFamily="34" charset="0"/>
+              </a:rPr>
               <a:t>Hours:</a:t>
             </a:r>
           </a:p>
           <a:p>
             <a:r>
-              <a:rPr lang="en-US" dirty="0"/>
+              <a:rPr lang="en-US" dirty="0">
+                <a:latin typeface="Verdana" panose="020B0604030504040204" pitchFamily="34" charset="0"/>
+                <a:ea typeface="Verdana" panose="020B0604030504040204" pitchFamily="34" charset="0"/>
+                <a:cs typeface="Verdana" panose="020B0604030504040204" pitchFamily="34" charset="0"/>
+              </a:rPr>
               <a:t>Insert Hours Here</a:t>
             </a:r>
           </a:p>
@@ -4367,8 +5808,8 @@
         </p:nvSpPr>
         <p:spPr>
           <a:xfrm>
-            <a:off x="-2001839" y="50800"/>
-            <a:ext cx="1757363" cy="923330"/>
+            <a:off x="-1216026" y="85349"/>
+            <a:ext cx="1757363" cy="1200329"/>
           </a:xfrm>
           <a:prstGeom prst="rect">
             <a:avLst/>
@@ -4382,7 +5823,11 @@
           <a:lstStyle/>
           <a:p>
             <a:r>
-              <a:rPr lang="en-US" dirty="0"/>
+              <a:rPr lang="en-US" dirty="0">
+                <a:latin typeface="Verdana" panose="020B0604030504040204" pitchFamily="34" charset="0"/>
+                <a:ea typeface="Verdana" panose="020B0604030504040204" pitchFamily="34" charset="0"/>
+                <a:cs typeface="Verdana" panose="020B0604030504040204" pitchFamily="34" charset="0"/>
+              </a:rPr>
               <a:t>This is the continuation of the home page</a:t>
             </a:r>
           </a:p>
@@ -4428,10 +5873,10 @@
       </p:cxnSp>
       <p:sp>
         <p:nvSpPr>
-          <p:cNvPr id="14" name="TextBox 13">
-            <a:extLst>
-              <a:ext uri="{FF2B5EF4-FFF2-40B4-BE49-F238E27FC236}">
-                <a16:creationId xmlns:a16="http://schemas.microsoft.com/office/drawing/2014/main" id="{5D2F1028-6CD9-EF49-8903-25B3471333C1}"/>
+          <p:cNvPr id="15" name="TextBox 14">
+            <a:extLst>
+              <a:ext uri="{FF2B5EF4-FFF2-40B4-BE49-F238E27FC236}">
+                <a16:creationId xmlns:a16="http://schemas.microsoft.com/office/drawing/2014/main" id="{5DEE49B3-058D-4D4E-B268-C4F9EC6BF78E}"/>
               </a:ext>
             </a:extLst>
           </p:cNvPr>
@@ -4440,8 +5885,8 @@
         </p:nvSpPr>
         <p:spPr>
           <a:xfrm>
-            <a:off x="3039533" y="6053667"/>
-            <a:ext cx="6493933" cy="369332"/>
+            <a:off x="4588004" y="1613178"/>
+            <a:ext cx="3541583" cy="646331"/>
           </a:xfrm>
           <a:prstGeom prst="rect">
             <a:avLst/>
@@ -4455,43 +5900,12 @@
           <a:lstStyle/>
           <a:p>
             <a:r>
-              <a:rPr lang="en-US" dirty="0"/>
-              <a:t>@Blue Monkey Tea | Home | Careers | check out our old website! </a:t>
-            </a:r>
-          </a:p>
-        </p:txBody>
-      </p:sp>
-      <p:sp>
-        <p:nvSpPr>
-          <p:cNvPr id="15" name="TextBox 14">
-            <a:extLst>
-              <a:ext uri="{FF2B5EF4-FFF2-40B4-BE49-F238E27FC236}">
-                <a16:creationId xmlns:a16="http://schemas.microsoft.com/office/drawing/2014/main" id="{5DEE49B3-058D-4D4E-B268-C4F9EC6BF78E}"/>
-              </a:ext>
-            </a:extLst>
-          </p:cNvPr>
-          <p:cNvSpPr txBox="1"/>
-          <p:nvPr/>
-        </p:nvSpPr>
-        <p:spPr>
-          <a:xfrm>
-            <a:off x="3403732" y="1651000"/>
-            <a:ext cx="4758267" cy="646331"/>
-          </a:xfrm>
-          <a:prstGeom prst="rect">
-            <a:avLst/>
-          </a:prstGeom>
-          <a:noFill/>
-        </p:spPr>
-        <p:txBody>
-          <a:bodyPr wrap="square" rtlCol="0">
-            <a:spAutoFit/>
-          </a:bodyPr>
-          <a:lstStyle/>
-          <a:p>
-            <a:r>
-              <a:rPr lang="en-US" sz="3600" dirty="0"/>
-              <a:t>Best Selling Products</a:t>
+              <a:rPr lang="en-US" sz="3600" dirty="0">
+                <a:latin typeface="Verdana" panose="020B0604030504040204" pitchFamily="34" charset="0"/>
+                <a:ea typeface="Verdana" panose="020B0604030504040204" pitchFamily="34" charset="0"/>
+                <a:cs typeface="Verdana" panose="020B0604030504040204" pitchFamily="34" charset="0"/>
+              </a:rPr>
+              <a:t>Our Products</a:t>
             </a:r>
           </a:p>
         </p:txBody>
@@ -4543,7 +5957,11 @@
           <a:lstStyle/>
           <a:p>
             <a:pPr algn="ctr"/>
-            <a:endParaRPr lang="en-US"/>
+            <a:endParaRPr lang="en-US">
+              <a:latin typeface="Verdana" panose="020B0604030504040204" pitchFamily="34" charset="0"/>
+              <a:ea typeface="Verdana" panose="020B0604030504040204" pitchFamily="34" charset="0"/>
+              <a:cs typeface="Verdana" panose="020B0604030504040204" pitchFamily="34" charset="0"/>
+            </a:endParaRPr>
           </a:p>
         </p:txBody>
       </p:sp>
@@ -4594,7 +6012,11 @@
           <a:lstStyle/>
           <a:p>
             <a:pPr algn="ctr"/>
-            <a:endParaRPr lang="en-US"/>
+            <a:endParaRPr lang="en-US">
+              <a:latin typeface="Verdana" panose="020B0604030504040204" pitchFamily="34" charset="0"/>
+              <a:ea typeface="Verdana" panose="020B0604030504040204" pitchFamily="34" charset="0"/>
+              <a:cs typeface="Verdana" panose="020B0604030504040204" pitchFamily="34" charset="0"/>
+            </a:endParaRPr>
           </a:p>
         </p:txBody>
       </p:sp>
@@ -4645,7 +6067,11 @@
           <a:lstStyle/>
           <a:p>
             <a:pPr algn="ctr"/>
-            <a:endParaRPr lang="en-US"/>
+            <a:endParaRPr lang="en-US">
+              <a:latin typeface="Verdana" panose="020B0604030504040204" pitchFamily="34" charset="0"/>
+              <a:ea typeface="Verdana" panose="020B0604030504040204" pitchFamily="34" charset="0"/>
+              <a:cs typeface="Verdana" panose="020B0604030504040204" pitchFamily="34" charset="0"/>
+            </a:endParaRPr>
           </a:p>
         </p:txBody>
       </p:sp>
@@ -4678,7 +6104,11 @@
           <a:lstStyle/>
           <a:p>
             <a:r>
-              <a:rPr lang="en-US" dirty="0"/>
+              <a:rPr lang="en-US" dirty="0">
+                <a:latin typeface="Verdana" panose="020B0604030504040204" pitchFamily="34" charset="0"/>
+                <a:ea typeface="Verdana" panose="020B0604030504040204" pitchFamily="34" charset="0"/>
+                <a:cs typeface="Verdana" panose="020B0604030504040204" pitchFamily="34" charset="0"/>
+              </a:rPr>
               <a:t>Product Name</a:t>
             </a:r>
           </a:p>
@@ -4713,7 +6143,11 @@
           <a:lstStyle/>
           <a:p>
             <a:r>
-              <a:rPr lang="en-US" dirty="0"/>
+              <a:rPr lang="en-US" dirty="0">
+                <a:latin typeface="Verdana" panose="020B0604030504040204" pitchFamily="34" charset="0"/>
+                <a:ea typeface="Verdana" panose="020B0604030504040204" pitchFamily="34" charset="0"/>
+                <a:cs typeface="Verdana" panose="020B0604030504040204" pitchFamily="34" charset="0"/>
+              </a:rPr>
               <a:t>Product Name</a:t>
             </a:r>
           </a:p>
@@ -4748,8 +6182,104 @@
           <a:lstStyle/>
           <a:p>
             <a:r>
-              <a:rPr lang="en-US" dirty="0"/>
+              <a:rPr lang="en-US" dirty="0">
+                <a:latin typeface="Verdana" panose="020B0604030504040204" pitchFamily="34" charset="0"/>
+                <a:ea typeface="Verdana" panose="020B0604030504040204" pitchFamily="34" charset="0"/>
+                <a:cs typeface="Verdana" panose="020B0604030504040204" pitchFamily="34" charset="0"/>
+              </a:rPr>
               <a:t>Product Name</a:t>
+            </a:r>
+          </a:p>
+        </p:txBody>
+      </p:sp>
+      <p:sp>
+        <p:nvSpPr>
+          <p:cNvPr id="22" name="Rectangle 21">
+            <a:extLst>
+              <a:ext uri="{FF2B5EF4-FFF2-40B4-BE49-F238E27FC236}">
+                <a16:creationId xmlns:a16="http://schemas.microsoft.com/office/drawing/2014/main" id="{2E6CC9EA-4E78-1D47-9122-5E9B636EA2B1}"/>
+              </a:ext>
+            </a:extLst>
+          </p:cNvPr>
+          <p:cNvSpPr/>
+          <p:nvPr/>
+        </p:nvSpPr>
+        <p:spPr>
+          <a:xfrm>
+            <a:off x="0" y="5768213"/>
+            <a:ext cx="12192000" cy="1089787"/>
+          </a:xfrm>
+          <a:prstGeom prst="rect">
+            <a:avLst/>
+          </a:prstGeom>
+          <a:solidFill>
+            <a:srgbClr val="29C4BE"/>
+          </a:solidFill>
+        </p:spPr>
+        <p:style>
+          <a:lnRef idx="2">
+            <a:schemeClr val="accent1">
+              <a:shade val="50000"/>
+            </a:schemeClr>
+          </a:lnRef>
+          <a:fillRef idx="1">
+            <a:schemeClr val="accent1"/>
+          </a:fillRef>
+          <a:effectRef idx="0">
+            <a:schemeClr val="accent1"/>
+          </a:effectRef>
+          <a:fontRef idx="minor">
+            <a:schemeClr val="lt1"/>
+          </a:fontRef>
+        </p:style>
+        <p:txBody>
+          <a:bodyPr rtlCol="0" anchor="ctr"/>
+          <a:lstStyle/>
+          <a:p>
+            <a:pPr algn="ctr"/>
+            <a:endParaRPr lang="en-US" dirty="0">
+              <a:latin typeface="Verdana" panose="020B0604030504040204" pitchFamily="34" charset="0"/>
+              <a:ea typeface="Verdana" panose="020B0604030504040204" pitchFamily="34" charset="0"/>
+              <a:cs typeface="Verdana" panose="020B0604030504040204" pitchFamily="34" charset="0"/>
+            </a:endParaRPr>
+          </a:p>
+        </p:txBody>
+      </p:sp>
+      <p:sp>
+        <p:nvSpPr>
+          <p:cNvPr id="14" name="TextBox 13">
+            <a:extLst>
+              <a:ext uri="{FF2B5EF4-FFF2-40B4-BE49-F238E27FC236}">
+                <a16:creationId xmlns:a16="http://schemas.microsoft.com/office/drawing/2014/main" id="{5D2F1028-6CD9-EF49-8903-25B3471333C1}"/>
+              </a:ext>
+            </a:extLst>
+          </p:cNvPr>
+          <p:cNvSpPr txBox="1"/>
+          <p:nvPr/>
+        </p:nvSpPr>
+        <p:spPr>
+          <a:xfrm>
+            <a:off x="2292814" y="6137545"/>
+            <a:ext cx="7833253" cy="369332"/>
+          </a:xfrm>
+          <a:prstGeom prst="rect">
+            <a:avLst/>
+          </a:prstGeom>
+          <a:noFill/>
+        </p:spPr>
+        <p:txBody>
+          <a:bodyPr wrap="square" rtlCol="0">
+            <a:spAutoFit/>
+          </a:bodyPr>
+          <a:lstStyle/>
+          <a:p>
+            <a:r>
+              <a:rPr lang="en-US" dirty="0">
+                <a:latin typeface="Verdana" panose="020B0604030504040204" pitchFamily="34" charset="0"/>
+                <a:ea typeface="Verdana" panose="020B0604030504040204" pitchFamily="34" charset="0"/>
+                <a:cs typeface="Verdana" panose="020B0604030504040204" pitchFamily="34" charset="0"/>
+              </a:rPr>
+              <a:t>@Blue Monkey Tea | Home | Careers | check out our old website! </a:t>
             </a:r>
           </a:p>
         </p:txBody>
@@ -4798,7 +6328,7 @@
         </p:nvSpPr>
         <p:spPr>
           <a:xfrm>
-            <a:off x="0" y="0"/>
+            <a:off x="0" y="-54380"/>
             <a:ext cx="12192001" cy="914400"/>
           </a:xfrm>
           <a:prstGeom prst="rect">
@@ -4829,7 +6359,11 @@
           <a:lstStyle/>
           <a:p>
             <a:pPr algn="ctr"/>
-            <a:endParaRPr lang="en-US"/>
+            <a:endParaRPr lang="en-US" dirty="0">
+              <a:latin typeface="Verdana" panose="020B0604030504040204" pitchFamily="34" charset="0"/>
+              <a:ea typeface="Verdana" panose="020B0604030504040204" pitchFamily="34" charset="0"/>
+              <a:cs typeface="Verdana" panose="020B0604030504040204" pitchFamily="34" charset="0"/>
+            </a:endParaRPr>
           </a:p>
         </p:txBody>
       </p:sp>
@@ -4848,14 +6382,14 @@
           <p:nvPr/>
         </p:nvPicPr>
         <p:blipFill>
-          <a:blip r:embed="rId2"/>
+          <a:blip r:embed="rId3"/>
           <a:stretch>
             <a:fillRect/>
           </a:stretch>
         </p:blipFill>
         <p:spPr>
           <a:xfrm>
-            <a:off x="114299" y="0"/>
+            <a:off x="104774" y="-67239"/>
             <a:ext cx="900114" cy="937619"/>
           </a:xfrm>
           <a:prstGeom prst="rect">
@@ -4877,7 +6411,7 @@
         </p:nvSpPr>
         <p:spPr>
           <a:xfrm>
-            <a:off x="6572250" y="272534"/>
+            <a:off x="6211490" y="295753"/>
             <a:ext cx="914400" cy="369332"/>
           </a:xfrm>
           <a:prstGeom prst="rect">
@@ -4916,7 +6450,7 @@
         </p:nvSpPr>
         <p:spPr>
           <a:xfrm>
-            <a:off x="7679530" y="284143"/>
+            <a:off x="7184825" y="295753"/>
             <a:ext cx="1214438" cy="369332"/>
           </a:xfrm>
           <a:prstGeom prst="rect">
@@ -4931,7 +6465,11 @@
           <a:lstStyle/>
           <a:p>
             <a:r>
-              <a:rPr lang="en-US" dirty="0"/>
+              <a:rPr lang="en-US" u="sng" dirty="0">
+                <a:latin typeface="Verdana" panose="020B0604030504040204" pitchFamily="34" charset="0"/>
+                <a:ea typeface="Verdana" panose="020B0604030504040204" pitchFamily="34" charset="0"/>
+                <a:cs typeface="Verdana" panose="020B0604030504040204" pitchFamily="34" charset="0"/>
+              </a:rPr>
               <a:t>Products</a:t>
             </a:r>
           </a:p>
@@ -4951,8 +6489,8 @@
         </p:nvSpPr>
         <p:spPr>
           <a:xfrm>
-            <a:off x="9086849" y="272534"/>
-            <a:ext cx="1843089" cy="369332"/>
+            <a:off x="8523448" y="295753"/>
+            <a:ext cx="2295259" cy="369332"/>
           </a:xfrm>
           <a:prstGeom prst="rect">
             <a:avLst/>
@@ -4966,7 +6504,11 @@
           <a:lstStyle/>
           <a:p>
             <a:r>
-              <a:rPr lang="en-US" dirty="0"/>
+              <a:rPr lang="en-US" dirty="0">
+                <a:latin typeface="Verdana" panose="020B0604030504040204" pitchFamily="34" charset="0"/>
+                <a:ea typeface="Verdana" panose="020B0604030504040204" pitchFamily="34" charset="0"/>
+                <a:cs typeface="Verdana" panose="020B0604030504040204" pitchFamily="34" charset="0"/>
+              </a:rPr>
               <a:t>Store Information</a:t>
             </a:r>
           </a:p>
@@ -4986,7 +6528,7 @@
         </p:nvSpPr>
         <p:spPr>
           <a:xfrm>
-            <a:off x="10887074" y="296287"/>
+            <a:off x="10765629" y="318972"/>
             <a:ext cx="1557338" cy="369332"/>
           </a:xfrm>
           <a:prstGeom prst="rect">
@@ -5001,9 +6543,509 @@
           <a:lstStyle/>
           <a:p>
             <a:r>
-              <a:rPr lang="en-US" dirty="0"/>
+              <a:rPr lang="en-US" dirty="0">
+                <a:latin typeface="Verdana" panose="020B0604030504040204" pitchFamily="34" charset="0"/>
+                <a:ea typeface="Verdana" panose="020B0604030504040204" pitchFamily="34" charset="0"/>
+                <a:cs typeface="Verdana" panose="020B0604030504040204" pitchFamily="34" charset="0"/>
+              </a:rPr>
               <a:t>Contact Us!</a:t>
             </a:r>
+          </a:p>
+        </p:txBody>
+      </p:sp>
+      <p:sp>
+        <p:nvSpPr>
+          <p:cNvPr id="2" name="TextBox 1">
+            <a:extLst>
+              <a:ext uri="{FF2B5EF4-FFF2-40B4-BE49-F238E27FC236}">
+                <a16:creationId xmlns:a16="http://schemas.microsoft.com/office/drawing/2014/main" id="{E6D1E0FE-4941-2943-895D-133B83C04052}"/>
+              </a:ext>
+            </a:extLst>
+          </p:cNvPr>
+          <p:cNvSpPr txBox="1"/>
+          <p:nvPr/>
+        </p:nvSpPr>
+        <p:spPr>
+          <a:xfrm>
+            <a:off x="4005594" y="1496934"/>
+            <a:ext cx="4180812" cy="461665"/>
+          </a:xfrm>
+          <a:prstGeom prst="rect">
+            <a:avLst/>
+          </a:prstGeom>
+          <a:noFill/>
+        </p:spPr>
+        <p:txBody>
+          <a:bodyPr wrap="square" rtlCol="0">
+            <a:spAutoFit/>
+          </a:bodyPr>
+          <a:lstStyle/>
+          <a:p>
+            <a:r>
+              <a:rPr lang="en-US" sz="2400" u="sng" dirty="0">
+                <a:latin typeface="Verdana" panose="020B0604030504040204" pitchFamily="34" charset="0"/>
+                <a:ea typeface="Verdana" panose="020B0604030504040204" pitchFamily="34" charset="0"/>
+                <a:cs typeface="Verdana" panose="020B0604030504040204" pitchFamily="34" charset="0"/>
+              </a:rPr>
+              <a:t>Tea</a:t>
+            </a:r>
+            <a:r>
+              <a:rPr lang="en-US" sz="2400" dirty="0">
+                <a:latin typeface="Verdana" panose="020B0604030504040204" pitchFamily="34" charset="0"/>
+                <a:ea typeface="Verdana" panose="020B0604030504040204" pitchFamily="34" charset="0"/>
+                <a:cs typeface="Verdana" panose="020B0604030504040204" pitchFamily="34" charset="0"/>
+              </a:rPr>
+              <a:t>			Coffee</a:t>
+            </a:r>
+          </a:p>
+        </p:txBody>
+      </p:sp>
+      <p:sp>
+        <p:nvSpPr>
+          <p:cNvPr id="10" name="Rectangle 9">
+            <a:extLst>
+              <a:ext uri="{FF2B5EF4-FFF2-40B4-BE49-F238E27FC236}">
+                <a16:creationId xmlns:a16="http://schemas.microsoft.com/office/drawing/2014/main" id="{5B0069FD-5EF6-174A-B246-7552B7CEC461}"/>
+              </a:ext>
+            </a:extLst>
+          </p:cNvPr>
+          <p:cNvSpPr/>
+          <p:nvPr/>
+        </p:nvSpPr>
+        <p:spPr>
+          <a:xfrm>
+            <a:off x="4734191" y="2205564"/>
+            <a:ext cx="2295259" cy="2366435"/>
+          </a:xfrm>
+          <a:prstGeom prst="rect">
+            <a:avLst/>
+          </a:prstGeom>
+          <a:solidFill>
+            <a:schemeClr val="bg1">
+              <a:lumMod val="65000"/>
+            </a:schemeClr>
+          </a:solidFill>
+        </p:spPr>
+        <p:style>
+          <a:lnRef idx="2">
+            <a:schemeClr val="accent1">
+              <a:shade val="50000"/>
+            </a:schemeClr>
+          </a:lnRef>
+          <a:fillRef idx="1">
+            <a:schemeClr val="accent1"/>
+          </a:fillRef>
+          <a:effectRef idx="0">
+            <a:schemeClr val="accent1"/>
+          </a:effectRef>
+          <a:fontRef idx="minor">
+            <a:schemeClr val="lt1"/>
+          </a:fontRef>
+        </p:style>
+        <p:txBody>
+          <a:bodyPr rtlCol="0" anchor="ctr"/>
+          <a:lstStyle/>
+          <a:p>
+            <a:pPr algn="ctr"/>
+            <a:endParaRPr lang="en-US">
+              <a:latin typeface="Verdana" panose="020B0604030504040204" pitchFamily="34" charset="0"/>
+              <a:ea typeface="Verdana" panose="020B0604030504040204" pitchFamily="34" charset="0"/>
+              <a:cs typeface="Verdana" panose="020B0604030504040204" pitchFamily="34" charset="0"/>
+            </a:endParaRPr>
+          </a:p>
+        </p:txBody>
+      </p:sp>
+      <p:sp>
+        <p:nvSpPr>
+          <p:cNvPr id="14" name="Rectangle 13">
+            <a:extLst>
+              <a:ext uri="{FF2B5EF4-FFF2-40B4-BE49-F238E27FC236}">
+                <a16:creationId xmlns:a16="http://schemas.microsoft.com/office/drawing/2014/main" id="{91447951-30D0-924B-BDDB-968898E5B8F4}"/>
+              </a:ext>
+            </a:extLst>
+          </p:cNvPr>
+          <p:cNvSpPr/>
+          <p:nvPr/>
+        </p:nvSpPr>
+        <p:spPr>
+          <a:xfrm>
+            <a:off x="9086849" y="2205564"/>
+            <a:ext cx="2295259" cy="2366435"/>
+          </a:xfrm>
+          <a:prstGeom prst="rect">
+            <a:avLst/>
+          </a:prstGeom>
+          <a:solidFill>
+            <a:schemeClr val="bg1">
+              <a:lumMod val="65000"/>
+            </a:schemeClr>
+          </a:solidFill>
+        </p:spPr>
+        <p:style>
+          <a:lnRef idx="2">
+            <a:schemeClr val="accent1">
+              <a:shade val="50000"/>
+            </a:schemeClr>
+          </a:lnRef>
+          <a:fillRef idx="1">
+            <a:schemeClr val="accent1"/>
+          </a:fillRef>
+          <a:effectRef idx="0">
+            <a:schemeClr val="accent1"/>
+          </a:effectRef>
+          <a:fontRef idx="minor">
+            <a:schemeClr val="lt1"/>
+          </a:fontRef>
+        </p:style>
+        <p:txBody>
+          <a:bodyPr rtlCol="0" anchor="ctr"/>
+          <a:lstStyle/>
+          <a:p>
+            <a:pPr algn="ctr"/>
+            <a:endParaRPr lang="en-US">
+              <a:latin typeface="Verdana" panose="020B0604030504040204" pitchFamily="34" charset="0"/>
+              <a:ea typeface="Verdana" panose="020B0604030504040204" pitchFamily="34" charset="0"/>
+              <a:cs typeface="Verdana" panose="020B0604030504040204" pitchFamily="34" charset="0"/>
+            </a:endParaRPr>
+          </a:p>
+        </p:txBody>
+      </p:sp>
+      <p:sp>
+        <p:nvSpPr>
+          <p:cNvPr id="15" name="Rectangle 14">
+            <a:extLst>
+              <a:ext uri="{FF2B5EF4-FFF2-40B4-BE49-F238E27FC236}">
+                <a16:creationId xmlns:a16="http://schemas.microsoft.com/office/drawing/2014/main" id="{323872FC-3930-B74F-8B0E-75780E0B42A8}"/>
+              </a:ext>
+            </a:extLst>
+          </p:cNvPr>
+          <p:cNvSpPr/>
+          <p:nvPr/>
+        </p:nvSpPr>
+        <p:spPr>
+          <a:xfrm>
+            <a:off x="554831" y="2205565"/>
+            <a:ext cx="2295259" cy="2366435"/>
+          </a:xfrm>
+          <a:prstGeom prst="rect">
+            <a:avLst/>
+          </a:prstGeom>
+          <a:solidFill>
+            <a:schemeClr val="bg1">
+              <a:lumMod val="65000"/>
+            </a:schemeClr>
+          </a:solidFill>
+        </p:spPr>
+        <p:style>
+          <a:lnRef idx="2">
+            <a:schemeClr val="accent1">
+              <a:shade val="50000"/>
+            </a:schemeClr>
+          </a:lnRef>
+          <a:fillRef idx="1">
+            <a:schemeClr val="accent1"/>
+          </a:fillRef>
+          <a:effectRef idx="0">
+            <a:schemeClr val="accent1"/>
+          </a:effectRef>
+          <a:fontRef idx="minor">
+            <a:schemeClr val="lt1"/>
+          </a:fontRef>
+        </p:style>
+        <p:txBody>
+          <a:bodyPr rtlCol="0" anchor="ctr"/>
+          <a:lstStyle/>
+          <a:p>
+            <a:pPr algn="ctr"/>
+            <a:endParaRPr lang="en-US">
+              <a:latin typeface="Verdana" panose="020B0604030504040204" pitchFamily="34" charset="0"/>
+              <a:ea typeface="Verdana" panose="020B0604030504040204" pitchFamily="34" charset="0"/>
+              <a:cs typeface="Verdana" panose="020B0604030504040204" pitchFamily="34" charset="0"/>
+            </a:endParaRPr>
+          </a:p>
+        </p:txBody>
+      </p:sp>
+      <p:sp>
+        <p:nvSpPr>
+          <p:cNvPr id="9" name="TextBox 8">
+            <a:extLst>
+              <a:ext uri="{FF2B5EF4-FFF2-40B4-BE49-F238E27FC236}">
+                <a16:creationId xmlns:a16="http://schemas.microsoft.com/office/drawing/2014/main" id="{B2C64F90-9E01-4D4E-9790-EEC1FF0CAE76}"/>
+              </a:ext>
+            </a:extLst>
+          </p:cNvPr>
+          <p:cNvSpPr txBox="1"/>
+          <p:nvPr/>
+        </p:nvSpPr>
+        <p:spPr>
+          <a:xfrm>
+            <a:off x="8409911" y="4712149"/>
+            <a:ext cx="3649133" cy="338554"/>
+          </a:xfrm>
+          <a:prstGeom prst="rect">
+            <a:avLst/>
+          </a:prstGeom>
+          <a:noFill/>
+        </p:spPr>
+        <p:txBody>
+          <a:bodyPr wrap="square" rtlCol="0">
+            <a:spAutoFit/>
+          </a:bodyPr>
+          <a:lstStyle/>
+          <a:p>
+            <a:pPr algn="ctr"/>
+            <a:r>
+              <a:rPr lang="en-US" sz="1600" dirty="0">
+                <a:latin typeface="Verdana" panose="020B0604030504040204" pitchFamily="34" charset="0"/>
+                <a:ea typeface="Verdana" panose="020B0604030504040204" pitchFamily="34" charset="0"/>
+                <a:cs typeface="Verdana" panose="020B0604030504040204" pitchFamily="34" charset="0"/>
+              </a:rPr>
+              <a:t>C tea</a:t>
+            </a:r>
+          </a:p>
+        </p:txBody>
+      </p:sp>
+      <p:sp>
+        <p:nvSpPr>
+          <p:cNvPr id="16" name="TextBox 15">
+            <a:extLst>
+              <a:ext uri="{FF2B5EF4-FFF2-40B4-BE49-F238E27FC236}">
+                <a16:creationId xmlns:a16="http://schemas.microsoft.com/office/drawing/2014/main" id="{60BD5D46-AC7D-DC4B-8339-E15C8F6BAECC}"/>
+              </a:ext>
+            </a:extLst>
+          </p:cNvPr>
+          <p:cNvSpPr txBox="1"/>
+          <p:nvPr/>
+        </p:nvSpPr>
+        <p:spPr>
+          <a:xfrm>
+            <a:off x="4262105" y="4649687"/>
+            <a:ext cx="3649133" cy="338554"/>
+          </a:xfrm>
+          <a:prstGeom prst="rect">
+            <a:avLst/>
+          </a:prstGeom>
+          <a:noFill/>
+        </p:spPr>
+        <p:txBody>
+          <a:bodyPr wrap="square" rtlCol="0">
+            <a:spAutoFit/>
+          </a:bodyPr>
+          <a:lstStyle/>
+          <a:p>
+            <a:pPr algn="ctr"/>
+            <a:r>
+              <a:rPr lang="en-US" sz="1600" dirty="0">
+                <a:latin typeface="Verdana" panose="020B0604030504040204" pitchFamily="34" charset="0"/>
+                <a:ea typeface="Verdana" panose="020B0604030504040204" pitchFamily="34" charset="0"/>
+                <a:cs typeface="Verdana" panose="020B0604030504040204" pitchFamily="34" charset="0"/>
+              </a:rPr>
+              <a:t>B tea</a:t>
+            </a:r>
+          </a:p>
+        </p:txBody>
+      </p:sp>
+      <p:sp>
+        <p:nvSpPr>
+          <p:cNvPr id="17" name="TextBox 16">
+            <a:extLst>
+              <a:ext uri="{FF2B5EF4-FFF2-40B4-BE49-F238E27FC236}">
+                <a16:creationId xmlns:a16="http://schemas.microsoft.com/office/drawing/2014/main" id="{C31907CF-339F-B947-B4AF-DD06A93A4639}"/>
+              </a:ext>
+            </a:extLst>
+          </p:cNvPr>
+          <p:cNvSpPr txBox="1"/>
+          <p:nvPr/>
+        </p:nvSpPr>
+        <p:spPr>
+          <a:xfrm>
+            <a:off x="1255179" y="4649687"/>
+            <a:ext cx="3649133" cy="338554"/>
+          </a:xfrm>
+          <a:prstGeom prst="rect">
+            <a:avLst/>
+          </a:prstGeom>
+          <a:noFill/>
+        </p:spPr>
+        <p:txBody>
+          <a:bodyPr wrap="square" rtlCol="0">
+            <a:spAutoFit/>
+          </a:bodyPr>
+          <a:lstStyle/>
+          <a:p>
+            <a:r>
+              <a:rPr lang="en-US" sz="1600" dirty="0">
+                <a:latin typeface="Verdana" panose="020B0604030504040204" pitchFamily="34" charset="0"/>
+                <a:ea typeface="Verdana" panose="020B0604030504040204" pitchFamily="34" charset="0"/>
+                <a:cs typeface="Verdana" panose="020B0604030504040204" pitchFamily="34" charset="0"/>
+              </a:rPr>
+              <a:t>A Tea</a:t>
+            </a:r>
+          </a:p>
+        </p:txBody>
+      </p:sp>
+      <p:sp>
+        <p:nvSpPr>
+          <p:cNvPr id="18" name="Rectangle 17">
+            <a:extLst>
+              <a:ext uri="{FF2B5EF4-FFF2-40B4-BE49-F238E27FC236}">
+                <a16:creationId xmlns:a16="http://schemas.microsoft.com/office/drawing/2014/main" id="{75E7112A-EE88-0748-B337-4FE3A6D0C556}"/>
+              </a:ext>
+            </a:extLst>
+          </p:cNvPr>
+          <p:cNvSpPr/>
+          <p:nvPr/>
+        </p:nvSpPr>
+        <p:spPr>
+          <a:xfrm>
+            <a:off x="554831" y="5674783"/>
+            <a:ext cx="2295259" cy="1183218"/>
+          </a:xfrm>
+          <a:prstGeom prst="rect">
+            <a:avLst/>
+          </a:prstGeom>
+          <a:solidFill>
+            <a:schemeClr val="bg1">
+              <a:lumMod val="65000"/>
+            </a:schemeClr>
+          </a:solidFill>
+        </p:spPr>
+        <p:style>
+          <a:lnRef idx="2">
+            <a:schemeClr val="accent1">
+              <a:shade val="50000"/>
+            </a:schemeClr>
+          </a:lnRef>
+          <a:fillRef idx="1">
+            <a:schemeClr val="accent1"/>
+          </a:fillRef>
+          <a:effectRef idx="0">
+            <a:schemeClr val="accent1"/>
+          </a:effectRef>
+          <a:fontRef idx="minor">
+            <a:schemeClr val="lt1"/>
+          </a:fontRef>
+        </p:style>
+        <p:txBody>
+          <a:bodyPr rtlCol="0" anchor="ctr"/>
+          <a:lstStyle/>
+          <a:p>
+            <a:pPr algn="ctr"/>
+            <a:endParaRPr lang="en-US">
+              <a:latin typeface="Verdana" panose="020B0604030504040204" pitchFamily="34" charset="0"/>
+              <a:ea typeface="Verdana" panose="020B0604030504040204" pitchFamily="34" charset="0"/>
+              <a:cs typeface="Verdana" panose="020B0604030504040204" pitchFamily="34" charset="0"/>
+            </a:endParaRPr>
+          </a:p>
+        </p:txBody>
+      </p:sp>
+      <p:sp>
+        <p:nvSpPr>
+          <p:cNvPr id="19" name="Rectangle 18">
+            <a:extLst>
+              <a:ext uri="{FF2B5EF4-FFF2-40B4-BE49-F238E27FC236}">
+                <a16:creationId xmlns:a16="http://schemas.microsoft.com/office/drawing/2014/main" id="{3D66EAF4-D478-374E-B94E-47D62DA394D1}"/>
+              </a:ext>
+            </a:extLst>
+          </p:cNvPr>
+          <p:cNvSpPr/>
+          <p:nvPr/>
+        </p:nvSpPr>
+        <p:spPr>
+          <a:xfrm>
+            <a:off x="4734191" y="5312895"/>
+            <a:ext cx="2295259" cy="1545106"/>
+          </a:xfrm>
+          <a:prstGeom prst="rect">
+            <a:avLst/>
+          </a:prstGeom>
+          <a:solidFill>
+            <a:schemeClr val="bg1">
+              <a:lumMod val="65000"/>
+            </a:schemeClr>
+          </a:solidFill>
+        </p:spPr>
+        <p:style>
+          <a:lnRef idx="2">
+            <a:schemeClr val="accent1">
+              <a:shade val="50000"/>
+            </a:schemeClr>
+          </a:lnRef>
+          <a:fillRef idx="1">
+            <a:schemeClr val="accent1"/>
+          </a:fillRef>
+          <a:effectRef idx="0">
+            <a:schemeClr val="accent1"/>
+          </a:effectRef>
+          <a:fontRef idx="minor">
+            <a:schemeClr val="lt1"/>
+          </a:fontRef>
+        </p:style>
+        <p:txBody>
+          <a:bodyPr rtlCol="0" anchor="ctr"/>
+          <a:lstStyle/>
+          <a:p>
+            <a:pPr algn="ctr"/>
+            <a:endParaRPr lang="en-US">
+              <a:latin typeface="Verdana" panose="020B0604030504040204" pitchFamily="34" charset="0"/>
+              <a:ea typeface="Verdana" panose="020B0604030504040204" pitchFamily="34" charset="0"/>
+              <a:cs typeface="Verdana" panose="020B0604030504040204" pitchFamily="34" charset="0"/>
+            </a:endParaRPr>
+          </a:p>
+        </p:txBody>
+      </p:sp>
+      <p:sp>
+        <p:nvSpPr>
+          <p:cNvPr id="20" name="Rectangle 19">
+            <a:extLst>
+              <a:ext uri="{FF2B5EF4-FFF2-40B4-BE49-F238E27FC236}">
+                <a16:creationId xmlns:a16="http://schemas.microsoft.com/office/drawing/2014/main" id="{FDA914F3-3412-3F43-B53F-920D16EC91F6}"/>
+              </a:ext>
+            </a:extLst>
+          </p:cNvPr>
+          <p:cNvSpPr/>
+          <p:nvPr/>
+        </p:nvSpPr>
+        <p:spPr>
+          <a:xfrm>
+            <a:off x="9086849" y="5674783"/>
+            <a:ext cx="2295259" cy="1183218"/>
+          </a:xfrm>
+          <a:prstGeom prst="rect">
+            <a:avLst/>
+          </a:prstGeom>
+          <a:solidFill>
+            <a:schemeClr val="bg1">
+              <a:lumMod val="65000"/>
+            </a:schemeClr>
+          </a:solidFill>
+        </p:spPr>
+        <p:style>
+          <a:lnRef idx="2">
+            <a:schemeClr val="accent1">
+              <a:shade val="50000"/>
+            </a:schemeClr>
+          </a:lnRef>
+          <a:fillRef idx="1">
+            <a:schemeClr val="accent1"/>
+          </a:fillRef>
+          <a:effectRef idx="0">
+            <a:schemeClr val="accent1"/>
+          </a:effectRef>
+          <a:fontRef idx="minor">
+            <a:schemeClr val="lt1"/>
+          </a:fontRef>
+        </p:style>
+        <p:txBody>
+          <a:bodyPr rtlCol="0" anchor="ctr"/>
+          <a:lstStyle/>
+          <a:p>
+            <a:pPr algn="ctr"/>
+            <a:endParaRPr lang="en-US">
+              <a:latin typeface="Verdana" panose="020B0604030504040204" pitchFamily="34" charset="0"/>
+              <a:ea typeface="Verdana" panose="020B0604030504040204" pitchFamily="34" charset="0"/>
+              <a:cs typeface="Verdana" panose="020B0604030504040204" pitchFamily="34" charset="0"/>
+            </a:endParaRPr>
           </a:p>
         </p:txBody>
       </p:sp>
@@ -5219,7 +7261,7 @@
           <a:lstStyle/>
           <a:p>
             <a:r>
-              <a:rPr lang="en-US" dirty="0"/>
+              <a:rPr lang="en-US" u="sng" dirty="0"/>
               <a:t>Store Information</a:t>
             </a:r>
           </a:p>
@@ -5260,10 +7302,2957 @@
           </a:p>
         </p:txBody>
       </p:sp>
+      <p:sp>
+        <p:nvSpPr>
+          <p:cNvPr id="2" name="TextBox 1">
+            <a:extLst>
+              <a:ext uri="{FF2B5EF4-FFF2-40B4-BE49-F238E27FC236}">
+                <a16:creationId xmlns:a16="http://schemas.microsoft.com/office/drawing/2014/main" id="{94E51F26-111B-2646-B3C5-0EF2074FE11E}"/>
+              </a:ext>
+            </a:extLst>
+          </p:cNvPr>
+          <p:cNvSpPr txBox="1"/>
+          <p:nvPr/>
+        </p:nvSpPr>
+        <p:spPr>
+          <a:xfrm>
+            <a:off x="4349352" y="1186934"/>
+            <a:ext cx="3493295" cy="646331"/>
+          </a:xfrm>
+          <a:prstGeom prst="rect">
+            <a:avLst/>
+          </a:prstGeom>
+          <a:noFill/>
+        </p:spPr>
+        <p:txBody>
+          <a:bodyPr wrap="square" rtlCol="0">
+            <a:spAutoFit/>
+          </a:bodyPr>
+          <a:lstStyle/>
+          <a:p>
+            <a:r>
+              <a:rPr lang="en-US" sz="3600" dirty="0"/>
+              <a:t>Store Information</a:t>
+            </a:r>
+          </a:p>
+        </p:txBody>
+      </p:sp>
+      <p:sp>
+        <p:nvSpPr>
+          <p:cNvPr id="3" name="TextBox 2">
+            <a:extLst>
+              <a:ext uri="{FF2B5EF4-FFF2-40B4-BE49-F238E27FC236}">
+                <a16:creationId xmlns:a16="http://schemas.microsoft.com/office/drawing/2014/main" id="{8CFF1383-E546-E340-933F-FA4C73993FF0}"/>
+              </a:ext>
+            </a:extLst>
+          </p:cNvPr>
+          <p:cNvSpPr txBox="1"/>
+          <p:nvPr/>
+        </p:nvSpPr>
+        <p:spPr>
+          <a:xfrm>
+            <a:off x="3920727" y="1833265"/>
+            <a:ext cx="4636294" cy="400110"/>
+          </a:xfrm>
+          <a:prstGeom prst="rect">
+            <a:avLst/>
+          </a:prstGeom>
+          <a:noFill/>
+        </p:spPr>
+        <p:txBody>
+          <a:bodyPr wrap="square" rtlCol="0">
+            <a:spAutoFit/>
+          </a:bodyPr>
+          <a:lstStyle/>
+          <a:p>
+            <a:r>
+              <a:rPr lang="en-US" sz="2000" dirty="0"/>
+              <a:t>Sorry but our Carnegie location is closed!</a:t>
+            </a:r>
+          </a:p>
+        </p:txBody>
+      </p:sp>
+      <p:sp>
+        <p:nvSpPr>
+          <p:cNvPr id="5" name="Rectangle 4">
+            <a:extLst>
+              <a:ext uri="{FF2B5EF4-FFF2-40B4-BE49-F238E27FC236}">
+                <a16:creationId xmlns:a16="http://schemas.microsoft.com/office/drawing/2014/main" id="{628E3767-90B4-DF49-BB70-92F0DC18C9B6}"/>
+              </a:ext>
+            </a:extLst>
+          </p:cNvPr>
+          <p:cNvSpPr/>
+          <p:nvPr/>
+        </p:nvSpPr>
+        <p:spPr>
+          <a:xfrm>
+            <a:off x="4349352" y="2336720"/>
+            <a:ext cx="3699272" cy="2921079"/>
+          </a:xfrm>
+          <a:prstGeom prst="rect">
+            <a:avLst/>
+          </a:prstGeom>
+          <a:solidFill>
+            <a:schemeClr val="bg1">
+              <a:lumMod val="65000"/>
+            </a:schemeClr>
+          </a:solidFill>
+        </p:spPr>
+        <p:style>
+          <a:lnRef idx="2">
+            <a:schemeClr val="accent1">
+              <a:shade val="50000"/>
+            </a:schemeClr>
+          </a:lnRef>
+          <a:fillRef idx="1">
+            <a:schemeClr val="accent1"/>
+          </a:fillRef>
+          <a:effectRef idx="0">
+            <a:schemeClr val="accent1"/>
+          </a:effectRef>
+          <a:fontRef idx="minor">
+            <a:schemeClr val="lt1"/>
+          </a:fontRef>
+        </p:style>
+        <p:txBody>
+          <a:bodyPr rtlCol="0" anchor="ctr"/>
+          <a:lstStyle/>
+          <a:p>
+            <a:pPr algn="ctr"/>
+            <a:endParaRPr lang="en-US"/>
+          </a:p>
+        </p:txBody>
+      </p:sp>
+      <p:sp>
+        <p:nvSpPr>
+          <p:cNvPr id="9" name="TextBox 8">
+            <a:extLst>
+              <a:ext uri="{FF2B5EF4-FFF2-40B4-BE49-F238E27FC236}">
+                <a16:creationId xmlns:a16="http://schemas.microsoft.com/office/drawing/2014/main" id="{39BF5EF3-FCE2-BB4D-9B93-24AC1BA48476}"/>
+              </a:ext>
+            </a:extLst>
+          </p:cNvPr>
+          <p:cNvSpPr txBox="1"/>
+          <p:nvPr/>
+        </p:nvSpPr>
+        <p:spPr>
+          <a:xfrm>
+            <a:off x="5281612" y="3286125"/>
+            <a:ext cx="1914524" cy="646331"/>
+          </a:xfrm>
+          <a:prstGeom prst="rect">
+            <a:avLst/>
+          </a:prstGeom>
+          <a:noFill/>
+        </p:spPr>
+        <p:txBody>
+          <a:bodyPr wrap="square" rtlCol="0">
+            <a:spAutoFit/>
+          </a:bodyPr>
+          <a:lstStyle/>
+          <a:p>
+            <a:r>
+              <a:rPr lang="en-US" dirty="0"/>
+              <a:t>Either Map or Store image</a:t>
+            </a:r>
+          </a:p>
+        </p:txBody>
+      </p:sp>
+      <p:graphicFrame>
+        <p:nvGraphicFramePr>
+          <p:cNvPr id="13" name="Table 12">
+            <a:extLst>
+              <a:ext uri="{FF2B5EF4-FFF2-40B4-BE49-F238E27FC236}">
+                <a16:creationId xmlns:a16="http://schemas.microsoft.com/office/drawing/2014/main" id="{5156EE9E-3278-B54E-957E-ADDFB8F7DE1A}"/>
+              </a:ext>
+            </a:extLst>
+          </p:cNvPr>
+          <p:cNvGraphicFramePr>
+            <a:graphicFrameLocks noGrp="1"/>
+          </p:cNvGraphicFramePr>
+          <p:nvPr>
+            <p:extLst>
+              <p:ext uri="{D42A27DB-BD31-4B8C-83A1-F6EECF244321}">
+                <p14:modId xmlns:p14="http://schemas.microsoft.com/office/powerpoint/2010/main" val="577780971"/>
+              </p:ext>
+            </p:extLst>
+          </p:nvPr>
+        </p:nvGraphicFramePr>
+        <p:xfrm>
+          <a:off x="1820070" y="4978479"/>
+          <a:ext cx="8188323" cy="1828800"/>
+        </p:xfrm>
+        <a:graphic>
+          <a:graphicData uri="http://schemas.openxmlformats.org/drawingml/2006/table">
+            <a:tbl>
+              <a:tblPr firstRow="1" bandRow="1">
+                <a:tableStyleId>{F2DE63D5-997A-4646-A377-4702673A728D}</a:tableStyleId>
+              </a:tblPr>
+              <a:tblGrid>
+                <a:gridCol w="2729441">
+                  <a:extLst>
+                    <a:ext uri="{9D8B030D-6E8A-4147-A177-3AD203B41FA5}">
+                      <a16:colId xmlns:a16="http://schemas.microsoft.com/office/drawing/2014/main" val="3105608774"/>
+                    </a:ext>
+                  </a:extLst>
+                </a:gridCol>
+                <a:gridCol w="2729441">
+                  <a:extLst>
+                    <a:ext uri="{9D8B030D-6E8A-4147-A177-3AD203B41FA5}">
+                      <a16:colId xmlns:a16="http://schemas.microsoft.com/office/drawing/2014/main" val="1165052536"/>
+                    </a:ext>
+                  </a:extLst>
+                </a:gridCol>
+                <a:gridCol w="2729441">
+                  <a:extLst>
+                    <a:ext uri="{9D8B030D-6E8A-4147-A177-3AD203B41FA5}">
+                      <a16:colId xmlns:a16="http://schemas.microsoft.com/office/drawing/2014/main" val="2282941463"/>
+                    </a:ext>
+                  </a:extLst>
+                </a:gridCol>
+              </a:tblGrid>
+              <a:tr h="221313">
+                <a:tc>
+                  <a:txBody>
+                    <a:bodyPr/>
+                    <a:lstStyle/>
+                    <a:p>
+                      <a:endParaRPr lang="en-US" dirty="0"/>
+                    </a:p>
+                  </a:txBody>
+                  <a:tcPr>
+                    <a:noFill/>
+                  </a:tcPr>
+                </a:tc>
+                <a:tc>
+                  <a:txBody>
+                    <a:bodyPr/>
+                    <a:lstStyle/>
+                    <a:p>
+                      <a:endParaRPr lang="en-US" dirty="0"/>
+                    </a:p>
+                  </a:txBody>
+                  <a:tcPr>
+                    <a:noFill/>
+                  </a:tcPr>
+                </a:tc>
+                <a:tc>
+                  <a:txBody>
+                    <a:bodyPr/>
+                    <a:lstStyle/>
+                    <a:p>
+                      <a:endParaRPr lang="en-US" dirty="0"/>
+                    </a:p>
+                  </a:txBody>
+                  <a:tcPr>
+                    <a:noFill/>
+                  </a:tcPr>
+                </a:tc>
+                <a:extLst>
+                  <a:ext uri="{0D108BD9-81ED-4DB2-BD59-A6C34878D82A}">
+                    <a16:rowId xmlns:a16="http://schemas.microsoft.com/office/drawing/2014/main" val="2832168247"/>
+                  </a:ext>
+                </a:extLst>
+              </a:tr>
+              <a:tr h="221313">
+                <a:tc>
+                  <a:txBody>
+                    <a:bodyPr/>
+                    <a:lstStyle/>
+                    <a:p>
+                      <a:r>
+                        <a:rPr lang="en-US" dirty="0"/>
+                        <a:t>Address</a:t>
+                      </a:r>
+                    </a:p>
+                  </a:txBody>
+                  <a:tcPr/>
+                </a:tc>
+                <a:tc>
+                  <a:txBody>
+                    <a:bodyPr/>
+                    <a:lstStyle/>
+                    <a:p>
+                      <a:endParaRPr lang="en-US" dirty="0"/>
+                    </a:p>
+                  </a:txBody>
+                  <a:tcPr/>
+                </a:tc>
+                <a:tc>
+                  <a:txBody>
+                    <a:bodyPr/>
+                    <a:lstStyle/>
+                    <a:p>
+                      <a:endParaRPr lang="en-US" dirty="0"/>
+                    </a:p>
+                  </a:txBody>
+                  <a:tcPr/>
+                </a:tc>
+                <a:extLst>
+                  <a:ext uri="{0D108BD9-81ED-4DB2-BD59-A6C34878D82A}">
+                    <a16:rowId xmlns:a16="http://schemas.microsoft.com/office/drawing/2014/main" val="1733251644"/>
+                  </a:ext>
+                </a:extLst>
+              </a:tr>
+              <a:tr h="221313">
+                <a:tc>
+                  <a:txBody>
+                    <a:bodyPr/>
+                    <a:lstStyle/>
+                    <a:p>
+                      <a:r>
+                        <a:rPr lang="en-US" dirty="0"/>
+                        <a:t>Hours</a:t>
+                      </a:r>
+                    </a:p>
+                  </a:txBody>
+                  <a:tcPr/>
+                </a:tc>
+                <a:tc>
+                  <a:txBody>
+                    <a:bodyPr/>
+                    <a:lstStyle/>
+                    <a:p>
+                      <a:endParaRPr lang="en-US" dirty="0"/>
+                    </a:p>
+                  </a:txBody>
+                  <a:tcPr/>
+                </a:tc>
+                <a:tc>
+                  <a:txBody>
+                    <a:bodyPr/>
+                    <a:lstStyle/>
+                    <a:p>
+                      <a:endParaRPr lang="en-US"/>
+                    </a:p>
+                  </a:txBody>
+                  <a:tcPr/>
+                </a:tc>
+                <a:extLst>
+                  <a:ext uri="{0D108BD9-81ED-4DB2-BD59-A6C34878D82A}">
+                    <a16:rowId xmlns:a16="http://schemas.microsoft.com/office/drawing/2014/main" val="933135307"/>
+                  </a:ext>
+                </a:extLst>
+              </a:tr>
+              <a:tr h="221313">
+                <a:tc>
+                  <a:txBody>
+                    <a:bodyPr/>
+                    <a:lstStyle/>
+                    <a:p>
+                      <a:r>
+                        <a:rPr lang="en-US" dirty="0"/>
+                        <a:t>Email</a:t>
+                      </a:r>
+                    </a:p>
+                  </a:txBody>
+                  <a:tcPr/>
+                </a:tc>
+                <a:tc>
+                  <a:txBody>
+                    <a:bodyPr/>
+                    <a:lstStyle/>
+                    <a:p>
+                      <a:endParaRPr lang="en-US" dirty="0"/>
+                    </a:p>
+                  </a:txBody>
+                  <a:tcPr/>
+                </a:tc>
+                <a:tc>
+                  <a:txBody>
+                    <a:bodyPr/>
+                    <a:lstStyle/>
+                    <a:p>
+                      <a:endParaRPr lang="en-US"/>
+                    </a:p>
+                  </a:txBody>
+                  <a:tcPr/>
+                </a:tc>
+                <a:extLst>
+                  <a:ext uri="{0D108BD9-81ED-4DB2-BD59-A6C34878D82A}">
+                    <a16:rowId xmlns:a16="http://schemas.microsoft.com/office/drawing/2014/main" val="1551712858"/>
+                  </a:ext>
+                </a:extLst>
+              </a:tr>
+              <a:tr h="221313">
+                <a:tc>
+                  <a:txBody>
+                    <a:bodyPr/>
+                    <a:lstStyle/>
+                    <a:p>
+                      <a:r>
+                        <a:rPr lang="en-US" dirty="0"/>
+                        <a:t>Phone </a:t>
+                      </a:r>
+                      <a:r>
+                        <a:rPr lang="en-US" dirty="0" err="1"/>
+                        <a:t>Numer</a:t>
+                      </a:r>
+                      <a:endParaRPr lang="en-US" dirty="0"/>
+                    </a:p>
+                  </a:txBody>
+                  <a:tcPr/>
+                </a:tc>
+                <a:tc>
+                  <a:txBody>
+                    <a:bodyPr/>
+                    <a:lstStyle/>
+                    <a:p>
+                      <a:endParaRPr lang="en-US" dirty="0"/>
+                    </a:p>
+                  </a:txBody>
+                  <a:tcPr/>
+                </a:tc>
+                <a:tc>
+                  <a:txBody>
+                    <a:bodyPr/>
+                    <a:lstStyle/>
+                    <a:p>
+                      <a:endParaRPr lang="en-US" dirty="0"/>
+                    </a:p>
+                  </a:txBody>
+                  <a:tcPr/>
+                </a:tc>
+                <a:extLst>
+                  <a:ext uri="{0D108BD9-81ED-4DB2-BD59-A6C34878D82A}">
+                    <a16:rowId xmlns:a16="http://schemas.microsoft.com/office/drawing/2014/main" val="3108582762"/>
+                  </a:ext>
+                </a:extLst>
+              </a:tr>
+            </a:tbl>
+          </a:graphicData>
+        </a:graphic>
+      </p:graphicFrame>
     </p:spTree>
     <p:extLst>
       <p:ext uri="{BB962C8B-B14F-4D97-AF65-F5344CB8AC3E}">
         <p14:creationId xmlns:p14="http://schemas.microsoft.com/office/powerpoint/2010/main" val="1111866646"/>
+      </p:ext>
+    </p:extLst>
+  </p:cSld>
+  <p:clrMapOvr>
+    <a:masterClrMapping/>
+  </p:clrMapOvr>
+</p:sld>
+</file>
+
+<file path=ppt/slides/slide5.xml><?xml version="1.0" encoding="utf-8"?>
+<p:sld xmlns:a="http://schemas.openxmlformats.org/drawingml/2006/main" xmlns:r="http://schemas.openxmlformats.org/officeDocument/2006/relationships" xmlns:p="http://schemas.openxmlformats.org/presentationml/2006/main">
+  <p:cSld>
+    <p:spTree>
+      <p:nvGrpSpPr>
+        <p:cNvPr id="1" name=""/>
+        <p:cNvGrpSpPr/>
+        <p:nvPr/>
+      </p:nvGrpSpPr>
+      <p:grpSpPr>
+        <a:xfrm>
+          <a:off x="0" y="0"/>
+          <a:ext cx="0" cy="0"/>
+          <a:chOff x="0" y="0"/>
+          <a:chExt cx="0" cy="0"/>
+        </a:xfrm>
+      </p:grpSpPr>
+      <p:sp>
+        <p:nvSpPr>
+          <p:cNvPr id="5" name="TextBox 4">
+            <a:extLst>
+              <a:ext uri="{FF2B5EF4-FFF2-40B4-BE49-F238E27FC236}">
+                <a16:creationId xmlns:a16="http://schemas.microsoft.com/office/drawing/2014/main" id="{89C53EDD-1E64-F84C-B797-456D0D741214}"/>
+              </a:ext>
+            </a:extLst>
+          </p:cNvPr>
+          <p:cNvSpPr txBox="1"/>
+          <p:nvPr/>
+        </p:nvSpPr>
+        <p:spPr>
+          <a:xfrm>
+            <a:off x="-1087439" y="154031"/>
+            <a:ext cx="1757363" cy="1477328"/>
+          </a:xfrm>
+          <a:prstGeom prst="rect">
+            <a:avLst/>
+          </a:prstGeom>
+          <a:noFill/>
+        </p:spPr>
+        <p:txBody>
+          <a:bodyPr wrap="square" rtlCol="0">
+            <a:spAutoFit/>
+          </a:bodyPr>
+          <a:lstStyle/>
+          <a:p>
+            <a:r>
+              <a:rPr lang="en-US" dirty="0">
+                <a:latin typeface="Verdana" panose="020B0604030504040204" pitchFamily="34" charset="0"/>
+                <a:ea typeface="Verdana" panose="020B0604030504040204" pitchFamily="34" charset="0"/>
+                <a:cs typeface="Verdana" panose="020B0604030504040204" pitchFamily="34" charset="0"/>
+              </a:rPr>
+              <a:t>This is the continuation of the store information page</a:t>
+            </a:r>
+          </a:p>
+        </p:txBody>
+      </p:sp>
+      <p:cxnSp>
+        <p:nvCxnSpPr>
+          <p:cNvPr id="9" name="Straight Arrow Connector 8">
+            <a:extLst>
+              <a:ext uri="{FF2B5EF4-FFF2-40B4-BE49-F238E27FC236}">
+                <a16:creationId xmlns:a16="http://schemas.microsoft.com/office/drawing/2014/main" id="{28F1E0B6-CBE5-7F4C-834E-7A5AD357F674}"/>
+              </a:ext>
+            </a:extLst>
+          </p:cNvPr>
+          <p:cNvCxnSpPr>
+            <a:cxnSpLocks/>
+          </p:cNvCxnSpPr>
+          <p:nvPr/>
+        </p:nvCxnSpPr>
+        <p:spPr>
+          <a:xfrm flipV="1">
+            <a:off x="0" y="5926667"/>
+            <a:ext cx="12192000" cy="1"/>
+          </a:xfrm>
+          <a:prstGeom prst="straightConnector1">
+            <a:avLst/>
+          </a:prstGeom>
+        </p:spPr>
+        <p:style>
+          <a:lnRef idx="1">
+            <a:schemeClr val="accent1"/>
+          </a:lnRef>
+          <a:fillRef idx="0">
+            <a:schemeClr val="accent1"/>
+          </a:fillRef>
+          <a:effectRef idx="0">
+            <a:schemeClr val="accent1"/>
+          </a:effectRef>
+          <a:fontRef idx="minor">
+            <a:schemeClr val="tx1"/>
+          </a:fontRef>
+        </p:style>
+      </p:cxnSp>
+      <p:sp>
+        <p:nvSpPr>
+          <p:cNvPr id="15" name="TextBox 14">
+            <a:extLst>
+              <a:ext uri="{FF2B5EF4-FFF2-40B4-BE49-F238E27FC236}">
+                <a16:creationId xmlns:a16="http://schemas.microsoft.com/office/drawing/2014/main" id="{5DEE49B3-058D-4D4E-B268-C4F9EC6BF78E}"/>
+              </a:ext>
+            </a:extLst>
+          </p:cNvPr>
+          <p:cNvSpPr txBox="1"/>
+          <p:nvPr/>
+        </p:nvSpPr>
+        <p:spPr>
+          <a:xfrm>
+            <a:off x="2607897" y="989519"/>
+            <a:ext cx="6976205" cy="523220"/>
+          </a:xfrm>
+          <a:prstGeom prst="rect">
+            <a:avLst/>
+          </a:prstGeom>
+          <a:noFill/>
+        </p:spPr>
+        <p:txBody>
+          <a:bodyPr wrap="square" rtlCol="0">
+            <a:spAutoFit/>
+          </a:bodyPr>
+          <a:lstStyle/>
+          <a:p>
+            <a:r>
+              <a:rPr lang="en-US" sz="2800" u="sng" dirty="0">
+                <a:latin typeface="Verdana" panose="020B0604030504040204" pitchFamily="34" charset="0"/>
+                <a:ea typeface="Verdana" panose="020B0604030504040204" pitchFamily="34" charset="0"/>
+                <a:cs typeface="Verdana" panose="020B0604030504040204" pitchFamily="34" charset="0"/>
+              </a:rPr>
+              <a:t>Monday to Saturday</a:t>
+            </a:r>
+            <a:r>
+              <a:rPr lang="en-US" sz="2800" dirty="0">
+                <a:latin typeface="Verdana" panose="020B0604030504040204" pitchFamily="34" charset="0"/>
+                <a:ea typeface="Verdana" panose="020B0604030504040204" pitchFamily="34" charset="0"/>
+                <a:cs typeface="Verdana" panose="020B0604030504040204" pitchFamily="34" charset="0"/>
+              </a:rPr>
+              <a:t>        Sunday</a:t>
+            </a:r>
+          </a:p>
+        </p:txBody>
+      </p:sp>
+      <p:sp>
+        <p:nvSpPr>
+          <p:cNvPr id="17" name="Rectangle 16">
+            <a:extLst>
+              <a:ext uri="{FF2B5EF4-FFF2-40B4-BE49-F238E27FC236}">
+                <a16:creationId xmlns:a16="http://schemas.microsoft.com/office/drawing/2014/main" id="{48DF92ED-C1AF-1647-8AA1-305503D3EB21}"/>
+              </a:ext>
+            </a:extLst>
+          </p:cNvPr>
+          <p:cNvSpPr/>
+          <p:nvPr/>
+        </p:nvSpPr>
+        <p:spPr>
+          <a:xfrm>
+            <a:off x="785813" y="1631359"/>
+            <a:ext cx="10858500" cy="3668774"/>
+          </a:xfrm>
+          <a:prstGeom prst="rect">
+            <a:avLst/>
+          </a:prstGeom>
+          <a:solidFill>
+            <a:schemeClr val="bg1">
+              <a:lumMod val="65000"/>
+            </a:schemeClr>
+          </a:solidFill>
+        </p:spPr>
+        <p:style>
+          <a:lnRef idx="2">
+            <a:schemeClr val="accent1">
+              <a:shade val="50000"/>
+            </a:schemeClr>
+          </a:lnRef>
+          <a:fillRef idx="1">
+            <a:schemeClr val="accent1"/>
+          </a:fillRef>
+          <a:effectRef idx="0">
+            <a:schemeClr val="accent1"/>
+          </a:effectRef>
+          <a:fontRef idx="minor">
+            <a:schemeClr val="lt1"/>
+          </a:fontRef>
+        </p:style>
+        <p:txBody>
+          <a:bodyPr rtlCol="0" anchor="ctr"/>
+          <a:lstStyle/>
+          <a:p>
+            <a:pPr algn="ctr"/>
+            <a:endParaRPr lang="en-US">
+              <a:latin typeface="Verdana" panose="020B0604030504040204" pitchFamily="34" charset="0"/>
+              <a:ea typeface="Verdana" panose="020B0604030504040204" pitchFamily="34" charset="0"/>
+              <a:cs typeface="Verdana" panose="020B0604030504040204" pitchFamily="34" charset="0"/>
+            </a:endParaRPr>
+          </a:p>
+        </p:txBody>
+      </p:sp>
+      <p:sp>
+        <p:nvSpPr>
+          <p:cNvPr id="22" name="Rectangle 21">
+            <a:extLst>
+              <a:ext uri="{FF2B5EF4-FFF2-40B4-BE49-F238E27FC236}">
+                <a16:creationId xmlns:a16="http://schemas.microsoft.com/office/drawing/2014/main" id="{2E6CC9EA-4E78-1D47-9122-5E9B636EA2B1}"/>
+              </a:ext>
+            </a:extLst>
+          </p:cNvPr>
+          <p:cNvSpPr/>
+          <p:nvPr/>
+        </p:nvSpPr>
+        <p:spPr>
+          <a:xfrm>
+            <a:off x="0" y="5768213"/>
+            <a:ext cx="12192000" cy="1089787"/>
+          </a:xfrm>
+          <a:prstGeom prst="rect">
+            <a:avLst/>
+          </a:prstGeom>
+          <a:solidFill>
+            <a:srgbClr val="29C4BE"/>
+          </a:solidFill>
+        </p:spPr>
+        <p:style>
+          <a:lnRef idx="2">
+            <a:schemeClr val="accent1">
+              <a:shade val="50000"/>
+            </a:schemeClr>
+          </a:lnRef>
+          <a:fillRef idx="1">
+            <a:schemeClr val="accent1"/>
+          </a:fillRef>
+          <a:effectRef idx="0">
+            <a:schemeClr val="accent1"/>
+          </a:effectRef>
+          <a:fontRef idx="minor">
+            <a:schemeClr val="lt1"/>
+          </a:fontRef>
+        </p:style>
+        <p:txBody>
+          <a:bodyPr rtlCol="0" anchor="ctr"/>
+          <a:lstStyle/>
+          <a:p>
+            <a:pPr algn="ctr"/>
+            <a:endParaRPr lang="en-US" dirty="0">
+              <a:latin typeface="Verdana" panose="020B0604030504040204" pitchFamily="34" charset="0"/>
+              <a:ea typeface="Verdana" panose="020B0604030504040204" pitchFamily="34" charset="0"/>
+              <a:cs typeface="Verdana" panose="020B0604030504040204" pitchFamily="34" charset="0"/>
+            </a:endParaRPr>
+          </a:p>
+        </p:txBody>
+      </p:sp>
+      <p:sp>
+        <p:nvSpPr>
+          <p:cNvPr id="14" name="TextBox 13">
+            <a:extLst>
+              <a:ext uri="{FF2B5EF4-FFF2-40B4-BE49-F238E27FC236}">
+                <a16:creationId xmlns:a16="http://schemas.microsoft.com/office/drawing/2014/main" id="{5D2F1028-6CD9-EF49-8903-25B3471333C1}"/>
+              </a:ext>
+            </a:extLst>
+          </p:cNvPr>
+          <p:cNvSpPr txBox="1"/>
+          <p:nvPr/>
+        </p:nvSpPr>
+        <p:spPr>
+          <a:xfrm>
+            <a:off x="2292814" y="6137545"/>
+            <a:ext cx="7833253" cy="369332"/>
+          </a:xfrm>
+          <a:prstGeom prst="rect">
+            <a:avLst/>
+          </a:prstGeom>
+          <a:noFill/>
+        </p:spPr>
+        <p:txBody>
+          <a:bodyPr wrap="square" rtlCol="0">
+            <a:spAutoFit/>
+          </a:bodyPr>
+          <a:lstStyle/>
+          <a:p>
+            <a:r>
+              <a:rPr lang="en-US" dirty="0">
+                <a:latin typeface="Verdana" panose="020B0604030504040204" pitchFamily="34" charset="0"/>
+                <a:ea typeface="Verdana" panose="020B0604030504040204" pitchFamily="34" charset="0"/>
+                <a:cs typeface="Verdana" panose="020B0604030504040204" pitchFamily="34" charset="0"/>
+              </a:rPr>
+              <a:t>@Blue Monkey Tea | Home | Careers | check out our old website! </a:t>
+            </a:r>
+          </a:p>
+        </p:txBody>
+      </p:sp>
+      <p:sp>
+        <p:nvSpPr>
+          <p:cNvPr id="4" name="TextBox 3">
+            <a:extLst>
+              <a:ext uri="{FF2B5EF4-FFF2-40B4-BE49-F238E27FC236}">
+                <a16:creationId xmlns:a16="http://schemas.microsoft.com/office/drawing/2014/main" id="{47A6EDF2-FA59-134E-8A02-FDACCC87548A}"/>
+              </a:ext>
+            </a:extLst>
+          </p:cNvPr>
+          <p:cNvSpPr txBox="1"/>
+          <p:nvPr/>
+        </p:nvSpPr>
+        <p:spPr>
+          <a:xfrm>
+            <a:off x="4622005" y="2978944"/>
+            <a:ext cx="4507707" cy="369332"/>
+          </a:xfrm>
+          <a:prstGeom prst="rect">
+            <a:avLst/>
+          </a:prstGeom>
+          <a:noFill/>
+        </p:spPr>
+        <p:txBody>
+          <a:bodyPr wrap="square" rtlCol="0">
+            <a:spAutoFit/>
+          </a:bodyPr>
+          <a:lstStyle/>
+          <a:p>
+            <a:r>
+              <a:rPr lang="en-US" dirty="0"/>
+              <a:t>Insert Graph with Busy hours here</a:t>
+            </a:r>
+          </a:p>
+        </p:txBody>
+      </p:sp>
+    </p:spTree>
+    <p:extLst>
+      <p:ext uri="{BB962C8B-B14F-4D97-AF65-F5344CB8AC3E}">
+        <p14:creationId xmlns:p14="http://schemas.microsoft.com/office/powerpoint/2010/main" val="1066346988"/>
+      </p:ext>
+    </p:extLst>
+  </p:cSld>
+  <p:clrMapOvr>
+    <a:masterClrMapping/>
+  </p:clrMapOvr>
+</p:sld>
+</file>
+
+<file path=ppt/slides/slide6.xml><?xml version="1.0" encoding="utf-8"?>
+<p:sld xmlns:a="http://schemas.openxmlformats.org/drawingml/2006/main" xmlns:r="http://schemas.openxmlformats.org/officeDocument/2006/relationships" xmlns:p="http://schemas.openxmlformats.org/presentationml/2006/main">
+  <p:cSld>
+    <p:spTree>
+      <p:nvGrpSpPr>
+        <p:cNvPr id="1" name=""/>
+        <p:cNvGrpSpPr/>
+        <p:nvPr/>
+      </p:nvGrpSpPr>
+      <p:grpSpPr>
+        <a:xfrm>
+          <a:off x="0" y="0"/>
+          <a:ext cx="0" cy="0"/>
+          <a:chOff x="0" y="0"/>
+          <a:chExt cx="0" cy="0"/>
+        </a:xfrm>
+      </p:grpSpPr>
+      <p:sp>
+        <p:nvSpPr>
+          <p:cNvPr id="4" name="Rectangle 3">
+            <a:extLst>
+              <a:ext uri="{FF2B5EF4-FFF2-40B4-BE49-F238E27FC236}">
+                <a16:creationId xmlns:a16="http://schemas.microsoft.com/office/drawing/2014/main" id="{DC676170-B040-BB4E-837D-499AD8D2ABB4}"/>
+              </a:ext>
+            </a:extLst>
+          </p:cNvPr>
+          <p:cNvSpPr/>
+          <p:nvPr/>
+        </p:nvSpPr>
+        <p:spPr>
+          <a:xfrm>
+            <a:off x="0" y="0"/>
+            <a:ext cx="12192001" cy="914400"/>
+          </a:xfrm>
+          <a:prstGeom prst="rect">
+            <a:avLst/>
+          </a:prstGeom>
+          <a:solidFill>
+            <a:srgbClr val="29C4BE"/>
+          </a:solidFill>
+        </p:spPr>
+        <p:style>
+          <a:lnRef idx="2">
+            <a:schemeClr val="accent1">
+              <a:shade val="50000"/>
+            </a:schemeClr>
+          </a:lnRef>
+          <a:fillRef idx="1">
+            <a:schemeClr val="accent1"/>
+          </a:fillRef>
+          <a:effectRef idx="0">
+            <a:schemeClr val="accent1"/>
+          </a:effectRef>
+          <a:fontRef idx="minor">
+            <a:schemeClr val="lt1"/>
+          </a:fontRef>
+        </p:style>
+        <p:txBody>
+          <a:bodyPr rtlCol="0" anchor="ctr"/>
+          <a:lstStyle/>
+          <a:p>
+            <a:pPr algn="ctr"/>
+            <a:endParaRPr lang="en-US">
+              <a:latin typeface="Verdana" panose="020B0604030504040204" pitchFamily="34" charset="0"/>
+              <a:ea typeface="Verdana" panose="020B0604030504040204" pitchFamily="34" charset="0"/>
+              <a:cs typeface="Verdana" panose="020B0604030504040204" pitchFamily="34" charset="0"/>
+            </a:endParaRPr>
+          </a:p>
+        </p:txBody>
+      </p:sp>
+      <p:pic>
+        <p:nvPicPr>
+          <p:cNvPr id="6" name="Picture 5">
+            <a:extLst>
+              <a:ext uri="{FF2B5EF4-FFF2-40B4-BE49-F238E27FC236}">
+                <a16:creationId xmlns:a16="http://schemas.microsoft.com/office/drawing/2014/main" id="{0CCE3733-26BA-1C42-BB35-9F3A85B8A83A}"/>
+              </a:ext>
+            </a:extLst>
+          </p:cNvPr>
+          <p:cNvPicPr>
+            <a:picLocks noChangeAspect="1"/>
+          </p:cNvPicPr>
+          <p:nvPr/>
+        </p:nvPicPr>
+        <p:blipFill>
+          <a:blip r:embed="rId2"/>
+          <a:stretch>
+            <a:fillRect/>
+          </a:stretch>
+        </p:blipFill>
+        <p:spPr>
+          <a:xfrm>
+            <a:off x="114299" y="0"/>
+            <a:ext cx="900114" cy="937619"/>
+          </a:xfrm>
+          <a:prstGeom prst="rect">
+            <a:avLst/>
+          </a:prstGeom>
+        </p:spPr>
+      </p:pic>
+      <p:sp>
+        <p:nvSpPr>
+          <p:cNvPr id="7" name="TextBox 6">
+            <a:extLst>
+              <a:ext uri="{FF2B5EF4-FFF2-40B4-BE49-F238E27FC236}">
+                <a16:creationId xmlns:a16="http://schemas.microsoft.com/office/drawing/2014/main" id="{A4A69EB1-E771-A648-9EA1-F0CAD34B6F17}"/>
+              </a:ext>
+            </a:extLst>
+          </p:cNvPr>
+          <p:cNvSpPr txBox="1"/>
+          <p:nvPr/>
+        </p:nvSpPr>
+        <p:spPr>
+          <a:xfrm>
+            <a:off x="5960267" y="284143"/>
+            <a:ext cx="914400" cy="369332"/>
+          </a:xfrm>
+          <a:prstGeom prst="rect">
+            <a:avLst/>
+          </a:prstGeom>
+          <a:noFill/>
+        </p:spPr>
+        <p:txBody>
+          <a:bodyPr wrap="square" rtlCol="0">
+            <a:spAutoFit/>
+          </a:bodyPr>
+          <a:lstStyle/>
+          <a:p>
+            <a:r>
+              <a:rPr lang="en-US" dirty="0">
+                <a:latin typeface="Verdana" panose="020B0604030504040204" pitchFamily="34" charset="0"/>
+                <a:ea typeface="Verdana" panose="020B0604030504040204" pitchFamily="34" charset="0"/>
+                <a:cs typeface="Verdana" panose="020B0604030504040204" pitchFamily="34" charset="0"/>
+              </a:rPr>
+              <a:t>Home</a:t>
+            </a:r>
+          </a:p>
+        </p:txBody>
+      </p:sp>
+      <p:sp>
+        <p:nvSpPr>
+          <p:cNvPr id="8" name="TextBox 7">
+            <a:extLst>
+              <a:ext uri="{FF2B5EF4-FFF2-40B4-BE49-F238E27FC236}">
+                <a16:creationId xmlns:a16="http://schemas.microsoft.com/office/drawing/2014/main" id="{3BDAA6A0-84E0-8343-8503-C2B05E66013E}"/>
+              </a:ext>
+            </a:extLst>
+          </p:cNvPr>
+          <p:cNvSpPr txBox="1"/>
+          <p:nvPr/>
+        </p:nvSpPr>
+        <p:spPr>
+          <a:xfrm>
+            <a:off x="7108030" y="272534"/>
+            <a:ext cx="1214438" cy="369332"/>
+          </a:xfrm>
+          <a:prstGeom prst="rect">
+            <a:avLst/>
+          </a:prstGeom>
+          <a:noFill/>
+        </p:spPr>
+        <p:txBody>
+          <a:bodyPr wrap="square" rtlCol="0">
+            <a:spAutoFit/>
+          </a:bodyPr>
+          <a:lstStyle/>
+          <a:p>
+            <a:r>
+              <a:rPr lang="en-US" dirty="0">
+                <a:latin typeface="Verdana" panose="020B0604030504040204" pitchFamily="34" charset="0"/>
+                <a:ea typeface="Verdana" panose="020B0604030504040204" pitchFamily="34" charset="0"/>
+                <a:cs typeface="Verdana" panose="020B0604030504040204" pitchFamily="34" charset="0"/>
+              </a:rPr>
+              <a:t>Products</a:t>
+            </a:r>
+          </a:p>
+        </p:txBody>
+      </p:sp>
+      <p:sp>
+        <p:nvSpPr>
+          <p:cNvPr id="11" name="TextBox 10">
+            <a:extLst>
+              <a:ext uri="{FF2B5EF4-FFF2-40B4-BE49-F238E27FC236}">
+                <a16:creationId xmlns:a16="http://schemas.microsoft.com/office/drawing/2014/main" id="{3E2A239D-BB48-BA43-A3C6-4AD1CB6A9664}"/>
+              </a:ext>
+            </a:extLst>
+          </p:cNvPr>
+          <p:cNvSpPr txBox="1"/>
+          <p:nvPr/>
+        </p:nvSpPr>
+        <p:spPr>
+          <a:xfrm>
+            <a:off x="8322468" y="272534"/>
+            <a:ext cx="2374107" cy="369332"/>
+          </a:xfrm>
+          <a:prstGeom prst="rect">
+            <a:avLst/>
+          </a:prstGeom>
+          <a:noFill/>
+        </p:spPr>
+        <p:txBody>
+          <a:bodyPr wrap="square" rtlCol="0">
+            <a:spAutoFit/>
+          </a:bodyPr>
+          <a:lstStyle/>
+          <a:p>
+            <a:r>
+              <a:rPr lang="en-US" dirty="0">
+                <a:latin typeface="Verdana" panose="020B0604030504040204" pitchFamily="34" charset="0"/>
+                <a:ea typeface="Verdana" panose="020B0604030504040204" pitchFamily="34" charset="0"/>
+                <a:cs typeface="Verdana" panose="020B0604030504040204" pitchFamily="34" charset="0"/>
+              </a:rPr>
+              <a:t>Store Information</a:t>
+            </a:r>
+          </a:p>
+        </p:txBody>
+      </p:sp>
+      <p:sp>
+        <p:nvSpPr>
+          <p:cNvPr id="12" name="TextBox 11">
+            <a:extLst>
+              <a:ext uri="{FF2B5EF4-FFF2-40B4-BE49-F238E27FC236}">
+                <a16:creationId xmlns:a16="http://schemas.microsoft.com/office/drawing/2014/main" id="{196382AB-664A-C84D-B858-5A4AB78479F1}"/>
+              </a:ext>
+            </a:extLst>
+          </p:cNvPr>
+          <p:cNvSpPr txBox="1"/>
+          <p:nvPr/>
+        </p:nvSpPr>
+        <p:spPr>
+          <a:xfrm>
+            <a:off x="10634662" y="272534"/>
+            <a:ext cx="1557338" cy="369332"/>
+          </a:xfrm>
+          <a:prstGeom prst="rect">
+            <a:avLst/>
+          </a:prstGeom>
+          <a:noFill/>
+        </p:spPr>
+        <p:txBody>
+          <a:bodyPr wrap="square" rtlCol="0">
+            <a:spAutoFit/>
+          </a:bodyPr>
+          <a:lstStyle/>
+          <a:p>
+            <a:r>
+              <a:rPr lang="en-US" u="sng" dirty="0">
+                <a:latin typeface="Verdana" panose="020B0604030504040204" pitchFamily="34" charset="0"/>
+                <a:ea typeface="Verdana" panose="020B0604030504040204" pitchFamily="34" charset="0"/>
+                <a:cs typeface="Verdana" panose="020B0604030504040204" pitchFamily="34" charset="0"/>
+              </a:rPr>
+              <a:t>Contact Us!</a:t>
+            </a:r>
+          </a:p>
+        </p:txBody>
+      </p:sp>
+      <p:sp>
+        <p:nvSpPr>
+          <p:cNvPr id="5" name="Rectangle 4">
+            <a:extLst>
+              <a:ext uri="{FF2B5EF4-FFF2-40B4-BE49-F238E27FC236}">
+                <a16:creationId xmlns:a16="http://schemas.microsoft.com/office/drawing/2014/main" id="{765E7CE7-744E-6743-83D0-BEE057FAA3AF}"/>
+              </a:ext>
+            </a:extLst>
+          </p:cNvPr>
+          <p:cNvSpPr/>
+          <p:nvPr/>
+        </p:nvSpPr>
+        <p:spPr>
+          <a:xfrm>
+            <a:off x="550068" y="4044970"/>
+            <a:ext cx="1393032" cy="457200"/>
+          </a:xfrm>
+          <a:prstGeom prst="rect">
+            <a:avLst/>
+          </a:prstGeom>
+          <a:solidFill>
+            <a:schemeClr val="bg1">
+              <a:lumMod val="65000"/>
+            </a:schemeClr>
+          </a:solidFill>
+        </p:spPr>
+        <p:style>
+          <a:lnRef idx="2">
+            <a:schemeClr val="accent1">
+              <a:shade val="50000"/>
+            </a:schemeClr>
+          </a:lnRef>
+          <a:fillRef idx="1">
+            <a:schemeClr val="accent1"/>
+          </a:fillRef>
+          <a:effectRef idx="0">
+            <a:schemeClr val="accent1"/>
+          </a:effectRef>
+          <a:fontRef idx="minor">
+            <a:schemeClr val="lt1"/>
+          </a:fontRef>
+        </p:style>
+        <p:txBody>
+          <a:bodyPr rtlCol="0" anchor="ctr"/>
+          <a:lstStyle/>
+          <a:p>
+            <a:pPr algn="ctr"/>
+            <a:endParaRPr lang="en-US">
+              <a:latin typeface="Verdana" panose="020B0604030504040204" pitchFamily="34" charset="0"/>
+              <a:ea typeface="Verdana" panose="020B0604030504040204" pitchFamily="34" charset="0"/>
+              <a:cs typeface="Verdana" panose="020B0604030504040204" pitchFamily="34" charset="0"/>
+            </a:endParaRPr>
+          </a:p>
+        </p:txBody>
+      </p:sp>
+      <p:sp>
+        <p:nvSpPr>
+          <p:cNvPr id="3" name="TextBox 2">
+            <a:extLst>
+              <a:ext uri="{FF2B5EF4-FFF2-40B4-BE49-F238E27FC236}">
+                <a16:creationId xmlns:a16="http://schemas.microsoft.com/office/drawing/2014/main" id="{EBD46EEC-AA59-1640-A10A-17A36650165E}"/>
+              </a:ext>
+            </a:extLst>
+          </p:cNvPr>
+          <p:cNvSpPr txBox="1"/>
+          <p:nvPr/>
+        </p:nvSpPr>
+        <p:spPr>
+          <a:xfrm>
+            <a:off x="550068" y="1085850"/>
+            <a:ext cx="6022182" cy="3416320"/>
+          </a:xfrm>
+          <a:prstGeom prst="rect">
+            <a:avLst/>
+          </a:prstGeom>
+          <a:noFill/>
+        </p:spPr>
+        <p:txBody>
+          <a:bodyPr wrap="square" rtlCol="0">
+            <a:spAutoFit/>
+          </a:bodyPr>
+          <a:lstStyle/>
+          <a:p>
+            <a:r>
+              <a:rPr lang="en-US" sz="2400" dirty="0">
+                <a:latin typeface="Verdana" panose="020B0604030504040204" pitchFamily="34" charset="0"/>
+                <a:ea typeface="Verdana" panose="020B0604030504040204" pitchFamily="34" charset="0"/>
+                <a:cs typeface="Verdana" panose="020B0604030504040204" pitchFamily="34" charset="0"/>
+              </a:rPr>
+              <a:t>Name ___________________________</a:t>
+            </a:r>
+          </a:p>
+          <a:p>
+            <a:r>
+              <a:rPr lang="en-US" sz="2400" dirty="0">
+                <a:latin typeface="Verdana" panose="020B0604030504040204" pitchFamily="34" charset="0"/>
+                <a:ea typeface="Verdana" panose="020B0604030504040204" pitchFamily="34" charset="0"/>
+                <a:cs typeface="Verdana" panose="020B0604030504040204" pitchFamily="34" charset="0"/>
+              </a:rPr>
+              <a:t>Email ___________________________</a:t>
+            </a:r>
+          </a:p>
+          <a:p>
+            <a:r>
+              <a:rPr lang="en-US" sz="2400" dirty="0">
+                <a:latin typeface="Verdana" panose="020B0604030504040204" pitchFamily="34" charset="0"/>
+                <a:ea typeface="Verdana" panose="020B0604030504040204" pitchFamily="34" charset="0"/>
+                <a:cs typeface="Verdana" panose="020B0604030504040204" pitchFamily="34" charset="0"/>
+              </a:rPr>
+              <a:t>Address ___________________________</a:t>
+            </a:r>
+          </a:p>
+          <a:p>
+            <a:r>
+              <a:rPr lang="en-US" sz="2400" dirty="0">
+                <a:latin typeface="Verdana" panose="020B0604030504040204" pitchFamily="34" charset="0"/>
+                <a:ea typeface="Verdana" panose="020B0604030504040204" pitchFamily="34" charset="0"/>
+                <a:cs typeface="Verdana" panose="020B0604030504040204" pitchFamily="34" charset="0"/>
+              </a:rPr>
+              <a:t>Phone Number</a:t>
+            </a:r>
+          </a:p>
+          <a:p>
+            <a:r>
+              <a:rPr lang="en-US" sz="2400" dirty="0">
+                <a:latin typeface="Verdana" panose="020B0604030504040204" pitchFamily="34" charset="0"/>
+                <a:ea typeface="Verdana" panose="020B0604030504040204" pitchFamily="34" charset="0"/>
+                <a:cs typeface="Verdana" panose="020B0604030504040204" pitchFamily="34" charset="0"/>
+              </a:rPr>
+              <a:t>___________________________</a:t>
+            </a:r>
+          </a:p>
+          <a:p>
+            <a:r>
+              <a:rPr lang="en-US" sz="2400" dirty="0">
+                <a:latin typeface="Verdana" panose="020B0604030504040204" pitchFamily="34" charset="0"/>
+                <a:ea typeface="Verdana" panose="020B0604030504040204" pitchFamily="34" charset="0"/>
+                <a:cs typeface="Verdana" panose="020B0604030504040204" pitchFamily="34" charset="0"/>
+              </a:rPr>
+              <a:t>Submit</a:t>
+            </a:r>
+          </a:p>
+        </p:txBody>
+      </p:sp>
+      <p:sp>
+        <p:nvSpPr>
+          <p:cNvPr id="13" name="Rectangle 12">
+            <a:extLst>
+              <a:ext uri="{FF2B5EF4-FFF2-40B4-BE49-F238E27FC236}">
+                <a16:creationId xmlns:a16="http://schemas.microsoft.com/office/drawing/2014/main" id="{BFE79A3B-A9B6-5440-91CE-61F172E4F53B}"/>
+              </a:ext>
+            </a:extLst>
+          </p:cNvPr>
+          <p:cNvSpPr/>
+          <p:nvPr/>
+        </p:nvSpPr>
+        <p:spPr>
+          <a:xfrm>
+            <a:off x="0" y="5768213"/>
+            <a:ext cx="12192000" cy="1089787"/>
+          </a:xfrm>
+          <a:prstGeom prst="rect">
+            <a:avLst/>
+          </a:prstGeom>
+          <a:solidFill>
+            <a:srgbClr val="29C4BE"/>
+          </a:solidFill>
+        </p:spPr>
+        <p:style>
+          <a:lnRef idx="2">
+            <a:schemeClr val="accent1">
+              <a:shade val="50000"/>
+            </a:schemeClr>
+          </a:lnRef>
+          <a:fillRef idx="1">
+            <a:schemeClr val="accent1"/>
+          </a:fillRef>
+          <a:effectRef idx="0">
+            <a:schemeClr val="accent1"/>
+          </a:effectRef>
+          <a:fontRef idx="minor">
+            <a:schemeClr val="lt1"/>
+          </a:fontRef>
+        </p:style>
+        <p:txBody>
+          <a:bodyPr rtlCol="0" anchor="ctr"/>
+          <a:lstStyle/>
+          <a:p>
+            <a:pPr algn="ctr"/>
+            <a:endParaRPr lang="en-US" dirty="0">
+              <a:latin typeface="Verdana" panose="020B0604030504040204" pitchFamily="34" charset="0"/>
+              <a:ea typeface="Verdana" panose="020B0604030504040204" pitchFamily="34" charset="0"/>
+              <a:cs typeface="Verdana" panose="020B0604030504040204" pitchFamily="34" charset="0"/>
+            </a:endParaRPr>
+          </a:p>
+        </p:txBody>
+      </p:sp>
+      <p:sp>
+        <p:nvSpPr>
+          <p:cNvPr id="9" name="Rectangle 8">
+            <a:extLst>
+              <a:ext uri="{FF2B5EF4-FFF2-40B4-BE49-F238E27FC236}">
+                <a16:creationId xmlns:a16="http://schemas.microsoft.com/office/drawing/2014/main" id="{2ED79FC2-9605-AA4D-835F-A26BAC94DC29}"/>
+              </a:ext>
+            </a:extLst>
+          </p:cNvPr>
+          <p:cNvSpPr/>
+          <p:nvPr/>
+        </p:nvSpPr>
+        <p:spPr>
+          <a:xfrm>
+            <a:off x="2602705" y="6128440"/>
+            <a:ext cx="7939089" cy="369332"/>
+          </a:xfrm>
+          <a:prstGeom prst="rect">
+            <a:avLst/>
+          </a:prstGeom>
+        </p:spPr>
+        <p:txBody>
+          <a:bodyPr wrap="square">
+            <a:spAutoFit/>
+          </a:bodyPr>
+          <a:lstStyle/>
+          <a:p>
+            <a:r>
+              <a:rPr lang="en-US" dirty="0">
+                <a:latin typeface="Verdana" panose="020B0604030504040204" pitchFamily="34" charset="0"/>
+                <a:ea typeface="Verdana" panose="020B0604030504040204" pitchFamily="34" charset="0"/>
+                <a:cs typeface="Verdana" panose="020B0604030504040204" pitchFamily="34" charset="0"/>
+              </a:rPr>
+              <a:t>@Blue Monkey Tea | Home | Careers | check out our old website! </a:t>
+            </a:r>
+          </a:p>
+        </p:txBody>
+      </p:sp>
+    </p:spTree>
+    <p:extLst>
+      <p:ext uri="{BB962C8B-B14F-4D97-AF65-F5344CB8AC3E}">
+        <p14:creationId xmlns:p14="http://schemas.microsoft.com/office/powerpoint/2010/main" val="1701573593"/>
+      </p:ext>
+    </p:extLst>
+  </p:cSld>
+  <p:clrMapOvr>
+    <a:masterClrMapping/>
+  </p:clrMapOvr>
+</p:sld>
+</file>
+
+<file path=ppt/slides/slide7.xml><?xml version="1.0" encoding="utf-8"?>
+<p:sld xmlns:a="http://schemas.openxmlformats.org/drawingml/2006/main" xmlns:r="http://schemas.openxmlformats.org/officeDocument/2006/relationships" xmlns:p="http://schemas.openxmlformats.org/presentationml/2006/main">
+  <p:cSld>
+    <p:spTree>
+      <p:nvGrpSpPr>
+        <p:cNvPr id="1" name=""/>
+        <p:cNvGrpSpPr/>
+        <p:nvPr/>
+      </p:nvGrpSpPr>
+      <p:grpSpPr>
+        <a:xfrm>
+          <a:off x="0" y="0"/>
+          <a:ext cx="0" cy="0"/>
+          <a:chOff x="0" y="0"/>
+          <a:chExt cx="0" cy="0"/>
+        </a:xfrm>
+      </p:grpSpPr>
+      <p:sp>
+        <p:nvSpPr>
+          <p:cNvPr id="2" name="Title 1">
+            <a:extLst>
+              <a:ext uri="{FF2B5EF4-FFF2-40B4-BE49-F238E27FC236}">
+                <a16:creationId xmlns:a16="http://schemas.microsoft.com/office/drawing/2014/main" id="{3F074668-64CF-9C49-8BBA-93218A502CD9}"/>
+              </a:ext>
+            </a:extLst>
+          </p:cNvPr>
+          <p:cNvSpPr>
+            <a:spLocks noGrp="1"/>
+          </p:cNvSpPr>
+          <p:nvPr>
+            <p:ph type="title"/>
+          </p:nvPr>
+        </p:nvSpPr>
+        <p:spPr>
+          <a:xfrm>
+            <a:off x="1081087" y="2593975"/>
+            <a:ext cx="10515600" cy="1325563"/>
+          </a:xfrm>
+        </p:spPr>
+        <p:txBody>
+          <a:bodyPr/>
+          <a:lstStyle/>
+          <a:p>
+            <a:r>
+              <a:rPr lang="en-US" dirty="0"/>
+              <a:t>NEXT  - mobile high fidelity wireframes</a:t>
+            </a:r>
+          </a:p>
+        </p:txBody>
+      </p:sp>
+    </p:spTree>
+    <p:extLst>
+      <p:ext uri="{BB962C8B-B14F-4D97-AF65-F5344CB8AC3E}">
+        <p14:creationId xmlns:p14="http://schemas.microsoft.com/office/powerpoint/2010/main" val="2783458061"/>
+      </p:ext>
+    </p:extLst>
+  </p:cSld>
+  <p:clrMapOvr>
+    <a:masterClrMapping/>
+  </p:clrMapOvr>
+</p:sld>
+</file>
+
+<file path=ppt/slides/slide8.xml><?xml version="1.0" encoding="utf-8"?>
+<p:sld xmlns:a="http://schemas.openxmlformats.org/drawingml/2006/main" xmlns:r="http://schemas.openxmlformats.org/officeDocument/2006/relationships" xmlns:p="http://schemas.openxmlformats.org/presentationml/2006/main">
+  <p:cSld>
+    <p:spTree>
+      <p:nvGrpSpPr>
+        <p:cNvPr id="1" name=""/>
+        <p:cNvGrpSpPr/>
+        <p:nvPr/>
+      </p:nvGrpSpPr>
+      <p:grpSpPr>
+        <a:xfrm>
+          <a:off x="0" y="0"/>
+          <a:ext cx="0" cy="0"/>
+          <a:chOff x="0" y="0"/>
+          <a:chExt cx="0" cy="0"/>
+        </a:xfrm>
+      </p:grpSpPr>
+      <p:sp>
+        <p:nvSpPr>
+          <p:cNvPr id="4" name="Rectangle 3">
+            <a:extLst>
+              <a:ext uri="{FF2B5EF4-FFF2-40B4-BE49-F238E27FC236}">
+                <a16:creationId xmlns:a16="http://schemas.microsoft.com/office/drawing/2014/main" id="{F1034EE4-BE12-3344-B31E-059F8DDE25CD}"/>
+              </a:ext>
+            </a:extLst>
+          </p:cNvPr>
+          <p:cNvSpPr/>
+          <p:nvPr/>
+        </p:nvSpPr>
+        <p:spPr>
+          <a:xfrm>
+            <a:off x="3830831" y="0"/>
+            <a:ext cx="3393281" cy="6858000"/>
+          </a:xfrm>
+          <a:prstGeom prst="rect">
+            <a:avLst/>
+          </a:prstGeom>
+          <a:solidFill>
+            <a:schemeClr val="bg1"/>
+          </a:solidFill>
+        </p:spPr>
+        <p:style>
+          <a:lnRef idx="2">
+            <a:schemeClr val="accent1">
+              <a:shade val="50000"/>
+            </a:schemeClr>
+          </a:lnRef>
+          <a:fillRef idx="1">
+            <a:schemeClr val="accent1"/>
+          </a:fillRef>
+          <a:effectRef idx="0">
+            <a:schemeClr val="accent1"/>
+          </a:effectRef>
+          <a:fontRef idx="minor">
+            <a:schemeClr val="lt1"/>
+          </a:fontRef>
+        </p:style>
+        <p:txBody>
+          <a:bodyPr rtlCol="0" anchor="ctr"/>
+          <a:lstStyle/>
+          <a:p>
+            <a:pPr algn="ctr"/>
+            <a:endParaRPr lang="en-US"/>
+          </a:p>
+        </p:txBody>
+      </p:sp>
+      <p:sp>
+        <p:nvSpPr>
+          <p:cNvPr id="6" name="Rectangle 5">
+            <a:extLst>
+              <a:ext uri="{FF2B5EF4-FFF2-40B4-BE49-F238E27FC236}">
+                <a16:creationId xmlns:a16="http://schemas.microsoft.com/office/drawing/2014/main" id="{681DE678-7797-FC43-961B-7C8F6B9F9321}"/>
+              </a:ext>
+            </a:extLst>
+          </p:cNvPr>
+          <p:cNvSpPr/>
+          <p:nvPr/>
+        </p:nvSpPr>
+        <p:spPr>
+          <a:xfrm>
+            <a:off x="3821906" y="6157912"/>
+            <a:ext cx="3393281" cy="700088"/>
+          </a:xfrm>
+          <a:prstGeom prst="rect">
+            <a:avLst/>
+          </a:prstGeom>
+          <a:solidFill>
+            <a:srgbClr val="29C4BE"/>
+          </a:solidFill>
+        </p:spPr>
+        <p:style>
+          <a:lnRef idx="2">
+            <a:schemeClr val="accent1">
+              <a:shade val="50000"/>
+            </a:schemeClr>
+          </a:lnRef>
+          <a:fillRef idx="1">
+            <a:schemeClr val="accent1"/>
+          </a:fillRef>
+          <a:effectRef idx="0">
+            <a:schemeClr val="accent1"/>
+          </a:effectRef>
+          <a:fontRef idx="minor">
+            <a:schemeClr val="lt1"/>
+          </a:fontRef>
+        </p:style>
+        <p:txBody>
+          <a:bodyPr rtlCol="0" anchor="ctr"/>
+          <a:lstStyle/>
+          <a:p>
+            <a:pPr algn="ctr"/>
+            <a:endParaRPr lang="en-US"/>
+          </a:p>
+        </p:txBody>
+      </p:sp>
+      <p:sp>
+        <p:nvSpPr>
+          <p:cNvPr id="8" name="TextBox 7">
+            <a:extLst>
+              <a:ext uri="{FF2B5EF4-FFF2-40B4-BE49-F238E27FC236}">
+                <a16:creationId xmlns:a16="http://schemas.microsoft.com/office/drawing/2014/main" id="{B073007F-A47D-4547-8066-73EA2E82240C}"/>
+              </a:ext>
+            </a:extLst>
+          </p:cNvPr>
+          <p:cNvSpPr txBox="1"/>
+          <p:nvPr/>
+        </p:nvSpPr>
+        <p:spPr>
+          <a:xfrm>
+            <a:off x="3821905" y="6323290"/>
+            <a:ext cx="3393281" cy="307777"/>
+          </a:xfrm>
+          <a:prstGeom prst="rect">
+            <a:avLst/>
+          </a:prstGeom>
+          <a:noFill/>
+        </p:spPr>
+        <p:txBody>
+          <a:bodyPr wrap="square" rtlCol="0">
+            <a:spAutoFit/>
+          </a:bodyPr>
+          <a:lstStyle/>
+          <a:p>
+            <a:r>
+              <a:rPr lang="en-US" sz="1400" dirty="0">
+                <a:latin typeface="Verdana" panose="020B0604030504040204" pitchFamily="34" charset="0"/>
+                <a:ea typeface="Verdana" panose="020B0604030504040204" pitchFamily="34" charset="0"/>
+                <a:cs typeface="Verdana" panose="020B0604030504040204" pitchFamily="34" charset="0"/>
+              </a:rPr>
+              <a:t> </a:t>
+            </a:r>
+            <a:r>
+              <a:rPr lang="en-US" sz="1400" u="sng" dirty="0">
+                <a:latin typeface="Verdana" panose="020B0604030504040204" pitchFamily="34" charset="0"/>
+                <a:ea typeface="Verdana" panose="020B0604030504040204" pitchFamily="34" charset="0"/>
+                <a:cs typeface="Verdana" panose="020B0604030504040204" pitchFamily="34" charset="0"/>
+              </a:rPr>
+              <a:t>Home</a:t>
+            </a:r>
+            <a:r>
+              <a:rPr lang="en-US" sz="1400" dirty="0">
+                <a:latin typeface="Verdana" panose="020B0604030504040204" pitchFamily="34" charset="0"/>
+                <a:ea typeface="Verdana" panose="020B0604030504040204" pitchFamily="34" charset="0"/>
+                <a:cs typeface="Verdana" panose="020B0604030504040204" pitchFamily="34" charset="0"/>
+              </a:rPr>
+              <a:t>   Products   Stores   Contact </a:t>
+            </a:r>
+          </a:p>
+        </p:txBody>
+      </p:sp>
+      <p:sp>
+        <p:nvSpPr>
+          <p:cNvPr id="9" name="Rectangle 8">
+            <a:extLst>
+              <a:ext uri="{FF2B5EF4-FFF2-40B4-BE49-F238E27FC236}">
+                <a16:creationId xmlns:a16="http://schemas.microsoft.com/office/drawing/2014/main" id="{27A29B62-EB77-354C-926C-72308FAFFB8A}"/>
+              </a:ext>
+            </a:extLst>
+          </p:cNvPr>
+          <p:cNvSpPr/>
+          <p:nvPr/>
+        </p:nvSpPr>
+        <p:spPr>
+          <a:xfrm>
+            <a:off x="3821904" y="0"/>
+            <a:ext cx="3393281" cy="700088"/>
+          </a:xfrm>
+          <a:prstGeom prst="rect">
+            <a:avLst/>
+          </a:prstGeom>
+          <a:solidFill>
+            <a:srgbClr val="29C4BE"/>
+          </a:solidFill>
+        </p:spPr>
+        <p:style>
+          <a:lnRef idx="2">
+            <a:schemeClr val="accent1">
+              <a:shade val="50000"/>
+            </a:schemeClr>
+          </a:lnRef>
+          <a:fillRef idx="1">
+            <a:schemeClr val="accent1"/>
+          </a:fillRef>
+          <a:effectRef idx="0">
+            <a:schemeClr val="accent1"/>
+          </a:effectRef>
+          <a:fontRef idx="minor">
+            <a:schemeClr val="lt1"/>
+          </a:fontRef>
+        </p:style>
+        <p:txBody>
+          <a:bodyPr rtlCol="0" anchor="ctr"/>
+          <a:lstStyle/>
+          <a:p>
+            <a:pPr algn="ctr"/>
+            <a:endParaRPr lang="en-US"/>
+          </a:p>
+        </p:txBody>
+      </p:sp>
+      <p:sp>
+        <p:nvSpPr>
+          <p:cNvPr id="10" name="Rectangle 9">
+            <a:extLst>
+              <a:ext uri="{FF2B5EF4-FFF2-40B4-BE49-F238E27FC236}">
+                <a16:creationId xmlns:a16="http://schemas.microsoft.com/office/drawing/2014/main" id="{8EC0FC19-D781-1F40-829A-22F858464BF5}"/>
+              </a:ext>
+            </a:extLst>
+          </p:cNvPr>
+          <p:cNvSpPr/>
+          <p:nvPr/>
+        </p:nvSpPr>
+        <p:spPr>
+          <a:xfrm>
+            <a:off x="5057772" y="0"/>
+            <a:ext cx="921543" cy="700088"/>
+          </a:xfrm>
+          <a:prstGeom prst="rect">
+            <a:avLst/>
+          </a:prstGeom>
+          <a:solidFill>
+            <a:schemeClr val="bg1">
+              <a:lumMod val="65000"/>
+            </a:schemeClr>
+          </a:solidFill>
+        </p:spPr>
+        <p:style>
+          <a:lnRef idx="2">
+            <a:schemeClr val="accent1">
+              <a:shade val="50000"/>
+            </a:schemeClr>
+          </a:lnRef>
+          <a:fillRef idx="1">
+            <a:schemeClr val="accent1"/>
+          </a:fillRef>
+          <a:effectRef idx="0">
+            <a:schemeClr val="accent1"/>
+          </a:effectRef>
+          <a:fontRef idx="minor">
+            <a:schemeClr val="lt1"/>
+          </a:fontRef>
+        </p:style>
+        <p:txBody>
+          <a:bodyPr rtlCol="0" anchor="ctr"/>
+          <a:lstStyle/>
+          <a:p>
+            <a:pPr algn="ctr"/>
+            <a:endParaRPr lang="en-US"/>
+          </a:p>
+        </p:txBody>
+      </p:sp>
+      <p:sp>
+        <p:nvSpPr>
+          <p:cNvPr id="11" name="TextBox 10">
+            <a:extLst>
+              <a:ext uri="{FF2B5EF4-FFF2-40B4-BE49-F238E27FC236}">
+                <a16:creationId xmlns:a16="http://schemas.microsoft.com/office/drawing/2014/main" id="{58776588-F9F8-3148-BFCF-C19C17787EBE}"/>
+              </a:ext>
+            </a:extLst>
+          </p:cNvPr>
+          <p:cNvSpPr txBox="1"/>
+          <p:nvPr/>
+        </p:nvSpPr>
+        <p:spPr>
+          <a:xfrm>
+            <a:off x="5225650" y="165378"/>
+            <a:ext cx="914400" cy="369332"/>
+          </a:xfrm>
+          <a:prstGeom prst="rect">
+            <a:avLst/>
+          </a:prstGeom>
+          <a:noFill/>
+        </p:spPr>
+        <p:txBody>
+          <a:bodyPr wrap="square" rtlCol="0">
+            <a:spAutoFit/>
+          </a:bodyPr>
+          <a:lstStyle/>
+          <a:p>
+            <a:r>
+              <a:rPr lang="en-US" dirty="0"/>
+              <a:t>logo</a:t>
+            </a:r>
+          </a:p>
+        </p:txBody>
+      </p:sp>
+      <p:sp>
+        <p:nvSpPr>
+          <p:cNvPr id="13" name="TextBox 12">
+            <a:extLst>
+              <a:ext uri="{FF2B5EF4-FFF2-40B4-BE49-F238E27FC236}">
+                <a16:creationId xmlns:a16="http://schemas.microsoft.com/office/drawing/2014/main" id="{37E864AC-67A7-DA41-B63C-A9290E9B992F}"/>
+              </a:ext>
+            </a:extLst>
+          </p:cNvPr>
+          <p:cNvSpPr txBox="1"/>
+          <p:nvPr/>
+        </p:nvSpPr>
+        <p:spPr>
+          <a:xfrm>
+            <a:off x="4614858" y="603856"/>
+            <a:ext cx="1807369" cy="523220"/>
+          </a:xfrm>
+          <a:prstGeom prst="rect">
+            <a:avLst/>
+          </a:prstGeom>
+          <a:noFill/>
+        </p:spPr>
+        <p:txBody>
+          <a:bodyPr wrap="square" rtlCol="0">
+            <a:spAutoFit/>
+          </a:bodyPr>
+          <a:lstStyle/>
+          <a:p>
+            <a:r>
+              <a:rPr lang="en-US" sz="2800" dirty="0">
+                <a:latin typeface="Verdana" panose="020B0604030504040204" pitchFamily="34" charset="0"/>
+                <a:ea typeface="Verdana" panose="020B0604030504040204" pitchFamily="34" charset="0"/>
+                <a:cs typeface="Verdana" panose="020B0604030504040204" pitchFamily="34" charset="0"/>
+              </a:rPr>
+              <a:t>Welcome</a:t>
+            </a:r>
+          </a:p>
+        </p:txBody>
+      </p:sp>
+      <p:sp>
+        <p:nvSpPr>
+          <p:cNvPr id="14" name="TextBox 13">
+            <a:extLst>
+              <a:ext uri="{FF2B5EF4-FFF2-40B4-BE49-F238E27FC236}">
+                <a16:creationId xmlns:a16="http://schemas.microsoft.com/office/drawing/2014/main" id="{A16ADE27-F519-074B-80FF-25BE4667B908}"/>
+              </a:ext>
+            </a:extLst>
+          </p:cNvPr>
+          <p:cNvSpPr txBox="1"/>
+          <p:nvPr/>
+        </p:nvSpPr>
+        <p:spPr>
+          <a:xfrm>
+            <a:off x="4014782" y="1009710"/>
+            <a:ext cx="3200403" cy="461665"/>
+          </a:xfrm>
+          <a:prstGeom prst="rect">
+            <a:avLst/>
+          </a:prstGeom>
+          <a:noFill/>
+        </p:spPr>
+        <p:txBody>
+          <a:bodyPr wrap="square" rtlCol="0">
+            <a:spAutoFit/>
+          </a:bodyPr>
+          <a:lstStyle/>
+          <a:p>
+            <a:r>
+              <a:rPr lang="en-US" sz="2400" dirty="0">
+                <a:latin typeface="Verdana" panose="020B0604030504040204" pitchFamily="34" charset="0"/>
+                <a:ea typeface="Verdana" panose="020B0604030504040204" pitchFamily="34" charset="0"/>
+                <a:cs typeface="Verdana" panose="020B0604030504040204" pitchFamily="34" charset="0"/>
+              </a:rPr>
+              <a:t>View Our Products</a:t>
+            </a:r>
+          </a:p>
+        </p:txBody>
+      </p:sp>
+      <p:sp>
+        <p:nvSpPr>
+          <p:cNvPr id="15" name="Rectangle 14">
+            <a:extLst>
+              <a:ext uri="{FF2B5EF4-FFF2-40B4-BE49-F238E27FC236}">
+                <a16:creationId xmlns:a16="http://schemas.microsoft.com/office/drawing/2014/main" id="{4653F1B0-13C9-084C-802A-03E694A7D4D9}"/>
+              </a:ext>
+            </a:extLst>
+          </p:cNvPr>
+          <p:cNvSpPr/>
+          <p:nvPr/>
+        </p:nvSpPr>
+        <p:spPr>
+          <a:xfrm>
+            <a:off x="4754158" y="1636753"/>
+            <a:ext cx="1546629" cy="1498043"/>
+          </a:xfrm>
+          <a:prstGeom prst="rect">
+            <a:avLst/>
+          </a:prstGeom>
+          <a:solidFill>
+            <a:schemeClr val="bg1">
+              <a:lumMod val="65000"/>
+            </a:schemeClr>
+          </a:solidFill>
+        </p:spPr>
+        <p:style>
+          <a:lnRef idx="2">
+            <a:schemeClr val="accent1">
+              <a:shade val="50000"/>
+            </a:schemeClr>
+          </a:lnRef>
+          <a:fillRef idx="1">
+            <a:schemeClr val="accent1"/>
+          </a:fillRef>
+          <a:effectRef idx="0">
+            <a:schemeClr val="accent1"/>
+          </a:effectRef>
+          <a:fontRef idx="minor">
+            <a:schemeClr val="lt1"/>
+          </a:fontRef>
+        </p:style>
+        <p:txBody>
+          <a:bodyPr rtlCol="0" anchor="ctr"/>
+          <a:lstStyle/>
+          <a:p>
+            <a:pPr algn="ctr"/>
+            <a:endParaRPr lang="en-US"/>
+          </a:p>
+        </p:txBody>
+      </p:sp>
+      <p:sp>
+        <p:nvSpPr>
+          <p:cNvPr id="16" name="TextBox 15">
+            <a:extLst>
+              <a:ext uri="{FF2B5EF4-FFF2-40B4-BE49-F238E27FC236}">
+                <a16:creationId xmlns:a16="http://schemas.microsoft.com/office/drawing/2014/main" id="{860063CE-FE0C-0843-A8D3-5A62BF6F014B}"/>
+              </a:ext>
+            </a:extLst>
+          </p:cNvPr>
+          <p:cNvSpPr txBox="1"/>
+          <p:nvPr/>
+        </p:nvSpPr>
+        <p:spPr>
+          <a:xfrm>
+            <a:off x="5057772" y="2109460"/>
+            <a:ext cx="914400" cy="646331"/>
+          </a:xfrm>
+          <a:prstGeom prst="rect">
+            <a:avLst/>
+          </a:prstGeom>
+          <a:noFill/>
+        </p:spPr>
+        <p:txBody>
+          <a:bodyPr wrap="square" rtlCol="0">
+            <a:spAutoFit/>
+          </a:bodyPr>
+          <a:lstStyle/>
+          <a:p>
+            <a:r>
+              <a:rPr lang="en-US" dirty="0"/>
+              <a:t>Product image</a:t>
+            </a:r>
+          </a:p>
+        </p:txBody>
+      </p:sp>
+      <p:sp>
+        <p:nvSpPr>
+          <p:cNvPr id="17" name="TextBox 16">
+            <a:extLst>
+              <a:ext uri="{FF2B5EF4-FFF2-40B4-BE49-F238E27FC236}">
+                <a16:creationId xmlns:a16="http://schemas.microsoft.com/office/drawing/2014/main" id="{9825496E-41F8-674F-BD9C-05CC54E3B3F4}"/>
+              </a:ext>
+            </a:extLst>
+          </p:cNvPr>
+          <p:cNvSpPr txBox="1"/>
+          <p:nvPr/>
+        </p:nvSpPr>
+        <p:spPr>
+          <a:xfrm>
+            <a:off x="4614858" y="3557826"/>
+            <a:ext cx="1793081" cy="1200329"/>
+          </a:xfrm>
+          <a:prstGeom prst="rect">
+            <a:avLst/>
+          </a:prstGeom>
+          <a:noFill/>
+        </p:spPr>
+        <p:txBody>
+          <a:bodyPr wrap="square" rtlCol="0">
+            <a:spAutoFit/>
+          </a:bodyPr>
+          <a:lstStyle/>
+          <a:p>
+            <a:r>
+              <a:rPr lang="en-US" dirty="0"/>
+              <a:t>Text about the shop text about the shop text about the shop</a:t>
+            </a:r>
+          </a:p>
+        </p:txBody>
+      </p:sp>
+      <p:sp>
+        <p:nvSpPr>
+          <p:cNvPr id="18" name="Rectangle 17">
+            <a:extLst>
+              <a:ext uri="{FF2B5EF4-FFF2-40B4-BE49-F238E27FC236}">
+                <a16:creationId xmlns:a16="http://schemas.microsoft.com/office/drawing/2014/main" id="{DDFF2B29-3243-054E-BB49-5F380A2313C1}"/>
+              </a:ext>
+            </a:extLst>
+          </p:cNvPr>
+          <p:cNvSpPr/>
+          <p:nvPr/>
+        </p:nvSpPr>
+        <p:spPr>
+          <a:xfrm>
+            <a:off x="4738083" y="5086857"/>
+            <a:ext cx="1546629" cy="1071055"/>
+          </a:xfrm>
+          <a:prstGeom prst="rect">
+            <a:avLst/>
+          </a:prstGeom>
+          <a:solidFill>
+            <a:schemeClr val="bg1">
+              <a:lumMod val="65000"/>
+            </a:schemeClr>
+          </a:solidFill>
+        </p:spPr>
+        <p:style>
+          <a:lnRef idx="2">
+            <a:schemeClr val="accent1">
+              <a:shade val="50000"/>
+            </a:schemeClr>
+          </a:lnRef>
+          <a:fillRef idx="1">
+            <a:schemeClr val="accent1"/>
+          </a:fillRef>
+          <a:effectRef idx="0">
+            <a:schemeClr val="accent1"/>
+          </a:effectRef>
+          <a:fontRef idx="minor">
+            <a:schemeClr val="lt1"/>
+          </a:fontRef>
+        </p:style>
+        <p:txBody>
+          <a:bodyPr rtlCol="0" anchor="ctr"/>
+          <a:lstStyle/>
+          <a:p>
+            <a:pPr algn="ctr"/>
+            <a:endParaRPr lang="en-US"/>
+          </a:p>
+        </p:txBody>
+      </p:sp>
+      <p:sp>
+        <p:nvSpPr>
+          <p:cNvPr id="19" name="TextBox 18">
+            <a:extLst>
+              <a:ext uri="{FF2B5EF4-FFF2-40B4-BE49-F238E27FC236}">
+                <a16:creationId xmlns:a16="http://schemas.microsoft.com/office/drawing/2014/main" id="{0446A72C-B3A3-214D-AEA8-17972D7E25A8}"/>
+              </a:ext>
+            </a:extLst>
+          </p:cNvPr>
+          <p:cNvSpPr txBox="1"/>
+          <p:nvPr/>
+        </p:nvSpPr>
+        <p:spPr>
+          <a:xfrm>
+            <a:off x="5091702" y="5428892"/>
+            <a:ext cx="914400" cy="646331"/>
+          </a:xfrm>
+          <a:prstGeom prst="rect">
+            <a:avLst/>
+          </a:prstGeom>
+          <a:noFill/>
+        </p:spPr>
+        <p:txBody>
+          <a:bodyPr wrap="square" rtlCol="0">
+            <a:spAutoFit/>
+          </a:bodyPr>
+          <a:lstStyle/>
+          <a:p>
+            <a:r>
+              <a:rPr lang="en-US" dirty="0"/>
+              <a:t>Map image</a:t>
+            </a:r>
+          </a:p>
+        </p:txBody>
+      </p:sp>
+    </p:spTree>
+    <p:extLst>
+      <p:ext uri="{BB962C8B-B14F-4D97-AF65-F5344CB8AC3E}">
+        <p14:creationId xmlns:p14="http://schemas.microsoft.com/office/powerpoint/2010/main" val="5525758"/>
+      </p:ext>
+    </p:extLst>
+  </p:cSld>
+  <p:clrMapOvr>
+    <a:masterClrMapping/>
+  </p:clrMapOvr>
+</p:sld>
+</file>
+
+<file path=ppt/slides/slide9.xml><?xml version="1.0" encoding="utf-8"?>
+<p:sld xmlns:a="http://schemas.openxmlformats.org/drawingml/2006/main" xmlns:r="http://schemas.openxmlformats.org/officeDocument/2006/relationships" xmlns:p="http://schemas.openxmlformats.org/presentationml/2006/main">
+  <p:cSld>
+    <p:spTree>
+      <p:nvGrpSpPr>
+        <p:cNvPr id="1" name=""/>
+        <p:cNvGrpSpPr/>
+        <p:nvPr/>
+      </p:nvGrpSpPr>
+      <p:grpSpPr>
+        <a:xfrm>
+          <a:off x="0" y="0"/>
+          <a:ext cx="0" cy="0"/>
+          <a:chOff x="0" y="0"/>
+          <a:chExt cx="0" cy="0"/>
+        </a:xfrm>
+      </p:grpSpPr>
+      <p:sp>
+        <p:nvSpPr>
+          <p:cNvPr id="4" name="Rectangle 3">
+            <a:extLst>
+              <a:ext uri="{FF2B5EF4-FFF2-40B4-BE49-F238E27FC236}">
+                <a16:creationId xmlns:a16="http://schemas.microsoft.com/office/drawing/2014/main" id="{F1034EE4-BE12-3344-B31E-059F8DDE25CD}"/>
+              </a:ext>
+            </a:extLst>
+          </p:cNvPr>
+          <p:cNvSpPr/>
+          <p:nvPr/>
+        </p:nvSpPr>
+        <p:spPr>
+          <a:xfrm>
+            <a:off x="3821906" y="0"/>
+            <a:ext cx="3393281" cy="6858000"/>
+          </a:xfrm>
+          <a:prstGeom prst="rect">
+            <a:avLst/>
+          </a:prstGeom>
+          <a:solidFill>
+            <a:schemeClr val="bg1"/>
+          </a:solidFill>
+        </p:spPr>
+        <p:style>
+          <a:lnRef idx="2">
+            <a:schemeClr val="accent1">
+              <a:shade val="50000"/>
+            </a:schemeClr>
+          </a:lnRef>
+          <a:fillRef idx="1">
+            <a:schemeClr val="accent1"/>
+          </a:fillRef>
+          <a:effectRef idx="0">
+            <a:schemeClr val="accent1"/>
+          </a:effectRef>
+          <a:fontRef idx="minor">
+            <a:schemeClr val="lt1"/>
+          </a:fontRef>
+        </p:style>
+        <p:txBody>
+          <a:bodyPr rtlCol="0" anchor="ctr"/>
+          <a:lstStyle/>
+          <a:p>
+            <a:pPr algn="ctr"/>
+            <a:endParaRPr lang="en-US"/>
+          </a:p>
+        </p:txBody>
+      </p:sp>
+      <p:sp>
+        <p:nvSpPr>
+          <p:cNvPr id="6" name="Rectangle 5">
+            <a:extLst>
+              <a:ext uri="{FF2B5EF4-FFF2-40B4-BE49-F238E27FC236}">
+                <a16:creationId xmlns:a16="http://schemas.microsoft.com/office/drawing/2014/main" id="{681DE678-7797-FC43-961B-7C8F6B9F9321}"/>
+              </a:ext>
+            </a:extLst>
+          </p:cNvPr>
+          <p:cNvSpPr/>
+          <p:nvPr/>
+        </p:nvSpPr>
+        <p:spPr>
+          <a:xfrm>
+            <a:off x="3821906" y="6157912"/>
+            <a:ext cx="3393281" cy="700088"/>
+          </a:xfrm>
+          <a:prstGeom prst="rect">
+            <a:avLst/>
+          </a:prstGeom>
+          <a:solidFill>
+            <a:srgbClr val="29C4BE"/>
+          </a:solidFill>
+        </p:spPr>
+        <p:style>
+          <a:lnRef idx="2">
+            <a:schemeClr val="accent1">
+              <a:shade val="50000"/>
+            </a:schemeClr>
+          </a:lnRef>
+          <a:fillRef idx="1">
+            <a:schemeClr val="accent1"/>
+          </a:fillRef>
+          <a:effectRef idx="0">
+            <a:schemeClr val="accent1"/>
+          </a:effectRef>
+          <a:fontRef idx="minor">
+            <a:schemeClr val="lt1"/>
+          </a:fontRef>
+        </p:style>
+        <p:txBody>
+          <a:bodyPr rtlCol="0" anchor="ctr"/>
+          <a:lstStyle/>
+          <a:p>
+            <a:pPr algn="ctr"/>
+            <a:endParaRPr lang="en-US"/>
+          </a:p>
+        </p:txBody>
+      </p:sp>
+      <p:sp>
+        <p:nvSpPr>
+          <p:cNvPr id="8" name="TextBox 7">
+            <a:extLst>
+              <a:ext uri="{FF2B5EF4-FFF2-40B4-BE49-F238E27FC236}">
+                <a16:creationId xmlns:a16="http://schemas.microsoft.com/office/drawing/2014/main" id="{B073007F-A47D-4547-8066-73EA2E82240C}"/>
+              </a:ext>
+            </a:extLst>
+          </p:cNvPr>
+          <p:cNvSpPr txBox="1"/>
+          <p:nvPr/>
+        </p:nvSpPr>
+        <p:spPr>
+          <a:xfrm>
+            <a:off x="3821905" y="6323290"/>
+            <a:ext cx="3393281" cy="307777"/>
+          </a:xfrm>
+          <a:prstGeom prst="rect">
+            <a:avLst/>
+          </a:prstGeom>
+          <a:noFill/>
+        </p:spPr>
+        <p:txBody>
+          <a:bodyPr wrap="square" rtlCol="0">
+            <a:spAutoFit/>
+          </a:bodyPr>
+          <a:lstStyle/>
+          <a:p>
+            <a:r>
+              <a:rPr lang="en-US" sz="1400" dirty="0">
+                <a:latin typeface="Verdana" panose="020B0604030504040204" pitchFamily="34" charset="0"/>
+                <a:ea typeface="Verdana" panose="020B0604030504040204" pitchFamily="34" charset="0"/>
+                <a:cs typeface="Verdana" panose="020B0604030504040204" pitchFamily="34" charset="0"/>
+              </a:rPr>
+              <a:t> Home   </a:t>
+            </a:r>
+            <a:r>
+              <a:rPr lang="en-US" sz="1400" u="sng" dirty="0">
+                <a:latin typeface="Verdana" panose="020B0604030504040204" pitchFamily="34" charset="0"/>
+                <a:ea typeface="Verdana" panose="020B0604030504040204" pitchFamily="34" charset="0"/>
+                <a:cs typeface="Verdana" panose="020B0604030504040204" pitchFamily="34" charset="0"/>
+              </a:rPr>
+              <a:t>Products</a:t>
+            </a:r>
+            <a:r>
+              <a:rPr lang="en-US" sz="1400" dirty="0">
+                <a:latin typeface="Verdana" panose="020B0604030504040204" pitchFamily="34" charset="0"/>
+                <a:ea typeface="Verdana" panose="020B0604030504040204" pitchFamily="34" charset="0"/>
+                <a:cs typeface="Verdana" panose="020B0604030504040204" pitchFamily="34" charset="0"/>
+              </a:rPr>
+              <a:t>   Stores   Contact </a:t>
+            </a:r>
+          </a:p>
+        </p:txBody>
+      </p:sp>
+      <p:sp>
+        <p:nvSpPr>
+          <p:cNvPr id="9" name="Rectangle 8">
+            <a:extLst>
+              <a:ext uri="{FF2B5EF4-FFF2-40B4-BE49-F238E27FC236}">
+                <a16:creationId xmlns:a16="http://schemas.microsoft.com/office/drawing/2014/main" id="{27A29B62-EB77-354C-926C-72308FAFFB8A}"/>
+              </a:ext>
+            </a:extLst>
+          </p:cNvPr>
+          <p:cNvSpPr/>
+          <p:nvPr/>
+        </p:nvSpPr>
+        <p:spPr>
+          <a:xfrm>
+            <a:off x="3821904" y="0"/>
+            <a:ext cx="3393281" cy="700088"/>
+          </a:xfrm>
+          <a:prstGeom prst="rect">
+            <a:avLst/>
+          </a:prstGeom>
+          <a:solidFill>
+            <a:srgbClr val="29C4BE"/>
+          </a:solidFill>
+        </p:spPr>
+        <p:style>
+          <a:lnRef idx="2">
+            <a:schemeClr val="accent1">
+              <a:shade val="50000"/>
+            </a:schemeClr>
+          </a:lnRef>
+          <a:fillRef idx="1">
+            <a:schemeClr val="accent1"/>
+          </a:fillRef>
+          <a:effectRef idx="0">
+            <a:schemeClr val="accent1"/>
+          </a:effectRef>
+          <a:fontRef idx="minor">
+            <a:schemeClr val="lt1"/>
+          </a:fontRef>
+        </p:style>
+        <p:txBody>
+          <a:bodyPr rtlCol="0" anchor="ctr"/>
+          <a:lstStyle/>
+          <a:p>
+            <a:pPr algn="ctr"/>
+            <a:endParaRPr lang="en-US"/>
+          </a:p>
+        </p:txBody>
+      </p:sp>
+      <p:sp>
+        <p:nvSpPr>
+          <p:cNvPr id="10" name="Rectangle 9">
+            <a:extLst>
+              <a:ext uri="{FF2B5EF4-FFF2-40B4-BE49-F238E27FC236}">
+                <a16:creationId xmlns:a16="http://schemas.microsoft.com/office/drawing/2014/main" id="{8EC0FC19-D781-1F40-829A-22F858464BF5}"/>
+              </a:ext>
+            </a:extLst>
+          </p:cNvPr>
+          <p:cNvSpPr/>
+          <p:nvPr/>
+        </p:nvSpPr>
+        <p:spPr>
+          <a:xfrm>
+            <a:off x="5057772" y="0"/>
+            <a:ext cx="921543" cy="700088"/>
+          </a:xfrm>
+          <a:prstGeom prst="rect">
+            <a:avLst/>
+          </a:prstGeom>
+          <a:solidFill>
+            <a:schemeClr val="bg1">
+              <a:lumMod val="65000"/>
+            </a:schemeClr>
+          </a:solidFill>
+        </p:spPr>
+        <p:style>
+          <a:lnRef idx="2">
+            <a:schemeClr val="accent1">
+              <a:shade val="50000"/>
+            </a:schemeClr>
+          </a:lnRef>
+          <a:fillRef idx="1">
+            <a:schemeClr val="accent1"/>
+          </a:fillRef>
+          <a:effectRef idx="0">
+            <a:schemeClr val="accent1"/>
+          </a:effectRef>
+          <a:fontRef idx="minor">
+            <a:schemeClr val="lt1"/>
+          </a:fontRef>
+        </p:style>
+        <p:txBody>
+          <a:bodyPr rtlCol="0" anchor="ctr"/>
+          <a:lstStyle/>
+          <a:p>
+            <a:pPr algn="ctr"/>
+            <a:endParaRPr lang="en-US"/>
+          </a:p>
+        </p:txBody>
+      </p:sp>
+      <p:sp>
+        <p:nvSpPr>
+          <p:cNvPr id="11" name="TextBox 10">
+            <a:extLst>
+              <a:ext uri="{FF2B5EF4-FFF2-40B4-BE49-F238E27FC236}">
+                <a16:creationId xmlns:a16="http://schemas.microsoft.com/office/drawing/2014/main" id="{58776588-F9F8-3148-BFCF-C19C17787EBE}"/>
+              </a:ext>
+            </a:extLst>
+          </p:cNvPr>
+          <p:cNvSpPr txBox="1"/>
+          <p:nvPr/>
+        </p:nvSpPr>
+        <p:spPr>
+          <a:xfrm>
+            <a:off x="5225650" y="165378"/>
+            <a:ext cx="914400" cy="369332"/>
+          </a:xfrm>
+          <a:prstGeom prst="rect">
+            <a:avLst/>
+          </a:prstGeom>
+          <a:noFill/>
+        </p:spPr>
+        <p:txBody>
+          <a:bodyPr wrap="square" rtlCol="0">
+            <a:spAutoFit/>
+          </a:bodyPr>
+          <a:lstStyle/>
+          <a:p>
+            <a:r>
+              <a:rPr lang="en-US" dirty="0"/>
+              <a:t>logo</a:t>
+            </a:r>
+          </a:p>
+        </p:txBody>
+      </p:sp>
+      <p:sp>
+        <p:nvSpPr>
+          <p:cNvPr id="12" name="Rectangle 11">
+            <a:extLst>
+              <a:ext uri="{FF2B5EF4-FFF2-40B4-BE49-F238E27FC236}">
+                <a16:creationId xmlns:a16="http://schemas.microsoft.com/office/drawing/2014/main" id="{074CB091-8FF4-1C44-A828-B7A3CE601977}"/>
+              </a:ext>
+            </a:extLst>
+          </p:cNvPr>
+          <p:cNvSpPr/>
+          <p:nvPr/>
+        </p:nvSpPr>
+        <p:spPr>
+          <a:xfrm>
+            <a:off x="4054062" y="1580912"/>
+            <a:ext cx="1085858" cy="1105137"/>
+          </a:xfrm>
+          <a:prstGeom prst="rect">
+            <a:avLst/>
+          </a:prstGeom>
+          <a:solidFill>
+            <a:schemeClr val="bg1">
+              <a:lumMod val="65000"/>
+            </a:schemeClr>
+          </a:solidFill>
+        </p:spPr>
+        <p:style>
+          <a:lnRef idx="2">
+            <a:schemeClr val="accent1">
+              <a:shade val="50000"/>
+            </a:schemeClr>
+          </a:lnRef>
+          <a:fillRef idx="1">
+            <a:schemeClr val="accent1"/>
+          </a:fillRef>
+          <a:effectRef idx="0">
+            <a:schemeClr val="accent1"/>
+          </a:effectRef>
+          <a:fontRef idx="minor">
+            <a:schemeClr val="lt1"/>
+          </a:fontRef>
+        </p:style>
+        <p:txBody>
+          <a:bodyPr rtlCol="0" anchor="ctr"/>
+          <a:lstStyle/>
+          <a:p>
+            <a:pPr algn="ctr"/>
+            <a:endParaRPr lang="en-US"/>
+          </a:p>
+        </p:txBody>
+      </p:sp>
+      <p:sp>
+        <p:nvSpPr>
+          <p:cNvPr id="13" name="Rectangle 12">
+            <a:extLst>
+              <a:ext uri="{FF2B5EF4-FFF2-40B4-BE49-F238E27FC236}">
+                <a16:creationId xmlns:a16="http://schemas.microsoft.com/office/drawing/2014/main" id="{95B7C205-3955-3641-9FD5-186FBFE8741C}"/>
+              </a:ext>
+            </a:extLst>
+          </p:cNvPr>
+          <p:cNvSpPr/>
+          <p:nvPr/>
+        </p:nvSpPr>
+        <p:spPr>
+          <a:xfrm>
+            <a:off x="5904306" y="1580911"/>
+            <a:ext cx="1085858" cy="1105137"/>
+          </a:xfrm>
+          <a:prstGeom prst="rect">
+            <a:avLst/>
+          </a:prstGeom>
+          <a:solidFill>
+            <a:schemeClr val="bg1">
+              <a:lumMod val="65000"/>
+            </a:schemeClr>
+          </a:solidFill>
+        </p:spPr>
+        <p:style>
+          <a:lnRef idx="2">
+            <a:schemeClr val="accent1">
+              <a:shade val="50000"/>
+            </a:schemeClr>
+          </a:lnRef>
+          <a:fillRef idx="1">
+            <a:schemeClr val="accent1"/>
+          </a:fillRef>
+          <a:effectRef idx="0">
+            <a:schemeClr val="accent1"/>
+          </a:effectRef>
+          <a:fontRef idx="minor">
+            <a:schemeClr val="lt1"/>
+          </a:fontRef>
+        </p:style>
+        <p:txBody>
+          <a:bodyPr rtlCol="0" anchor="ctr"/>
+          <a:lstStyle/>
+          <a:p>
+            <a:pPr algn="ctr"/>
+            <a:endParaRPr lang="en-US"/>
+          </a:p>
+        </p:txBody>
+      </p:sp>
+      <p:sp>
+        <p:nvSpPr>
+          <p:cNvPr id="14" name="Rectangle 13">
+            <a:extLst>
+              <a:ext uri="{FF2B5EF4-FFF2-40B4-BE49-F238E27FC236}">
+                <a16:creationId xmlns:a16="http://schemas.microsoft.com/office/drawing/2014/main" id="{FD2276A6-8E4A-8E48-8615-7C80FF752CCC}"/>
+              </a:ext>
+            </a:extLst>
+          </p:cNvPr>
+          <p:cNvSpPr/>
+          <p:nvPr/>
+        </p:nvSpPr>
+        <p:spPr>
+          <a:xfrm>
+            <a:off x="4054062" y="3316843"/>
+            <a:ext cx="1085858" cy="1105137"/>
+          </a:xfrm>
+          <a:prstGeom prst="rect">
+            <a:avLst/>
+          </a:prstGeom>
+          <a:solidFill>
+            <a:schemeClr val="bg1">
+              <a:lumMod val="65000"/>
+            </a:schemeClr>
+          </a:solidFill>
+        </p:spPr>
+        <p:style>
+          <a:lnRef idx="2">
+            <a:schemeClr val="accent1">
+              <a:shade val="50000"/>
+            </a:schemeClr>
+          </a:lnRef>
+          <a:fillRef idx="1">
+            <a:schemeClr val="accent1"/>
+          </a:fillRef>
+          <a:effectRef idx="0">
+            <a:schemeClr val="accent1"/>
+          </a:effectRef>
+          <a:fontRef idx="minor">
+            <a:schemeClr val="lt1"/>
+          </a:fontRef>
+        </p:style>
+        <p:txBody>
+          <a:bodyPr rtlCol="0" anchor="ctr"/>
+          <a:lstStyle/>
+          <a:p>
+            <a:pPr algn="ctr"/>
+            <a:endParaRPr lang="en-US"/>
+          </a:p>
+        </p:txBody>
+      </p:sp>
+      <p:sp>
+        <p:nvSpPr>
+          <p:cNvPr id="15" name="Rectangle 14">
+            <a:extLst>
+              <a:ext uri="{FF2B5EF4-FFF2-40B4-BE49-F238E27FC236}">
+                <a16:creationId xmlns:a16="http://schemas.microsoft.com/office/drawing/2014/main" id="{3B289E23-C342-4946-A1AD-29A73616F506}"/>
+              </a:ext>
+            </a:extLst>
+          </p:cNvPr>
+          <p:cNvSpPr/>
+          <p:nvPr/>
+        </p:nvSpPr>
+        <p:spPr>
+          <a:xfrm>
+            <a:off x="5904306" y="3316842"/>
+            <a:ext cx="1085858" cy="1105137"/>
+          </a:xfrm>
+          <a:prstGeom prst="rect">
+            <a:avLst/>
+          </a:prstGeom>
+          <a:solidFill>
+            <a:schemeClr val="bg1">
+              <a:lumMod val="65000"/>
+            </a:schemeClr>
+          </a:solidFill>
+        </p:spPr>
+        <p:style>
+          <a:lnRef idx="2">
+            <a:schemeClr val="accent1">
+              <a:shade val="50000"/>
+            </a:schemeClr>
+          </a:lnRef>
+          <a:fillRef idx="1">
+            <a:schemeClr val="accent1"/>
+          </a:fillRef>
+          <a:effectRef idx="0">
+            <a:schemeClr val="accent1"/>
+          </a:effectRef>
+          <a:fontRef idx="minor">
+            <a:schemeClr val="lt1"/>
+          </a:fontRef>
+        </p:style>
+        <p:txBody>
+          <a:bodyPr rtlCol="0" anchor="ctr"/>
+          <a:lstStyle/>
+          <a:p>
+            <a:pPr algn="ctr"/>
+            <a:endParaRPr lang="en-US"/>
+          </a:p>
+        </p:txBody>
+      </p:sp>
+      <p:sp>
+        <p:nvSpPr>
+          <p:cNvPr id="16" name="Rectangle 15">
+            <a:extLst>
+              <a:ext uri="{FF2B5EF4-FFF2-40B4-BE49-F238E27FC236}">
+                <a16:creationId xmlns:a16="http://schemas.microsoft.com/office/drawing/2014/main" id="{8452AFEF-07A4-5F4F-956B-B53E05B95035}"/>
+              </a:ext>
+            </a:extLst>
+          </p:cNvPr>
+          <p:cNvSpPr/>
+          <p:nvPr/>
+        </p:nvSpPr>
+        <p:spPr>
+          <a:xfrm>
+            <a:off x="4054062" y="4916208"/>
+            <a:ext cx="1085858" cy="1105137"/>
+          </a:xfrm>
+          <a:prstGeom prst="rect">
+            <a:avLst/>
+          </a:prstGeom>
+          <a:solidFill>
+            <a:schemeClr val="bg1">
+              <a:lumMod val="65000"/>
+            </a:schemeClr>
+          </a:solidFill>
+        </p:spPr>
+        <p:style>
+          <a:lnRef idx="2">
+            <a:schemeClr val="accent1">
+              <a:shade val="50000"/>
+            </a:schemeClr>
+          </a:lnRef>
+          <a:fillRef idx="1">
+            <a:schemeClr val="accent1"/>
+          </a:fillRef>
+          <a:effectRef idx="0">
+            <a:schemeClr val="accent1"/>
+          </a:effectRef>
+          <a:fontRef idx="minor">
+            <a:schemeClr val="lt1"/>
+          </a:fontRef>
+        </p:style>
+        <p:txBody>
+          <a:bodyPr rtlCol="0" anchor="ctr"/>
+          <a:lstStyle/>
+          <a:p>
+            <a:pPr algn="ctr"/>
+            <a:endParaRPr lang="en-US"/>
+          </a:p>
+        </p:txBody>
+      </p:sp>
+      <p:sp>
+        <p:nvSpPr>
+          <p:cNvPr id="17" name="Rectangle 16">
+            <a:extLst>
+              <a:ext uri="{FF2B5EF4-FFF2-40B4-BE49-F238E27FC236}">
+                <a16:creationId xmlns:a16="http://schemas.microsoft.com/office/drawing/2014/main" id="{74BFE60D-07AE-6D47-8256-EAF2999AA495}"/>
+              </a:ext>
+            </a:extLst>
+          </p:cNvPr>
+          <p:cNvSpPr/>
+          <p:nvPr/>
+        </p:nvSpPr>
+        <p:spPr>
+          <a:xfrm>
+            <a:off x="5904306" y="4920017"/>
+            <a:ext cx="1085858" cy="1105137"/>
+          </a:xfrm>
+          <a:prstGeom prst="rect">
+            <a:avLst/>
+          </a:prstGeom>
+          <a:solidFill>
+            <a:schemeClr val="bg1">
+              <a:lumMod val="65000"/>
+            </a:schemeClr>
+          </a:solidFill>
+        </p:spPr>
+        <p:style>
+          <a:lnRef idx="2">
+            <a:schemeClr val="accent1">
+              <a:shade val="50000"/>
+            </a:schemeClr>
+          </a:lnRef>
+          <a:fillRef idx="1">
+            <a:schemeClr val="accent1"/>
+          </a:fillRef>
+          <a:effectRef idx="0">
+            <a:schemeClr val="accent1"/>
+          </a:effectRef>
+          <a:fontRef idx="minor">
+            <a:schemeClr val="lt1"/>
+          </a:fontRef>
+        </p:style>
+        <p:txBody>
+          <a:bodyPr rtlCol="0" anchor="ctr"/>
+          <a:lstStyle/>
+          <a:p>
+            <a:pPr algn="ctr"/>
+            <a:endParaRPr lang="en-US"/>
+          </a:p>
+        </p:txBody>
+      </p:sp>
+      <p:sp>
+        <p:nvSpPr>
+          <p:cNvPr id="2" name="TextBox 1">
+            <a:extLst>
+              <a:ext uri="{FF2B5EF4-FFF2-40B4-BE49-F238E27FC236}">
+                <a16:creationId xmlns:a16="http://schemas.microsoft.com/office/drawing/2014/main" id="{EB3BBEB1-6F6E-0E43-8335-254FB2758F9A}"/>
+              </a:ext>
+            </a:extLst>
+          </p:cNvPr>
+          <p:cNvSpPr txBox="1"/>
+          <p:nvPr/>
+        </p:nvSpPr>
+        <p:spPr>
+          <a:xfrm>
+            <a:off x="4668437" y="950117"/>
+            <a:ext cx="2621756" cy="369332"/>
+          </a:xfrm>
+          <a:prstGeom prst="rect">
+            <a:avLst/>
+          </a:prstGeom>
+          <a:noFill/>
+        </p:spPr>
+        <p:txBody>
+          <a:bodyPr wrap="square" rtlCol="0">
+            <a:spAutoFit/>
+          </a:bodyPr>
+          <a:lstStyle/>
+          <a:p>
+            <a:r>
+              <a:rPr lang="en-US" u="sng" dirty="0">
+                <a:latin typeface="Verdana" panose="020B0604030504040204" pitchFamily="34" charset="0"/>
+                <a:ea typeface="Verdana" panose="020B0604030504040204" pitchFamily="34" charset="0"/>
+                <a:cs typeface="Verdana" panose="020B0604030504040204" pitchFamily="34" charset="0"/>
+              </a:rPr>
+              <a:t>Teas</a:t>
+            </a:r>
+            <a:r>
+              <a:rPr lang="en-US" dirty="0">
+                <a:latin typeface="Verdana" panose="020B0604030504040204" pitchFamily="34" charset="0"/>
+                <a:ea typeface="Verdana" panose="020B0604030504040204" pitchFamily="34" charset="0"/>
+                <a:cs typeface="Verdana" panose="020B0604030504040204" pitchFamily="34" charset="0"/>
+              </a:rPr>
+              <a:t>	Coffee</a:t>
+            </a:r>
+          </a:p>
+        </p:txBody>
+      </p:sp>
+      <p:sp>
+        <p:nvSpPr>
+          <p:cNvPr id="3" name="TextBox 2">
+            <a:extLst>
+              <a:ext uri="{FF2B5EF4-FFF2-40B4-BE49-F238E27FC236}">
+                <a16:creationId xmlns:a16="http://schemas.microsoft.com/office/drawing/2014/main" id="{56FCD5C2-34C4-9D46-8A00-DD82298EB919}"/>
+              </a:ext>
+            </a:extLst>
+          </p:cNvPr>
+          <p:cNvSpPr txBox="1"/>
+          <p:nvPr/>
+        </p:nvSpPr>
+        <p:spPr>
+          <a:xfrm>
+            <a:off x="4091564" y="5258598"/>
+            <a:ext cx="1085859" cy="646331"/>
+          </a:xfrm>
+          <a:prstGeom prst="rect">
+            <a:avLst/>
+          </a:prstGeom>
+          <a:noFill/>
+        </p:spPr>
+        <p:txBody>
+          <a:bodyPr wrap="square" rtlCol="0">
+            <a:spAutoFit/>
+          </a:bodyPr>
+          <a:lstStyle/>
+          <a:p>
+            <a:r>
+              <a:rPr lang="en-US" dirty="0">
+                <a:latin typeface="Verdana" panose="020B0604030504040204" pitchFamily="34" charset="0"/>
+                <a:ea typeface="Verdana" panose="020B0604030504040204" pitchFamily="34" charset="0"/>
+                <a:cs typeface="Verdana" panose="020B0604030504040204" pitchFamily="34" charset="0"/>
+              </a:rPr>
+              <a:t>Image of tea</a:t>
+            </a:r>
+          </a:p>
+        </p:txBody>
+      </p:sp>
+      <p:sp>
+        <p:nvSpPr>
+          <p:cNvPr id="18" name="TextBox 17">
+            <a:extLst>
+              <a:ext uri="{FF2B5EF4-FFF2-40B4-BE49-F238E27FC236}">
+                <a16:creationId xmlns:a16="http://schemas.microsoft.com/office/drawing/2014/main" id="{A2A2CC22-1301-3447-AA6A-ECBB8D701859}"/>
+              </a:ext>
+            </a:extLst>
+          </p:cNvPr>
+          <p:cNvSpPr txBox="1"/>
+          <p:nvPr/>
+        </p:nvSpPr>
+        <p:spPr>
+          <a:xfrm>
+            <a:off x="5941807" y="1862382"/>
+            <a:ext cx="1085859" cy="1477328"/>
+          </a:xfrm>
+          <a:prstGeom prst="rect">
+            <a:avLst/>
+          </a:prstGeom>
+          <a:noFill/>
+        </p:spPr>
+        <p:txBody>
+          <a:bodyPr wrap="square" rtlCol="0">
+            <a:spAutoFit/>
+          </a:bodyPr>
+          <a:lstStyle/>
+          <a:p>
+            <a:r>
+              <a:rPr lang="en-US" dirty="0">
+                <a:latin typeface="Verdana" panose="020B0604030504040204" pitchFamily="34" charset="0"/>
+                <a:ea typeface="Verdana" panose="020B0604030504040204" pitchFamily="34" charset="0"/>
+                <a:cs typeface="Verdana" panose="020B0604030504040204" pitchFamily="34" charset="0"/>
+              </a:rPr>
+              <a:t>Image of tea</a:t>
+            </a:r>
+          </a:p>
+          <a:p>
+            <a:endParaRPr lang="en-US" dirty="0">
+              <a:latin typeface="Verdana" panose="020B0604030504040204" pitchFamily="34" charset="0"/>
+              <a:ea typeface="Verdana" panose="020B0604030504040204" pitchFamily="34" charset="0"/>
+              <a:cs typeface="Verdana" panose="020B0604030504040204" pitchFamily="34" charset="0"/>
+            </a:endParaRPr>
+          </a:p>
+          <a:p>
+            <a:r>
+              <a:rPr lang="en-US" dirty="0">
+                <a:latin typeface="Verdana" panose="020B0604030504040204" pitchFamily="34" charset="0"/>
+                <a:ea typeface="Verdana" panose="020B0604030504040204" pitchFamily="34" charset="0"/>
+                <a:cs typeface="Verdana" panose="020B0604030504040204" pitchFamily="34" charset="0"/>
+              </a:rPr>
+              <a:t>B tea</a:t>
+            </a:r>
+          </a:p>
+          <a:p>
+            <a:r>
+              <a:rPr lang="en-US" dirty="0">
+                <a:latin typeface="Verdana" panose="020B0604030504040204" pitchFamily="34" charset="0"/>
+                <a:ea typeface="Verdana" panose="020B0604030504040204" pitchFamily="34" charset="0"/>
+                <a:cs typeface="Verdana" panose="020B0604030504040204" pitchFamily="34" charset="0"/>
+              </a:rPr>
+              <a:t>Price:</a:t>
+            </a:r>
+          </a:p>
+        </p:txBody>
+      </p:sp>
+      <p:sp>
+        <p:nvSpPr>
+          <p:cNvPr id="19" name="TextBox 18">
+            <a:extLst>
+              <a:ext uri="{FF2B5EF4-FFF2-40B4-BE49-F238E27FC236}">
+                <a16:creationId xmlns:a16="http://schemas.microsoft.com/office/drawing/2014/main" id="{6C7880BC-4248-7442-BCFE-8681CCB4F0C3}"/>
+              </a:ext>
+            </a:extLst>
+          </p:cNvPr>
+          <p:cNvSpPr txBox="1"/>
+          <p:nvPr/>
+        </p:nvSpPr>
+        <p:spPr>
+          <a:xfrm>
+            <a:off x="4139791" y="3518290"/>
+            <a:ext cx="1085859" cy="1477328"/>
+          </a:xfrm>
+          <a:prstGeom prst="rect">
+            <a:avLst/>
+          </a:prstGeom>
+          <a:noFill/>
+        </p:spPr>
+        <p:txBody>
+          <a:bodyPr wrap="square" rtlCol="0">
+            <a:spAutoFit/>
+          </a:bodyPr>
+          <a:lstStyle/>
+          <a:p>
+            <a:r>
+              <a:rPr lang="en-US" dirty="0">
+                <a:latin typeface="Verdana" panose="020B0604030504040204" pitchFamily="34" charset="0"/>
+                <a:ea typeface="Verdana" panose="020B0604030504040204" pitchFamily="34" charset="0"/>
+                <a:cs typeface="Verdana" panose="020B0604030504040204" pitchFamily="34" charset="0"/>
+              </a:rPr>
+              <a:t>Image of tea</a:t>
+            </a:r>
+          </a:p>
+          <a:p>
+            <a:endParaRPr lang="en-US" dirty="0">
+              <a:latin typeface="Verdana" panose="020B0604030504040204" pitchFamily="34" charset="0"/>
+              <a:ea typeface="Verdana" panose="020B0604030504040204" pitchFamily="34" charset="0"/>
+              <a:cs typeface="Verdana" panose="020B0604030504040204" pitchFamily="34" charset="0"/>
+            </a:endParaRPr>
+          </a:p>
+          <a:p>
+            <a:r>
+              <a:rPr lang="en-US" dirty="0">
+                <a:latin typeface="Verdana" panose="020B0604030504040204" pitchFamily="34" charset="0"/>
+                <a:ea typeface="Verdana" panose="020B0604030504040204" pitchFamily="34" charset="0"/>
+                <a:cs typeface="Verdana" panose="020B0604030504040204" pitchFamily="34" charset="0"/>
+              </a:rPr>
+              <a:t>C tea</a:t>
+            </a:r>
+          </a:p>
+          <a:p>
+            <a:r>
+              <a:rPr lang="en-US" dirty="0">
+                <a:latin typeface="Verdana" panose="020B0604030504040204" pitchFamily="34" charset="0"/>
+                <a:ea typeface="Verdana" panose="020B0604030504040204" pitchFamily="34" charset="0"/>
+                <a:cs typeface="Verdana" panose="020B0604030504040204" pitchFamily="34" charset="0"/>
+              </a:rPr>
+              <a:t>Price:</a:t>
+            </a:r>
+          </a:p>
+        </p:txBody>
+      </p:sp>
+      <p:sp>
+        <p:nvSpPr>
+          <p:cNvPr id="20" name="TextBox 19">
+            <a:extLst>
+              <a:ext uri="{FF2B5EF4-FFF2-40B4-BE49-F238E27FC236}">
+                <a16:creationId xmlns:a16="http://schemas.microsoft.com/office/drawing/2014/main" id="{60C24FEF-3D63-7D49-AEC9-BFBFF19AC3E3}"/>
+              </a:ext>
+            </a:extLst>
+          </p:cNvPr>
+          <p:cNvSpPr txBox="1"/>
+          <p:nvPr/>
+        </p:nvSpPr>
+        <p:spPr>
+          <a:xfrm>
+            <a:off x="6016816" y="3534486"/>
+            <a:ext cx="1085859" cy="1477328"/>
+          </a:xfrm>
+          <a:prstGeom prst="rect">
+            <a:avLst/>
+          </a:prstGeom>
+          <a:noFill/>
+        </p:spPr>
+        <p:txBody>
+          <a:bodyPr wrap="square" rtlCol="0">
+            <a:spAutoFit/>
+          </a:bodyPr>
+          <a:lstStyle/>
+          <a:p>
+            <a:r>
+              <a:rPr lang="en-US" dirty="0">
+                <a:latin typeface="Verdana" panose="020B0604030504040204" pitchFamily="34" charset="0"/>
+                <a:ea typeface="Verdana" panose="020B0604030504040204" pitchFamily="34" charset="0"/>
+                <a:cs typeface="Verdana" panose="020B0604030504040204" pitchFamily="34" charset="0"/>
+              </a:rPr>
+              <a:t>Image of tea</a:t>
+            </a:r>
+          </a:p>
+          <a:p>
+            <a:endParaRPr lang="en-US" dirty="0">
+              <a:latin typeface="Verdana" panose="020B0604030504040204" pitchFamily="34" charset="0"/>
+              <a:ea typeface="Verdana" panose="020B0604030504040204" pitchFamily="34" charset="0"/>
+              <a:cs typeface="Verdana" panose="020B0604030504040204" pitchFamily="34" charset="0"/>
+            </a:endParaRPr>
+          </a:p>
+          <a:p>
+            <a:r>
+              <a:rPr lang="en-US" dirty="0">
+                <a:latin typeface="Verdana" panose="020B0604030504040204" pitchFamily="34" charset="0"/>
+                <a:ea typeface="Verdana" panose="020B0604030504040204" pitchFamily="34" charset="0"/>
+                <a:cs typeface="Verdana" panose="020B0604030504040204" pitchFamily="34" charset="0"/>
+              </a:rPr>
+              <a:t>D tea</a:t>
+            </a:r>
+          </a:p>
+          <a:p>
+            <a:r>
+              <a:rPr lang="en-US" dirty="0">
+                <a:latin typeface="Verdana" panose="020B0604030504040204" pitchFamily="34" charset="0"/>
+                <a:ea typeface="Verdana" panose="020B0604030504040204" pitchFamily="34" charset="0"/>
+                <a:cs typeface="Verdana" panose="020B0604030504040204" pitchFamily="34" charset="0"/>
+              </a:rPr>
+              <a:t>Price:</a:t>
+            </a:r>
+          </a:p>
+        </p:txBody>
+      </p:sp>
+      <p:sp>
+        <p:nvSpPr>
+          <p:cNvPr id="21" name="TextBox 20">
+            <a:extLst>
+              <a:ext uri="{FF2B5EF4-FFF2-40B4-BE49-F238E27FC236}">
+                <a16:creationId xmlns:a16="http://schemas.microsoft.com/office/drawing/2014/main" id="{51238765-BC3C-FA49-8050-4EE927162E8F}"/>
+              </a:ext>
+            </a:extLst>
+          </p:cNvPr>
+          <p:cNvSpPr txBox="1"/>
+          <p:nvPr/>
+        </p:nvSpPr>
+        <p:spPr>
+          <a:xfrm>
+            <a:off x="4166572" y="1872732"/>
+            <a:ext cx="1085859" cy="1477328"/>
+          </a:xfrm>
+          <a:prstGeom prst="rect">
+            <a:avLst/>
+          </a:prstGeom>
+          <a:noFill/>
+        </p:spPr>
+        <p:txBody>
+          <a:bodyPr wrap="square" rtlCol="0">
+            <a:spAutoFit/>
+          </a:bodyPr>
+          <a:lstStyle/>
+          <a:p>
+            <a:r>
+              <a:rPr lang="en-US" dirty="0">
+                <a:latin typeface="Verdana" panose="020B0604030504040204" pitchFamily="34" charset="0"/>
+                <a:ea typeface="Verdana" panose="020B0604030504040204" pitchFamily="34" charset="0"/>
+                <a:cs typeface="Verdana" panose="020B0604030504040204" pitchFamily="34" charset="0"/>
+              </a:rPr>
+              <a:t>Image of tea</a:t>
+            </a:r>
+          </a:p>
+          <a:p>
+            <a:endParaRPr lang="en-US" dirty="0">
+              <a:latin typeface="Verdana" panose="020B0604030504040204" pitchFamily="34" charset="0"/>
+              <a:ea typeface="Verdana" panose="020B0604030504040204" pitchFamily="34" charset="0"/>
+              <a:cs typeface="Verdana" panose="020B0604030504040204" pitchFamily="34" charset="0"/>
+            </a:endParaRPr>
+          </a:p>
+          <a:p>
+            <a:r>
+              <a:rPr lang="en-US" dirty="0">
+                <a:latin typeface="Verdana" panose="020B0604030504040204" pitchFamily="34" charset="0"/>
+                <a:ea typeface="Verdana" panose="020B0604030504040204" pitchFamily="34" charset="0"/>
+                <a:cs typeface="Verdana" panose="020B0604030504040204" pitchFamily="34" charset="0"/>
+              </a:rPr>
+              <a:t>A tea</a:t>
+            </a:r>
+          </a:p>
+          <a:p>
+            <a:r>
+              <a:rPr lang="en-US" dirty="0">
+                <a:latin typeface="Verdana" panose="020B0604030504040204" pitchFamily="34" charset="0"/>
+                <a:ea typeface="Verdana" panose="020B0604030504040204" pitchFamily="34" charset="0"/>
+                <a:cs typeface="Verdana" panose="020B0604030504040204" pitchFamily="34" charset="0"/>
+              </a:rPr>
+              <a:t>Price:</a:t>
+            </a:r>
+          </a:p>
+        </p:txBody>
+      </p:sp>
+      <p:sp>
+        <p:nvSpPr>
+          <p:cNvPr id="22" name="TextBox 21">
+            <a:extLst>
+              <a:ext uri="{FF2B5EF4-FFF2-40B4-BE49-F238E27FC236}">
+                <a16:creationId xmlns:a16="http://schemas.microsoft.com/office/drawing/2014/main" id="{8BD1A089-2CEB-2F40-B349-DC84CC5E4A2F}"/>
+              </a:ext>
+            </a:extLst>
+          </p:cNvPr>
+          <p:cNvSpPr txBox="1"/>
+          <p:nvPr/>
+        </p:nvSpPr>
+        <p:spPr>
+          <a:xfrm>
+            <a:off x="5941807" y="5166265"/>
+            <a:ext cx="1085859" cy="923330"/>
+          </a:xfrm>
+          <a:prstGeom prst="rect">
+            <a:avLst/>
+          </a:prstGeom>
+          <a:noFill/>
+        </p:spPr>
+        <p:txBody>
+          <a:bodyPr wrap="square" rtlCol="0">
+            <a:spAutoFit/>
+          </a:bodyPr>
+          <a:lstStyle/>
+          <a:p>
+            <a:r>
+              <a:rPr lang="en-US" dirty="0">
+                <a:latin typeface="Verdana" panose="020B0604030504040204" pitchFamily="34" charset="0"/>
+                <a:ea typeface="Verdana" panose="020B0604030504040204" pitchFamily="34" charset="0"/>
+                <a:cs typeface="Verdana" panose="020B0604030504040204" pitchFamily="34" charset="0"/>
+              </a:rPr>
+              <a:t>Image of tea</a:t>
+            </a:r>
+          </a:p>
+          <a:p>
+            <a:endParaRPr lang="en-US" dirty="0">
+              <a:latin typeface="Verdana" panose="020B0604030504040204" pitchFamily="34" charset="0"/>
+              <a:ea typeface="Verdana" panose="020B0604030504040204" pitchFamily="34" charset="0"/>
+              <a:cs typeface="Verdana" panose="020B0604030504040204" pitchFamily="34" charset="0"/>
+            </a:endParaRPr>
+          </a:p>
+        </p:txBody>
+      </p:sp>
+    </p:spTree>
+    <p:extLst>
+      <p:ext uri="{BB962C8B-B14F-4D97-AF65-F5344CB8AC3E}">
+        <p14:creationId xmlns:p14="http://schemas.microsoft.com/office/powerpoint/2010/main" val="3355210332"/>
       </p:ext>
     </p:extLst>
   </p:cSld>

--- a/Documents/High fidelity wireframe.pptx
+++ b/Documents/High fidelity wireframe.pptx
@@ -123,6 +123,968 @@
     </p:ext>
   </p:extLst>
 </p:presentation>
+</file>
+
+<file path=ppt/charts/chart1.xml><?xml version="1.0" encoding="utf-8"?>
+<c:chartSpace xmlns:c="http://schemas.openxmlformats.org/drawingml/2006/chart" xmlns:a="http://schemas.openxmlformats.org/drawingml/2006/main" xmlns:r="http://schemas.openxmlformats.org/officeDocument/2006/relationships" xmlns:c16r2="http://schemas.microsoft.com/office/drawing/2015/06/chart">
+  <c:date1904 val="0"/>
+  <c:lang val="en-US"/>
+  <c:roundedCorners val="0"/>
+  <mc:AlternateContent xmlns:mc="http://schemas.openxmlformats.org/markup-compatibility/2006">
+    <mc:Choice xmlns:c14="http://schemas.microsoft.com/office/drawing/2007/8/2/chart" Requires="c14">
+      <c14:style val="102"/>
+    </mc:Choice>
+    <mc:Fallback>
+      <c:style val="2"/>
+    </mc:Fallback>
+  </mc:AlternateContent>
+  <c:chart>
+    <c:title>
+      <c:tx>
+        <c:rich>
+          <a:bodyPr rot="0" spcFirstLastPara="1" vertOverflow="ellipsis" vert="horz" wrap="square" anchor="ctr" anchorCtr="1"/>
+          <a:lstStyle/>
+          <a:p>
+            <a:pPr>
+              <a:defRPr sz="1862" b="0" i="0" u="none" strike="noStrike" kern="1200" spc="0" baseline="0">
+                <a:solidFill>
+                  <a:schemeClr val="tx1">
+                    <a:lumMod val="65000"/>
+                    <a:lumOff val="35000"/>
+                  </a:schemeClr>
+                </a:solidFill>
+                <a:latin typeface="+mn-lt"/>
+                <a:ea typeface="+mn-ea"/>
+                <a:cs typeface="+mn-cs"/>
+              </a:defRPr>
+            </a:pPr>
+            <a:r>
+              <a:rPr lang="en-US" dirty="0">
+                <a:latin typeface="Verdana" panose="020B0604030504040204" pitchFamily="34" charset="0"/>
+                <a:ea typeface="Verdana" panose="020B0604030504040204" pitchFamily="34" charset="0"/>
+                <a:cs typeface="Verdana" panose="020B0604030504040204" pitchFamily="34" charset="0"/>
+              </a:rPr>
+              <a:t>Busy</a:t>
+            </a:r>
+            <a:r>
+              <a:rPr lang="en-US" baseline="0" dirty="0">
+                <a:latin typeface="Verdana" panose="020B0604030504040204" pitchFamily="34" charset="0"/>
+                <a:ea typeface="Verdana" panose="020B0604030504040204" pitchFamily="34" charset="0"/>
+                <a:cs typeface="Verdana" panose="020B0604030504040204" pitchFamily="34" charset="0"/>
+              </a:rPr>
+              <a:t> hours</a:t>
+            </a:r>
+            <a:endParaRPr lang="en-US" dirty="0">
+              <a:latin typeface="Verdana" panose="020B0604030504040204" pitchFamily="34" charset="0"/>
+              <a:ea typeface="Verdana" panose="020B0604030504040204" pitchFamily="34" charset="0"/>
+              <a:cs typeface="Verdana" panose="020B0604030504040204" pitchFamily="34" charset="0"/>
+            </a:endParaRPr>
+          </a:p>
+        </c:rich>
+      </c:tx>
+      <c:overlay val="0"/>
+      <c:spPr>
+        <a:noFill/>
+        <a:ln>
+          <a:noFill/>
+        </a:ln>
+        <a:effectLst/>
+      </c:spPr>
+      <c:txPr>
+        <a:bodyPr rot="0" spcFirstLastPara="1" vertOverflow="ellipsis" vert="horz" wrap="square" anchor="ctr" anchorCtr="1"/>
+        <a:lstStyle/>
+        <a:p>
+          <a:pPr>
+            <a:defRPr sz="1862" b="0" i="0" u="none" strike="noStrike" kern="1200" spc="0" baseline="0">
+              <a:solidFill>
+                <a:schemeClr val="tx1">
+                  <a:lumMod val="65000"/>
+                  <a:lumOff val="35000"/>
+                </a:schemeClr>
+              </a:solidFill>
+              <a:latin typeface="+mn-lt"/>
+              <a:ea typeface="+mn-ea"/>
+              <a:cs typeface="+mn-cs"/>
+            </a:defRPr>
+          </a:pPr>
+          <a:endParaRPr lang="en-US"/>
+        </a:p>
+      </c:txPr>
+    </c:title>
+    <c:autoTitleDeleted val="0"/>
+    <c:plotArea>
+      <c:layout/>
+      <c:lineChart>
+        <c:grouping val="standard"/>
+        <c:varyColors val="0"/>
+        <c:ser>
+          <c:idx val="1"/>
+          <c:order val="0"/>
+          <c:tx>
+            <c:strRef>
+              <c:f>Sheet1!$C$1</c:f>
+              <c:strCache>
+                <c:ptCount val="1"/>
+                <c:pt idx="0">
+                  <c:v>Series 2</c:v>
+                </c:pt>
+              </c:strCache>
+            </c:strRef>
+          </c:tx>
+          <c:spPr>
+            <a:ln w="28575" cap="rnd">
+              <a:solidFill>
+                <a:srgbClr val="00B0F0"/>
+              </a:solidFill>
+              <a:round/>
+            </a:ln>
+            <a:effectLst>
+              <a:outerShdw blurRad="50800" dist="50800" dir="5400000" algn="ctr" rotWithShape="0">
+                <a:schemeClr val="bg1"/>
+              </a:outerShdw>
+            </a:effectLst>
+          </c:spPr>
+          <c:marker>
+            <c:symbol val="none"/>
+          </c:marker>
+          <c:cat>
+            <c:strRef>
+              <c:f>Sheet1!$A$2:$A$5</c:f>
+              <c:strCache>
+                <c:ptCount val="4"/>
+                <c:pt idx="0">
+                  <c:v>Category 1</c:v>
+                </c:pt>
+                <c:pt idx="1">
+                  <c:v>Category 2</c:v>
+                </c:pt>
+                <c:pt idx="2">
+                  <c:v>Category 3</c:v>
+                </c:pt>
+                <c:pt idx="3">
+                  <c:v>Category 4</c:v>
+                </c:pt>
+              </c:strCache>
+            </c:strRef>
+          </c:cat>
+          <c:val>
+            <c:numRef>
+              <c:f>Sheet1!$C$2:$C$5</c:f>
+              <c:numCache>
+                <c:formatCode>General</c:formatCode>
+                <c:ptCount val="4"/>
+                <c:pt idx="0">
+                  <c:v>2.4</c:v>
+                </c:pt>
+                <c:pt idx="1">
+                  <c:v>4.4000000000000004</c:v>
+                </c:pt>
+                <c:pt idx="2">
+                  <c:v>1.8</c:v>
+                </c:pt>
+                <c:pt idx="3">
+                  <c:v>2.8</c:v>
+                </c:pt>
+              </c:numCache>
+            </c:numRef>
+          </c:val>
+          <c:smooth val="0"/>
+          <c:extLst>
+            <c:ext xmlns:c16="http://schemas.microsoft.com/office/drawing/2014/chart" uri="{C3380CC4-5D6E-409C-BE32-E72D297353CC}">
+              <c16:uniqueId val="{00000001-E71A-9E43-B348-5DBD73EEFB0D}"/>
+            </c:ext>
+          </c:extLst>
+        </c:ser>
+        <c:dLbls>
+          <c:showLegendKey val="0"/>
+          <c:showVal val="0"/>
+          <c:showCatName val="0"/>
+          <c:showSerName val="0"/>
+          <c:showPercent val="0"/>
+          <c:showBubbleSize val="0"/>
+        </c:dLbls>
+        <c:smooth val="0"/>
+        <c:axId val="1074649711"/>
+        <c:axId val="1074651391"/>
+      </c:lineChart>
+      <c:catAx>
+        <c:axId val="1074649711"/>
+        <c:scaling>
+          <c:orientation val="minMax"/>
+        </c:scaling>
+        <c:delete val="0"/>
+        <c:axPos val="b"/>
+        <c:numFmt formatCode="General" sourceLinked="1"/>
+        <c:majorTickMark val="none"/>
+        <c:minorTickMark val="none"/>
+        <c:tickLblPos val="nextTo"/>
+        <c:spPr>
+          <a:noFill/>
+          <a:ln w="9525" cap="flat" cmpd="sng" algn="ctr">
+            <a:solidFill>
+              <a:schemeClr val="tx1">
+                <a:lumMod val="15000"/>
+                <a:lumOff val="85000"/>
+              </a:schemeClr>
+            </a:solidFill>
+            <a:round/>
+          </a:ln>
+          <a:effectLst/>
+        </c:spPr>
+        <c:txPr>
+          <a:bodyPr rot="-60000000" spcFirstLastPara="1" vertOverflow="ellipsis" vert="horz" wrap="square" anchor="ctr" anchorCtr="1"/>
+          <a:lstStyle/>
+          <a:p>
+            <a:pPr>
+              <a:defRPr sz="1197" b="0" i="0" u="none" strike="noStrike" kern="1200" baseline="0">
+                <a:solidFill>
+                  <a:schemeClr val="tx1">
+                    <a:lumMod val="65000"/>
+                    <a:lumOff val="35000"/>
+                  </a:schemeClr>
+                </a:solidFill>
+                <a:latin typeface="+mn-lt"/>
+                <a:ea typeface="+mn-ea"/>
+                <a:cs typeface="+mn-cs"/>
+              </a:defRPr>
+            </a:pPr>
+            <a:endParaRPr lang="en-US"/>
+          </a:p>
+        </c:txPr>
+        <c:crossAx val="1074651391"/>
+        <c:crosses val="autoZero"/>
+        <c:auto val="1"/>
+        <c:lblAlgn val="ctr"/>
+        <c:lblOffset val="100"/>
+        <c:noMultiLvlLbl val="0"/>
+      </c:catAx>
+      <c:valAx>
+        <c:axId val="1074651391"/>
+        <c:scaling>
+          <c:orientation val="minMax"/>
+        </c:scaling>
+        <c:delete val="0"/>
+        <c:axPos val="l"/>
+        <c:majorGridlines>
+          <c:spPr>
+            <a:ln w="9525" cap="flat" cmpd="sng" algn="ctr">
+              <a:solidFill>
+                <a:schemeClr val="tx1">
+                  <a:lumMod val="15000"/>
+                  <a:lumOff val="85000"/>
+                </a:schemeClr>
+              </a:solidFill>
+              <a:round/>
+            </a:ln>
+            <a:effectLst/>
+          </c:spPr>
+        </c:majorGridlines>
+        <c:numFmt formatCode="General" sourceLinked="1"/>
+        <c:majorTickMark val="none"/>
+        <c:minorTickMark val="none"/>
+        <c:tickLblPos val="nextTo"/>
+        <c:spPr>
+          <a:noFill/>
+          <a:ln>
+            <a:noFill/>
+          </a:ln>
+          <a:effectLst/>
+        </c:spPr>
+        <c:txPr>
+          <a:bodyPr rot="-60000000" spcFirstLastPara="1" vertOverflow="ellipsis" vert="horz" wrap="square" anchor="ctr" anchorCtr="1"/>
+          <a:lstStyle/>
+          <a:p>
+            <a:pPr>
+              <a:defRPr sz="1197" b="0" i="0" u="none" strike="noStrike" kern="1200" baseline="0">
+                <a:solidFill>
+                  <a:schemeClr val="tx1">
+                    <a:lumMod val="65000"/>
+                    <a:lumOff val="35000"/>
+                  </a:schemeClr>
+                </a:solidFill>
+                <a:latin typeface="+mn-lt"/>
+                <a:ea typeface="+mn-ea"/>
+                <a:cs typeface="+mn-cs"/>
+              </a:defRPr>
+            </a:pPr>
+            <a:endParaRPr lang="en-US"/>
+          </a:p>
+        </c:txPr>
+        <c:crossAx val="1074649711"/>
+        <c:crosses val="autoZero"/>
+        <c:crossBetween val="between"/>
+      </c:valAx>
+      <c:spPr>
+        <a:noFill/>
+        <a:ln>
+          <a:noFill/>
+        </a:ln>
+        <a:effectLst/>
+      </c:spPr>
+    </c:plotArea>
+    <c:legend>
+      <c:legendPos val="b"/>
+      <c:overlay val="0"/>
+      <c:spPr>
+        <a:noFill/>
+        <a:ln>
+          <a:noFill/>
+        </a:ln>
+        <a:effectLst/>
+      </c:spPr>
+      <c:txPr>
+        <a:bodyPr rot="0" spcFirstLastPara="1" vertOverflow="ellipsis" vert="horz" wrap="square" anchor="ctr" anchorCtr="1"/>
+        <a:lstStyle/>
+        <a:p>
+          <a:pPr>
+            <a:defRPr sz="1197" b="0" i="0" u="none" strike="noStrike" kern="1200" baseline="0">
+              <a:solidFill>
+                <a:schemeClr val="tx1">
+                  <a:lumMod val="65000"/>
+                  <a:lumOff val="35000"/>
+                </a:schemeClr>
+              </a:solidFill>
+              <a:latin typeface="+mn-lt"/>
+              <a:ea typeface="+mn-ea"/>
+              <a:cs typeface="+mn-cs"/>
+            </a:defRPr>
+          </a:pPr>
+          <a:endParaRPr lang="en-US"/>
+        </a:p>
+      </c:txPr>
+    </c:legend>
+    <c:plotVisOnly val="1"/>
+    <c:dispBlanksAs val="gap"/>
+    <c:extLst>
+      <c:ext xmlns:c16r3="http://schemas.microsoft.com/office/drawing/2017/03/chart" uri="{56B9EC1D-385E-4148-901F-78D8002777C0}">
+        <c16r3:dataDisplayOptions16>
+          <c16r3:dispNaAsBlank val="1"/>
+        </c16r3:dataDisplayOptions16>
+      </c:ext>
+    </c:extLst>
+    <c:showDLblsOverMax val="0"/>
+  </c:chart>
+  <c:spPr>
+    <a:noFill/>
+    <a:ln>
+      <a:noFill/>
+    </a:ln>
+    <a:effectLst/>
+  </c:spPr>
+  <c:txPr>
+    <a:bodyPr/>
+    <a:lstStyle/>
+    <a:p>
+      <a:pPr>
+        <a:defRPr/>
+      </a:pPr>
+      <a:endParaRPr lang="en-US"/>
+    </a:p>
+  </c:txPr>
+  <c:externalData r:id="rId3">
+    <c:autoUpdate val="0"/>
+  </c:externalData>
+  <c:userShapes r:id="rId4"/>
+</c:chartSpace>
+</file>
+
+<file path=ppt/charts/colors1.xml><?xml version="1.0" encoding="utf-8"?>
+<cs:colorStyle xmlns:cs="http://schemas.microsoft.com/office/drawing/2012/chartStyle" xmlns:a="http://schemas.openxmlformats.org/drawingml/2006/main" meth="cycle" id="10">
+  <a:schemeClr val="accent1"/>
+  <a:schemeClr val="accent2"/>
+  <a:schemeClr val="accent3"/>
+  <a:schemeClr val="accent4"/>
+  <a:schemeClr val="accent5"/>
+  <a:schemeClr val="accent6"/>
+  <cs:variation/>
+  <cs:variation>
+    <a:lumMod val="60000"/>
+  </cs:variation>
+  <cs:variation>
+    <a:lumMod val="80000"/>
+    <a:lumOff val="20000"/>
+  </cs:variation>
+  <cs:variation>
+    <a:lumMod val="80000"/>
+  </cs:variation>
+  <cs:variation>
+    <a:lumMod val="60000"/>
+    <a:lumOff val="40000"/>
+  </cs:variation>
+  <cs:variation>
+    <a:lumMod val="50000"/>
+  </cs:variation>
+  <cs:variation>
+    <a:lumMod val="70000"/>
+    <a:lumOff val="30000"/>
+  </cs:variation>
+  <cs:variation>
+    <a:lumMod val="70000"/>
+  </cs:variation>
+  <cs:variation>
+    <a:lumMod val="50000"/>
+    <a:lumOff val="50000"/>
+  </cs:variation>
+</cs:colorStyle>
+</file>
+
+<file path=ppt/charts/style1.xml><?xml version="1.0" encoding="utf-8"?>
+<cs:chartStyle xmlns:cs="http://schemas.microsoft.com/office/drawing/2012/chartStyle" xmlns:a="http://schemas.openxmlformats.org/drawingml/2006/main" id="227">
+  <cs:axisTitle>
+    <cs:lnRef idx="0"/>
+    <cs:fillRef idx="0"/>
+    <cs:effectRef idx="0"/>
+    <cs:fontRef idx="minor">
+      <a:schemeClr val="tx1">
+        <a:lumMod val="65000"/>
+        <a:lumOff val="35000"/>
+      </a:schemeClr>
+    </cs:fontRef>
+    <cs:defRPr sz="1330" kern="1200"/>
+  </cs:axisTitle>
+  <cs:categoryAxis>
+    <cs:lnRef idx="0"/>
+    <cs:fillRef idx="0"/>
+    <cs:effectRef idx="0"/>
+    <cs:fontRef idx="minor">
+      <a:schemeClr val="tx1">
+        <a:lumMod val="65000"/>
+        <a:lumOff val="35000"/>
+      </a:schemeClr>
+    </cs:fontRef>
+    <cs:spPr>
+      <a:ln w="9525" cap="flat" cmpd="sng" algn="ctr">
+        <a:solidFill>
+          <a:schemeClr val="tx1">
+            <a:lumMod val="15000"/>
+            <a:lumOff val="85000"/>
+          </a:schemeClr>
+        </a:solidFill>
+        <a:round/>
+      </a:ln>
+    </cs:spPr>
+    <cs:defRPr sz="1197" kern="1200"/>
+  </cs:categoryAxis>
+  <cs:chartArea mods="allowNoFillOverride allowNoLineOverride">
+    <cs:lnRef idx="0"/>
+    <cs:fillRef idx="0"/>
+    <cs:effectRef idx="0"/>
+    <cs:fontRef idx="minor">
+      <a:schemeClr val="tx1"/>
+    </cs:fontRef>
+    <cs:spPr>
+      <a:solidFill>
+        <a:schemeClr val="bg1"/>
+      </a:solidFill>
+      <a:ln w="9525" cap="flat" cmpd="sng" algn="ctr">
+        <a:solidFill>
+          <a:schemeClr val="tx1">
+            <a:lumMod val="15000"/>
+            <a:lumOff val="85000"/>
+          </a:schemeClr>
+        </a:solidFill>
+        <a:round/>
+      </a:ln>
+    </cs:spPr>
+    <cs:defRPr sz="1330" kern="1200"/>
+  </cs:chartArea>
+  <cs:dataLabel>
+    <cs:lnRef idx="0"/>
+    <cs:fillRef idx="0"/>
+    <cs:effectRef idx="0"/>
+    <cs:fontRef idx="minor">
+      <a:schemeClr val="tx1">
+        <a:lumMod val="75000"/>
+        <a:lumOff val="25000"/>
+      </a:schemeClr>
+    </cs:fontRef>
+    <cs:defRPr sz="1197" kern="1200"/>
+  </cs:dataLabel>
+  <cs:dataLabelCallout>
+    <cs:lnRef idx="0"/>
+    <cs:fillRef idx="0"/>
+    <cs:effectRef idx="0"/>
+    <cs:fontRef idx="minor">
+      <a:schemeClr val="dk1">
+        <a:lumMod val="65000"/>
+        <a:lumOff val="35000"/>
+      </a:schemeClr>
+    </cs:fontRef>
+    <cs:spPr>
+      <a:solidFill>
+        <a:schemeClr val="lt1"/>
+      </a:solidFill>
+      <a:ln>
+        <a:solidFill>
+          <a:schemeClr val="dk1">
+            <a:lumMod val="25000"/>
+            <a:lumOff val="75000"/>
+          </a:schemeClr>
+        </a:solidFill>
+      </a:ln>
+    </cs:spPr>
+    <cs:defRPr sz="1197" kern="1200"/>
+    <cs:bodyPr rot="0" spcFirstLastPara="1" vertOverflow="clip" horzOverflow="clip" vert="horz" wrap="square" lIns="36576" tIns="18288" rIns="36576" bIns="18288" anchor="ctr" anchorCtr="1">
+      <a:spAutoFit/>
+    </cs:bodyPr>
+  </cs:dataLabelCallout>
+  <cs:dataPoint>
+    <cs:lnRef idx="0"/>
+    <cs:fillRef idx="1">
+      <cs:styleClr val="auto"/>
+    </cs:fillRef>
+    <cs:effectRef idx="0"/>
+    <cs:fontRef idx="minor">
+      <a:schemeClr val="tx1"/>
+    </cs:fontRef>
+    <cs:spPr>
+      <a:solidFill>
+        <a:schemeClr val="phClr"/>
+      </a:solidFill>
+    </cs:spPr>
+  </cs:dataPoint>
+  <cs:dataPoint3D>
+    <cs:lnRef idx="0"/>
+    <cs:fillRef idx="1">
+      <cs:styleClr val="auto"/>
+    </cs:fillRef>
+    <cs:effectRef idx="0"/>
+    <cs:fontRef idx="minor">
+      <a:schemeClr val="tx1"/>
+    </cs:fontRef>
+    <cs:spPr>
+      <a:solidFill>
+        <a:schemeClr val="phClr"/>
+      </a:solidFill>
+    </cs:spPr>
+  </cs:dataPoint3D>
+  <cs:dataPointLine>
+    <cs:lnRef idx="0">
+      <cs:styleClr val="auto"/>
+    </cs:lnRef>
+    <cs:fillRef idx="1"/>
+    <cs:effectRef idx="0"/>
+    <cs:fontRef idx="minor">
+      <a:schemeClr val="tx1"/>
+    </cs:fontRef>
+    <cs:spPr>
+      <a:ln w="28575" cap="rnd">
+        <a:solidFill>
+          <a:schemeClr val="phClr"/>
+        </a:solidFill>
+        <a:round/>
+      </a:ln>
+    </cs:spPr>
+  </cs:dataPointLine>
+  <cs:dataPointMarker>
+    <cs:lnRef idx="0">
+      <cs:styleClr val="auto"/>
+    </cs:lnRef>
+    <cs:fillRef idx="1">
+      <cs:styleClr val="auto"/>
+    </cs:fillRef>
+    <cs:effectRef idx="0"/>
+    <cs:fontRef idx="minor">
+      <a:schemeClr val="tx1"/>
+    </cs:fontRef>
+    <cs:spPr>
+      <a:solidFill>
+        <a:schemeClr val="phClr"/>
+      </a:solidFill>
+      <a:ln w="9525">
+        <a:solidFill>
+          <a:schemeClr val="phClr"/>
+        </a:solidFill>
+      </a:ln>
+    </cs:spPr>
+  </cs:dataPointMarker>
+  <cs:dataPointMarkerLayout symbol="circle" size="5"/>
+  <cs:dataPointWireframe>
+    <cs:lnRef idx="0">
+      <cs:styleClr val="auto"/>
+    </cs:lnRef>
+    <cs:fillRef idx="1"/>
+    <cs:effectRef idx="0"/>
+    <cs:fontRef idx="minor">
+      <a:schemeClr val="tx1"/>
+    </cs:fontRef>
+    <cs:spPr>
+      <a:ln w="9525" cap="rnd">
+        <a:solidFill>
+          <a:schemeClr val="phClr"/>
+        </a:solidFill>
+        <a:round/>
+      </a:ln>
+    </cs:spPr>
+  </cs:dataPointWireframe>
+  <cs:dataTable>
+    <cs:lnRef idx="0"/>
+    <cs:fillRef idx="0"/>
+    <cs:effectRef idx="0"/>
+    <cs:fontRef idx="minor">
+      <a:schemeClr val="tx1">
+        <a:lumMod val="65000"/>
+        <a:lumOff val="35000"/>
+      </a:schemeClr>
+    </cs:fontRef>
+    <cs:spPr>
+      <a:noFill/>
+      <a:ln w="9525" cap="flat" cmpd="sng" algn="ctr">
+        <a:solidFill>
+          <a:schemeClr val="tx1">
+            <a:lumMod val="15000"/>
+            <a:lumOff val="85000"/>
+          </a:schemeClr>
+        </a:solidFill>
+        <a:round/>
+      </a:ln>
+    </cs:spPr>
+    <cs:defRPr sz="1197" kern="1200"/>
+  </cs:dataTable>
+  <cs:downBar>
+    <cs:lnRef idx="0"/>
+    <cs:fillRef idx="0"/>
+    <cs:effectRef idx="0"/>
+    <cs:fontRef idx="minor">
+      <a:schemeClr val="dk1"/>
+    </cs:fontRef>
+    <cs:spPr>
+      <a:solidFill>
+        <a:schemeClr val="dk1">
+          <a:lumMod val="65000"/>
+          <a:lumOff val="35000"/>
+        </a:schemeClr>
+      </a:solidFill>
+      <a:ln w="9525">
+        <a:solidFill>
+          <a:schemeClr val="tx1">
+            <a:lumMod val="65000"/>
+            <a:lumOff val="35000"/>
+          </a:schemeClr>
+        </a:solidFill>
+      </a:ln>
+    </cs:spPr>
+  </cs:downBar>
+  <cs:dropLine>
+    <cs:lnRef idx="0"/>
+    <cs:fillRef idx="0"/>
+    <cs:effectRef idx="0"/>
+    <cs:fontRef idx="minor">
+      <a:schemeClr val="tx1"/>
+    </cs:fontRef>
+    <cs:spPr>
+      <a:ln w="9525" cap="flat" cmpd="sng" algn="ctr">
+        <a:solidFill>
+          <a:schemeClr val="tx1">
+            <a:lumMod val="35000"/>
+            <a:lumOff val="65000"/>
+          </a:schemeClr>
+        </a:solidFill>
+        <a:round/>
+      </a:ln>
+    </cs:spPr>
+  </cs:dropLine>
+  <cs:errorBar>
+    <cs:lnRef idx="0"/>
+    <cs:fillRef idx="0"/>
+    <cs:effectRef idx="0"/>
+    <cs:fontRef idx="minor">
+      <a:schemeClr val="tx1"/>
+    </cs:fontRef>
+    <cs:spPr>
+      <a:ln w="9525" cap="flat" cmpd="sng" algn="ctr">
+        <a:solidFill>
+          <a:schemeClr val="tx1">
+            <a:lumMod val="65000"/>
+            <a:lumOff val="35000"/>
+          </a:schemeClr>
+        </a:solidFill>
+        <a:round/>
+      </a:ln>
+    </cs:spPr>
+  </cs:errorBar>
+  <cs:floor>
+    <cs:lnRef idx="0"/>
+    <cs:fillRef idx="0"/>
+    <cs:effectRef idx="0"/>
+    <cs:fontRef idx="minor">
+      <a:schemeClr val="tx1"/>
+    </cs:fontRef>
+    <cs:spPr>
+      <a:noFill/>
+      <a:ln>
+        <a:noFill/>
+      </a:ln>
+    </cs:spPr>
+  </cs:floor>
+  <cs:gridlineMajor>
+    <cs:lnRef idx="0"/>
+    <cs:fillRef idx="0"/>
+    <cs:effectRef idx="0"/>
+    <cs:fontRef idx="minor">
+      <a:schemeClr val="tx1"/>
+    </cs:fontRef>
+    <cs:spPr>
+      <a:ln w="9525" cap="flat" cmpd="sng" algn="ctr">
+        <a:solidFill>
+          <a:schemeClr val="tx1">
+            <a:lumMod val="15000"/>
+            <a:lumOff val="85000"/>
+          </a:schemeClr>
+        </a:solidFill>
+        <a:round/>
+      </a:ln>
+    </cs:spPr>
+  </cs:gridlineMajor>
+  <cs:gridlineMinor>
+    <cs:lnRef idx="0"/>
+    <cs:fillRef idx="0"/>
+    <cs:effectRef idx="0"/>
+    <cs:fontRef idx="minor">
+      <a:schemeClr val="tx1"/>
+    </cs:fontRef>
+    <cs:spPr>
+      <a:ln w="9525" cap="flat" cmpd="sng" algn="ctr">
+        <a:solidFill>
+          <a:schemeClr val="tx1">
+            <a:lumMod val="5000"/>
+            <a:lumOff val="95000"/>
+          </a:schemeClr>
+        </a:solidFill>
+        <a:round/>
+      </a:ln>
+    </cs:spPr>
+  </cs:gridlineMinor>
+  <cs:hiLoLine>
+    <cs:lnRef idx="0"/>
+    <cs:fillRef idx="0"/>
+    <cs:effectRef idx="0"/>
+    <cs:fontRef idx="minor">
+      <a:schemeClr val="tx1"/>
+    </cs:fontRef>
+    <cs:spPr>
+      <a:ln w="9525" cap="flat" cmpd="sng" algn="ctr">
+        <a:solidFill>
+          <a:schemeClr val="tx1">
+            <a:lumMod val="75000"/>
+            <a:lumOff val="25000"/>
+          </a:schemeClr>
+        </a:solidFill>
+        <a:round/>
+      </a:ln>
+    </cs:spPr>
+  </cs:hiLoLine>
+  <cs:leaderLine>
+    <cs:lnRef idx="0"/>
+    <cs:fillRef idx="0"/>
+    <cs:effectRef idx="0"/>
+    <cs:fontRef idx="minor">
+      <a:schemeClr val="tx1"/>
+    </cs:fontRef>
+    <cs:spPr>
+      <a:ln w="9525" cap="flat" cmpd="sng" algn="ctr">
+        <a:solidFill>
+          <a:schemeClr val="tx1">
+            <a:lumMod val="35000"/>
+            <a:lumOff val="65000"/>
+          </a:schemeClr>
+        </a:solidFill>
+        <a:round/>
+      </a:ln>
+    </cs:spPr>
+  </cs:leaderLine>
+  <cs:legend>
+    <cs:lnRef idx="0"/>
+    <cs:fillRef idx="0"/>
+    <cs:effectRef idx="0"/>
+    <cs:fontRef idx="minor">
+      <a:schemeClr val="tx1">
+        <a:lumMod val="65000"/>
+        <a:lumOff val="35000"/>
+      </a:schemeClr>
+    </cs:fontRef>
+    <cs:defRPr sz="1197" kern="1200"/>
+  </cs:legend>
+  <cs:plotArea mods="allowNoFillOverride allowNoLineOverride">
+    <cs:lnRef idx="0"/>
+    <cs:fillRef idx="0"/>
+    <cs:effectRef idx="0"/>
+    <cs:fontRef idx="minor">
+      <a:schemeClr val="tx1"/>
+    </cs:fontRef>
+  </cs:plotArea>
+  <cs:plotArea3D mods="allowNoFillOverride allowNoLineOverride">
+    <cs:lnRef idx="0"/>
+    <cs:fillRef idx="0"/>
+    <cs:effectRef idx="0"/>
+    <cs:fontRef idx="minor">
+      <a:schemeClr val="tx1"/>
+    </cs:fontRef>
+  </cs:plotArea3D>
+  <cs:seriesAxis>
+    <cs:lnRef idx="0"/>
+    <cs:fillRef idx="0"/>
+    <cs:effectRef idx="0"/>
+    <cs:fontRef idx="minor">
+      <a:schemeClr val="tx1">
+        <a:lumMod val="65000"/>
+        <a:lumOff val="35000"/>
+      </a:schemeClr>
+    </cs:fontRef>
+    <cs:defRPr sz="1197" kern="1200"/>
+  </cs:seriesAxis>
+  <cs:seriesLine>
+    <cs:lnRef idx="0"/>
+    <cs:fillRef idx="0"/>
+    <cs:effectRef idx="0"/>
+    <cs:fontRef idx="minor">
+      <a:schemeClr val="tx1"/>
+    </cs:fontRef>
+    <cs:spPr>
+      <a:ln w="9525" cap="flat" cmpd="sng" algn="ctr">
+        <a:solidFill>
+          <a:schemeClr val="tx1">
+            <a:lumMod val="35000"/>
+            <a:lumOff val="65000"/>
+          </a:schemeClr>
+        </a:solidFill>
+        <a:round/>
+      </a:ln>
+    </cs:spPr>
+  </cs:seriesLine>
+  <cs:title>
+    <cs:lnRef idx="0"/>
+    <cs:fillRef idx="0"/>
+    <cs:effectRef idx="0"/>
+    <cs:fontRef idx="minor">
+      <a:schemeClr val="tx1">
+        <a:lumMod val="65000"/>
+        <a:lumOff val="35000"/>
+      </a:schemeClr>
+    </cs:fontRef>
+    <cs:defRPr sz="1862" b="0" kern="1200" spc="0" baseline="0"/>
+  </cs:title>
+  <cs:trendline>
+    <cs:lnRef idx="0">
+      <cs:styleClr val="auto"/>
+    </cs:lnRef>
+    <cs:fillRef idx="0"/>
+    <cs:effectRef idx="0"/>
+    <cs:fontRef idx="minor">
+      <a:schemeClr val="tx1"/>
+    </cs:fontRef>
+    <cs:spPr>
+      <a:ln w="19050" cap="rnd">
+        <a:solidFill>
+          <a:schemeClr val="phClr"/>
+        </a:solidFill>
+        <a:prstDash val="sysDot"/>
+      </a:ln>
+    </cs:spPr>
+  </cs:trendline>
+  <cs:trendlineLabel>
+    <cs:lnRef idx="0"/>
+    <cs:fillRef idx="0"/>
+    <cs:effectRef idx="0"/>
+    <cs:fontRef idx="minor">
+      <a:schemeClr val="tx1">
+        <a:lumMod val="65000"/>
+        <a:lumOff val="35000"/>
+      </a:schemeClr>
+    </cs:fontRef>
+    <cs:defRPr sz="1197" kern="1200"/>
+  </cs:trendlineLabel>
+  <cs:upBar>
+    <cs:lnRef idx="0"/>
+    <cs:fillRef idx="0"/>
+    <cs:effectRef idx="0"/>
+    <cs:fontRef idx="minor">
+      <a:schemeClr val="dk1"/>
+    </cs:fontRef>
+    <cs:spPr>
+      <a:solidFill>
+        <a:schemeClr val="lt1"/>
+      </a:solidFill>
+      <a:ln w="9525">
+        <a:solidFill>
+          <a:schemeClr val="tx1">
+            <a:lumMod val="15000"/>
+            <a:lumOff val="85000"/>
+          </a:schemeClr>
+        </a:solidFill>
+      </a:ln>
+    </cs:spPr>
+  </cs:upBar>
+  <cs:valueAxis>
+    <cs:lnRef idx="0"/>
+    <cs:fillRef idx="0"/>
+    <cs:effectRef idx="0"/>
+    <cs:fontRef idx="minor">
+      <a:schemeClr val="tx1">
+        <a:lumMod val="65000"/>
+        <a:lumOff val="35000"/>
+      </a:schemeClr>
+    </cs:fontRef>
+    <cs:defRPr sz="1197" kern="1200"/>
+  </cs:valueAxis>
+  <cs:wall>
+    <cs:lnRef idx="0"/>
+    <cs:fillRef idx="0"/>
+    <cs:effectRef idx="0"/>
+    <cs:fontRef idx="minor">
+      <a:schemeClr val="tx1"/>
+    </cs:fontRef>
+    <cs:spPr>
+      <a:noFill/>
+      <a:ln>
+        <a:noFill/>
+      </a:ln>
+    </cs:spPr>
+  </cs:wall>
+</cs:chartStyle>
+</file>
+
+<file path=ppt/drawings/drawing1.xml><?xml version="1.0" encoding="utf-8"?>
+<c:userShapes xmlns:c="http://schemas.openxmlformats.org/drawingml/2006/chart">
+  <cdr:relSizeAnchor xmlns:cdr="http://schemas.openxmlformats.org/drawingml/2006/chartDrawing">
+    <cdr:from>
+      <cdr:x>0.74937</cdr:x>
+      <cdr:y>0.30104</cdr:y>
+    </cdr:from>
+    <cdr:to>
+      <cdr:x>1</cdr:x>
+      <cdr:y>0.52422</cdr:y>
+    </cdr:to>
+    <cdr:sp macro="" textlink="">
+      <cdr:nvSpPr>
+        <cdr:cNvPr id="2" name="TextBox 1">
+          <a:extLst xmlns:a="http://schemas.openxmlformats.org/drawingml/2006/main">
+            <a:ext uri="{FF2B5EF4-FFF2-40B4-BE49-F238E27FC236}">
+              <a16:creationId xmlns:a16="http://schemas.microsoft.com/office/drawing/2014/main" id="{244E3348-C3AC-A543-9DB3-574B74ACCCF0}"/>
+            </a:ext>
+          </a:extLst>
+        </cdr:cNvPr>
+        <cdr:cNvSpPr txBox="1"/>
+      </cdr:nvSpPr>
+      <cdr:spPr>
+        <a:xfrm xmlns:a="http://schemas.openxmlformats.org/drawingml/2006/main">
+          <a:off x="6090907" y="1233348"/>
+          <a:ext cx="2037093" cy="914400"/>
+        </a:xfrm>
+        <a:prstGeom xmlns:a="http://schemas.openxmlformats.org/drawingml/2006/main" prst="rect">
+          <a:avLst/>
+        </a:prstGeom>
+      </cdr:spPr>
+      <cdr:txBody>
+        <a:bodyPr xmlns:a="http://schemas.openxmlformats.org/drawingml/2006/main" vertOverflow="clip" wrap="square" rtlCol="0"/>
+        <a:lstStyle xmlns:a="http://schemas.openxmlformats.org/drawingml/2006/main"/>
+        <a:p xmlns:a="http://schemas.openxmlformats.org/drawingml/2006/main">
+          <a:endParaRPr lang="en-US" sz="1600" dirty="0"/>
+        </a:p>
+      </cdr:txBody>
+    </cdr:sp>
+  </cdr:relSizeAnchor>
+</c:userShapes>
 </file>
 
 <file path=ppt/notesMasters/notesMaster1.xml><?xml version="1.0" encoding="utf-8"?>
@@ -4202,7 +5164,7 @@
         </p:nvSpPr>
         <p:spPr>
           <a:xfrm>
-            <a:off x="4870846" y="1188005"/>
+            <a:off x="4870846" y="1066590"/>
             <a:ext cx="3209898" cy="769441"/>
           </a:xfrm>
           <a:prstGeom prst="rect">
@@ -4241,8 +5203,8 @@
         </p:nvSpPr>
         <p:spPr>
           <a:xfrm>
-            <a:off x="2896790" y="1988222"/>
-            <a:ext cx="6818709" cy="1754326"/>
+            <a:off x="2896789" y="1773627"/>
+            <a:ext cx="6818709" cy="2031325"/>
           </a:xfrm>
           <a:prstGeom prst="rect">
             <a:avLst/>
@@ -4256,35 +5218,27 @@
           <a:lstStyle/>
           <a:p>
             <a:r>
-              <a:rPr lang="en-US" dirty="0">
-                <a:latin typeface="Verdana" panose="020B0604030504040204" pitchFamily="34" charset="0"/>
-                <a:ea typeface="Verdana" panose="020B0604030504040204" pitchFamily="34" charset="0"/>
-                <a:cs typeface="Verdana" panose="020B0604030504040204" pitchFamily="34" charset="0"/>
-              </a:rPr>
-              <a:t>Text Shall go here about the website! Text Shall go here about the website! Text Shall go here about the website!</a:t>
-            </a:r>
-          </a:p>
-          <a:p>
-            <a:r>
-              <a:rPr lang="en-US" dirty="0">
-                <a:latin typeface="Verdana" panose="020B0604030504040204" pitchFamily="34" charset="0"/>
-                <a:ea typeface="Verdana" panose="020B0604030504040204" pitchFamily="34" charset="0"/>
-                <a:cs typeface="Verdana" panose="020B0604030504040204" pitchFamily="34" charset="0"/>
-              </a:rPr>
-              <a:t>Text Shall go here about the website! Text Shall go here about the website!</a:t>
-            </a:r>
-          </a:p>
-          <a:p>
-            <a:r>
-              <a:rPr lang="en-US" dirty="0">
-                <a:latin typeface="Verdana" panose="020B0604030504040204" pitchFamily="34" charset="0"/>
-                <a:ea typeface="Verdana" panose="020B0604030504040204" pitchFamily="34" charset="0"/>
-                <a:cs typeface="Verdana" panose="020B0604030504040204" pitchFamily="34" charset="0"/>
-              </a:rPr>
-              <a:t>Text Shall go here about the website!</a:t>
-            </a:r>
-          </a:p>
-          <a:p>
+              <a:rPr lang="en-US" dirty="0"/>
+              <a:t>The original store was established in May of 2002. It was named Wicks &amp; Beans, as the original merchandise consisted mostly of scented candles and coffee beans. We were located at 2207 Murray Ave, also in Squirrel Hill (down and across from </a:t>
+            </a:r>
+            <a:r>
+              <a:rPr lang="en-US" dirty="0" err="1"/>
+              <a:t>Mineo's</a:t>
+            </a:r>
+            <a:r>
+              <a:rPr lang="en-US" dirty="0"/>
+              <a:t> Pizza.)</a:t>
+            </a:r>
+            <a:br>
+              <a:rPr lang="en-US" dirty="0"/>
+            </a:br>
+            <a:br>
+              <a:rPr lang="en-US" dirty="0"/>
+            </a:br>
+            <a:r>
+              <a:rPr lang="en-US" dirty="0"/>
+              <a:t>Since then we've become mostly a Tea Specialty store with over 400 varieties of teas in stock, and a huge assortment of: teapots, tea …</a:t>
+            </a:r>
             <a:endParaRPr lang="en-US" dirty="0">
               <a:latin typeface="Verdana" panose="020B0604030504040204" pitchFamily="34" charset="0"/>
               <a:ea typeface="Verdana" panose="020B0604030504040204" pitchFamily="34" charset="0"/>
@@ -4445,6 +5399,141 @@
           </a:p>
         </p:txBody>
       </p:sp>
+      <p:sp>
+        <p:nvSpPr>
+          <p:cNvPr id="13" name="TextBox 12">
+            <a:extLst>
+              <a:ext uri="{FF2B5EF4-FFF2-40B4-BE49-F238E27FC236}">
+                <a16:creationId xmlns:a16="http://schemas.microsoft.com/office/drawing/2014/main" id="{71CF893E-793A-A54B-AF02-24A3B1804F62}"/>
+              </a:ext>
+            </a:extLst>
+          </p:cNvPr>
+          <p:cNvSpPr txBox="1"/>
+          <p:nvPr/>
+        </p:nvSpPr>
+        <p:spPr>
+          <a:xfrm>
+            <a:off x="-1535511" y="851147"/>
+            <a:ext cx="1955801" cy="1200329"/>
+          </a:xfrm>
+          <a:prstGeom prst="rect">
+            <a:avLst/>
+          </a:prstGeom>
+          <a:noFill/>
+        </p:spPr>
+        <p:txBody>
+          <a:bodyPr wrap="square" rtlCol="0">
+            <a:spAutoFit/>
+          </a:bodyPr>
+          <a:lstStyle/>
+          <a:p>
+            <a:r>
+              <a:rPr lang="en-US" dirty="0"/>
+              <a:t>Purpose, give customers a bit of background on the shop</a:t>
+            </a:r>
+          </a:p>
+        </p:txBody>
+      </p:sp>
+      <p:sp>
+        <p:nvSpPr>
+          <p:cNvPr id="14" name="TextBox 13">
+            <a:extLst>
+              <a:ext uri="{FF2B5EF4-FFF2-40B4-BE49-F238E27FC236}">
+                <a16:creationId xmlns:a16="http://schemas.microsoft.com/office/drawing/2014/main" id="{B2EE855C-39EE-6447-BF26-B9BD2F8AA948}"/>
+              </a:ext>
+            </a:extLst>
+          </p:cNvPr>
+          <p:cNvSpPr txBox="1"/>
+          <p:nvPr/>
+        </p:nvSpPr>
+        <p:spPr>
+          <a:xfrm>
+            <a:off x="1014413" y="-616448"/>
+            <a:ext cx="2065867" cy="923330"/>
+          </a:xfrm>
+          <a:prstGeom prst="rect">
+            <a:avLst/>
+          </a:prstGeom>
+          <a:noFill/>
+        </p:spPr>
+        <p:txBody>
+          <a:bodyPr wrap="square" rtlCol="0">
+            <a:spAutoFit/>
+          </a:bodyPr>
+          <a:lstStyle/>
+          <a:p>
+            <a:r>
+              <a:rPr lang="en-US" dirty="0"/>
+              <a:t>Logo is clickable to bring you back to the home page</a:t>
+            </a:r>
+          </a:p>
+        </p:txBody>
+      </p:sp>
+      <p:sp>
+        <p:nvSpPr>
+          <p:cNvPr id="15" name="TextBox 14">
+            <a:extLst>
+              <a:ext uri="{FF2B5EF4-FFF2-40B4-BE49-F238E27FC236}">
+                <a16:creationId xmlns:a16="http://schemas.microsoft.com/office/drawing/2014/main" id="{DB04D78A-4D9A-154C-96D6-B2B099E1D973}"/>
+              </a:ext>
+            </a:extLst>
+          </p:cNvPr>
+          <p:cNvSpPr txBox="1"/>
+          <p:nvPr/>
+        </p:nvSpPr>
+        <p:spPr>
+          <a:xfrm>
+            <a:off x="8386762" y="-651782"/>
+            <a:ext cx="1942571" cy="923330"/>
+          </a:xfrm>
+          <a:prstGeom prst="rect">
+            <a:avLst/>
+          </a:prstGeom>
+          <a:noFill/>
+        </p:spPr>
+        <p:txBody>
+          <a:bodyPr wrap="square" rtlCol="0">
+            <a:spAutoFit/>
+          </a:bodyPr>
+          <a:lstStyle/>
+          <a:p>
+            <a:r>
+              <a:rPr lang="en-US" dirty="0"/>
+              <a:t>Also clickable to bring user to other pages</a:t>
+            </a:r>
+          </a:p>
+        </p:txBody>
+      </p:sp>
+      <p:pic>
+        <p:nvPicPr>
+          <p:cNvPr id="17" name="Picture 16">
+            <a:extLst>
+              <a:ext uri="{FF2B5EF4-FFF2-40B4-BE49-F238E27FC236}">
+                <a16:creationId xmlns:a16="http://schemas.microsoft.com/office/drawing/2014/main" id="{412B329A-B676-DA4C-A40E-90B169A10441}"/>
+              </a:ext>
+            </a:extLst>
+          </p:cNvPr>
+          <p:cNvPicPr>
+            <a:picLocks noChangeAspect="1"/>
+          </p:cNvPicPr>
+          <p:nvPr/>
+        </p:nvPicPr>
+        <p:blipFill>
+          <a:blip r:embed="rId3"/>
+          <a:stretch>
+            <a:fillRect/>
+          </a:stretch>
+        </p:blipFill>
+        <p:spPr>
+          <a:xfrm>
+            <a:off x="3706733" y="4078740"/>
+            <a:ext cx="4716620" cy="3040237"/>
+          </a:xfrm>
+          <a:prstGeom prst="rect">
+            <a:avLst/>
+          </a:prstGeom>
+        </p:spPr>
+      </p:pic>
     </p:spTree>
     <p:extLst>
       <p:ext uri="{BB962C8B-B14F-4D97-AF65-F5344CB8AC3E}">
@@ -4526,10 +5615,10 @@
       </p:sp>
       <p:sp>
         <p:nvSpPr>
-          <p:cNvPr id="6" name="Rectangle 5">
-            <a:extLst>
-              <a:ext uri="{FF2B5EF4-FFF2-40B4-BE49-F238E27FC236}">
-                <a16:creationId xmlns:a16="http://schemas.microsoft.com/office/drawing/2014/main" id="{681DE678-7797-FC43-961B-7C8F6B9F9321}"/>
+          <p:cNvPr id="9" name="Rectangle 8">
+            <a:extLst>
+              <a:ext uri="{FF2B5EF4-FFF2-40B4-BE49-F238E27FC236}">
+                <a16:creationId xmlns:a16="http://schemas.microsoft.com/office/drawing/2014/main" id="{27A29B62-EB77-354C-926C-72308FAFFB8A}"/>
               </a:ext>
             </a:extLst>
           </p:cNvPr>
@@ -4538,7 +5627,7 @@
         </p:nvSpPr>
         <p:spPr>
           <a:xfrm>
-            <a:off x="3821906" y="6157912"/>
+            <a:off x="3821904" y="0"/>
             <a:ext cx="3393281" cy="700088"/>
           </a:xfrm>
           <a:prstGeom prst="rect">
@@ -4575,65 +5664,10 @@
       </p:sp>
       <p:sp>
         <p:nvSpPr>
-          <p:cNvPr id="8" name="TextBox 7">
-            <a:extLst>
-              <a:ext uri="{FF2B5EF4-FFF2-40B4-BE49-F238E27FC236}">
-                <a16:creationId xmlns:a16="http://schemas.microsoft.com/office/drawing/2014/main" id="{B073007F-A47D-4547-8066-73EA2E82240C}"/>
-              </a:ext>
-            </a:extLst>
-          </p:cNvPr>
-          <p:cNvSpPr txBox="1"/>
-          <p:nvPr/>
-        </p:nvSpPr>
-        <p:spPr>
-          <a:xfrm>
-            <a:off x="3821905" y="6323290"/>
-            <a:ext cx="3393281" cy="307777"/>
-          </a:xfrm>
-          <a:prstGeom prst="rect">
-            <a:avLst/>
-          </a:prstGeom>
-          <a:noFill/>
-        </p:spPr>
-        <p:txBody>
-          <a:bodyPr wrap="square" rtlCol="0">
-            <a:spAutoFit/>
-          </a:bodyPr>
-          <a:lstStyle/>
-          <a:p>
-            <a:r>
-              <a:rPr lang="en-US" sz="1400" dirty="0">
-                <a:latin typeface="Verdana" panose="020B0604030504040204" pitchFamily="34" charset="0"/>
-                <a:ea typeface="Verdana" panose="020B0604030504040204" pitchFamily="34" charset="0"/>
-                <a:cs typeface="Verdana" panose="020B0604030504040204" pitchFamily="34" charset="0"/>
-              </a:rPr>
-              <a:t> Home   Products   </a:t>
-            </a:r>
-            <a:r>
-              <a:rPr lang="en-US" sz="1400" u="sng" dirty="0">
-                <a:latin typeface="Verdana" panose="020B0604030504040204" pitchFamily="34" charset="0"/>
-                <a:ea typeface="Verdana" panose="020B0604030504040204" pitchFamily="34" charset="0"/>
-                <a:cs typeface="Verdana" panose="020B0604030504040204" pitchFamily="34" charset="0"/>
-              </a:rPr>
-              <a:t>Stores</a:t>
-            </a:r>
-            <a:r>
-              <a:rPr lang="en-US" sz="1400" dirty="0">
-                <a:latin typeface="Verdana" panose="020B0604030504040204" pitchFamily="34" charset="0"/>
-                <a:ea typeface="Verdana" panose="020B0604030504040204" pitchFamily="34" charset="0"/>
-                <a:cs typeface="Verdana" panose="020B0604030504040204" pitchFamily="34" charset="0"/>
-              </a:rPr>
-              <a:t>   Contact </a:t>
-            </a:r>
-          </a:p>
-        </p:txBody>
-      </p:sp>
-      <p:sp>
-        <p:nvSpPr>
-          <p:cNvPr id="9" name="Rectangle 8">
-            <a:extLst>
-              <a:ext uri="{FF2B5EF4-FFF2-40B4-BE49-F238E27FC236}">
-                <a16:creationId xmlns:a16="http://schemas.microsoft.com/office/drawing/2014/main" id="{27A29B62-EB77-354C-926C-72308FAFFB8A}"/>
+          <p:cNvPr id="10" name="Rectangle 9">
+            <a:extLst>
+              <a:ext uri="{FF2B5EF4-FFF2-40B4-BE49-F238E27FC236}">
+                <a16:creationId xmlns:a16="http://schemas.microsoft.com/office/drawing/2014/main" id="{8EC0FC19-D781-1F40-829A-22F858464BF5}"/>
               </a:ext>
             </a:extLst>
           </p:cNvPr>
@@ -4642,14 +5676,16 @@
         </p:nvSpPr>
         <p:spPr>
           <a:xfrm>
-            <a:off x="3821904" y="0"/>
-            <a:ext cx="3393281" cy="700088"/>
+            <a:off x="5057772" y="0"/>
+            <a:ext cx="921543" cy="700088"/>
           </a:xfrm>
           <a:prstGeom prst="rect">
             <a:avLst/>
           </a:prstGeom>
           <a:solidFill>
-            <a:srgbClr val="29C4BE"/>
+            <a:schemeClr val="bg1">
+              <a:lumMod val="65000"/>
+            </a:schemeClr>
           </a:solidFill>
         </p:spPr>
         <p:style>
@@ -4679,10 +5715,45 @@
       </p:sp>
       <p:sp>
         <p:nvSpPr>
-          <p:cNvPr id="10" name="Rectangle 9">
-            <a:extLst>
-              <a:ext uri="{FF2B5EF4-FFF2-40B4-BE49-F238E27FC236}">
-                <a16:creationId xmlns:a16="http://schemas.microsoft.com/office/drawing/2014/main" id="{8EC0FC19-D781-1F40-829A-22F858464BF5}"/>
+          <p:cNvPr id="11" name="TextBox 10">
+            <a:extLst>
+              <a:ext uri="{FF2B5EF4-FFF2-40B4-BE49-F238E27FC236}">
+                <a16:creationId xmlns:a16="http://schemas.microsoft.com/office/drawing/2014/main" id="{58776588-F9F8-3148-BFCF-C19C17787EBE}"/>
+              </a:ext>
+            </a:extLst>
+          </p:cNvPr>
+          <p:cNvSpPr txBox="1"/>
+          <p:nvPr/>
+        </p:nvSpPr>
+        <p:spPr>
+          <a:xfrm>
+            <a:off x="5225650" y="165378"/>
+            <a:ext cx="914400" cy="369332"/>
+          </a:xfrm>
+          <a:prstGeom prst="rect">
+            <a:avLst/>
+          </a:prstGeom>
+          <a:noFill/>
+        </p:spPr>
+        <p:txBody>
+          <a:bodyPr wrap="square" rtlCol="0">
+            <a:spAutoFit/>
+          </a:bodyPr>
+          <a:lstStyle/>
+          <a:p>
+            <a:r>
+              <a:rPr lang="en-US" dirty="0"/>
+              <a:t>logo</a:t>
+            </a:r>
+          </a:p>
+        </p:txBody>
+      </p:sp>
+      <p:sp>
+        <p:nvSpPr>
+          <p:cNvPr id="2" name="Rectangle 1">
+            <a:extLst>
+              <a:ext uri="{FF2B5EF4-FFF2-40B4-BE49-F238E27FC236}">
+                <a16:creationId xmlns:a16="http://schemas.microsoft.com/office/drawing/2014/main" id="{D6450AAC-A839-4841-9183-64FFA59118C0}"/>
               </a:ext>
             </a:extLst>
           </p:cNvPr>
@@ -4691,8 +5762,8 @@
         </p:nvSpPr>
         <p:spPr>
           <a:xfrm>
-            <a:off x="5057772" y="0"/>
-            <a:ext cx="921543" cy="700088"/>
+            <a:off x="4400551" y="1276766"/>
+            <a:ext cx="2285999" cy="2211886"/>
           </a:xfrm>
           <a:prstGeom prst="rect">
             <a:avLst/>
@@ -4730,10 +5801,10 @@
       </p:sp>
       <p:sp>
         <p:nvSpPr>
-          <p:cNvPr id="11" name="TextBox 10">
-            <a:extLst>
-              <a:ext uri="{FF2B5EF4-FFF2-40B4-BE49-F238E27FC236}">
-                <a16:creationId xmlns:a16="http://schemas.microsoft.com/office/drawing/2014/main" id="{58776588-F9F8-3148-BFCF-C19C17787EBE}"/>
+          <p:cNvPr id="3" name="TextBox 2">
+            <a:extLst>
+              <a:ext uri="{FF2B5EF4-FFF2-40B4-BE49-F238E27FC236}">
+                <a16:creationId xmlns:a16="http://schemas.microsoft.com/office/drawing/2014/main" id="{073E3082-B5C6-4A4F-90E5-E80A67C1550C}"/>
               </a:ext>
             </a:extLst>
           </p:cNvPr>
@@ -4742,8 +5813,8 @@
         </p:nvSpPr>
         <p:spPr>
           <a:xfrm>
-            <a:off x="5225650" y="165378"/>
-            <a:ext cx="914400" cy="369332"/>
+            <a:off x="3921913" y="742056"/>
+            <a:ext cx="3521873" cy="461665"/>
           </a:xfrm>
           <a:prstGeom prst="rect">
             <a:avLst/>
@@ -4757,18 +5828,125 @@
           <a:lstStyle/>
           <a:p>
             <a:r>
+              <a:rPr lang="en-US" sz="2400" dirty="0"/>
+              <a:t>Visit out location Below!</a:t>
+            </a:r>
+          </a:p>
+        </p:txBody>
+      </p:sp>
+      <p:sp>
+        <p:nvSpPr>
+          <p:cNvPr id="5" name="TextBox 4">
+            <a:extLst>
+              <a:ext uri="{FF2B5EF4-FFF2-40B4-BE49-F238E27FC236}">
+                <a16:creationId xmlns:a16="http://schemas.microsoft.com/office/drawing/2014/main" id="{27FB8766-E0F4-C541-B54E-A832C00F868B}"/>
+              </a:ext>
+            </a:extLst>
+          </p:cNvPr>
+          <p:cNvSpPr txBox="1"/>
+          <p:nvPr/>
+        </p:nvSpPr>
+        <p:spPr>
+          <a:xfrm>
+            <a:off x="4600567" y="2198043"/>
+            <a:ext cx="2007398" cy="369332"/>
+          </a:xfrm>
+          <a:prstGeom prst="rect">
+            <a:avLst/>
+          </a:prstGeom>
+          <a:noFill/>
+        </p:spPr>
+        <p:txBody>
+          <a:bodyPr wrap="square" rtlCol="0">
+            <a:spAutoFit/>
+          </a:bodyPr>
+          <a:lstStyle/>
+          <a:p>
+            <a:r>
               <a:rPr lang="en-US" dirty="0"/>
-              <a:t>logo</a:t>
-            </a:r>
-          </a:p>
-        </p:txBody>
-      </p:sp>
-      <p:sp>
-        <p:nvSpPr>
-          <p:cNvPr id="2" name="Rectangle 1">
-            <a:extLst>
-              <a:ext uri="{FF2B5EF4-FFF2-40B4-BE49-F238E27FC236}">
-                <a16:creationId xmlns:a16="http://schemas.microsoft.com/office/drawing/2014/main" id="{D6450AAC-A839-4841-9183-64FFA59118C0}"/>
+              <a:t>Image of the store</a:t>
+            </a:r>
+          </a:p>
+        </p:txBody>
+      </p:sp>
+      <p:sp>
+        <p:nvSpPr>
+          <p:cNvPr id="12" name="TextBox 11">
+            <a:extLst>
+              <a:ext uri="{FF2B5EF4-FFF2-40B4-BE49-F238E27FC236}">
+                <a16:creationId xmlns:a16="http://schemas.microsoft.com/office/drawing/2014/main" id="{5B2C7FFA-797A-EC43-AD44-3A41B1AB6608}"/>
+              </a:ext>
+            </a:extLst>
+          </p:cNvPr>
+          <p:cNvSpPr txBox="1"/>
+          <p:nvPr/>
+        </p:nvSpPr>
+        <p:spPr>
+          <a:xfrm>
+            <a:off x="3878068" y="3761845"/>
+            <a:ext cx="6530528" cy="1200329"/>
+          </a:xfrm>
+          <a:prstGeom prst="rect">
+            <a:avLst/>
+          </a:prstGeom>
+          <a:noFill/>
+        </p:spPr>
+        <p:txBody>
+          <a:bodyPr wrap="square" rtlCol="0">
+            <a:spAutoFit/>
+          </a:bodyPr>
+          <a:lstStyle/>
+          <a:p>
+            <a:r>
+              <a:rPr lang="en-US" sz="1200" dirty="0"/>
+              <a:t>Address:</a:t>
+            </a:r>
+          </a:p>
+          <a:p>
+            <a:r>
+              <a:rPr lang="en-US" sz="1200" dirty="0"/>
+              <a:t>5872 Forbes Ave, Pittsburgh, PA 15217</a:t>
+            </a:r>
+          </a:p>
+          <a:p>
+            <a:r>
+              <a:rPr lang="en-US" sz="1200" dirty="0"/>
+              <a:t>Hours:</a:t>
+            </a:r>
+          </a:p>
+          <a:p>
+            <a:r>
+              <a:rPr lang="en-US" sz="1200" dirty="0"/>
+              <a:t>Monday to Saturday 11AM–7PM | Sunday 12–5PM</a:t>
+            </a:r>
+          </a:p>
+          <a:p>
+            <a:r>
+              <a:rPr lang="en-US" sz="1200" dirty="0"/>
+              <a:t>Phone Number (412) 422-1606</a:t>
+            </a:r>
+          </a:p>
+          <a:p>
+            <a:r>
+              <a:rPr lang="en-US" sz="1200" dirty="0"/>
+              <a:t>Email : </a:t>
+            </a:r>
+            <a:r>
+              <a:rPr lang="en-US" sz="1200" dirty="0">
+                <a:hlinkClick r:id="rId2"/>
+              </a:rPr>
+              <a:t>100teacups@gmail.com</a:t>
+            </a:r>
+            <a:endParaRPr lang="en-US" sz="1200" dirty="0"/>
+          </a:p>
+        </p:txBody>
+      </p:sp>
+      <p:sp>
+        <p:nvSpPr>
+          <p:cNvPr id="14" name="Rectangle 13">
+            <a:extLst>
+              <a:ext uri="{FF2B5EF4-FFF2-40B4-BE49-F238E27FC236}">
+                <a16:creationId xmlns:a16="http://schemas.microsoft.com/office/drawing/2014/main" id="{6478F4E9-38C4-294E-B11A-02FBF4ADA839}"/>
               </a:ext>
             </a:extLst>
           </p:cNvPr>
@@ -4777,8 +5955,8 @@
         </p:nvSpPr>
         <p:spPr>
           <a:xfrm>
-            <a:off x="4400551" y="1276766"/>
-            <a:ext cx="2285999" cy="2211886"/>
+            <a:off x="4321966" y="5250657"/>
+            <a:ext cx="2285999" cy="907255"/>
           </a:xfrm>
           <a:prstGeom prst="rect">
             <a:avLst/>
@@ -4816,10 +5994,10 @@
       </p:sp>
       <p:sp>
         <p:nvSpPr>
-          <p:cNvPr id="3" name="TextBox 2">
-            <a:extLst>
-              <a:ext uri="{FF2B5EF4-FFF2-40B4-BE49-F238E27FC236}">
-                <a16:creationId xmlns:a16="http://schemas.microsoft.com/office/drawing/2014/main" id="{073E3082-B5C6-4A4F-90E5-E80A67C1550C}"/>
+          <p:cNvPr id="7" name="TextBox 6">
+            <a:extLst>
+              <a:ext uri="{FF2B5EF4-FFF2-40B4-BE49-F238E27FC236}">
+                <a16:creationId xmlns:a16="http://schemas.microsoft.com/office/drawing/2014/main" id="{47E7933D-A20C-5B41-9423-00D9705D8622}"/>
               </a:ext>
             </a:extLst>
           </p:cNvPr>
@@ -4828,8 +6006,8 @@
         </p:nvSpPr>
         <p:spPr>
           <a:xfrm>
-            <a:off x="3921913" y="742056"/>
-            <a:ext cx="3521873" cy="461665"/>
+            <a:off x="4250527" y="4959815"/>
+            <a:ext cx="2864644" cy="369332"/>
           </a:xfrm>
           <a:prstGeom prst="rect">
             <a:avLst/>
@@ -4843,18 +6021,18 @@
           <a:lstStyle/>
           <a:p>
             <a:r>
-              <a:rPr lang="en-US" sz="2400" dirty="0"/>
-              <a:t>Visit out location Below!</a:t>
-            </a:r>
-          </a:p>
-        </p:txBody>
-      </p:sp>
-      <p:sp>
-        <p:nvSpPr>
-          <p:cNvPr id="5" name="TextBox 4">
-            <a:extLst>
-              <a:ext uri="{FF2B5EF4-FFF2-40B4-BE49-F238E27FC236}">
-                <a16:creationId xmlns:a16="http://schemas.microsoft.com/office/drawing/2014/main" id="{27FB8766-E0F4-C541-B54E-A832C00F868B}"/>
+              <a:rPr lang="en-US" dirty="0"/>
+              <a:t>Graph With Busy Hours</a:t>
+            </a:r>
+          </a:p>
+        </p:txBody>
+      </p:sp>
+      <p:sp>
+        <p:nvSpPr>
+          <p:cNvPr id="13" name="TextBox 12">
+            <a:extLst>
+              <a:ext uri="{FF2B5EF4-FFF2-40B4-BE49-F238E27FC236}">
+                <a16:creationId xmlns:a16="http://schemas.microsoft.com/office/drawing/2014/main" id="{3CC48C48-0808-5E46-BEB9-AE3214695CBB}"/>
               </a:ext>
             </a:extLst>
           </p:cNvPr>
@@ -4863,8 +6041,8 @@
         </p:nvSpPr>
         <p:spPr>
           <a:xfrm>
-            <a:off x="4600567" y="2198043"/>
-            <a:ext cx="2007398" cy="369332"/>
+            <a:off x="7040832" y="2469148"/>
+            <a:ext cx="2055020" cy="1477328"/>
           </a:xfrm>
           <a:prstGeom prst="rect">
             <a:avLst/>
@@ -4879,78 +6057,77 @@
           <a:p>
             <a:r>
               <a:rPr lang="en-US" dirty="0"/>
-              <a:t>Image of the store</a:t>
-            </a:r>
-          </a:p>
-        </p:txBody>
-      </p:sp>
-      <p:sp>
-        <p:nvSpPr>
-          <p:cNvPr id="12" name="TextBox 11">
-            <a:extLst>
-              <a:ext uri="{FF2B5EF4-FFF2-40B4-BE49-F238E27FC236}">
-                <a16:creationId xmlns:a16="http://schemas.microsoft.com/office/drawing/2014/main" id="{5B2C7FFA-797A-EC43-AD44-3A41B1AB6608}"/>
-              </a:ext>
-            </a:extLst>
-          </p:cNvPr>
-          <p:cNvSpPr txBox="1"/>
-          <p:nvPr/>
-        </p:nvSpPr>
-        <p:spPr>
-          <a:xfrm>
-            <a:off x="3921913" y="3669386"/>
-            <a:ext cx="2007398" cy="1200329"/>
-          </a:xfrm>
-          <a:prstGeom prst="rect">
-            <a:avLst/>
-          </a:prstGeom>
-          <a:noFill/>
-        </p:spPr>
-        <p:txBody>
-          <a:bodyPr wrap="square" rtlCol="0">
-            <a:spAutoFit/>
-          </a:bodyPr>
-          <a:lstStyle/>
-          <a:p>
-            <a:r>
-              <a:rPr lang="en-US" dirty="0"/>
-              <a:t>Address:</a:t>
-            </a:r>
-          </a:p>
-          <a:p>
-            <a:r>
-              <a:rPr lang="en-US" dirty="0"/>
-              <a:t>Hours:</a:t>
-            </a:r>
-          </a:p>
-          <a:p>
-            <a:r>
-              <a:rPr lang="en-US" dirty="0"/>
-              <a:t>Phone </a:t>
-            </a:r>
-            <a:r>
-              <a:rPr lang="en-US" dirty="0" err="1"/>
-              <a:t>Numer</a:t>
-            </a:r>
-            <a:r>
-              <a:rPr lang="en-US" dirty="0"/>
-              <a:t>:</a:t>
-            </a:r>
-          </a:p>
-          <a:p>
-            <a:r>
-              <a:rPr lang="en-US" dirty="0"/>
-              <a:t>Email:</a:t>
-            </a:r>
-          </a:p>
-        </p:txBody>
-      </p:sp>
-      <p:sp>
-        <p:nvSpPr>
-          <p:cNvPr id="14" name="Rectangle 13">
-            <a:extLst>
-              <a:ext uri="{FF2B5EF4-FFF2-40B4-BE49-F238E27FC236}">
-                <a16:creationId xmlns:a16="http://schemas.microsoft.com/office/drawing/2014/main" id="{6478F4E9-38C4-294E-B11A-02FBF4ADA839}"/>
+              <a:t>Embedded map taken out, only on home page so there is not too much on this page</a:t>
+            </a:r>
+          </a:p>
+        </p:txBody>
+      </p:sp>
+      <p:pic>
+        <p:nvPicPr>
+          <p:cNvPr id="15" name="Picture 14">
+            <a:extLst>
+              <a:ext uri="{FF2B5EF4-FFF2-40B4-BE49-F238E27FC236}">
+                <a16:creationId xmlns:a16="http://schemas.microsoft.com/office/drawing/2014/main" id="{C5FAE32A-7464-6248-BA61-C4658D104522}"/>
+              </a:ext>
+            </a:extLst>
+          </p:cNvPr>
+          <p:cNvPicPr>
+            <a:picLocks noChangeAspect="1"/>
+          </p:cNvPicPr>
+          <p:nvPr/>
+        </p:nvPicPr>
+        <p:blipFill>
+          <a:blip r:embed="rId3"/>
+          <a:stretch>
+            <a:fillRect/>
+          </a:stretch>
+        </p:blipFill>
+        <p:spPr>
+          <a:xfrm>
+            <a:off x="3988284" y="1277826"/>
+            <a:ext cx="2953362" cy="2487041"/>
+          </a:xfrm>
+          <a:prstGeom prst="rect">
+            <a:avLst/>
+          </a:prstGeom>
+        </p:spPr>
+      </p:pic>
+      <p:pic>
+        <p:nvPicPr>
+          <p:cNvPr id="17" name="Picture 16">
+            <a:extLst>
+              <a:ext uri="{FF2B5EF4-FFF2-40B4-BE49-F238E27FC236}">
+                <a16:creationId xmlns:a16="http://schemas.microsoft.com/office/drawing/2014/main" id="{8F0D18B8-AD21-5849-AD52-8CFAC0F15D09}"/>
+              </a:ext>
+            </a:extLst>
+          </p:cNvPr>
+          <p:cNvPicPr>
+            <a:picLocks noChangeAspect="1"/>
+          </p:cNvPicPr>
+          <p:nvPr/>
+        </p:nvPicPr>
+        <p:blipFill>
+          <a:blip r:embed="rId4"/>
+          <a:stretch>
+            <a:fillRect/>
+          </a:stretch>
+        </p:blipFill>
+        <p:spPr>
+          <a:xfrm>
+            <a:off x="4321962" y="5231396"/>
+            <a:ext cx="2364588" cy="1260473"/>
+          </a:xfrm>
+          <a:prstGeom prst="rect">
+            <a:avLst/>
+          </a:prstGeom>
+        </p:spPr>
+      </p:pic>
+      <p:sp>
+        <p:nvSpPr>
+          <p:cNvPr id="6" name="Rectangle 5">
+            <a:extLst>
+              <a:ext uri="{FF2B5EF4-FFF2-40B4-BE49-F238E27FC236}">
+                <a16:creationId xmlns:a16="http://schemas.microsoft.com/office/drawing/2014/main" id="{681DE678-7797-FC43-961B-7C8F6B9F9321}"/>
               </a:ext>
             </a:extLst>
           </p:cNvPr>
@@ -4959,16 +6136,14 @@
         </p:nvSpPr>
         <p:spPr>
           <a:xfrm>
-            <a:off x="4321966" y="5250657"/>
-            <a:ext cx="2285999" cy="907255"/>
+            <a:off x="3821906" y="6157912"/>
+            <a:ext cx="3393281" cy="700088"/>
           </a:xfrm>
           <a:prstGeom prst="rect">
             <a:avLst/>
           </a:prstGeom>
           <a:solidFill>
-            <a:schemeClr val="bg1">
-              <a:lumMod val="65000"/>
-            </a:schemeClr>
+            <a:srgbClr val="29C4BE"/>
           </a:solidFill>
         </p:spPr>
         <p:style>
@@ -4998,10 +6173,10 @@
       </p:sp>
       <p:sp>
         <p:nvSpPr>
-          <p:cNvPr id="7" name="TextBox 6">
-            <a:extLst>
-              <a:ext uri="{FF2B5EF4-FFF2-40B4-BE49-F238E27FC236}">
-                <a16:creationId xmlns:a16="http://schemas.microsoft.com/office/drawing/2014/main" id="{47E7933D-A20C-5B41-9423-00D9705D8622}"/>
+          <p:cNvPr id="8" name="TextBox 7">
+            <a:extLst>
+              <a:ext uri="{FF2B5EF4-FFF2-40B4-BE49-F238E27FC236}">
+                <a16:creationId xmlns:a16="http://schemas.microsoft.com/office/drawing/2014/main" id="{B073007F-A47D-4547-8066-73EA2E82240C}"/>
               </a:ext>
             </a:extLst>
           </p:cNvPr>
@@ -5010,8 +6185,8 @@
         </p:nvSpPr>
         <p:spPr>
           <a:xfrm>
-            <a:off x="4250527" y="4959815"/>
-            <a:ext cx="2864644" cy="369332"/>
+            <a:off x="3821905" y="6323290"/>
+            <a:ext cx="3393281" cy="307777"/>
           </a:xfrm>
           <a:prstGeom prst="rect">
             <a:avLst/>
@@ -5025,8 +6200,28 @@
           <a:lstStyle/>
           <a:p>
             <a:r>
-              <a:rPr lang="en-US" dirty="0"/>
-              <a:t>Graph With Busy Hours</a:t>
+              <a:rPr lang="en-US" sz="1400" dirty="0">
+                <a:latin typeface="Verdana" panose="020B0604030504040204" pitchFamily="34" charset="0"/>
+                <a:ea typeface="Verdana" panose="020B0604030504040204" pitchFamily="34" charset="0"/>
+                <a:cs typeface="Verdana" panose="020B0604030504040204" pitchFamily="34" charset="0"/>
+              </a:rPr>
+              <a:t> Home   Products   </a:t>
+            </a:r>
+            <a:r>
+              <a:rPr lang="en-US" sz="1400" u="sng" dirty="0">
+                <a:latin typeface="Verdana" panose="020B0604030504040204" pitchFamily="34" charset="0"/>
+                <a:ea typeface="Verdana" panose="020B0604030504040204" pitchFamily="34" charset="0"/>
+                <a:cs typeface="Verdana" panose="020B0604030504040204" pitchFamily="34" charset="0"/>
+              </a:rPr>
+              <a:t>Stores</a:t>
+            </a:r>
+            <a:r>
+              <a:rPr lang="en-US" sz="1400" dirty="0">
+                <a:latin typeface="Verdana" panose="020B0604030504040204" pitchFamily="34" charset="0"/>
+                <a:ea typeface="Verdana" panose="020B0604030504040204" pitchFamily="34" charset="0"/>
+                <a:cs typeface="Verdana" panose="020B0604030504040204" pitchFamily="34" charset="0"/>
+              </a:rPr>
+              <a:t>   Contact </a:t>
             </a:r>
           </a:p>
         </p:txBody>
@@ -5634,6 +6829,46 @@
           </a:p>
         </p:txBody>
       </p:sp>
+      <p:sp>
+        <p:nvSpPr>
+          <p:cNvPr id="12" name="TextBox 11">
+            <a:extLst>
+              <a:ext uri="{FF2B5EF4-FFF2-40B4-BE49-F238E27FC236}">
+                <a16:creationId xmlns:a16="http://schemas.microsoft.com/office/drawing/2014/main" id="{7FCEBF50-4C5F-3B47-8179-4E9FFF03510C}"/>
+              </a:ext>
+            </a:extLst>
+          </p:cNvPr>
+          <p:cNvSpPr txBox="1"/>
+          <p:nvPr/>
+        </p:nvSpPr>
+        <p:spPr>
+          <a:xfrm>
+            <a:off x="7670595" y="2978766"/>
+            <a:ext cx="1916317" cy="1477328"/>
+          </a:xfrm>
+          <a:prstGeom prst="rect">
+            <a:avLst/>
+          </a:prstGeom>
+          <a:noFill/>
+        </p:spPr>
+        <p:txBody>
+          <a:bodyPr wrap="square" rtlCol="0">
+            <a:spAutoFit/>
+          </a:bodyPr>
+          <a:lstStyle/>
+          <a:p>
+            <a:r>
+              <a:rPr lang="en-US" dirty="0"/>
+              <a:t>A short form for the user to fill out to contact the shop or join </a:t>
+            </a:r>
+            <a:r>
+              <a:rPr lang="en-US"/>
+              <a:t>mailing list</a:t>
+            </a:r>
+            <a:endParaRPr lang="en-US" dirty="0"/>
+          </a:p>
+        </p:txBody>
+      </p:sp>
     </p:spTree>
     <p:extLst>
       <p:ext uri="{BB962C8B-B14F-4D97-AF65-F5344CB8AC3E}">
@@ -5731,8 +6966,8 @@
         </p:nvSpPr>
         <p:spPr>
           <a:xfrm>
-            <a:off x="4521994" y="156983"/>
-            <a:ext cx="2521744" cy="1200329"/>
+            <a:off x="2671366" y="115870"/>
+            <a:ext cx="6465095" cy="1200329"/>
           </a:xfrm>
           <a:prstGeom prst="rect">
             <a:avLst/>
@@ -5745,6 +6980,7 @@
           </a:bodyPr>
           <a:lstStyle/>
           <a:p>
+            <a:pPr algn="ctr"/>
             <a:r>
               <a:rPr lang="en-US" dirty="0" err="1">
                 <a:latin typeface="Verdana" panose="020B0604030504040204" pitchFamily="34" charset="0"/>
@@ -5763,16 +6999,14 @@
             </a:r>
           </a:p>
           <a:p>
-            <a:r>
-              <a:rPr lang="en-US" dirty="0">
-                <a:latin typeface="Verdana" panose="020B0604030504040204" pitchFamily="34" charset="0"/>
-                <a:ea typeface="Verdana" panose="020B0604030504040204" pitchFamily="34" charset="0"/>
-                <a:cs typeface="Verdana" panose="020B0604030504040204" pitchFamily="34" charset="0"/>
-              </a:rPr>
-              <a:t>Insert Address here</a:t>
-            </a:r>
-          </a:p>
-          <a:p>
+            <a:pPr algn="ctr"/>
+            <a:r>
+              <a:rPr lang="en-US" dirty="0"/>
+              <a:t>5872 Forbes Ave, Pittsburgh, PA 15217</a:t>
+            </a:r>
+          </a:p>
+          <a:p>
+            <a:pPr algn="ctr"/>
             <a:r>
               <a:rPr lang="en-US" dirty="0">
                 <a:latin typeface="Verdana" panose="020B0604030504040204" pitchFamily="34" charset="0"/>
@@ -5783,14 +7017,16 @@
             </a:r>
           </a:p>
           <a:p>
-            <a:r>
-              <a:rPr lang="en-US" dirty="0">
-                <a:latin typeface="Verdana" panose="020B0604030504040204" pitchFamily="34" charset="0"/>
-                <a:ea typeface="Verdana" panose="020B0604030504040204" pitchFamily="34" charset="0"/>
-                <a:cs typeface="Verdana" panose="020B0604030504040204" pitchFamily="34" charset="0"/>
-              </a:rPr>
-              <a:t>Insert Hours Here</a:t>
-            </a:r>
+            <a:pPr algn="ctr"/>
+            <a:r>
+              <a:rPr lang="en-US" dirty="0"/>
+              <a:t>Monday 11AM–7PM to Saturday 11AM–7PM | Sunday 12–5PM</a:t>
+            </a:r>
+            <a:endParaRPr lang="en-US" dirty="0">
+              <a:latin typeface="Verdana" panose="020B0604030504040204" pitchFamily="34" charset="0"/>
+              <a:ea typeface="Verdana" panose="020B0604030504040204" pitchFamily="34" charset="0"/>
+              <a:cs typeface="Verdana" panose="020B0604030504040204" pitchFamily="34" charset="0"/>
+            </a:endParaRPr>
           </a:p>
         </p:txBody>
       </p:sp>
@@ -5885,7 +7121,7 @@
         </p:nvSpPr>
         <p:spPr>
           <a:xfrm>
-            <a:off x="4588004" y="1613178"/>
+            <a:off x="4325208" y="1613178"/>
             <a:ext cx="3541583" cy="646331"/>
           </a:xfrm>
           <a:prstGeom prst="rect">
@@ -5924,7 +7160,7 @@
         </p:nvSpPr>
         <p:spPr>
           <a:xfrm>
-            <a:off x="728134" y="2727589"/>
+            <a:off x="955015" y="2741465"/>
             <a:ext cx="2675598" cy="2572544"/>
           </a:xfrm>
           <a:prstGeom prst="rect">
@@ -5967,10 +7203,128 @@
       </p:sp>
       <p:sp>
         <p:nvSpPr>
-          <p:cNvPr id="17" name="Rectangle 16">
-            <a:extLst>
-              <a:ext uri="{FF2B5EF4-FFF2-40B4-BE49-F238E27FC236}">
-                <a16:creationId xmlns:a16="http://schemas.microsoft.com/office/drawing/2014/main" id="{48DF92ED-C1AF-1647-8AA1-305503D3EB21}"/>
+          <p:cNvPr id="19" name="TextBox 18">
+            <a:extLst>
+              <a:ext uri="{FF2B5EF4-FFF2-40B4-BE49-F238E27FC236}">
+                <a16:creationId xmlns:a16="http://schemas.microsoft.com/office/drawing/2014/main" id="{52FD6BDB-53F5-B641-A71B-F941A1990028}"/>
+              </a:ext>
+            </a:extLst>
+          </p:cNvPr>
+          <p:cNvSpPr txBox="1"/>
+          <p:nvPr/>
+        </p:nvSpPr>
+        <p:spPr>
+          <a:xfrm>
+            <a:off x="1320932" y="2221687"/>
+            <a:ext cx="2082800" cy="369332"/>
+          </a:xfrm>
+          <a:prstGeom prst="rect">
+            <a:avLst/>
+          </a:prstGeom>
+          <a:noFill/>
+        </p:spPr>
+        <p:txBody>
+          <a:bodyPr wrap="square" rtlCol="0">
+            <a:spAutoFit/>
+          </a:bodyPr>
+          <a:lstStyle/>
+          <a:p>
+            <a:r>
+              <a:rPr lang="en-US" dirty="0">
+                <a:latin typeface="Verdana" panose="020B0604030504040204" pitchFamily="34" charset="0"/>
+                <a:ea typeface="Verdana" panose="020B0604030504040204" pitchFamily="34" charset="0"/>
+                <a:cs typeface="Verdana" panose="020B0604030504040204" pitchFamily="34" charset="0"/>
+              </a:rPr>
+              <a:t>Coffee</a:t>
+            </a:r>
+          </a:p>
+        </p:txBody>
+      </p:sp>
+      <p:sp>
+        <p:nvSpPr>
+          <p:cNvPr id="20" name="TextBox 19">
+            <a:extLst>
+              <a:ext uri="{FF2B5EF4-FFF2-40B4-BE49-F238E27FC236}">
+                <a16:creationId xmlns:a16="http://schemas.microsoft.com/office/drawing/2014/main" id="{0A3A73CA-2646-294A-B55C-6185C7C15F95}"/>
+              </a:ext>
+            </a:extLst>
+          </p:cNvPr>
+          <p:cNvSpPr txBox="1"/>
+          <p:nvPr/>
+        </p:nvSpPr>
+        <p:spPr>
+          <a:xfrm>
+            <a:off x="5245099" y="2259509"/>
+            <a:ext cx="2082800" cy="369332"/>
+          </a:xfrm>
+          <a:prstGeom prst="rect">
+            <a:avLst/>
+          </a:prstGeom>
+          <a:noFill/>
+        </p:spPr>
+        <p:txBody>
+          <a:bodyPr wrap="square" rtlCol="0">
+            <a:spAutoFit/>
+          </a:bodyPr>
+          <a:lstStyle/>
+          <a:p>
+            <a:pPr algn="ctr"/>
+            <a:r>
+              <a:rPr lang="en-US" dirty="0">
+                <a:latin typeface="Verdana" panose="020B0604030504040204" pitchFamily="34" charset="0"/>
+                <a:ea typeface="Verdana" panose="020B0604030504040204" pitchFamily="34" charset="0"/>
+                <a:cs typeface="Verdana" panose="020B0604030504040204" pitchFamily="34" charset="0"/>
+              </a:rPr>
+              <a:t>Teas</a:t>
+            </a:r>
+          </a:p>
+        </p:txBody>
+      </p:sp>
+      <p:sp>
+        <p:nvSpPr>
+          <p:cNvPr id="21" name="TextBox 20">
+            <a:extLst>
+              <a:ext uri="{FF2B5EF4-FFF2-40B4-BE49-F238E27FC236}">
+                <a16:creationId xmlns:a16="http://schemas.microsoft.com/office/drawing/2014/main" id="{AF2281FA-31C8-0244-8156-35B88185BED9}"/>
+              </a:ext>
+            </a:extLst>
+          </p:cNvPr>
+          <p:cNvSpPr txBox="1"/>
+          <p:nvPr/>
+        </p:nvSpPr>
+        <p:spPr>
+          <a:xfrm>
+            <a:off x="9381066" y="2239555"/>
+            <a:ext cx="2082800" cy="369332"/>
+          </a:xfrm>
+          <a:prstGeom prst="rect">
+            <a:avLst/>
+          </a:prstGeom>
+          <a:noFill/>
+        </p:spPr>
+        <p:txBody>
+          <a:bodyPr wrap="square" rtlCol="0">
+            <a:spAutoFit/>
+          </a:bodyPr>
+          <a:lstStyle/>
+          <a:p>
+            <a:r>
+              <a:rPr lang="en-US" dirty="0">
+                <a:latin typeface="Verdana" panose="020B0604030504040204" pitchFamily="34" charset="0"/>
+                <a:ea typeface="Verdana" panose="020B0604030504040204" pitchFamily="34" charset="0"/>
+                <a:cs typeface="Verdana" panose="020B0604030504040204" pitchFamily="34" charset="0"/>
+              </a:rPr>
+              <a:t>Other Products</a:t>
+            </a:r>
+          </a:p>
+        </p:txBody>
+      </p:sp>
+      <p:sp>
+        <p:nvSpPr>
+          <p:cNvPr id="22" name="Rectangle 21">
+            <a:extLst>
+              <a:ext uri="{FF2B5EF4-FFF2-40B4-BE49-F238E27FC236}">
+                <a16:creationId xmlns:a16="http://schemas.microsoft.com/office/drawing/2014/main" id="{2E6CC9EA-4E78-1D47-9122-5E9B636EA2B1}"/>
               </a:ext>
             </a:extLst>
           </p:cNvPr>
@@ -5979,16 +7333,14 @@
         </p:nvSpPr>
         <p:spPr>
           <a:xfrm>
-            <a:off x="4758201" y="2727589"/>
-            <a:ext cx="2675598" cy="2572544"/>
+            <a:off x="0" y="5768213"/>
+            <a:ext cx="12192000" cy="1089787"/>
           </a:xfrm>
           <a:prstGeom prst="rect">
             <a:avLst/>
           </a:prstGeom>
           <a:solidFill>
-            <a:schemeClr val="bg1">
-              <a:lumMod val="65000"/>
-            </a:schemeClr>
+            <a:srgbClr val="29C4BE"/>
           </a:solidFill>
         </p:spPr>
         <p:style>
@@ -6012,231 +7364,6 @@
           <a:lstStyle/>
           <a:p>
             <a:pPr algn="ctr"/>
-            <a:endParaRPr lang="en-US">
-              <a:latin typeface="Verdana" panose="020B0604030504040204" pitchFamily="34" charset="0"/>
-              <a:ea typeface="Verdana" panose="020B0604030504040204" pitchFamily="34" charset="0"/>
-              <a:cs typeface="Verdana" panose="020B0604030504040204" pitchFamily="34" charset="0"/>
-            </a:endParaRPr>
-          </a:p>
-        </p:txBody>
-      </p:sp>
-      <p:sp>
-        <p:nvSpPr>
-          <p:cNvPr id="18" name="Rectangle 17">
-            <a:extLst>
-              <a:ext uri="{FF2B5EF4-FFF2-40B4-BE49-F238E27FC236}">
-                <a16:creationId xmlns:a16="http://schemas.microsoft.com/office/drawing/2014/main" id="{B7478BE6-9940-6343-B548-727C50EE462B}"/>
-              </a:ext>
-            </a:extLst>
-          </p:cNvPr>
-          <p:cNvSpPr/>
-          <p:nvPr/>
-        </p:nvSpPr>
-        <p:spPr>
-          <a:xfrm>
-            <a:off x="8788268" y="2737488"/>
-            <a:ext cx="2675598" cy="2572544"/>
-          </a:xfrm>
-          <a:prstGeom prst="rect">
-            <a:avLst/>
-          </a:prstGeom>
-          <a:solidFill>
-            <a:schemeClr val="bg1">
-              <a:lumMod val="65000"/>
-            </a:schemeClr>
-          </a:solidFill>
-        </p:spPr>
-        <p:style>
-          <a:lnRef idx="2">
-            <a:schemeClr val="accent1">
-              <a:shade val="50000"/>
-            </a:schemeClr>
-          </a:lnRef>
-          <a:fillRef idx="1">
-            <a:schemeClr val="accent1"/>
-          </a:fillRef>
-          <a:effectRef idx="0">
-            <a:schemeClr val="accent1"/>
-          </a:effectRef>
-          <a:fontRef idx="minor">
-            <a:schemeClr val="lt1"/>
-          </a:fontRef>
-        </p:style>
-        <p:txBody>
-          <a:bodyPr rtlCol="0" anchor="ctr"/>
-          <a:lstStyle/>
-          <a:p>
-            <a:pPr algn="ctr"/>
-            <a:endParaRPr lang="en-US">
-              <a:latin typeface="Verdana" panose="020B0604030504040204" pitchFamily="34" charset="0"/>
-              <a:ea typeface="Verdana" panose="020B0604030504040204" pitchFamily="34" charset="0"/>
-              <a:cs typeface="Verdana" panose="020B0604030504040204" pitchFamily="34" charset="0"/>
-            </a:endParaRPr>
-          </a:p>
-        </p:txBody>
-      </p:sp>
-      <p:sp>
-        <p:nvSpPr>
-          <p:cNvPr id="19" name="TextBox 18">
-            <a:extLst>
-              <a:ext uri="{FF2B5EF4-FFF2-40B4-BE49-F238E27FC236}">
-                <a16:creationId xmlns:a16="http://schemas.microsoft.com/office/drawing/2014/main" id="{52FD6BDB-53F5-B641-A71B-F941A1990028}"/>
-              </a:ext>
-            </a:extLst>
-          </p:cNvPr>
-          <p:cNvSpPr txBox="1"/>
-          <p:nvPr/>
-        </p:nvSpPr>
-        <p:spPr>
-          <a:xfrm>
-            <a:off x="1320932" y="2221687"/>
-            <a:ext cx="2082800" cy="369332"/>
-          </a:xfrm>
-          <a:prstGeom prst="rect">
-            <a:avLst/>
-          </a:prstGeom>
-          <a:noFill/>
-        </p:spPr>
-        <p:txBody>
-          <a:bodyPr wrap="square" rtlCol="0">
-            <a:spAutoFit/>
-          </a:bodyPr>
-          <a:lstStyle/>
-          <a:p>
-            <a:r>
-              <a:rPr lang="en-US" dirty="0">
-                <a:latin typeface="Verdana" panose="020B0604030504040204" pitchFamily="34" charset="0"/>
-                <a:ea typeface="Verdana" panose="020B0604030504040204" pitchFamily="34" charset="0"/>
-                <a:cs typeface="Verdana" panose="020B0604030504040204" pitchFamily="34" charset="0"/>
-              </a:rPr>
-              <a:t>Product Name</a:t>
-            </a:r>
-          </a:p>
-        </p:txBody>
-      </p:sp>
-      <p:sp>
-        <p:nvSpPr>
-          <p:cNvPr id="20" name="TextBox 19">
-            <a:extLst>
-              <a:ext uri="{FF2B5EF4-FFF2-40B4-BE49-F238E27FC236}">
-                <a16:creationId xmlns:a16="http://schemas.microsoft.com/office/drawing/2014/main" id="{0A3A73CA-2646-294A-B55C-6185C7C15F95}"/>
-              </a:ext>
-            </a:extLst>
-          </p:cNvPr>
-          <p:cNvSpPr txBox="1"/>
-          <p:nvPr/>
-        </p:nvSpPr>
-        <p:spPr>
-          <a:xfrm>
-            <a:off x="5245099" y="2259509"/>
-            <a:ext cx="2082800" cy="369332"/>
-          </a:xfrm>
-          <a:prstGeom prst="rect">
-            <a:avLst/>
-          </a:prstGeom>
-          <a:noFill/>
-        </p:spPr>
-        <p:txBody>
-          <a:bodyPr wrap="square" rtlCol="0">
-            <a:spAutoFit/>
-          </a:bodyPr>
-          <a:lstStyle/>
-          <a:p>
-            <a:r>
-              <a:rPr lang="en-US" dirty="0">
-                <a:latin typeface="Verdana" panose="020B0604030504040204" pitchFamily="34" charset="0"/>
-                <a:ea typeface="Verdana" panose="020B0604030504040204" pitchFamily="34" charset="0"/>
-                <a:cs typeface="Verdana" panose="020B0604030504040204" pitchFamily="34" charset="0"/>
-              </a:rPr>
-              <a:t>Product Name</a:t>
-            </a:r>
-          </a:p>
-        </p:txBody>
-      </p:sp>
-      <p:sp>
-        <p:nvSpPr>
-          <p:cNvPr id="21" name="TextBox 20">
-            <a:extLst>
-              <a:ext uri="{FF2B5EF4-FFF2-40B4-BE49-F238E27FC236}">
-                <a16:creationId xmlns:a16="http://schemas.microsoft.com/office/drawing/2014/main" id="{AF2281FA-31C8-0244-8156-35B88185BED9}"/>
-              </a:ext>
-            </a:extLst>
-          </p:cNvPr>
-          <p:cNvSpPr txBox="1"/>
-          <p:nvPr/>
-        </p:nvSpPr>
-        <p:spPr>
-          <a:xfrm>
-            <a:off x="9381066" y="2239555"/>
-            <a:ext cx="2082800" cy="369332"/>
-          </a:xfrm>
-          <a:prstGeom prst="rect">
-            <a:avLst/>
-          </a:prstGeom>
-          <a:noFill/>
-        </p:spPr>
-        <p:txBody>
-          <a:bodyPr wrap="square" rtlCol="0">
-            <a:spAutoFit/>
-          </a:bodyPr>
-          <a:lstStyle/>
-          <a:p>
-            <a:r>
-              <a:rPr lang="en-US" dirty="0">
-                <a:latin typeface="Verdana" panose="020B0604030504040204" pitchFamily="34" charset="0"/>
-                <a:ea typeface="Verdana" panose="020B0604030504040204" pitchFamily="34" charset="0"/>
-                <a:cs typeface="Verdana" panose="020B0604030504040204" pitchFamily="34" charset="0"/>
-              </a:rPr>
-              <a:t>Product Name</a:t>
-            </a:r>
-          </a:p>
-        </p:txBody>
-      </p:sp>
-      <p:sp>
-        <p:nvSpPr>
-          <p:cNvPr id="22" name="Rectangle 21">
-            <a:extLst>
-              <a:ext uri="{FF2B5EF4-FFF2-40B4-BE49-F238E27FC236}">
-                <a16:creationId xmlns:a16="http://schemas.microsoft.com/office/drawing/2014/main" id="{2E6CC9EA-4E78-1D47-9122-5E9B636EA2B1}"/>
-              </a:ext>
-            </a:extLst>
-          </p:cNvPr>
-          <p:cNvSpPr/>
-          <p:nvPr/>
-        </p:nvSpPr>
-        <p:spPr>
-          <a:xfrm>
-            <a:off x="0" y="5768213"/>
-            <a:ext cx="12192000" cy="1089787"/>
-          </a:xfrm>
-          <a:prstGeom prst="rect">
-            <a:avLst/>
-          </a:prstGeom>
-          <a:solidFill>
-            <a:srgbClr val="29C4BE"/>
-          </a:solidFill>
-        </p:spPr>
-        <p:style>
-          <a:lnRef idx="2">
-            <a:schemeClr val="accent1">
-              <a:shade val="50000"/>
-            </a:schemeClr>
-          </a:lnRef>
-          <a:fillRef idx="1">
-            <a:schemeClr val="accent1"/>
-          </a:fillRef>
-          <a:effectRef idx="0">
-            <a:schemeClr val="accent1"/>
-          </a:effectRef>
-          <a:fontRef idx="minor">
-            <a:schemeClr val="lt1"/>
-          </a:fontRef>
-        </p:style>
-        <p:txBody>
-          <a:bodyPr rtlCol="0" anchor="ctr"/>
-          <a:lstStyle/>
-          <a:p>
-            <a:pPr algn="ctr"/>
             <a:endParaRPr lang="en-US" dirty="0">
               <a:latin typeface="Verdana" panose="020B0604030504040204" pitchFamily="34" charset="0"/>
               <a:ea typeface="Verdana" panose="020B0604030504040204" pitchFamily="34" charset="0"/>
@@ -6284,6 +7411,166 @@
           </a:p>
         </p:txBody>
       </p:sp>
+      <p:sp>
+        <p:nvSpPr>
+          <p:cNvPr id="4" name="TextBox 3">
+            <a:extLst>
+              <a:ext uri="{FF2B5EF4-FFF2-40B4-BE49-F238E27FC236}">
+                <a16:creationId xmlns:a16="http://schemas.microsoft.com/office/drawing/2014/main" id="{44DFAF57-43C7-5F4D-B0AB-387BBBB09E93}"/>
+              </a:ext>
+            </a:extLst>
+          </p:cNvPr>
+          <p:cNvSpPr txBox="1"/>
+          <p:nvPr/>
+        </p:nvSpPr>
+        <p:spPr>
+          <a:xfrm>
+            <a:off x="11807826" y="85348"/>
+            <a:ext cx="1600200" cy="1200329"/>
+          </a:xfrm>
+          <a:prstGeom prst="rect">
+            <a:avLst/>
+          </a:prstGeom>
+          <a:noFill/>
+        </p:spPr>
+        <p:txBody>
+          <a:bodyPr wrap="square" rtlCol="0">
+            <a:spAutoFit/>
+          </a:bodyPr>
+          <a:lstStyle/>
+          <a:p>
+            <a:r>
+              <a:rPr lang="en-US" dirty="0"/>
+              <a:t>Give some commonly looked for information</a:t>
+            </a:r>
+          </a:p>
+        </p:txBody>
+      </p:sp>
+      <p:sp>
+        <p:nvSpPr>
+          <p:cNvPr id="6" name="TextBox 5">
+            <a:extLst>
+              <a:ext uri="{FF2B5EF4-FFF2-40B4-BE49-F238E27FC236}">
+                <a16:creationId xmlns:a16="http://schemas.microsoft.com/office/drawing/2014/main" id="{6CD36801-219E-3C40-BD31-6115949005D4}"/>
+              </a:ext>
+            </a:extLst>
+          </p:cNvPr>
+          <p:cNvSpPr txBox="1"/>
+          <p:nvPr/>
+        </p:nvSpPr>
+        <p:spPr>
+          <a:xfrm>
+            <a:off x="-1502306" y="3244675"/>
+            <a:ext cx="2329921" cy="1200329"/>
+          </a:xfrm>
+          <a:prstGeom prst="rect">
+            <a:avLst/>
+          </a:prstGeom>
+          <a:noFill/>
+        </p:spPr>
+        <p:txBody>
+          <a:bodyPr wrap="square" rtlCol="0">
+            <a:spAutoFit/>
+          </a:bodyPr>
+          <a:lstStyle/>
+          <a:p>
+            <a:r>
+              <a:rPr lang="en-US" dirty="0"/>
+              <a:t>Clicking the image or the name or around it will bring you to the products page</a:t>
+            </a:r>
+          </a:p>
+        </p:txBody>
+      </p:sp>
+      <p:pic>
+        <p:nvPicPr>
+          <p:cNvPr id="8" name="Picture 7">
+            <a:extLst>
+              <a:ext uri="{FF2B5EF4-FFF2-40B4-BE49-F238E27FC236}">
+                <a16:creationId xmlns:a16="http://schemas.microsoft.com/office/drawing/2014/main" id="{973054D9-E592-414D-9C2C-C9EBACB85DF2}"/>
+              </a:ext>
+            </a:extLst>
+          </p:cNvPr>
+          <p:cNvPicPr>
+            <a:picLocks noChangeAspect="1"/>
+          </p:cNvPicPr>
+          <p:nvPr/>
+        </p:nvPicPr>
+        <p:blipFill>
+          <a:blip r:embed="rId3"/>
+          <a:stretch>
+            <a:fillRect/>
+          </a:stretch>
+        </p:blipFill>
+        <p:spPr>
+          <a:xfrm>
+            <a:off x="4918007" y="2591530"/>
+            <a:ext cx="2931721" cy="2931721"/>
+          </a:xfrm>
+          <a:prstGeom prst="rect">
+            <a:avLst/>
+          </a:prstGeom>
+        </p:spPr>
+      </p:pic>
+      <p:pic>
+        <p:nvPicPr>
+          <p:cNvPr id="11" name="Picture 10">
+            <a:extLst>
+              <a:ext uri="{FF2B5EF4-FFF2-40B4-BE49-F238E27FC236}">
+                <a16:creationId xmlns:a16="http://schemas.microsoft.com/office/drawing/2014/main" id="{C364D2D2-7ACF-C442-82F4-24CAF5C79646}"/>
+              </a:ext>
+            </a:extLst>
+          </p:cNvPr>
+          <p:cNvPicPr>
+            <a:picLocks noChangeAspect="1"/>
+          </p:cNvPicPr>
+          <p:nvPr/>
+        </p:nvPicPr>
+        <p:blipFill>
+          <a:blip r:embed="rId4"/>
+          <a:stretch>
+            <a:fillRect/>
+          </a:stretch>
+        </p:blipFill>
+        <p:spPr>
+          <a:xfrm>
+            <a:off x="990733" y="2743104"/>
+            <a:ext cx="2639879" cy="2639879"/>
+          </a:xfrm>
+          <a:prstGeom prst="rect">
+            <a:avLst/>
+          </a:prstGeom>
+        </p:spPr>
+      </p:pic>
+      <p:pic>
+        <p:nvPicPr>
+          <p:cNvPr id="13" name="Picture 12">
+            <a:extLst>
+              <a:ext uri="{FF2B5EF4-FFF2-40B4-BE49-F238E27FC236}">
+                <a16:creationId xmlns:a16="http://schemas.microsoft.com/office/drawing/2014/main" id="{F1A66B5E-A961-4843-97FA-6A4A25C52B88}"/>
+              </a:ext>
+            </a:extLst>
+          </p:cNvPr>
+          <p:cNvPicPr>
+            <a:picLocks noChangeAspect="1"/>
+          </p:cNvPicPr>
+          <p:nvPr/>
+        </p:nvPicPr>
+        <p:blipFill>
+          <a:blip r:embed="rId5"/>
+          <a:stretch>
+            <a:fillRect/>
+          </a:stretch>
+        </p:blipFill>
+        <p:spPr>
+          <a:xfrm>
+            <a:off x="8792207" y="2819764"/>
+            <a:ext cx="3015619" cy="2267746"/>
+          </a:xfrm>
+          <a:prstGeom prst="rect">
+            <a:avLst/>
+          </a:prstGeom>
+        </p:spPr>
+      </p:pic>
     </p:spTree>
     <p:extLst>
       <p:ext uri="{BB962C8B-B14F-4D97-AF65-F5344CB8AC3E}">
@@ -6567,8 +7854,8 @@
         </p:nvSpPr>
         <p:spPr>
           <a:xfrm>
-            <a:off x="4005594" y="1496934"/>
-            <a:ext cx="4180812" cy="461665"/>
+            <a:off x="2023718" y="1333617"/>
+            <a:ext cx="9289944" cy="584775"/>
           </a:xfrm>
           <a:prstGeom prst="rect">
             <a:avLst/>
@@ -6582,7 +7869,7 @@
           <a:lstStyle/>
           <a:p>
             <a:r>
-              <a:rPr lang="en-US" sz="2400" u="sng" dirty="0">
+              <a:rPr lang="en-US" sz="3200" u="sng" dirty="0">
                 <a:latin typeface="Verdana" panose="020B0604030504040204" pitchFamily="34" charset="0"/>
                 <a:ea typeface="Verdana" panose="020B0604030504040204" pitchFamily="34" charset="0"/>
                 <a:cs typeface="Verdana" panose="020B0604030504040204" pitchFamily="34" charset="0"/>
@@ -6590,12 +7877,12 @@
               <a:t>Tea</a:t>
             </a:r>
             <a:r>
-              <a:rPr lang="en-US" sz="2400" dirty="0">
+              <a:rPr lang="en-US" sz="3200" dirty="0">
                 <a:latin typeface="Verdana" panose="020B0604030504040204" pitchFamily="34" charset="0"/>
                 <a:ea typeface="Verdana" panose="020B0604030504040204" pitchFamily="34" charset="0"/>
                 <a:cs typeface="Verdana" panose="020B0604030504040204" pitchFamily="34" charset="0"/>
               </a:rPr>
-              <a:t>			Coffee</a:t>
+              <a:t>			  Coffee            Other Products</a:t>
             </a:r>
           </a:p>
         </p:txBody>
@@ -6780,7 +8067,7 @@
         <p:spPr>
           <a:xfrm>
             <a:off x="8409911" y="4712149"/>
-            <a:ext cx="3649133" cy="338554"/>
+            <a:ext cx="3649133" cy="1107996"/>
           </a:xfrm>
           <a:prstGeom prst="rect">
             <a:avLst/>
@@ -6800,38 +8087,9 @@
                 <a:ea typeface="Verdana" panose="020B0604030504040204" pitchFamily="34" charset="0"/>
                 <a:cs typeface="Verdana" panose="020B0604030504040204" pitchFamily="34" charset="0"/>
               </a:rPr>
-              <a:t>C tea</a:t>
-            </a:r>
-          </a:p>
-        </p:txBody>
-      </p:sp>
-      <p:sp>
-        <p:nvSpPr>
-          <p:cNvPr id="16" name="TextBox 15">
-            <a:extLst>
-              <a:ext uri="{FF2B5EF4-FFF2-40B4-BE49-F238E27FC236}">
-                <a16:creationId xmlns:a16="http://schemas.microsoft.com/office/drawing/2014/main" id="{60BD5D46-AC7D-DC4B-8339-E15C8F6BAECC}"/>
-              </a:ext>
-            </a:extLst>
-          </p:cNvPr>
-          <p:cNvSpPr txBox="1"/>
-          <p:nvPr/>
-        </p:nvSpPr>
-        <p:spPr>
-          <a:xfrm>
-            <a:off x="4262105" y="4649687"/>
-            <a:ext cx="3649133" cy="338554"/>
-          </a:xfrm>
-          <a:prstGeom prst="rect">
-            <a:avLst/>
-          </a:prstGeom>
-          <a:noFill/>
-        </p:spPr>
-        <p:txBody>
-          <a:bodyPr wrap="square" rtlCol="0">
-            <a:spAutoFit/>
-          </a:bodyPr>
-          <a:lstStyle/>
+              <a:t>Chocolate Tea, Loose Leaf Tea</a:t>
+            </a:r>
+          </a:p>
           <a:p>
             <a:pPr algn="ctr"/>
             <a:r>
@@ -6840,47 +8098,156 @@
                 <a:ea typeface="Verdana" panose="020B0604030504040204" pitchFamily="34" charset="0"/>
                 <a:cs typeface="Verdana" panose="020B0604030504040204" pitchFamily="34" charset="0"/>
               </a:rPr>
-              <a:t>B tea</a:t>
-            </a:r>
-          </a:p>
-        </p:txBody>
-      </p:sp>
-      <p:sp>
-        <p:nvSpPr>
-          <p:cNvPr id="17" name="TextBox 16">
-            <a:extLst>
-              <a:ext uri="{FF2B5EF4-FFF2-40B4-BE49-F238E27FC236}">
-                <a16:creationId xmlns:a16="http://schemas.microsoft.com/office/drawing/2014/main" id="{C31907CF-339F-B947-B4AF-DD06A93A4639}"/>
-              </a:ext>
-            </a:extLst>
-          </p:cNvPr>
-          <p:cNvSpPr txBox="1"/>
-          <p:nvPr/>
-        </p:nvSpPr>
-        <p:spPr>
-          <a:xfrm>
-            <a:off x="1255179" y="4649687"/>
-            <a:ext cx="3649133" cy="338554"/>
-          </a:xfrm>
-          <a:prstGeom prst="rect">
-            <a:avLst/>
-          </a:prstGeom>
-          <a:noFill/>
-        </p:spPr>
-        <p:txBody>
-          <a:bodyPr wrap="square" rtlCol="0">
-            <a:spAutoFit/>
-          </a:bodyPr>
-          <a:lstStyle/>
-          <a:p>
+              <a:t>2oz Price: $4.50</a:t>
+            </a:r>
+          </a:p>
+          <a:p>
+            <a:pPr algn="ctr"/>
             <a:r>
               <a:rPr lang="en-US" sz="1600" dirty="0">
                 <a:latin typeface="Verdana" panose="020B0604030504040204" pitchFamily="34" charset="0"/>
                 <a:ea typeface="Verdana" panose="020B0604030504040204" pitchFamily="34" charset="0"/>
                 <a:cs typeface="Verdana" panose="020B0604030504040204" pitchFamily="34" charset="0"/>
               </a:rPr>
-              <a:t>A Tea</a:t>
-            </a:r>
+              <a:t>8oz Price: $13.99</a:t>
+            </a:r>
+          </a:p>
+          <a:p>
+            <a:pPr algn="ctr"/>
+            <a:endParaRPr lang="en-US" sz="1600" dirty="0">
+              <a:latin typeface="Verdana" panose="020B0604030504040204" pitchFamily="34" charset="0"/>
+              <a:ea typeface="Verdana" panose="020B0604030504040204" pitchFamily="34" charset="0"/>
+              <a:cs typeface="Verdana" panose="020B0604030504040204" pitchFamily="34" charset="0"/>
+            </a:endParaRPr>
+          </a:p>
+        </p:txBody>
+      </p:sp>
+      <p:sp>
+        <p:nvSpPr>
+          <p:cNvPr id="16" name="TextBox 15">
+            <a:extLst>
+              <a:ext uri="{FF2B5EF4-FFF2-40B4-BE49-F238E27FC236}">
+                <a16:creationId xmlns:a16="http://schemas.microsoft.com/office/drawing/2014/main" id="{60BD5D46-AC7D-DC4B-8339-E15C8F6BAECC}"/>
+              </a:ext>
+            </a:extLst>
+          </p:cNvPr>
+          <p:cNvSpPr txBox="1"/>
+          <p:nvPr/>
+        </p:nvSpPr>
+        <p:spPr>
+          <a:xfrm>
+            <a:off x="4874315" y="4640710"/>
+            <a:ext cx="3649133" cy="830997"/>
+          </a:xfrm>
+          <a:prstGeom prst="rect">
+            <a:avLst/>
+          </a:prstGeom>
+          <a:noFill/>
+        </p:spPr>
+        <p:txBody>
+          <a:bodyPr wrap="square" rtlCol="0">
+            <a:spAutoFit/>
+          </a:bodyPr>
+          <a:lstStyle/>
+          <a:p>
+            <a:r>
+              <a:rPr lang="en-US" sz="1600" dirty="0">
+                <a:latin typeface="Verdana" panose="020B0604030504040204" pitchFamily="34" charset="0"/>
+                <a:ea typeface="Verdana" panose="020B0604030504040204" pitchFamily="34" charset="0"/>
+                <a:cs typeface="Verdana" panose="020B0604030504040204" pitchFamily="34" charset="0"/>
+              </a:rPr>
+              <a:t>Black Dragon Pearls</a:t>
+            </a:r>
+          </a:p>
+          <a:p>
+            <a:r>
+              <a:rPr lang="en-US" sz="1600" dirty="0">
+                <a:latin typeface="Verdana" panose="020B0604030504040204" pitchFamily="34" charset="0"/>
+                <a:ea typeface="Verdana" panose="020B0604030504040204" pitchFamily="34" charset="0"/>
+                <a:cs typeface="Verdana" panose="020B0604030504040204" pitchFamily="34" charset="0"/>
+              </a:rPr>
+              <a:t>2oz Price: $4.50</a:t>
+            </a:r>
+          </a:p>
+          <a:p>
+            <a:r>
+              <a:rPr lang="en-US" sz="1600" dirty="0">
+                <a:latin typeface="Verdana" panose="020B0604030504040204" pitchFamily="34" charset="0"/>
+                <a:ea typeface="Verdana" panose="020B0604030504040204" pitchFamily="34" charset="0"/>
+                <a:cs typeface="Verdana" panose="020B0604030504040204" pitchFamily="34" charset="0"/>
+              </a:rPr>
+              <a:t>8oz Price: $13.99</a:t>
+            </a:r>
+          </a:p>
+        </p:txBody>
+      </p:sp>
+      <p:sp>
+        <p:nvSpPr>
+          <p:cNvPr id="17" name="TextBox 16">
+            <a:extLst>
+              <a:ext uri="{FF2B5EF4-FFF2-40B4-BE49-F238E27FC236}">
+                <a16:creationId xmlns:a16="http://schemas.microsoft.com/office/drawing/2014/main" id="{C31907CF-339F-B947-B4AF-DD06A93A4639}"/>
+              </a:ext>
+            </a:extLst>
+          </p:cNvPr>
+          <p:cNvSpPr txBox="1"/>
+          <p:nvPr/>
+        </p:nvSpPr>
+        <p:spPr>
+          <a:xfrm>
+            <a:off x="0" y="4600171"/>
+            <a:ext cx="3649133" cy="1046440"/>
+          </a:xfrm>
+          <a:prstGeom prst="rect">
+            <a:avLst/>
+          </a:prstGeom>
+          <a:noFill/>
+        </p:spPr>
+        <p:txBody>
+          <a:bodyPr wrap="square" rtlCol="0">
+            <a:spAutoFit/>
+          </a:bodyPr>
+          <a:lstStyle/>
+          <a:p>
+            <a:pPr algn="ctr"/>
+            <a:r>
+              <a:rPr lang="en-US" sz="1600" dirty="0">
+                <a:latin typeface="Verdana" panose="020B0604030504040204" pitchFamily="34" charset="0"/>
+                <a:ea typeface="Verdana" panose="020B0604030504040204" pitchFamily="34" charset="0"/>
+                <a:cs typeface="Verdana" panose="020B0604030504040204" pitchFamily="34" charset="0"/>
+              </a:rPr>
+              <a:t>Apple Spice Black Loose Tea</a:t>
+            </a:r>
+          </a:p>
+          <a:p>
+            <a:pPr algn="ctr"/>
+            <a:r>
+              <a:rPr lang="en-US" sz="1600" dirty="0">
+                <a:latin typeface="Verdana" panose="020B0604030504040204" pitchFamily="34" charset="0"/>
+                <a:ea typeface="Verdana" panose="020B0604030504040204" pitchFamily="34" charset="0"/>
+                <a:cs typeface="Verdana" panose="020B0604030504040204" pitchFamily="34" charset="0"/>
+              </a:rPr>
+              <a:t>2oz Price: $4.50</a:t>
+            </a:r>
+          </a:p>
+          <a:p>
+            <a:pPr algn="ctr"/>
+            <a:r>
+              <a:rPr lang="en-US" sz="1600" dirty="0">
+                <a:latin typeface="Verdana" panose="020B0604030504040204" pitchFamily="34" charset="0"/>
+                <a:ea typeface="Verdana" panose="020B0604030504040204" pitchFamily="34" charset="0"/>
+                <a:cs typeface="Verdana" panose="020B0604030504040204" pitchFamily="34" charset="0"/>
+              </a:rPr>
+              <a:t>8oz Price: $13.99</a:t>
+            </a:r>
+          </a:p>
+          <a:p>
+            <a:pPr algn="ctr"/>
+            <a:endParaRPr lang="en-US" sz="1400" dirty="0">
+              <a:latin typeface="Verdana" panose="020B0604030504040204" pitchFamily="34" charset="0"/>
+              <a:ea typeface="Verdana" panose="020B0604030504040204" pitchFamily="34" charset="0"/>
+              <a:cs typeface="Verdana" panose="020B0604030504040204" pitchFamily="34" charset="0"/>
+            </a:endParaRPr>
           </a:p>
         </p:txBody>
       </p:sp>
@@ -6953,8 +8320,8 @@
         </p:nvSpPr>
         <p:spPr>
           <a:xfrm>
-            <a:off x="4734191" y="5312895"/>
-            <a:ext cx="2295259" cy="1545106"/>
+            <a:off x="4734191" y="5674783"/>
+            <a:ext cx="2295259" cy="1183217"/>
           </a:xfrm>
           <a:prstGeom prst="rect">
             <a:avLst/>
@@ -7049,6 +8416,264 @@
           </a:p>
         </p:txBody>
       </p:sp>
+      <p:sp>
+        <p:nvSpPr>
+          <p:cNvPr id="3" name="TextBox 2">
+            <a:extLst>
+              <a:ext uri="{FF2B5EF4-FFF2-40B4-BE49-F238E27FC236}">
+                <a16:creationId xmlns:a16="http://schemas.microsoft.com/office/drawing/2014/main" id="{E40AB6E7-7A6B-F149-AA83-1DC0AF132EC2}"/>
+              </a:ext>
+            </a:extLst>
+          </p:cNvPr>
+          <p:cNvSpPr txBox="1"/>
+          <p:nvPr/>
+        </p:nvSpPr>
+        <p:spPr>
+          <a:xfrm>
+            <a:off x="11289850" y="1222489"/>
+            <a:ext cx="3081867" cy="1200329"/>
+          </a:xfrm>
+          <a:prstGeom prst="rect">
+            <a:avLst/>
+          </a:prstGeom>
+          <a:noFill/>
+        </p:spPr>
+        <p:txBody>
+          <a:bodyPr wrap="square" rtlCol="0">
+            <a:spAutoFit/>
+          </a:bodyPr>
+          <a:lstStyle/>
+          <a:p>
+            <a:r>
+              <a:rPr lang="en-US" dirty="0">
+                <a:latin typeface="Verdana" panose="020B0604030504040204" pitchFamily="34" charset="0"/>
+                <a:ea typeface="Verdana" panose="020B0604030504040204" pitchFamily="34" charset="0"/>
+                <a:cs typeface="Verdana" panose="020B0604030504040204" pitchFamily="34" charset="0"/>
+              </a:rPr>
+              <a:t>You can click on tea or coffee or other products and it will bring up different products.</a:t>
+            </a:r>
+          </a:p>
+        </p:txBody>
+      </p:sp>
+      <p:sp>
+        <p:nvSpPr>
+          <p:cNvPr id="5" name="TextBox 4">
+            <a:extLst>
+              <a:ext uri="{FF2B5EF4-FFF2-40B4-BE49-F238E27FC236}">
+                <a16:creationId xmlns:a16="http://schemas.microsoft.com/office/drawing/2014/main" id="{D2122455-0289-604D-BD15-7415F2A0200A}"/>
+              </a:ext>
+            </a:extLst>
+          </p:cNvPr>
+          <p:cNvSpPr txBox="1"/>
+          <p:nvPr/>
+        </p:nvSpPr>
+        <p:spPr>
+          <a:xfrm>
+            <a:off x="-1589747" y="3081867"/>
+            <a:ext cx="2144578" cy="1200329"/>
+          </a:xfrm>
+          <a:prstGeom prst="rect">
+            <a:avLst/>
+          </a:prstGeom>
+          <a:noFill/>
+        </p:spPr>
+        <p:txBody>
+          <a:bodyPr wrap="square" rtlCol="0">
+            <a:spAutoFit/>
+          </a:bodyPr>
+          <a:lstStyle/>
+          <a:p>
+            <a:r>
+              <a:rPr lang="en-US" dirty="0">
+                <a:latin typeface="Verdana" panose="020B0604030504040204" pitchFamily="34" charset="0"/>
+                <a:ea typeface="Verdana" panose="020B0604030504040204" pitchFamily="34" charset="0"/>
+                <a:cs typeface="Verdana" panose="020B0604030504040204" pitchFamily="34" charset="0"/>
+              </a:rPr>
+              <a:t>Under the image will be the name of the product and price of it</a:t>
+            </a:r>
+          </a:p>
+        </p:txBody>
+      </p:sp>
+      <p:pic>
+        <p:nvPicPr>
+          <p:cNvPr id="21" name="Picture 20">
+            <a:extLst>
+              <a:ext uri="{FF2B5EF4-FFF2-40B4-BE49-F238E27FC236}">
+                <a16:creationId xmlns:a16="http://schemas.microsoft.com/office/drawing/2014/main" id="{D75D6637-038F-8043-9212-32508551FAC5}"/>
+              </a:ext>
+            </a:extLst>
+          </p:cNvPr>
+          <p:cNvPicPr>
+            <a:picLocks noChangeAspect="1"/>
+          </p:cNvPicPr>
+          <p:nvPr/>
+        </p:nvPicPr>
+        <p:blipFill>
+          <a:blip r:embed="rId4"/>
+          <a:stretch>
+            <a:fillRect/>
+          </a:stretch>
+        </p:blipFill>
+        <p:spPr>
+          <a:xfrm>
+            <a:off x="400293" y="2011601"/>
+            <a:ext cx="2604336" cy="2604336"/>
+          </a:xfrm>
+          <a:prstGeom prst="rect">
+            <a:avLst/>
+          </a:prstGeom>
+        </p:spPr>
+      </p:pic>
+      <p:pic>
+        <p:nvPicPr>
+          <p:cNvPr id="23" name="Picture 22">
+            <a:extLst>
+              <a:ext uri="{FF2B5EF4-FFF2-40B4-BE49-F238E27FC236}">
+                <a16:creationId xmlns:a16="http://schemas.microsoft.com/office/drawing/2014/main" id="{C90AD6CD-10B0-CC46-8AE1-3BBD0CEC510F}"/>
+              </a:ext>
+            </a:extLst>
+          </p:cNvPr>
+          <p:cNvPicPr>
+            <a:picLocks noChangeAspect="1"/>
+          </p:cNvPicPr>
+          <p:nvPr/>
+        </p:nvPicPr>
+        <p:blipFill>
+          <a:blip r:embed="rId5"/>
+          <a:stretch>
+            <a:fillRect/>
+          </a:stretch>
+        </p:blipFill>
+        <p:spPr>
+          <a:xfrm>
+            <a:off x="8999936" y="2164710"/>
+            <a:ext cx="2504606" cy="2504606"/>
+          </a:xfrm>
+          <a:prstGeom prst="rect">
+            <a:avLst/>
+          </a:prstGeom>
+        </p:spPr>
+      </p:pic>
+      <p:pic>
+        <p:nvPicPr>
+          <p:cNvPr id="25" name="Picture 24">
+            <a:extLst>
+              <a:ext uri="{FF2B5EF4-FFF2-40B4-BE49-F238E27FC236}">
+                <a16:creationId xmlns:a16="http://schemas.microsoft.com/office/drawing/2014/main" id="{3BD7F9A0-D361-A548-B526-701D91B2C94E}"/>
+              </a:ext>
+            </a:extLst>
+          </p:cNvPr>
+          <p:cNvPicPr>
+            <a:picLocks noChangeAspect="1"/>
+          </p:cNvPicPr>
+          <p:nvPr/>
+        </p:nvPicPr>
+        <p:blipFill>
+          <a:blip r:embed="rId6"/>
+          <a:stretch>
+            <a:fillRect/>
+          </a:stretch>
+        </p:blipFill>
+        <p:spPr>
+          <a:xfrm>
+            <a:off x="4648210" y="2121468"/>
+            <a:ext cx="2605173" cy="2605173"/>
+          </a:xfrm>
+          <a:prstGeom prst="rect">
+            <a:avLst/>
+          </a:prstGeom>
+        </p:spPr>
+      </p:pic>
+      <p:pic>
+        <p:nvPicPr>
+          <p:cNvPr id="26" name="Picture 25">
+            <a:extLst>
+              <a:ext uri="{FF2B5EF4-FFF2-40B4-BE49-F238E27FC236}">
+                <a16:creationId xmlns:a16="http://schemas.microsoft.com/office/drawing/2014/main" id="{B8DCF9EB-088B-EB4C-98F0-AF00F8CB7D58}"/>
+              </a:ext>
+            </a:extLst>
+          </p:cNvPr>
+          <p:cNvPicPr>
+            <a:picLocks noChangeAspect="1"/>
+          </p:cNvPicPr>
+          <p:nvPr/>
+        </p:nvPicPr>
+        <p:blipFill>
+          <a:blip r:embed="rId4"/>
+          <a:stretch>
+            <a:fillRect/>
+          </a:stretch>
+        </p:blipFill>
+        <p:spPr>
+          <a:xfrm>
+            <a:off x="4734191" y="5642266"/>
+            <a:ext cx="2295258" cy="1959392"/>
+          </a:xfrm>
+          <a:prstGeom prst="rect">
+            <a:avLst/>
+          </a:prstGeom>
+        </p:spPr>
+      </p:pic>
+      <p:pic>
+        <p:nvPicPr>
+          <p:cNvPr id="27" name="Picture 26">
+            <a:extLst>
+              <a:ext uri="{FF2B5EF4-FFF2-40B4-BE49-F238E27FC236}">
+                <a16:creationId xmlns:a16="http://schemas.microsoft.com/office/drawing/2014/main" id="{E2DD26C4-D1CC-E241-9CFC-22F36ECAD034}"/>
+              </a:ext>
+            </a:extLst>
+          </p:cNvPr>
+          <p:cNvPicPr>
+            <a:picLocks noChangeAspect="1"/>
+          </p:cNvPicPr>
+          <p:nvPr/>
+        </p:nvPicPr>
+        <p:blipFill>
+          <a:blip r:embed="rId6"/>
+          <a:stretch>
+            <a:fillRect/>
+          </a:stretch>
+        </p:blipFill>
+        <p:spPr>
+          <a:xfrm>
+            <a:off x="361220" y="5642266"/>
+            <a:ext cx="2605173" cy="2202294"/>
+          </a:xfrm>
+          <a:prstGeom prst="rect">
+            <a:avLst/>
+          </a:prstGeom>
+        </p:spPr>
+      </p:pic>
+      <p:pic>
+        <p:nvPicPr>
+          <p:cNvPr id="28" name="Picture 27">
+            <a:extLst>
+              <a:ext uri="{FF2B5EF4-FFF2-40B4-BE49-F238E27FC236}">
+                <a16:creationId xmlns:a16="http://schemas.microsoft.com/office/drawing/2014/main" id="{07801359-BADF-724F-9829-40C49B0C8F49}"/>
+              </a:ext>
+            </a:extLst>
+          </p:cNvPr>
+          <p:cNvPicPr>
+            <a:picLocks noChangeAspect="1"/>
+          </p:cNvPicPr>
+          <p:nvPr/>
+        </p:nvPicPr>
+        <p:blipFill>
+          <a:blip r:embed="rId5"/>
+          <a:stretch>
+            <a:fillRect/>
+          </a:stretch>
+        </p:blipFill>
+        <p:spPr>
+          <a:xfrm>
+            <a:off x="8982174" y="5515303"/>
+            <a:ext cx="2504606" cy="2504606"/>
+          </a:xfrm>
+          <a:prstGeom prst="rect">
+            <a:avLst/>
+          </a:prstGeom>
+        </p:spPr>
+      </p:pic>
     </p:spTree>
     <p:extLst>
       <p:ext uri="{BB962C8B-B14F-4D97-AF65-F5344CB8AC3E}">
@@ -7124,7 +8749,11 @@
           <a:lstStyle/>
           <a:p>
             <a:pPr algn="ctr"/>
-            <a:endParaRPr lang="en-US"/>
+            <a:endParaRPr lang="en-US">
+              <a:latin typeface="Verdana" panose="020B0604030504040204" pitchFamily="34" charset="0"/>
+              <a:ea typeface="Verdana" panose="020B0604030504040204" pitchFamily="34" charset="0"/>
+              <a:cs typeface="Verdana" panose="020B0604030504040204" pitchFamily="34" charset="0"/>
+            </a:endParaRPr>
           </a:p>
         </p:txBody>
       </p:sp>
@@ -7226,7 +8855,11 @@
           <a:lstStyle/>
           <a:p>
             <a:r>
-              <a:rPr lang="en-US" dirty="0"/>
+              <a:rPr lang="en-US" dirty="0">
+                <a:latin typeface="Verdana" panose="020B0604030504040204" pitchFamily="34" charset="0"/>
+                <a:ea typeface="Verdana" panose="020B0604030504040204" pitchFamily="34" charset="0"/>
+                <a:cs typeface="Verdana" panose="020B0604030504040204" pitchFamily="34" charset="0"/>
+              </a:rPr>
               <a:t>Products</a:t>
             </a:r>
           </a:p>
@@ -7247,7 +8880,7 @@
         <p:spPr>
           <a:xfrm>
             <a:off x="9086849" y="272534"/>
-            <a:ext cx="1843089" cy="369332"/>
+            <a:ext cx="1843089" cy="646331"/>
           </a:xfrm>
           <a:prstGeom prst="rect">
             <a:avLst/>
@@ -7261,7 +8894,11 @@
           <a:lstStyle/>
           <a:p>
             <a:r>
-              <a:rPr lang="en-US" u="sng" dirty="0"/>
+              <a:rPr lang="en-US" u="sng" dirty="0">
+                <a:latin typeface="Verdana" panose="020B0604030504040204" pitchFamily="34" charset="0"/>
+                <a:ea typeface="Verdana" panose="020B0604030504040204" pitchFamily="34" charset="0"/>
+                <a:cs typeface="Verdana" panose="020B0604030504040204" pitchFamily="34" charset="0"/>
+              </a:rPr>
               <a:t>Store Information</a:t>
             </a:r>
           </a:p>
@@ -7296,7 +8933,11 @@
           <a:lstStyle/>
           <a:p>
             <a:r>
-              <a:rPr lang="en-US" dirty="0"/>
+              <a:rPr lang="en-US" dirty="0">
+                <a:latin typeface="Verdana" panose="020B0604030504040204" pitchFamily="34" charset="0"/>
+                <a:ea typeface="Verdana" panose="020B0604030504040204" pitchFamily="34" charset="0"/>
+                <a:cs typeface="Verdana" panose="020B0604030504040204" pitchFamily="34" charset="0"/>
+              </a:rPr>
               <a:t>Contact Us!</a:t>
             </a:r>
           </a:p>
@@ -7317,7 +8958,7 @@
         <p:spPr>
           <a:xfrm>
             <a:off x="4349352" y="1186934"/>
-            <a:ext cx="3493295" cy="646331"/>
+            <a:ext cx="4481514" cy="646331"/>
           </a:xfrm>
           <a:prstGeom prst="rect">
             <a:avLst/>
@@ -7331,7 +8972,11 @@
           <a:lstStyle/>
           <a:p>
             <a:r>
-              <a:rPr lang="en-US" sz="3600" dirty="0"/>
+              <a:rPr lang="en-US" sz="3600" dirty="0">
+                <a:latin typeface="Verdana" panose="020B0604030504040204" pitchFamily="34" charset="0"/>
+                <a:ea typeface="Verdana" panose="020B0604030504040204" pitchFamily="34" charset="0"/>
+                <a:cs typeface="Verdana" panose="020B0604030504040204" pitchFamily="34" charset="0"/>
+              </a:rPr>
               <a:t>Store Information</a:t>
             </a:r>
           </a:p>
@@ -7351,8 +8996,8 @@
         </p:nvSpPr>
         <p:spPr>
           <a:xfrm>
-            <a:off x="3920727" y="1833265"/>
-            <a:ext cx="4636294" cy="400110"/>
+            <a:off x="3529013" y="1795019"/>
+            <a:ext cx="5770958" cy="400110"/>
           </a:xfrm>
           <a:prstGeom prst="rect">
             <a:avLst/>
@@ -7366,7 +9011,11 @@
           <a:lstStyle/>
           <a:p>
             <a:r>
-              <a:rPr lang="en-US" sz="2000" dirty="0"/>
+              <a:rPr lang="en-US" sz="2000" dirty="0">
+                <a:latin typeface="Verdana" panose="020B0604030504040204" pitchFamily="34" charset="0"/>
+                <a:ea typeface="Verdana" panose="020B0604030504040204" pitchFamily="34" charset="0"/>
+                <a:cs typeface="Verdana" panose="020B0604030504040204" pitchFamily="34" charset="0"/>
+              </a:rPr>
               <a:t>Sorry but our Carnegie location is closed!</a:t>
             </a:r>
           </a:p>
@@ -7419,7 +9068,11 @@
           <a:lstStyle/>
           <a:p>
             <a:pPr algn="ctr"/>
-            <a:endParaRPr lang="en-US"/>
+            <a:endParaRPr lang="en-US">
+              <a:latin typeface="Verdana" panose="020B0604030504040204" pitchFamily="34" charset="0"/>
+              <a:ea typeface="Verdana" panose="020B0604030504040204" pitchFamily="34" charset="0"/>
+              <a:cs typeface="Verdana" panose="020B0604030504040204" pitchFamily="34" charset="0"/>
+            </a:endParaRPr>
           </a:p>
         </p:txBody>
       </p:sp>
@@ -7452,7 +9105,11 @@
           <a:lstStyle/>
           <a:p>
             <a:r>
-              <a:rPr lang="en-US" dirty="0"/>
+              <a:rPr lang="en-US" dirty="0">
+                <a:latin typeface="Verdana" panose="020B0604030504040204" pitchFamily="34" charset="0"/>
+                <a:ea typeface="Verdana" panose="020B0604030504040204" pitchFamily="34" charset="0"/>
+                <a:cs typeface="Verdana" panose="020B0604030504040204" pitchFamily="34" charset="0"/>
+              </a:rPr>
               <a:t>Either Map or Store image</a:t>
             </a:r>
           </a:p>
@@ -7473,14 +9130,14 @@
           <p:nvPr>
             <p:extLst>
               <p:ext uri="{D42A27DB-BD31-4B8C-83A1-F6EECF244321}">
-                <p14:modId xmlns:p14="http://schemas.microsoft.com/office/powerpoint/2010/main" val="577780971"/>
+                <p14:modId xmlns:p14="http://schemas.microsoft.com/office/powerpoint/2010/main" val="283552098"/>
               </p:ext>
             </p:extLst>
           </p:nvPr>
         </p:nvGraphicFramePr>
         <p:xfrm>
-          <a:off x="1820070" y="4978479"/>
-          <a:ext cx="8188323" cy="1828800"/>
+          <a:off x="1820070" y="5394960"/>
+          <a:ext cx="8188323" cy="1463040"/>
         </p:xfrm>
         <a:graphic>
           <a:graphicData uri="http://schemas.openxmlformats.org/drawingml/2006/table">
@@ -7489,21 +9146,21 @@
                 <a:tableStyleId>{F2DE63D5-997A-4646-A377-4702673A728D}</a:tableStyleId>
               </a:tblPr>
               <a:tblGrid>
-                <a:gridCol w="2729441">
+                <a:gridCol w="1708943">
                   <a:extLst>
                     <a:ext uri="{9D8B030D-6E8A-4147-A177-3AD203B41FA5}">
                       <a16:colId xmlns:a16="http://schemas.microsoft.com/office/drawing/2014/main" val="3105608774"/>
                     </a:ext>
                   </a:extLst>
                 </a:gridCol>
-                <a:gridCol w="2729441">
+                <a:gridCol w="4429125">
                   <a:extLst>
                     <a:ext uri="{9D8B030D-6E8A-4147-A177-3AD203B41FA5}">
                       <a16:colId xmlns:a16="http://schemas.microsoft.com/office/drawing/2014/main" val="1165052536"/>
                     </a:ext>
                   </a:extLst>
                 </a:gridCol>
-                <a:gridCol w="2729441">
+                <a:gridCol w="2050255">
                   <a:extLst>
                     <a:ext uri="{9D8B030D-6E8A-4147-A177-3AD203B41FA5}">
                       <a16:colId xmlns:a16="http://schemas.microsoft.com/office/drawing/2014/main" val="2282941463"/>
@@ -7517,7 +9174,14 @@
                     <a:bodyPr/>
                     <a:lstStyle/>
                     <a:p>
-                      <a:endParaRPr lang="en-US" dirty="0"/>
+                      <a:r>
+                        <a:rPr lang="en-US" dirty="0">
+                          <a:solidFill>
+                            <a:schemeClr val="tx1"/>
+                          </a:solidFill>
+                        </a:rPr>
+                        <a:t>Address</a:t>
+                      </a:r>
                     </a:p>
                   </a:txBody>
                   <a:tcPr>
@@ -7529,7 +9193,23 @@
                     <a:bodyPr/>
                     <a:lstStyle/>
                     <a:p>
-                      <a:endParaRPr lang="en-US" dirty="0"/>
+                      <a:r>
+                        <a:rPr lang="en-US" sz="1800" b="0" i="0" kern="1200" dirty="0">
+                          <a:solidFill>
+                            <a:schemeClr val="tx1"/>
+                          </a:solidFill>
+                          <a:effectLst/>
+                          <a:latin typeface="+mn-lt"/>
+                          <a:ea typeface="+mn-ea"/>
+                          <a:cs typeface="+mn-cs"/>
+                        </a:rPr>
+                        <a:t>5872 Forbes Ave, Pittsburgh, PA 15217</a:t>
+                      </a:r>
+                      <a:endParaRPr lang="en-US" dirty="0">
+                        <a:solidFill>
+                          <a:schemeClr val="tx1"/>
+                        </a:solidFill>
+                      </a:endParaRPr>
                     </a:p>
                   </a:txBody>
                   <a:tcPr>
@@ -7541,52 +9221,16 @@
                     <a:bodyPr/>
                     <a:lstStyle/>
                     <a:p>
-                      <a:endParaRPr lang="en-US" dirty="0"/>
+                      <a:endParaRPr lang="en-US" dirty="0">
+                        <a:solidFill>
+                          <a:schemeClr val="tx1"/>
+                        </a:solidFill>
+                      </a:endParaRPr>
                     </a:p>
                   </a:txBody>
                   <a:tcPr>
                     <a:noFill/>
                   </a:tcPr>
-                </a:tc>
-                <a:extLst>
-                  <a:ext uri="{0D108BD9-81ED-4DB2-BD59-A6C34878D82A}">
-                    <a16:rowId xmlns:a16="http://schemas.microsoft.com/office/drawing/2014/main" val="2832168247"/>
-                  </a:ext>
-                </a:extLst>
-              </a:tr>
-              <a:tr h="221313">
-                <a:tc>
-                  <a:txBody>
-                    <a:bodyPr/>
-                    <a:lstStyle/>
-                    <a:p>
-                      <a:r>
-                        <a:rPr lang="en-US" dirty="0"/>
-                        <a:t>Address</a:t>
-                      </a:r>
-                    </a:p>
-                  </a:txBody>
-                  <a:tcPr/>
-                </a:tc>
-                <a:tc>
-                  <a:txBody>
-                    <a:bodyPr/>
-                    <a:lstStyle/>
-                    <a:p>
-                      <a:endParaRPr lang="en-US" dirty="0"/>
-                    </a:p>
-                  </a:txBody>
-                  <a:tcPr/>
-                </a:tc>
-                <a:tc>
-                  <a:txBody>
-                    <a:bodyPr/>
-                    <a:lstStyle/>
-                    <a:p>
-                      <a:endParaRPr lang="en-US" dirty="0"/>
-                    </a:p>
-                  </a:txBody>
-                  <a:tcPr/>
                 </a:tc>
                 <a:extLst>
                   <a:ext uri="{0D108BD9-81ED-4DB2-BD59-A6C34878D82A}">
@@ -7601,7 +9245,11 @@
                     <a:lstStyle/>
                     <a:p>
                       <a:r>
-                        <a:rPr lang="en-US" dirty="0"/>
+                        <a:rPr lang="en-US" b="1" dirty="0">
+                          <a:solidFill>
+                            <a:schemeClr val="tx1"/>
+                          </a:solidFill>
+                        </a:rPr>
                         <a:t>Hours</a:t>
                       </a:r>
                     </a:p>
@@ -7613,7 +9261,23 @@
                     <a:bodyPr/>
                     <a:lstStyle/>
                     <a:p>
-                      <a:endParaRPr lang="en-US" dirty="0"/>
+                      <a:r>
+                        <a:rPr lang="en-US" sz="1800" b="0" i="0" kern="1200" dirty="0">
+                          <a:solidFill>
+                            <a:schemeClr val="tx1"/>
+                          </a:solidFill>
+                          <a:effectLst/>
+                          <a:latin typeface="+mn-lt"/>
+                          <a:ea typeface="+mn-ea"/>
+                          <a:cs typeface="+mn-cs"/>
+                        </a:rPr>
+                        <a:t>Monday 11AM–7PM to Saturday 11AM–7PM</a:t>
+                      </a:r>
+                      <a:endParaRPr lang="en-US" dirty="0">
+                        <a:solidFill>
+                          <a:schemeClr val="tx1"/>
+                        </a:solidFill>
+                      </a:endParaRPr>
                     </a:p>
                   </a:txBody>
                   <a:tcPr/>
@@ -7623,7 +9287,23 @@
                     <a:bodyPr/>
                     <a:lstStyle/>
                     <a:p>
-                      <a:endParaRPr lang="en-US"/>
+                      <a:r>
+                        <a:rPr lang="en-US" sz="1800" b="0" i="0" kern="1200" dirty="0">
+                          <a:solidFill>
+                            <a:schemeClr val="tx1"/>
+                          </a:solidFill>
+                          <a:effectLst/>
+                          <a:latin typeface="+mn-lt"/>
+                          <a:ea typeface="+mn-ea"/>
+                          <a:cs typeface="+mn-cs"/>
+                        </a:rPr>
+                        <a:t>Sunday 12–5PM</a:t>
+                      </a:r>
+                      <a:endParaRPr lang="en-US" dirty="0">
+                        <a:solidFill>
+                          <a:schemeClr val="tx1"/>
+                        </a:solidFill>
+                      </a:endParaRPr>
                     </a:p>
                   </a:txBody>
                   <a:tcPr/>
@@ -7641,7 +9321,11 @@
                     <a:lstStyle/>
                     <a:p>
                       <a:r>
-                        <a:rPr lang="en-US" dirty="0"/>
+                        <a:rPr lang="en-US" b="1" dirty="0">
+                          <a:solidFill>
+                            <a:schemeClr val="tx1"/>
+                          </a:solidFill>
+                        </a:rPr>
                         <a:t>Email</a:t>
                       </a:r>
                     </a:p>
@@ -7653,7 +9337,23 @@
                     <a:bodyPr/>
                     <a:lstStyle/>
                     <a:p>
-                      <a:endParaRPr lang="en-US" dirty="0"/>
+                      <a:r>
+                        <a:rPr lang="en-US" sz="1800" b="0" i="0" kern="1200" dirty="0">
+                          <a:solidFill>
+                            <a:schemeClr val="tx1"/>
+                          </a:solidFill>
+                          <a:effectLst/>
+                          <a:latin typeface="+mn-lt"/>
+                          <a:ea typeface="+mn-ea"/>
+                          <a:cs typeface="+mn-cs"/>
+                        </a:rPr>
+                        <a:t>(412) 422-1606</a:t>
+                      </a:r>
+                      <a:endParaRPr lang="en-US" dirty="0">
+                        <a:solidFill>
+                          <a:schemeClr val="tx1"/>
+                        </a:solidFill>
+                      </a:endParaRPr>
                     </a:p>
                   </a:txBody>
                   <a:tcPr/>
@@ -7663,7 +9363,11 @@
                     <a:bodyPr/>
                     <a:lstStyle/>
                     <a:p>
-                      <a:endParaRPr lang="en-US"/>
+                      <a:endParaRPr lang="en-US">
+                        <a:solidFill>
+                          <a:schemeClr val="tx1"/>
+                        </a:solidFill>
+                      </a:endParaRPr>
                     </a:p>
                   </a:txBody>
                   <a:tcPr/>
@@ -7681,14 +9385,13 @@
                     <a:lstStyle/>
                     <a:p>
                       <a:r>
-                        <a:rPr lang="en-US" dirty="0"/>
-                        <a:t>Phone </a:t>
+                        <a:rPr lang="en-US" b="1" dirty="0">
+                          <a:solidFill>
+                            <a:schemeClr val="tx1"/>
+                          </a:solidFill>
+                        </a:rPr>
+                        <a:t>Phone Number</a:t>
                       </a:r>
-                      <a:r>
-                        <a:rPr lang="en-US" dirty="0" err="1"/>
-                        <a:t>Numer</a:t>
-                      </a:r>
-                      <a:endParaRPr lang="en-US" dirty="0"/>
                     </a:p>
                   </a:txBody>
                   <a:tcPr/>
@@ -7698,7 +9401,24 @@
                     <a:bodyPr/>
                     <a:lstStyle/>
                     <a:p>
-                      <a:endParaRPr lang="en-US" dirty="0"/>
+                      <a:r>
+                        <a:rPr lang="en-US" sz="1800" b="0" i="0" u="none" strike="noStrike" kern="1200" dirty="0">
+                          <a:solidFill>
+                            <a:schemeClr val="tx1"/>
+                          </a:solidFill>
+                          <a:effectLst/>
+                          <a:latin typeface="+mn-lt"/>
+                          <a:ea typeface="+mn-ea"/>
+                          <a:cs typeface="+mn-cs"/>
+                          <a:hlinkClick r:id="rId3"/>
+                        </a:rPr>
+                        <a:t>100teacups@gmail.com</a:t>
+                      </a:r>
+                      <a:endParaRPr lang="en-US" dirty="0">
+                        <a:solidFill>
+                          <a:schemeClr val="tx1"/>
+                        </a:solidFill>
+                      </a:endParaRPr>
                     </a:p>
                   </a:txBody>
                   <a:tcPr/>
@@ -7708,7 +9428,11 @@
                     <a:bodyPr/>
                     <a:lstStyle/>
                     <a:p>
-                      <a:endParaRPr lang="en-US" dirty="0"/>
+                      <a:endParaRPr lang="en-US" dirty="0">
+                        <a:solidFill>
+                          <a:schemeClr val="tx1"/>
+                        </a:solidFill>
+                      </a:endParaRPr>
                     </a:p>
                   </a:txBody>
                   <a:tcPr/>
@@ -7723,6 +9447,155 @@
           </a:graphicData>
         </a:graphic>
       </p:graphicFrame>
+      <p:sp>
+        <p:nvSpPr>
+          <p:cNvPr id="10" name="TextBox 9">
+            <a:extLst>
+              <a:ext uri="{FF2B5EF4-FFF2-40B4-BE49-F238E27FC236}">
+                <a16:creationId xmlns:a16="http://schemas.microsoft.com/office/drawing/2014/main" id="{FA8A33E5-B32D-4E4C-B36B-37993C201489}"/>
+              </a:ext>
+            </a:extLst>
+          </p:cNvPr>
+          <p:cNvSpPr txBox="1"/>
+          <p:nvPr/>
+        </p:nvSpPr>
+        <p:spPr>
+          <a:xfrm>
+            <a:off x="11277601" y="5292714"/>
+            <a:ext cx="1405466" cy="923330"/>
+          </a:xfrm>
+          <a:prstGeom prst="rect">
+            <a:avLst/>
+          </a:prstGeom>
+          <a:noFill/>
+        </p:spPr>
+        <p:txBody>
+          <a:bodyPr wrap="square" rtlCol="0">
+            <a:spAutoFit/>
+          </a:bodyPr>
+          <a:lstStyle/>
+          <a:p>
+            <a:r>
+              <a:rPr lang="en-US" dirty="0">
+                <a:latin typeface="Verdana" panose="020B0604030504040204" pitchFamily="34" charset="0"/>
+                <a:ea typeface="Verdana" panose="020B0604030504040204" pitchFamily="34" charset="0"/>
+                <a:cs typeface="Verdana" panose="020B0604030504040204" pitchFamily="34" charset="0"/>
+              </a:rPr>
+              <a:t>Table of information</a:t>
+            </a:r>
+          </a:p>
+        </p:txBody>
+      </p:sp>
+      <p:sp>
+        <p:nvSpPr>
+          <p:cNvPr id="14" name="TextBox 13">
+            <a:extLst>
+              <a:ext uri="{FF2B5EF4-FFF2-40B4-BE49-F238E27FC236}">
+                <a16:creationId xmlns:a16="http://schemas.microsoft.com/office/drawing/2014/main" id="{E0936B0C-0F83-A74B-9A7C-D6B73799B2E9}"/>
+              </a:ext>
+            </a:extLst>
+          </p:cNvPr>
+          <p:cNvSpPr txBox="1"/>
+          <p:nvPr/>
+        </p:nvSpPr>
+        <p:spPr>
+          <a:xfrm>
+            <a:off x="10054163" y="1633210"/>
+            <a:ext cx="2604955" cy="1477328"/>
+          </a:xfrm>
+          <a:prstGeom prst="rect">
+            <a:avLst/>
+          </a:prstGeom>
+          <a:noFill/>
+        </p:spPr>
+        <p:txBody>
+          <a:bodyPr wrap="square" rtlCol="0">
+            <a:spAutoFit/>
+          </a:bodyPr>
+          <a:lstStyle/>
+          <a:p>
+            <a:r>
+              <a:rPr lang="en-US" dirty="0">
+                <a:latin typeface="Verdana" panose="020B0604030504040204" pitchFamily="34" charset="0"/>
+                <a:ea typeface="Verdana" panose="020B0604030504040204" pitchFamily="34" charset="0"/>
+                <a:cs typeface="Verdana" panose="020B0604030504040204" pitchFamily="34" charset="0"/>
+              </a:rPr>
+              <a:t>The information at the top is to indicate that the other location is closed for the customers</a:t>
+            </a:r>
+          </a:p>
+        </p:txBody>
+      </p:sp>
+      <p:cxnSp>
+        <p:nvCxnSpPr>
+          <p:cNvPr id="15" name="Straight Arrow Connector 14">
+            <a:extLst>
+              <a:ext uri="{FF2B5EF4-FFF2-40B4-BE49-F238E27FC236}">
+                <a16:creationId xmlns:a16="http://schemas.microsoft.com/office/drawing/2014/main" id="{E7FFA3F3-B692-6941-A5EA-572D2AA8E643}"/>
+              </a:ext>
+            </a:extLst>
+          </p:cNvPr>
+          <p:cNvCxnSpPr>
+            <a:cxnSpLocks/>
+          </p:cNvCxnSpPr>
+          <p:nvPr/>
+        </p:nvCxnSpPr>
+        <p:spPr>
+          <a:xfrm flipH="1" flipV="1">
+            <a:off x="8332518" y="2233374"/>
+            <a:ext cx="1721645" cy="264428"/>
+          </a:xfrm>
+          <a:prstGeom prst="straightConnector1">
+            <a:avLst/>
+          </a:prstGeom>
+          <a:ln>
+            <a:tailEnd type="triangle"/>
+          </a:ln>
+        </p:spPr>
+        <p:style>
+          <a:lnRef idx="1">
+            <a:schemeClr val="accent1"/>
+          </a:lnRef>
+          <a:fillRef idx="0">
+            <a:schemeClr val="accent1"/>
+          </a:fillRef>
+          <a:effectRef idx="0">
+            <a:schemeClr val="accent1"/>
+          </a:effectRef>
+          <a:fontRef idx="minor">
+            <a:schemeClr val="tx1"/>
+          </a:fontRef>
+        </p:style>
+      </p:cxnSp>
+      <p:pic>
+        <p:nvPicPr>
+          <p:cNvPr id="17" name="Picture 16">
+            <a:extLst>
+              <a:ext uri="{FF2B5EF4-FFF2-40B4-BE49-F238E27FC236}">
+                <a16:creationId xmlns:a16="http://schemas.microsoft.com/office/drawing/2014/main" id="{73A8D559-DB57-4D41-BC10-F7D9945A69C5}"/>
+              </a:ext>
+            </a:extLst>
+          </p:cNvPr>
+          <p:cNvPicPr>
+            <a:picLocks noChangeAspect="1"/>
+          </p:cNvPicPr>
+          <p:nvPr/>
+        </p:nvPicPr>
+        <p:blipFill>
+          <a:blip r:embed="rId4"/>
+          <a:stretch>
+            <a:fillRect/>
+          </a:stretch>
+        </p:blipFill>
+        <p:spPr>
+          <a:xfrm>
+            <a:off x="4349352" y="2233374"/>
+            <a:ext cx="3663552" cy="3085096"/>
+          </a:xfrm>
+          <a:prstGeom prst="rect">
+            <a:avLst/>
+          </a:prstGeom>
+        </p:spPr>
+      </p:pic>
     </p:spTree>
     <p:extLst>
       <p:ext uri="{BB962C8B-B14F-4D97-AF65-F5344CB8AC3E}">
@@ -7879,10 +9752,10 @@
       </p:sp>
       <p:sp>
         <p:nvSpPr>
-          <p:cNvPr id="17" name="Rectangle 16">
-            <a:extLst>
-              <a:ext uri="{FF2B5EF4-FFF2-40B4-BE49-F238E27FC236}">
-                <a16:creationId xmlns:a16="http://schemas.microsoft.com/office/drawing/2014/main" id="{48DF92ED-C1AF-1647-8AA1-305503D3EB21}"/>
+          <p:cNvPr id="22" name="Rectangle 21">
+            <a:extLst>
+              <a:ext uri="{FF2B5EF4-FFF2-40B4-BE49-F238E27FC236}">
+                <a16:creationId xmlns:a16="http://schemas.microsoft.com/office/drawing/2014/main" id="{2E6CC9EA-4E78-1D47-9122-5E9B636EA2B1}"/>
               </a:ext>
             </a:extLst>
           </p:cNvPr>
@@ -7891,16 +9764,14 @@
         </p:nvSpPr>
         <p:spPr>
           <a:xfrm>
-            <a:off x="785813" y="1631359"/>
-            <a:ext cx="10858500" cy="3668774"/>
+            <a:off x="0" y="5768213"/>
+            <a:ext cx="12192000" cy="1089787"/>
           </a:xfrm>
           <a:prstGeom prst="rect">
             <a:avLst/>
           </a:prstGeom>
           <a:solidFill>
-            <a:schemeClr val="bg1">
-              <a:lumMod val="65000"/>
-            </a:schemeClr>
+            <a:srgbClr val="29C4BE"/>
           </a:solidFill>
         </p:spPr>
         <p:style>
@@ -7924,7 +9795,7 @@
           <a:lstStyle/>
           <a:p>
             <a:pPr algn="ctr"/>
-            <a:endParaRPr lang="en-US">
+            <a:endParaRPr lang="en-US" dirty="0">
               <a:latin typeface="Verdana" panose="020B0604030504040204" pitchFamily="34" charset="0"/>
               <a:ea typeface="Verdana" panose="020B0604030504040204" pitchFamily="34" charset="0"/>
               <a:cs typeface="Verdana" panose="020B0604030504040204" pitchFamily="34" charset="0"/>
@@ -7934,49 +9805,256 @@
       </p:sp>
       <p:sp>
         <p:nvSpPr>
-          <p:cNvPr id="22" name="Rectangle 21">
-            <a:extLst>
-              <a:ext uri="{FF2B5EF4-FFF2-40B4-BE49-F238E27FC236}">
-                <a16:creationId xmlns:a16="http://schemas.microsoft.com/office/drawing/2014/main" id="{2E6CC9EA-4E78-1D47-9122-5E9B636EA2B1}"/>
-              </a:ext>
-            </a:extLst>
-          </p:cNvPr>
-          <p:cNvSpPr/>
-          <p:nvPr/>
-        </p:nvSpPr>
-        <p:spPr>
-          <a:xfrm>
-            <a:off x="0" y="5768213"/>
-            <a:ext cx="12192000" cy="1089787"/>
-          </a:xfrm>
-          <a:prstGeom prst="rect">
-            <a:avLst/>
-          </a:prstGeom>
-          <a:solidFill>
-            <a:srgbClr val="29C4BE"/>
-          </a:solidFill>
+          <p:cNvPr id="14" name="TextBox 13">
+            <a:extLst>
+              <a:ext uri="{FF2B5EF4-FFF2-40B4-BE49-F238E27FC236}">
+                <a16:creationId xmlns:a16="http://schemas.microsoft.com/office/drawing/2014/main" id="{5D2F1028-6CD9-EF49-8903-25B3471333C1}"/>
+              </a:ext>
+            </a:extLst>
+          </p:cNvPr>
+          <p:cNvSpPr txBox="1"/>
+          <p:nvPr/>
+        </p:nvSpPr>
+        <p:spPr>
+          <a:xfrm>
+            <a:off x="2292814" y="6137545"/>
+            <a:ext cx="7833253" cy="369332"/>
+          </a:xfrm>
+          <a:prstGeom prst="rect">
+            <a:avLst/>
+          </a:prstGeom>
+          <a:noFill/>
+        </p:spPr>
+        <p:txBody>
+          <a:bodyPr wrap="square" rtlCol="0">
+            <a:spAutoFit/>
+          </a:bodyPr>
+          <a:lstStyle/>
+          <a:p>
+            <a:r>
+              <a:rPr lang="en-US" dirty="0">
+                <a:latin typeface="Verdana" panose="020B0604030504040204" pitchFamily="34" charset="0"/>
+                <a:ea typeface="Verdana" panose="020B0604030504040204" pitchFamily="34" charset="0"/>
+                <a:cs typeface="Verdana" panose="020B0604030504040204" pitchFamily="34" charset="0"/>
+              </a:rPr>
+              <a:t>@Blue Monkey Tea | Home | Careers | check out our old website! </a:t>
+            </a:r>
+          </a:p>
+        </p:txBody>
+      </p:sp>
+      <p:sp>
+        <p:nvSpPr>
+          <p:cNvPr id="4" name="TextBox 3">
+            <a:extLst>
+              <a:ext uri="{FF2B5EF4-FFF2-40B4-BE49-F238E27FC236}">
+                <a16:creationId xmlns:a16="http://schemas.microsoft.com/office/drawing/2014/main" id="{47A6EDF2-FA59-134E-8A02-FDACCC87548A}"/>
+              </a:ext>
+            </a:extLst>
+          </p:cNvPr>
+          <p:cNvSpPr txBox="1"/>
+          <p:nvPr/>
+        </p:nvSpPr>
+        <p:spPr>
+          <a:xfrm>
+            <a:off x="4622005" y="2978944"/>
+            <a:ext cx="4507707" cy="369332"/>
+          </a:xfrm>
+          <a:prstGeom prst="rect">
+            <a:avLst/>
+          </a:prstGeom>
+          <a:noFill/>
+        </p:spPr>
+        <p:txBody>
+          <a:bodyPr wrap="square" rtlCol="0">
+            <a:spAutoFit/>
+          </a:bodyPr>
+          <a:lstStyle/>
+          <a:p>
+            <a:endParaRPr lang="en-US" dirty="0">
+              <a:latin typeface="Verdana" panose="020B0604030504040204" pitchFamily="34" charset="0"/>
+              <a:ea typeface="Verdana" panose="020B0604030504040204" pitchFamily="34" charset="0"/>
+              <a:cs typeface="Verdana" panose="020B0604030504040204" pitchFamily="34" charset="0"/>
+            </a:endParaRPr>
+          </a:p>
+        </p:txBody>
+      </p:sp>
+      <p:sp>
+        <p:nvSpPr>
+          <p:cNvPr id="2" name="TextBox 1">
+            <a:extLst>
+              <a:ext uri="{FF2B5EF4-FFF2-40B4-BE49-F238E27FC236}">
+                <a16:creationId xmlns:a16="http://schemas.microsoft.com/office/drawing/2014/main" id="{BFD4BF91-1D7C-084B-8557-06B175356EEC}"/>
+              </a:ext>
+            </a:extLst>
+          </p:cNvPr>
+          <p:cNvSpPr txBox="1"/>
+          <p:nvPr/>
+        </p:nvSpPr>
+        <p:spPr>
+          <a:xfrm>
+            <a:off x="5113866" y="-802280"/>
+            <a:ext cx="2675467" cy="1200329"/>
+          </a:xfrm>
+          <a:prstGeom prst="rect">
+            <a:avLst/>
+          </a:prstGeom>
+          <a:noFill/>
+        </p:spPr>
+        <p:txBody>
+          <a:bodyPr wrap="square" rtlCol="0">
+            <a:spAutoFit/>
+          </a:bodyPr>
+          <a:lstStyle/>
+          <a:p>
+            <a:r>
+              <a:rPr lang="en-US" dirty="0">
+                <a:latin typeface="Verdana" panose="020B0604030504040204" pitchFamily="34" charset="0"/>
+                <a:ea typeface="Verdana" panose="020B0604030504040204" pitchFamily="34" charset="0"/>
+                <a:cs typeface="Verdana" panose="020B0604030504040204" pitchFamily="34" charset="0"/>
+              </a:rPr>
+              <a:t>You can click either tab to view the busy hours of either portion of the week</a:t>
+            </a:r>
+          </a:p>
+        </p:txBody>
+      </p:sp>
+      <p:cxnSp>
+        <p:nvCxnSpPr>
+          <p:cNvPr id="3" name="Straight Arrow Connector 2">
+            <a:extLst>
+              <a:ext uri="{FF2B5EF4-FFF2-40B4-BE49-F238E27FC236}">
+                <a16:creationId xmlns:a16="http://schemas.microsoft.com/office/drawing/2014/main" id="{3F22667D-5663-4942-AEF3-F8396E25E162}"/>
+              </a:ext>
+            </a:extLst>
+          </p:cNvPr>
+          <p:cNvCxnSpPr>
+            <a:cxnSpLocks/>
+          </p:cNvCxnSpPr>
+          <p:nvPr/>
+        </p:nvCxnSpPr>
+        <p:spPr>
+          <a:xfrm flipH="1">
+            <a:off x="5113866" y="575427"/>
+            <a:ext cx="626534" cy="414092"/>
+          </a:xfrm>
+          <a:prstGeom prst="straightConnector1">
+            <a:avLst/>
+          </a:prstGeom>
+          <a:ln>
+            <a:tailEnd type="triangle"/>
+          </a:ln>
         </p:spPr>
         <p:style>
-          <a:lnRef idx="2">
-            <a:schemeClr val="accent1">
-              <a:shade val="50000"/>
-            </a:schemeClr>
+          <a:lnRef idx="1">
+            <a:schemeClr val="accent1"/>
           </a:lnRef>
-          <a:fillRef idx="1">
+          <a:fillRef idx="0">
             <a:schemeClr val="accent1"/>
           </a:fillRef>
           <a:effectRef idx="0">
             <a:schemeClr val="accent1"/>
           </a:effectRef>
           <a:fontRef idx="minor">
-            <a:schemeClr val="lt1"/>
+            <a:schemeClr val="tx1"/>
           </a:fontRef>
         </p:style>
-        <p:txBody>
-          <a:bodyPr rtlCol="0" anchor="ctr"/>
-          <a:lstStyle/>
-          <a:p>
-            <a:pPr algn="ctr"/>
+      </p:cxnSp>
+      <p:cxnSp>
+        <p:nvCxnSpPr>
+          <p:cNvPr id="8" name="Straight Arrow Connector 7">
+            <a:extLst>
+              <a:ext uri="{FF2B5EF4-FFF2-40B4-BE49-F238E27FC236}">
+                <a16:creationId xmlns:a16="http://schemas.microsoft.com/office/drawing/2014/main" id="{4F057907-8779-9247-A2C6-507B2D9995CA}"/>
+              </a:ext>
+            </a:extLst>
+          </p:cNvPr>
+          <p:cNvCxnSpPr>
+            <a:cxnSpLocks/>
+          </p:cNvCxnSpPr>
+          <p:nvPr/>
+        </p:nvCxnSpPr>
+        <p:spPr>
+          <a:xfrm>
+            <a:off x="7281334" y="591629"/>
+            <a:ext cx="270933" cy="451878"/>
+          </a:xfrm>
+          <a:prstGeom prst="straightConnector1">
+            <a:avLst/>
+          </a:prstGeom>
+          <a:ln>
+            <a:tailEnd type="triangle"/>
+          </a:ln>
+        </p:spPr>
+        <p:style>
+          <a:lnRef idx="1">
+            <a:schemeClr val="accent1"/>
+          </a:lnRef>
+          <a:fillRef idx="0">
+            <a:schemeClr val="accent1"/>
+          </a:fillRef>
+          <a:effectRef idx="0">
+            <a:schemeClr val="accent1"/>
+          </a:effectRef>
+          <a:fontRef idx="minor">
+            <a:schemeClr val="tx1"/>
+          </a:fontRef>
+        </p:style>
+      </p:cxnSp>
+      <p:graphicFrame>
+        <p:nvGraphicFramePr>
+          <p:cNvPr id="6" name="Chart 5">
+            <a:extLst>
+              <a:ext uri="{FF2B5EF4-FFF2-40B4-BE49-F238E27FC236}">
+                <a16:creationId xmlns:a16="http://schemas.microsoft.com/office/drawing/2014/main" id="{C4C9FDDE-640C-FC4A-97E9-E97A5FC72E61}"/>
+              </a:ext>
+            </a:extLst>
+          </p:cNvPr>
+          <p:cNvGraphicFramePr/>
+          <p:nvPr>
+            <p:extLst>
+              <p:ext uri="{D42A27DB-BD31-4B8C-83A1-F6EECF244321}">
+                <p14:modId xmlns:p14="http://schemas.microsoft.com/office/powerpoint/2010/main" val="3645503230"/>
+              </p:ext>
+            </p:extLst>
+          </p:nvPr>
+        </p:nvGraphicFramePr>
+        <p:xfrm>
+          <a:off x="2145440" y="1671192"/>
+          <a:ext cx="8128000" cy="4097021"/>
+        </p:xfrm>
+        <a:graphic>
+          <a:graphicData uri="http://schemas.openxmlformats.org/drawingml/2006/chart">
+            <c:chart xmlns:c="http://schemas.openxmlformats.org/drawingml/2006/chart" xmlns:r="http://schemas.openxmlformats.org/officeDocument/2006/relationships" r:id="rId3"/>
+          </a:graphicData>
+        </a:graphic>
+      </p:graphicFrame>
+      <p:sp>
+        <p:nvSpPr>
+          <p:cNvPr id="7" name="TextBox 6">
+            <a:extLst>
+              <a:ext uri="{FF2B5EF4-FFF2-40B4-BE49-F238E27FC236}">
+                <a16:creationId xmlns:a16="http://schemas.microsoft.com/office/drawing/2014/main" id="{20E46962-2B1D-2042-BFD2-19E730E3AF67}"/>
+              </a:ext>
+            </a:extLst>
+          </p:cNvPr>
+          <p:cNvSpPr txBox="1"/>
+          <p:nvPr/>
+        </p:nvSpPr>
+        <p:spPr>
+          <a:xfrm>
+            <a:off x="5087565" y="2801566"/>
+            <a:ext cx="914400" cy="369332"/>
+          </a:xfrm>
+          <a:prstGeom prst="rect">
+            <a:avLst/>
+          </a:prstGeom>
+          <a:noFill/>
+        </p:spPr>
+        <p:txBody>
+          <a:bodyPr wrap="square" rtlCol="0">
+            <a:spAutoFit/>
+          </a:bodyPr>
+          <a:lstStyle/>
+          <a:p>
             <a:endParaRPr lang="en-US" dirty="0">
               <a:latin typeface="Verdana" panose="020B0604030504040204" pitchFamily="34" charset="0"/>
               <a:ea typeface="Verdana" panose="020B0604030504040204" pitchFamily="34" charset="0"/>
@@ -7987,10 +10065,10 @@
       </p:sp>
       <p:sp>
         <p:nvSpPr>
-          <p:cNvPr id="14" name="TextBox 13">
-            <a:extLst>
-              <a:ext uri="{FF2B5EF4-FFF2-40B4-BE49-F238E27FC236}">
-                <a16:creationId xmlns:a16="http://schemas.microsoft.com/office/drawing/2014/main" id="{5D2F1028-6CD9-EF49-8903-25B3471333C1}"/>
+          <p:cNvPr id="10" name="TextBox 9">
+            <a:extLst>
+              <a:ext uri="{FF2B5EF4-FFF2-40B4-BE49-F238E27FC236}">
+                <a16:creationId xmlns:a16="http://schemas.microsoft.com/office/drawing/2014/main" id="{4D083EA2-4D6F-A14B-831E-F50472FEF7A8}"/>
               </a:ext>
             </a:extLst>
           </p:cNvPr>
@@ -7999,8 +10077,8 @@
         </p:nvSpPr>
         <p:spPr>
           <a:xfrm>
-            <a:off x="2292814" y="6137545"/>
-            <a:ext cx="7833253" cy="369332"/>
+            <a:off x="11186257" y="1493284"/>
+            <a:ext cx="2029307" cy="2031325"/>
           </a:xfrm>
           <a:prstGeom prst="rect">
             <a:avLst/>
@@ -8019,43 +10097,15 @@
                 <a:ea typeface="Verdana" panose="020B0604030504040204" pitchFamily="34" charset="0"/>
                 <a:cs typeface="Verdana" panose="020B0604030504040204" pitchFamily="34" charset="0"/>
               </a:rPr>
-              <a:t>@Blue Monkey Tea | Home | Careers | check out our old website! </a:t>
-            </a:r>
-          </a:p>
-        </p:txBody>
-      </p:sp>
-      <p:sp>
-        <p:nvSpPr>
-          <p:cNvPr id="4" name="TextBox 3">
-            <a:extLst>
-              <a:ext uri="{FF2B5EF4-FFF2-40B4-BE49-F238E27FC236}">
-                <a16:creationId xmlns:a16="http://schemas.microsoft.com/office/drawing/2014/main" id="{47A6EDF2-FA59-134E-8A02-FDACCC87548A}"/>
-              </a:ext>
-            </a:extLst>
-          </p:cNvPr>
-          <p:cNvSpPr txBox="1"/>
-          <p:nvPr/>
-        </p:nvSpPr>
-        <p:spPr>
-          <a:xfrm>
-            <a:off x="4622005" y="2978944"/>
-            <a:ext cx="4507707" cy="369332"/>
-          </a:xfrm>
-          <a:prstGeom prst="rect">
-            <a:avLst/>
-          </a:prstGeom>
-          <a:noFill/>
-        </p:spPr>
-        <p:txBody>
-          <a:bodyPr wrap="square" rtlCol="0">
-            <a:spAutoFit/>
-          </a:bodyPr>
-          <a:lstStyle/>
-          <a:p>
-            <a:r>
-              <a:rPr lang="en-US" dirty="0"/>
-              <a:t>Insert Graph with Busy hours here</a:t>
-            </a:r>
+              <a:t>The busy hours and how many customers there are per hours would be here</a:t>
+            </a:r>
+          </a:p>
+          <a:p>
+            <a:endParaRPr lang="en-US" dirty="0">
+              <a:latin typeface="Verdana" panose="020B0604030504040204" pitchFamily="34" charset="0"/>
+              <a:ea typeface="Verdana" panose="020B0604030504040204" pitchFamily="34" charset="0"/>
+              <a:cs typeface="Verdana" panose="020B0604030504040204" pitchFamily="34" charset="0"/>
+            </a:endParaRPr>
           </a:p>
         </p:txBody>
       </p:sp>
@@ -8342,7 +10392,7 @@
         </p:nvSpPr>
         <p:spPr>
           <a:xfrm>
-            <a:off x="550068" y="4044970"/>
+            <a:off x="567092" y="4585959"/>
             <a:ext cx="1393032" cy="457200"/>
           </a:xfrm>
           <a:prstGeom prst="rect">
@@ -8397,8 +10447,8 @@
         </p:nvSpPr>
         <p:spPr>
           <a:xfrm>
-            <a:off x="550068" y="1085850"/>
-            <a:ext cx="6022182" cy="3416320"/>
+            <a:off x="564356" y="1237742"/>
+            <a:ext cx="6022182" cy="3785652"/>
           </a:xfrm>
           <a:prstGeom prst="rect">
             <a:avLst/>
@@ -8458,6 +10508,16 @@
                 <a:cs typeface="Verdana" panose="020B0604030504040204" pitchFamily="34" charset="0"/>
               </a:rPr>
               <a:t>___________________________</a:t>
+            </a:r>
+          </a:p>
+          <a:p>
+            <a:r>
+              <a:rPr lang="en-US" sz="2400" dirty="0">
+                <a:latin typeface="Verdana" panose="020B0604030504040204" pitchFamily="34" charset="0"/>
+                <a:ea typeface="Verdana" panose="020B0604030504040204" pitchFamily="34" charset="0"/>
+                <a:cs typeface="Verdana" panose="020B0604030504040204" pitchFamily="34" charset="0"/>
+              </a:rPr>
+              <a:t>Would you like to join our mailing list</a:t>
             </a:r>
           </a:p>
           <a:p>
@@ -8560,6 +10620,126 @@
               </a:rPr>
               <a:t>@Blue Monkey Tea | Home | Careers | check out our old website! </a:t>
             </a:r>
+          </a:p>
+        </p:txBody>
+      </p:sp>
+      <p:sp>
+        <p:nvSpPr>
+          <p:cNvPr id="2" name="TextBox 1">
+            <a:extLst>
+              <a:ext uri="{FF2B5EF4-FFF2-40B4-BE49-F238E27FC236}">
+                <a16:creationId xmlns:a16="http://schemas.microsoft.com/office/drawing/2014/main" id="{EA35DBF7-2B13-764E-B30D-5C029E63D412}"/>
+              </a:ext>
+            </a:extLst>
+          </p:cNvPr>
+          <p:cNvSpPr txBox="1"/>
+          <p:nvPr/>
+        </p:nvSpPr>
+        <p:spPr>
+          <a:xfrm>
+            <a:off x="9088701" y="1737485"/>
+            <a:ext cx="2125134" cy="1200329"/>
+          </a:xfrm>
+          <a:prstGeom prst="rect">
+            <a:avLst/>
+          </a:prstGeom>
+          <a:noFill/>
+        </p:spPr>
+        <p:txBody>
+          <a:bodyPr wrap="square" rtlCol="0">
+            <a:spAutoFit/>
+          </a:bodyPr>
+          <a:lstStyle/>
+          <a:p>
+            <a:r>
+              <a:rPr lang="en-US" dirty="0"/>
+              <a:t>Contact information for the customers, may add a few more fields later one </a:t>
+            </a:r>
+          </a:p>
+        </p:txBody>
+      </p:sp>
+      <p:sp>
+        <p:nvSpPr>
+          <p:cNvPr id="10" name="TextBox 9">
+            <a:extLst>
+              <a:ext uri="{FF2B5EF4-FFF2-40B4-BE49-F238E27FC236}">
+                <a16:creationId xmlns:a16="http://schemas.microsoft.com/office/drawing/2014/main" id="{2D87C396-B1AA-6045-BF0D-A36938A5F5A5}"/>
+              </a:ext>
+            </a:extLst>
+          </p:cNvPr>
+          <p:cNvSpPr txBox="1"/>
+          <p:nvPr/>
+        </p:nvSpPr>
+        <p:spPr>
+          <a:xfrm>
+            <a:off x="-1641609" y="4318104"/>
+            <a:ext cx="2446867" cy="1754326"/>
+          </a:xfrm>
+          <a:prstGeom prst="rect">
+            <a:avLst/>
+          </a:prstGeom>
+          <a:noFill/>
+        </p:spPr>
+        <p:txBody>
+          <a:bodyPr wrap="square" rtlCol="0">
+            <a:spAutoFit/>
+          </a:bodyPr>
+          <a:lstStyle/>
+          <a:p>
+            <a:r>
+              <a:rPr lang="en-US" dirty="0"/>
+              <a:t>Submit button is clickable and will send the form to the email</a:t>
+            </a:r>
+          </a:p>
+          <a:p>
+            <a:r>
+              <a:rPr lang="en-US" dirty="0"/>
+              <a:t>And makes sure the input for phone number is a 10 digit number</a:t>
+            </a:r>
+          </a:p>
+        </p:txBody>
+      </p:sp>
+      <p:sp>
+        <p:nvSpPr>
+          <p:cNvPr id="14" name="Rectangle 13">
+            <a:extLst>
+              <a:ext uri="{FF2B5EF4-FFF2-40B4-BE49-F238E27FC236}">
+                <a16:creationId xmlns:a16="http://schemas.microsoft.com/office/drawing/2014/main" id="{2096B580-0968-F646-BEA5-BF4CC5AE7CC5}"/>
+              </a:ext>
+            </a:extLst>
+          </p:cNvPr>
+          <p:cNvSpPr/>
+          <p:nvPr/>
+        </p:nvSpPr>
+        <p:spPr>
+          <a:xfrm>
+            <a:off x="6417467" y="4163437"/>
+            <a:ext cx="457200" cy="422521"/>
+          </a:xfrm>
+          <a:prstGeom prst="rect">
+            <a:avLst/>
+          </a:prstGeom>
+        </p:spPr>
+        <p:style>
+          <a:lnRef idx="2">
+            <a:schemeClr val="accent6"/>
+          </a:lnRef>
+          <a:fillRef idx="1">
+            <a:schemeClr val="lt1"/>
+          </a:fillRef>
+          <a:effectRef idx="0">
+            <a:schemeClr val="accent6"/>
+          </a:effectRef>
+          <a:fontRef idx="minor">
+            <a:schemeClr val="dk1"/>
+          </a:fontRef>
+        </p:style>
+        <p:txBody>
+          <a:bodyPr rtlCol="0" anchor="ctr"/>
+          <a:lstStyle/>
+          <a:p>
+            <a:pPr algn="ctr"/>
+            <a:endParaRPr lang="en-US"/>
           </a:p>
         </p:txBody>
       </p:sp>
@@ -9122,8 +11302,8 @@
         </p:nvSpPr>
         <p:spPr>
           <a:xfrm>
-            <a:off x="4614858" y="3557826"/>
-            <a:ext cx="1793081" cy="1200329"/>
+            <a:off x="3830831" y="3626762"/>
+            <a:ext cx="3437739" cy="1200329"/>
           </a:xfrm>
           <a:prstGeom prst="rect">
             <a:avLst/>
@@ -9138,68 +11318,17 @@
           <a:p>
             <a:r>
               <a:rPr lang="en-US" dirty="0"/>
-              <a:t>Text about the shop text about the shop text about the shop</a:t>
-            </a:r>
-          </a:p>
-        </p:txBody>
-      </p:sp>
-      <p:sp>
-        <p:nvSpPr>
-          <p:cNvPr id="18" name="Rectangle 17">
-            <a:extLst>
-              <a:ext uri="{FF2B5EF4-FFF2-40B4-BE49-F238E27FC236}">
-                <a16:creationId xmlns:a16="http://schemas.microsoft.com/office/drawing/2014/main" id="{DDFF2B29-3243-054E-BB49-5F380A2313C1}"/>
-              </a:ext>
-            </a:extLst>
-          </p:cNvPr>
-          <p:cNvSpPr/>
-          <p:nvPr/>
-        </p:nvSpPr>
-        <p:spPr>
-          <a:xfrm>
-            <a:off x="4738083" y="5086857"/>
-            <a:ext cx="1546629" cy="1071055"/>
-          </a:xfrm>
-          <a:prstGeom prst="rect">
-            <a:avLst/>
-          </a:prstGeom>
-          <a:solidFill>
-            <a:schemeClr val="bg1">
-              <a:lumMod val="65000"/>
-            </a:schemeClr>
-          </a:solidFill>
-        </p:spPr>
-        <p:style>
-          <a:lnRef idx="2">
-            <a:schemeClr val="accent1">
-              <a:shade val="50000"/>
-            </a:schemeClr>
-          </a:lnRef>
-          <a:fillRef idx="1">
-            <a:schemeClr val="accent1"/>
-          </a:fillRef>
-          <a:effectRef idx="0">
-            <a:schemeClr val="accent1"/>
-          </a:effectRef>
-          <a:fontRef idx="minor">
-            <a:schemeClr val="lt1"/>
-          </a:fontRef>
-        </p:style>
-        <p:txBody>
-          <a:bodyPr rtlCol="0" anchor="ctr"/>
-          <a:lstStyle/>
-          <a:p>
-            <a:pPr algn="ctr"/>
-            <a:endParaRPr lang="en-US"/>
-          </a:p>
-        </p:txBody>
-      </p:sp>
-      <p:sp>
-        <p:nvSpPr>
-          <p:cNvPr id="19" name="TextBox 18">
-            <a:extLst>
-              <a:ext uri="{FF2B5EF4-FFF2-40B4-BE49-F238E27FC236}">
-                <a16:creationId xmlns:a16="http://schemas.microsoft.com/office/drawing/2014/main" id="{0446A72C-B3A3-214D-AEA8-17972D7E25A8}"/>
+              <a:t>We offer Tea Classes and Tea Tastings every month. We also carry over 30 types of coffee beans and some neat coffee makers!</a:t>
+            </a:r>
+          </a:p>
+        </p:txBody>
+      </p:sp>
+      <p:sp>
+        <p:nvSpPr>
+          <p:cNvPr id="2" name="TextBox 1">
+            <a:extLst>
+              <a:ext uri="{FF2B5EF4-FFF2-40B4-BE49-F238E27FC236}">
+                <a16:creationId xmlns:a16="http://schemas.microsoft.com/office/drawing/2014/main" id="{84A22548-69E5-9B46-B664-9D278F261B11}"/>
               </a:ext>
             </a:extLst>
           </p:cNvPr>
@@ -9208,8 +11337,8 @@
         </p:nvSpPr>
         <p:spPr>
           <a:xfrm>
-            <a:off x="5091702" y="5428892"/>
-            <a:ext cx="914400" cy="646331"/>
+            <a:off x="7568805" y="5907791"/>
+            <a:ext cx="2709334" cy="1200329"/>
           </a:xfrm>
           <a:prstGeom prst="rect">
             <a:avLst/>
@@ -9224,11 +11353,71 @@
           <a:p>
             <a:r>
               <a:rPr lang="en-US" dirty="0"/>
-              <a:t>Map image</a:t>
-            </a:r>
-          </a:p>
-        </p:txBody>
-      </p:sp>
+              <a:t>Navigation bar at the bottom of the screen so it is easier to reach the buttons</a:t>
+            </a:r>
+          </a:p>
+        </p:txBody>
+      </p:sp>
+      <p:pic>
+        <p:nvPicPr>
+          <p:cNvPr id="5" name="Picture 4">
+            <a:extLst>
+              <a:ext uri="{FF2B5EF4-FFF2-40B4-BE49-F238E27FC236}">
+                <a16:creationId xmlns:a16="http://schemas.microsoft.com/office/drawing/2014/main" id="{E40B00B4-C60C-E94A-8074-24B00C6C981A}"/>
+              </a:ext>
+            </a:extLst>
+          </p:cNvPr>
+          <p:cNvPicPr>
+            <a:picLocks noChangeAspect="1"/>
+          </p:cNvPicPr>
+          <p:nvPr/>
+        </p:nvPicPr>
+        <p:blipFill>
+          <a:blip r:embed="rId2"/>
+          <a:stretch>
+            <a:fillRect/>
+          </a:stretch>
+        </p:blipFill>
+        <p:spPr>
+          <a:xfrm>
+            <a:off x="4465420" y="1508384"/>
+            <a:ext cx="1987887" cy="1987887"/>
+          </a:xfrm>
+          <a:prstGeom prst="rect">
+            <a:avLst/>
+          </a:prstGeom>
+        </p:spPr>
+      </p:pic>
+      <p:pic>
+        <p:nvPicPr>
+          <p:cNvPr id="12" name="Picture 11">
+            <a:extLst>
+              <a:ext uri="{FF2B5EF4-FFF2-40B4-BE49-F238E27FC236}">
+                <a16:creationId xmlns:a16="http://schemas.microsoft.com/office/drawing/2014/main" id="{B0E18B28-E104-EC40-9188-D78059CC6DF3}"/>
+              </a:ext>
+            </a:extLst>
+          </p:cNvPr>
+          <p:cNvPicPr>
+            <a:picLocks noChangeAspect="1"/>
+          </p:cNvPicPr>
+          <p:nvPr/>
+        </p:nvPicPr>
+        <p:blipFill>
+          <a:blip r:embed="rId3"/>
+          <a:stretch>
+            <a:fillRect/>
+          </a:stretch>
+        </p:blipFill>
+        <p:spPr>
+          <a:xfrm>
+            <a:off x="3830832" y="4771710"/>
+            <a:ext cx="3384354" cy="1386202"/>
+          </a:xfrm>
+          <a:prstGeom prst="rect">
+            <a:avLst/>
+          </a:prstGeom>
+        </p:spPr>
+      </p:pic>
     </p:spTree>
     <p:extLst>
       <p:ext uri="{BB962C8B-B14F-4D97-AF65-F5344CB8AC3E}">
@@ -9702,10 +11891,10 @@
       </p:sp>
       <p:sp>
         <p:nvSpPr>
-          <p:cNvPr id="15" name="Rectangle 14">
-            <a:extLst>
-              <a:ext uri="{FF2B5EF4-FFF2-40B4-BE49-F238E27FC236}">
-                <a16:creationId xmlns:a16="http://schemas.microsoft.com/office/drawing/2014/main" id="{3B289E23-C342-4946-A1AD-29A73616F506}"/>
+          <p:cNvPr id="16" name="Rectangle 15">
+            <a:extLst>
+              <a:ext uri="{FF2B5EF4-FFF2-40B4-BE49-F238E27FC236}">
+                <a16:creationId xmlns:a16="http://schemas.microsoft.com/office/drawing/2014/main" id="{8452AFEF-07A4-5F4F-956B-B53E05B95035}"/>
               </a:ext>
             </a:extLst>
           </p:cNvPr>
@@ -9714,7 +11903,7 @@
         </p:nvSpPr>
         <p:spPr>
           <a:xfrm>
-            <a:off x="5904306" y="3316842"/>
+            <a:off x="4054062" y="4916208"/>
             <a:ext cx="1085858" cy="1105137"/>
           </a:xfrm>
           <a:prstGeom prst="rect">
@@ -9753,10 +11942,10 @@
       </p:sp>
       <p:sp>
         <p:nvSpPr>
-          <p:cNvPr id="16" name="Rectangle 15">
-            <a:extLst>
-              <a:ext uri="{FF2B5EF4-FFF2-40B4-BE49-F238E27FC236}">
-                <a16:creationId xmlns:a16="http://schemas.microsoft.com/office/drawing/2014/main" id="{8452AFEF-07A4-5F4F-956B-B53E05B95035}"/>
+          <p:cNvPr id="17" name="Rectangle 16">
+            <a:extLst>
+              <a:ext uri="{FF2B5EF4-FFF2-40B4-BE49-F238E27FC236}">
+                <a16:creationId xmlns:a16="http://schemas.microsoft.com/office/drawing/2014/main" id="{74BFE60D-07AE-6D47-8256-EAF2999AA495}"/>
               </a:ext>
             </a:extLst>
           </p:cNvPr>
@@ -9765,7 +11954,7 @@
         </p:nvSpPr>
         <p:spPr>
           <a:xfrm>
-            <a:off x="4054062" y="4916208"/>
+            <a:off x="5904306" y="4920017"/>
             <a:ext cx="1085858" cy="1105137"/>
           </a:xfrm>
           <a:prstGeom prst="rect">
@@ -9804,57 +11993,6 @@
       </p:sp>
       <p:sp>
         <p:nvSpPr>
-          <p:cNvPr id="17" name="Rectangle 16">
-            <a:extLst>
-              <a:ext uri="{FF2B5EF4-FFF2-40B4-BE49-F238E27FC236}">
-                <a16:creationId xmlns:a16="http://schemas.microsoft.com/office/drawing/2014/main" id="{74BFE60D-07AE-6D47-8256-EAF2999AA495}"/>
-              </a:ext>
-            </a:extLst>
-          </p:cNvPr>
-          <p:cNvSpPr/>
-          <p:nvPr/>
-        </p:nvSpPr>
-        <p:spPr>
-          <a:xfrm>
-            <a:off x="5904306" y="4920017"/>
-            <a:ext cx="1085858" cy="1105137"/>
-          </a:xfrm>
-          <a:prstGeom prst="rect">
-            <a:avLst/>
-          </a:prstGeom>
-          <a:solidFill>
-            <a:schemeClr val="bg1">
-              <a:lumMod val="65000"/>
-            </a:schemeClr>
-          </a:solidFill>
-        </p:spPr>
-        <p:style>
-          <a:lnRef idx="2">
-            <a:schemeClr val="accent1">
-              <a:shade val="50000"/>
-            </a:schemeClr>
-          </a:lnRef>
-          <a:fillRef idx="1">
-            <a:schemeClr val="accent1"/>
-          </a:fillRef>
-          <a:effectRef idx="0">
-            <a:schemeClr val="accent1"/>
-          </a:effectRef>
-          <a:fontRef idx="minor">
-            <a:schemeClr val="lt1"/>
-          </a:fontRef>
-        </p:style>
-        <p:txBody>
-          <a:bodyPr rtlCol="0" anchor="ctr"/>
-          <a:lstStyle/>
-          <a:p>
-            <a:pPr algn="ctr"/>
-            <a:endParaRPr lang="en-US"/>
-          </a:p>
-        </p:txBody>
-      </p:sp>
-      <p:sp>
-        <p:nvSpPr>
           <p:cNvPr id="2" name="TextBox 1">
             <a:extLst>
               <a:ext uri="{FF2B5EF4-FFF2-40B4-BE49-F238E27FC236}">
@@ -9953,8 +12091,8 @@
         </p:nvSpPr>
         <p:spPr>
           <a:xfrm>
-            <a:off x="5941807" y="1862382"/>
-            <a:ext cx="1085859" cy="1477328"/>
+            <a:off x="5672309" y="1879434"/>
+            <a:ext cx="1617884" cy="1477328"/>
           </a:xfrm>
           <a:prstGeom prst="rect">
             <a:avLst/>
@@ -10000,7 +12138,7 @@
                 <a:ea typeface="Verdana" panose="020B0604030504040204" pitchFamily="34" charset="0"/>
                 <a:cs typeface="Verdana" panose="020B0604030504040204" pitchFamily="34" charset="0"/>
               </a:rPr>
-              <a:t>Price:</a:t>
+              <a:t>Price: $4.50</a:t>
             </a:r>
           </a:p>
         </p:txBody>
@@ -10019,8 +12157,200 @@
         </p:nvSpPr>
         <p:spPr>
           <a:xfrm>
-            <a:off x="4139791" y="3518290"/>
-            <a:ext cx="1085859" cy="1477328"/>
+            <a:off x="3963463" y="3848755"/>
+            <a:ext cx="1719765" cy="1200329"/>
+          </a:xfrm>
+          <a:prstGeom prst="rect">
+            <a:avLst/>
+          </a:prstGeom>
+          <a:noFill/>
+        </p:spPr>
+        <p:txBody>
+          <a:bodyPr wrap="square" rtlCol="0">
+            <a:spAutoFit/>
+          </a:bodyPr>
+          <a:lstStyle/>
+          <a:p>
+            <a:endParaRPr lang="en-US" dirty="0">
+              <a:latin typeface="Verdana" panose="020B0604030504040204" pitchFamily="34" charset="0"/>
+              <a:ea typeface="Verdana" panose="020B0604030504040204" pitchFamily="34" charset="0"/>
+              <a:cs typeface="Verdana" panose="020B0604030504040204" pitchFamily="34" charset="0"/>
+            </a:endParaRPr>
+          </a:p>
+          <a:p>
+            <a:endParaRPr lang="en-US" dirty="0">
+              <a:latin typeface="Verdana" panose="020B0604030504040204" pitchFamily="34" charset="0"/>
+              <a:ea typeface="Verdana" panose="020B0604030504040204" pitchFamily="34" charset="0"/>
+              <a:cs typeface="Verdana" panose="020B0604030504040204" pitchFamily="34" charset="0"/>
+            </a:endParaRPr>
+          </a:p>
+          <a:p>
+            <a:r>
+              <a:rPr lang="en-US" dirty="0">
+                <a:latin typeface="Verdana" panose="020B0604030504040204" pitchFamily="34" charset="0"/>
+                <a:ea typeface="Verdana" panose="020B0604030504040204" pitchFamily="34" charset="0"/>
+                <a:cs typeface="Verdana" panose="020B0604030504040204" pitchFamily="34" charset="0"/>
+              </a:rPr>
+              <a:t>C tea</a:t>
+            </a:r>
+          </a:p>
+          <a:p>
+            <a:r>
+              <a:rPr lang="en-US" dirty="0">
+                <a:latin typeface="Verdana" panose="020B0604030504040204" pitchFamily="34" charset="0"/>
+                <a:ea typeface="Verdana" panose="020B0604030504040204" pitchFamily="34" charset="0"/>
+                <a:cs typeface="Verdana" panose="020B0604030504040204" pitchFamily="34" charset="0"/>
+              </a:rPr>
+              <a:t>Price: $4.50</a:t>
+            </a:r>
+          </a:p>
+        </p:txBody>
+      </p:sp>
+      <p:sp>
+        <p:nvSpPr>
+          <p:cNvPr id="20" name="TextBox 19">
+            <a:extLst>
+              <a:ext uri="{FF2B5EF4-FFF2-40B4-BE49-F238E27FC236}">
+                <a16:creationId xmlns:a16="http://schemas.microsoft.com/office/drawing/2014/main" id="{60C24FEF-3D63-7D49-AEC9-BFBFF19AC3E3}"/>
+              </a:ext>
+            </a:extLst>
+          </p:cNvPr>
+          <p:cNvSpPr txBox="1"/>
+          <p:nvPr/>
+        </p:nvSpPr>
+        <p:spPr>
+          <a:xfrm>
+            <a:off x="5562730" y="3775295"/>
+            <a:ext cx="1805404" cy="1200329"/>
+          </a:xfrm>
+          <a:prstGeom prst="rect">
+            <a:avLst/>
+          </a:prstGeom>
+          <a:noFill/>
+        </p:spPr>
+        <p:txBody>
+          <a:bodyPr wrap="square" rtlCol="0">
+            <a:spAutoFit/>
+          </a:bodyPr>
+          <a:lstStyle/>
+          <a:p>
+            <a:endParaRPr lang="en-US" dirty="0">
+              <a:latin typeface="Verdana" panose="020B0604030504040204" pitchFamily="34" charset="0"/>
+              <a:ea typeface="Verdana" panose="020B0604030504040204" pitchFamily="34" charset="0"/>
+              <a:cs typeface="Verdana" panose="020B0604030504040204" pitchFamily="34" charset="0"/>
+            </a:endParaRPr>
+          </a:p>
+          <a:p>
+            <a:endParaRPr lang="en-US" dirty="0">
+              <a:latin typeface="Verdana" panose="020B0604030504040204" pitchFamily="34" charset="0"/>
+              <a:ea typeface="Verdana" panose="020B0604030504040204" pitchFamily="34" charset="0"/>
+              <a:cs typeface="Verdana" panose="020B0604030504040204" pitchFamily="34" charset="0"/>
+            </a:endParaRPr>
+          </a:p>
+          <a:p>
+            <a:r>
+              <a:rPr lang="en-US" dirty="0">
+                <a:latin typeface="Verdana" panose="020B0604030504040204" pitchFamily="34" charset="0"/>
+                <a:ea typeface="Verdana" panose="020B0604030504040204" pitchFamily="34" charset="0"/>
+                <a:cs typeface="Verdana" panose="020B0604030504040204" pitchFamily="34" charset="0"/>
+              </a:rPr>
+              <a:t>D tea</a:t>
+            </a:r>
+          </a:p>
+          <a:p>
+            <a:r>
+              <a:rPr lang="en-US" dirty="0">
+                <a:latin typeface="Verdana" panose="020B0604030504040204" pitchFamily="34" charset="0"/>
+                <a:ea typeface="Verdana" panose="020B0604030504040204" pitchFamily="34" charset="0"/>
+                <a:cs typeface="Verdana" panose="020B0604030504040204" pitchFamily="34" charset="0"/>
+              </a:rPr>
+              <a:t>Price: $4.50</a:t>
+            </a:r>
+          </a:p>
+        </p:txBody>
+      </p:sp>
+      <p:sp>
+        <p:nvSpPr>
+          <p:cNvPr id="21" name="TextBox 20">
+            <a:extLst>
+              <a:ext uri="{FF2B5EF4-FFF2-40B4-BE49-F238E27FC236}">
+                <a16:creationId xmlns:a16="http://schemas.microsoft.com/office/drawing/2014/main" id="{51238765-BC3C-FA49-8050-4EE927162E8F}"/>
+              </a:ext>
+            </a:extLst>
+          </p:cNvPr>
+          <p:cNvSpPr txBox="1"/>
+          <p:nvPr/>
+        </p:nvSpPr>
+        <p:spPr>
+          <a:xfrm>
+            <a:off x="4011918" y="2127229"/>
+            <a:ext cx="1746633" cy="1200329"/>
+          </a:xfrm>
+          <a:prstGeom prst="rect">
+            <a:avLst/>
+          </a:prstGeom>
+          <a:noFill/>
+        </p:spPr>
+        <p:txBody>
+          <a:bodyPr wrap="square" rtlCol="0">
+            <a:spAutoFit/>
+          </a:bodyPr>
+          <a:lstStyle/>
+          <a:p>
+            <a:r>
+              <a:rPr lang="en-US" dirty="0">
+                <a:latin typeface="Verdana" panose="020B0604030504040204" pitchFamily="34" charset="0"/>
+                <a:ea typeface="Verdana" panose="020B0604030504040204" pitchFamily="34" charset="0"/>
+                <a:cs typeface="Verdana" panose="020B0604030504040204" pitchFamily="34" charset="0"/>
+              </a:rPr>
+              <a:t>Image o</a:t>
+            </a:r>
+          </a:p>
+          <a:p>
+            <a:endParaRPr lang="en-US" dirty="0">
+              <a:latin typeface="Verdana" panose="020B0604030504040204" pitchFamily="34" charset="0"/>
+              <a:ea typeface="Verdana" panose="020B0604030504040204" pitchFamily="34" charset="0"/>
+              <a:cs typeface="Verdana" panose="020B0604030504040204" pitchFamily="34" charset="0"/>
+            </a:endParaRPr>
+          </a:p>
+          <a:p>
+            <a:r>
+              <a:rPr lang="en-US" dirty="0">
+                <a:latin typeface="Verdana" panose="020B0604030504040204" pitchFamily="34" charset="0"/>
+                <a:ea typeface="Verdana" panose="020B0604030504040204" pitchFamily="34" charset="0"/>
+                <a:cs typeface="Verdana" panose="020B0604030504040204" pitchFamily="34" charset="0"/>
+              </a:rPr>
+              <a:t>A tea</a:t>
+            </a:r>
+          </a:p>
+          <a:p>
+            <a:r>
+              <a:rPr lang="en-US" dirty="0">
+                <a:latin typeface="Verdana" panose="020B0604030504040204" pitchFamily="34" charset="0"/>
+                <a:ea typeface="Verdana" panose="020B0604030504040204" pitchFamily="34" charset="0"/>
+                <a:cs typeface="Verdana" panose="020B0604030504040204" pitchFamily="34" charset="0"/>
+              </a:rPr>
+              <a:t>Price: $4.50</a:t>
+            </a:r>
+          </a:p>
+        </p:txBody>
+      </p:sp>
+      <p:sp>
+        <p:nvSpPr>
+          <p:cNvPr id="22" name="TextBox 21">
+            <a:extLst>
+              <a:ext uri="{FF2B5EF4-FFF2-40B4-BE49-F238E27FC236}">
+                <a16:creationId xmlns:a16="http://schemas.microsoft.com/office/drawing/2014/main" id="{8BD1A089-2CEB-2F40-B349-DC84CC5E4A2F}"/>
+              </a:ext>
+            </a:extLst>
+          </p:cNvPr>
+          <p:cNvSpPr txBox="1"/>
+          <p:nvPr/>
+        </p:nvSpPr>
+        <p:spPr>
+          <a:xfrm>
+            <a:off x="5941807" y="5166265"/>
+            <a:ext cx="1085859" cy="923330"/>
           </a:xfrm>
           <a:prstGeom prst="rect">
             <a:avLst/>
@@ -10049,34 +12379,14 @@
               <a:cs typeface="Verdana" panose="020B0604030504040204" pitchFamily="34" charset="0"/>
             </a:endParaRPr>
           </a:p>
-          <a:p>
-            <a:r>
-              <a:rPr lang="en-US" dirty="0">
-                <a:latin typeface="Verdana" panose="020B0604030504040204" pitchFamily="34" charset="0"/>
-                <a:ea typeface="Verdana" panose="020B0604030504040204" pitchFamily="34" charset="0"/>
-                <a:cs typeface="Verdana" panose="020B0604030504040204" pitchFamily="34" charset="0"/>
-              </a:rPr>
-              <a:t>C tea</a:t>
-            </a:r>
-          </a:p>
-          <a:p>
-            <a:r>
-              <a:rPr lang="en-US" dirty="0">
-                <a:latin typeface="Verdana" panose="020B0604030504040204" pitchFamily="34" charset="0"/>
-                <a:ea typeface="Verdana" panose="020B0604030504040204" pitchFamily="34" charset="0"/>
-                <a:cs typeface="Verdana" panose="020B0604030504040204" pitchFamily="34" charset="0"/>
-              </a:rPr>
-              <a:t>Price:</a:t>
-            </a:r>
-          </a:p>
-        </p:txBody>
-      </p:sp>
-      <p:sp>
-        <p:nvSpPr>
-          <p:cNvPr id="20" name="TextBox 19">
-            <a:extLst>
-              <a:ext uri="{FF2B5EF4-FFF2-40B4-BE49-F238E27FC236}">
-                <a16:creationId xmlns:a16="http://schemas.microsoft.com/office/drawing/2014/main" id="{60C24FEF-3D63-7D49-AEC9-BFBFF19AC3E3}"/>
+        </p:txBody>
+      </p:sp>
+      <p:sp>
+        <p:nvSpPr>
+          <p:cNvPr id="5" name="TextBox 4">
+            <a:extLst>
+              <a:ext uri="{FF2B5EF4-FFF2-40B4-BE49-F238E27FC236}">
+                <a16:creationId xmlns:a16="http://schemas.microsoft.com/office/drawing/2014/main" id="{D50F3FD6-DBEA-CD4F-9A32-0097056B1EFB}"/>
               </a:ext>
             </a:extLst>
           </p:cNvPr>
@@ -10085,8 +12395,8 @@
         </p:nvSpPr>
         <p:spPr>
           <a:xfrm>
-            <a:off x="6016816" y="3534486"/>
-            <a:ext cx="1085859" cy="1477328"/>
+            <a:off x="7604514" y="-65546"/>
+            <a:ext cx="1468049" cy="2862322"/>
           </a:xfrm>
           <a:prstGeom prst="rect">
             <a:avLst/>
@@ -10100,155 +12410,192 @@
           <a:lstStyle/>
           <a:p>
             <a:r>
-              <a:rPr lang="en-US" dirty="0">
-                <a:latin typeface="Verdana" panose="020B0604030504040204" pitchFamily="34" charset="0"/>
-                <a:ea typeface="Verdana" panose="020B0604030504040204" pitchFamily="34" charset="0"/>
-                <a:cs typeface="Verdana" panose="020B0604030504040204" pitchFamily="34" charset="0"/>
-              </a:rPr>
-              <a:t>Image of tea</a:t>
-            </a:r>
-          </a:p>
-          <a:p>
-            <a:endParaRPr lang="en-US" dirty="0">
-              <a:latin typeface="Verdana" panose="020B0604030504040204" pitchFamily="34" charset="0"/>
-              <a:ea typeface="Verdana" panose="020B0604030504040204" pitchFamily="34" charset="0"/>
-              <a:cs typeface="Verdana" panose="020B0604030504040204" pitchFamily="34" charset="0"/>
-            </a:endParaRPr>
-          </a:p>
-          <a:p>
-            <a:r>
-              <a:rPr lang="en-US" dirty="0">
-                <a:latin typeface="Verdana" panose="020B0604030504040204" pitchFamily="34" charset="0"/>
-                <a:ea typeface="Verdana" panose="020B0604030504040204" pitchFamily="34" charset="0"/>
-                <a:cs typeface="Verdana" panose="020B0604030504040204" pitchFamily="34" charset="0"/>
-              </a:rPr>
-              <a:t>D tea</a:t>
-            </a:r>
-          </a:p>
-          <a:p>
-            <a:r>
-              <a:rPr lang="en-US" dirty="0">
-                <a:latin typeface="Verdana" panose="020B0604030504040204" pitchFamily="34" charset="0"/>
-                <a:ea typeface="Verdana" panose="020B0604030504040204" pitchFamily="34" charset="0"/>
-                <a:cs typeface="Verdana" panose="020B0604030504040204" pitchFamily="34" charset="0"/>
-              </a:rPr>
-              <a:t>Price:</a:t>
-            </a:r>
-          </a:p>
-        </p:txBody>
-      </p:sp>
-      <p:sp>
-        <p:nvSpPr>
-          <p:cNvPr id="21" name="TextBox 20">
-            <a:extLst>
-              <a:ext uri="{FF2B5EF4-FFF2-40B4-BE49-F238E27FC236}">
-                <a16:creationId xmlns:a16="http://schemas.microsoft.com/office/drawing/2014/main" id="{51238765-BC3C-FA49-8050-4EE927162E8F}"/>
-              </a:ext>
-            </a:extLst>
-          </p:cNvPr>
-          <p:cNvSpPr txBox="1"/>
-          <p:nvPr/>
-        </p:nvSpPr>
-        <p:spPr>
-          <a:xfrm>
-            <a:off x="4166572" y="1872732"/>
-            <a:ext cx="1085859" cy="1477328"/>
-          </a:xfrm>
-          <a:prstGeom prst="rect">
-            <a:avLst/>
-          </a:prstGeom>
-          <a:noFill/>
-        </p:spPr>
-        <p:txBody>
-          <a:bodyPr wrap="square" rtlCol="0">
-            <a:spAutoFit/>
-          </a:bodyPr>
-          <a:lstStyle/>
-          <a:p>
-            <a:r>
-              <a:rPr lang="en-US" dirty="0">
-                <a:latin typeface="Verdana" panose="020B0604030504040204" pitchFamily="34" charset="0"/>
-                <a:ea typeface="Verdana" panose="020B0604030504040204" pitchFamily="34" charset="0"/>
-                <a:cs typeface="Verdana" panose="020B0604030504040204" pitchFamily="34" charset="0"/>
-              </a:rPr>
-              <a:t>Image of tea</a:t>
-            </a:r>
-          </a:p>
-          <a:p>
-            <a:endParaRPr lang="en-US" dirty="0">
-              <a:latin typeface="Verdana" panose="020B0604030504040204" pitchFamily="34" charset="0"/>
-              <a:ea typeface="Verdana" panose="020B0604030504040204" pitchFamily="34" charset="0"/>
-              <a:cs typeface="Verdana" panose="020B0604030504040204" pitchFamily="34" charset="0"/>
-            </a:endParaRPr>
-          </a:p>
-          <a:p>
-            <a:r>
-              <a:rPr lang="en-US" dirty="0">
-                <a:latin typeface="Verdana" panose="020B0604030504040204" pitchFamily="34" charset="0"/>
-                <a:ea typeface="Verdana" panose="020B0604030504040204" pitchFamily="34" charset="0"/>
-                <a:cs typeface="Verdana" panose="020B0604030504040204" pitchFamily="34" charset="0"/>
-              </a:rPr>
-              <a:t>A tea</a:t>
-            </a:r>
-          </a:p>
-          <a:p>
-            <a:r>
-              <a:rPr lang="en-US" dirty="0">
-                <a:latin typeface="Verdana" panose="020B0604030504040204" pitchFamily="34" charset="0"/>
-                <a:ea typeface="Verdana" panose="020B0604030504040204" pitchFamily="34" charset="0"/>
-                <a:cs typeface="Verdana" panose="020B0604030504040204" pitchFamily="34" charset="0"/>
-              </a:rPr>
-              <a:t>Price:</a:t>
-            </a:r>
-          </a:p>
-        </p:txBody>
-      </p:sp>
-      <p:sp>
-        <p:nvSpPr>
-          <p:cNvPr id="22" name="TextBox 21">
-            <a:extLst>
-              <a:ext uri="{FF2B5EF4-FFF2-40B4-BE49-F238E27FC236}">
-                <a16:creationId xmlns:a16="http://schemas.microsoft.com/office/drawing/2014/main" id="{8BD1A089-2CEB-2F40-B349-DC84CC5E4A2F}"/>
-              </a:ext>
-            </a:extLst>
-          </p:cNvPr>
-          <p:cNvSpPr txBox="1"/>
-          <p:nvPr/>
-        </p:nvSpPr>
-        <p:spPr>
-          <a:xfrm>
-            <a:off x="5941807" y="5166265"/>
-            <a:ext cx="1085859" cy="923330"/>
-          </a:xfrm>
-          <a:prstGeom prst="rect">
-            <a:avLst/>
-          </a:prstGeom>
-          <a:noFill/>
-        </p:spPr>
-        <p:txBody>
-          <a:bodyPr wrap="square" rtlCol="0">
-            <a:spAutoFit/>
-          </a:bodyPr>
-          <a:lstStyle/>
-          <a:p>
-            <a:r>
-              <a:rPr lang="en-US" dirty="0">
-                <a:latin typeface="Verdana" panose="020B0604030504040204" pitchFamily="34" charset="0"/>
-                <a:ea typeface="Verdana" panose="020B0604030504040204" pitchFamily="34" charset="0"/>
-                <a:cs typeface="Verdana" panose="020B0604030504040204" pitchFamily="34" charset="0"/>
-              </a:rPr>
-              <a:t>Image of tea</a:t>
-            </a:r>
-          </a:p>
-          <a:p>
-            <a:endParaRPr lang="en-US" dirty="0">
-              <a:latin typeface="Verdana" panose="020B0604030504040204" pitchFamily="34" charset="0"/>
-              <a:ea typeface="Verdana" panose="020B0604030504040204" pitchFamily="34" charset="0"/>
-              <a:cs typeface="Verdana" panose="020B0604030504040204" pitchFamily="34" charset="0"/>
-            </a:endParaRPr>
-          </a:p>
-        </p:txBody>
-      </p:sp>
+              <a:rPr lang="en-US" dirty="0"/>
+              <a:t>Two columns so the images can easily be seen, also also in alphabetical order for ease of finding products</a:t>
+            </a:r>
+          </a:p>
+        </p:txBody>
+      </p:sp>
+      <p:pic>
+        <p:nvPicPr>
+          <p:cNvPr id="23" name="Picture 22">
+            <a:extLst>
+              <a:ext uri="{FF2B5EF4-FFF2-40B4-BE49-F238E27FC236}">
+                <a16:creationId xmlns:a16="http://schemas.microsoft.com/office/drawing/2014/main" id="{7CDA8E31-6025-BF4C-AA73-4D2245C3D340}"/>
+              </a:ext>
+            </a:extLst>
+          </p:cNvPr>
+          <p:cNvPicPr>
+            <a:picLocks noChangeAspect="1"/>
+          </p:cNvPicPr>
+          <p:nvPr/>
+        </p:nvPicPr>
+        <p:blipFill>
+          <a:blip r:embed="rId2"/>
+          <a:stretch>
+            <a:fillRect/>
+          </a:stretch>
+        </p:blipFill>
+        <p:spPr>
+          <a:xfrm>
+            <a:off x="4003886" y="1386127"/>
+            <a:ext cx="1357667" cy="1357667"/>
+          </a:xfrm>
+          <a:prstGeom prst="rect">
+            <a:avLst/>
+          </a:prstGeom>
+        </p:spPr>
+      </p:pic>
+      <p:pic>
+        <p:nvPicPr>
+          <p:cNvPr id="24" name="Picture 23">
+            <a:extLst>
+              <a:ext uri="{FF2B5EF4-FFF2-40B4-BE49-F238E27FC236}">
+                <a16:creationId xmlns:a16="http://schemas.microsoft.com/office/drawing/2014/main" id="{93115698-B1A3-7846-8B6D-F4817A3E5E52}"/>
+              </a:ext>
+            </a:extLst>
+          </p:cNvPr>
+          <p:cNvPicPr>
+            <a:picLocks noChangeAspect="1"/>
+          </p:cNvPicPr>
+          <p:nvPr/>
+        </p:nvPicPr>
+        <p:blipFill>
+          <a:blip r:embed="rId2"/>
+          <a:stretch>
+            <a:fillRect/>
+          </a:stretch>
+        </p:blipFill>
+        <p:spPr>
+          <a:xfrm>
+            <a:off x="5768401" y="1422706"/>
+            <a:ext cx="1357667" cy="1357667"/>
+          </a:xfrm>
+          <a:prstGeom prst="rect">
+            <a:avLst/>
+          </a:prstGeom>
+        </p:spPr>
+      </p:pic>
+      <p:pic>
+        <p:nvPicPr>
+          <p:cNvPr id="25" name="Picture 24">
+            <a:extLst>
+              <a:ext uri="{FF2B5EF4-FFF2-40B4-BE49-F238E27FC236}">
+                <a16:creationId xmlns:a16="http://schemas.microsoft.com/office/drawing/2014/main" id="{C24DE76A-56C2-DB44-8863-D18946643FFE}"/>
+              </a:ext>
+            </a:extLst>
+          </p:cNvPr>
+          <p:cNvPicPr>
+            <a:picLocks noChangeAspect="1"/>
+          </p:cNvPicPr>
+          <p:nvPr/>
+        </p:nvPicPr>
+        <p:blipFill>
+          <a:blip r:embed="rId2"/>
+          <a:stretch>
+            <a:fillRect/>
+          </a:stretch>
+        </p:blipFill>
+        <p:spPr>
+          <a:xfrm>
+            <a:off x="3955659" y="3251070"/>
+            <a:ext cx="1357667" cy="1181677"/>
+          </a:xfrm>
+          <a:prstGeom prst="rect">
+            <a:avLst/>
+          </a:prstGeom>
+        </p:spPr>
+      </p:pic>
+      <p:pic>
+        <p:nvPicPr>
+          <p:cNvPr id="26" name="Picture 25">
+            <a:extLst>
+              <a:ext uri="{FF2B5EF4-FFF2-40B4-BE49-F238E27FC236}">
+                <a16:creationId xmlns:a16="http://schemas.microsoft.com/office/drawing/2014/main" id="{A70C506C-D449-B845-AE3A-7BB90224461E}"/>
+              </a:ext>
+            </a:extLst>
+          </p:cNvPr>
+          <p:cNvPicPr>
+            <a:picLocks noChangeAspect="1"/>
+          </p:cNvPicPr>
+          <p:nvPr/>
+        </p:nvPicPr>
+        <p:blipFill>
+          <a:blip r:embed="rId3"/>
+          <a:stretch>
+            <a:fillRect/>
+          </a:stretch>
+        </p:blipFill>
+        <p:spPr>
+          <a:xfrm>
+            <a:off x="5739800" y="3283883"/>
+            <a:ext cx="1250364" cy="1116050"/>
+          </a:xfrm>
+          <a:prstGeom prst="rect">
+            <a:avLst/>
+          </a:prstGeom>
+        </p:spPr>
+      </p:pic>
+      <p:pic>
+        <p:nvPicPr>
+          <p:cNvPr id="28" name="Picture 27">
+            <a:extLst>
+              <a:ext uri="{FF2B5EF4-FFF2-40B4-BE49-F238E27FC236}">
+                <a16:creationId xmlns:a16="http://schemas.microsoft.com/office/drawing/2014/main" id="{BAF94519-5952-0848-BA5A-FF4FCE41002B}"/>
+              </a:ext>
+            </a:extLst>
+          </p:cNvPr>
+          <p:cNvPicPr>
+            <a:picLocks noChangeAspect="1"/>
+          </p:cNvPicPr>
+          <p:nvPr/>
+        </p:nvPicPr>
+        <p:blipFill>
+          <a:blip r:embed="rId4"/>
+          <a:stretch>
+            <a:fillRect/>
+          </a:stretch>
+        </p:blipFill>
+        <p:spPr>
+          <a:xfrm>
+            <a:off x="3901115" y="4929256"/>
+            <a:ext cx="1383967" cy="1145967"/>
+          </a:xfrm>
+          <a:prstGeom prst="rect">
+            <a:avLst/>
+          </a:prstGeom>
+        </p:spPr>
+      </p:pic>
+      <p:pic>
+        <p:nvPicPr>
+          <p:cNvPr id="29" name="Picture 28">
+            <a:extLst>
+              <a:ext uri="{FF2B5EF4-FFF2-40B4-BE49-F238E27FC236}">
+                <a16:creationId xmlns:a16="http://schemas.microsoft.com/office/drawing/2014/main" id="{5FF45A5C-49A8-214E-A663-2D443DF82A59}"/>
+              </a:ext>
+            </a:extLst>
+          </p:cNvPr>
+          <p:cNvPicPr>
+            <a:picLocks noChangeAspect="1"/>
+          </p:cNvPicPr>
+          <p:nvPr/>
+        </p:nvPicPr>
+        <p:blipFill>
+          <a:blip r:embed="rId3"/>
+          <a:stretch>
+            <a:fillRect/>
+          </a:stretch>
+        </p:blipFill>
+        <p:spPr>
+          <a:xfrm>
+            <a:off x="5822052" y="4931975"/>
+            <a:ext cx="1250364" cy="1157620"/>
+          </a:xfrm>
+          <a:prstGeom prst="rect">
+            <a:avLst/>
+          </a:prstGeom>
+        </p:spPr>
+      </p:pic>
     </p:spTree>
     <p:extLst>
       <p:ext uri="{BB962C8B-B14F-4D97-AF65-F5344CB8AC3E}">
